--- a/06. Universal Windows Platform/Entwicklung einer App für die universelle Windows Plattform.pptx
+++ b/06. Universal Windows Platform/Entwicklung einer App für die universelle Windows Plattform.pptx
@@ -5,37 +5,33 @@
     <p:sldMasterId id="2147484690" r:id="rId1"/>
   </p:sldMasterIdLst>
   <p:notesMasterIdLst>
-    <p:notesMasterId r:id="rId27"/>
+    <p:notesMasterId r:id="rId23"/>
   </p:notesMasterIdLst>
   <p:handoutMasterIdLst>
-    <p:handoutMasterId r:id="rId28"/>
+    <p:handoutMasterId r:id="rId24"/>
   </p:handoutMasterIdLst>
   <p:sldIdLst>
     <p:sldId id="332" r:id="rId2"/>
     <p:sldId id="299" r:id="rId3"/>
-    <p:sldId id="384" r:id="rId4"/>
-    <p:sldId id="361" r:id="rId5"/>
-    <p:sldId id="362" r:id="rId6"/>
-    <p:sldId id="382" r:id="rId7"/>
-    <p:sldId id="385" r:id="rId8"/>
-    <p:sldId id="389" r:id="rId9"/>
-    <p:sldId id="386" r:id="rId10"/>
-    <p:sldId id="387" r:id="rId11"/>
-    <p:sldId id="388" r:id="rId12"/>
-    <p:sldId id="390" r:id="rId13"/>
-    <p:sldId id="391" r:id="rId14"/>
-    <p:sldId id="400" r:id="rId15"/>
-    <p:sldId id="410" r:id="rId16"/>
-    <p:sldId id="404" r:id="rId17"/>
-    <p:sldId id="405" r:id="rId18"/>
-    <p:sldId id="406" r:id="rId19"/>
-    <p:sldId id="409" r:id="rId20"/>
-    <p:sldId id="411" r:id="rId21"/>
-    <p:sldId id="398" r:id="rId22"/>
-    <p:sldId id="399" r:id="rId23"/>
-    <p:sldId id="403" r:id="rId24"/>
-    <p:sldId id="412" r:id="rId25"/>
-    <p:sldId id="290" r:id="rId26"/>
+    <p:sldId id="361" r:id="rId4"/>
+    <p:sldId id="362" r:id="rId5"/>
+    <p:sldId id="386" r:id="rId6"/>
+    <p:sldId id="388" r:id="rId7"/>
+    <p:sldId id="390" r:id="rId8"/>
+    <p:sldId id="413" r:id="rId9"/>
+    <p:sldId id="391" r:id="rId10"/>
+    <p:sldId id="400" r:id="rId11"/>
+    <p:sldId id="410" r:id="rId12"/>
+    <p:sldId id="404" r:id="rId13"/>
+    <p:sldId id="405" r:id="rId14"/>
+    <p:sldId id="406" r:id="rId15"/>
+    <p:sldId id="409" r:id="rId16"/>
+    <p:sldId id="411" r:id="rId17"/>
+    <p:sldId id="398" r:id="rId18"/>
+    <p:sldId id="399" r:id="rId19"/>
+    <p:sldId id="403" r:id="rId20"/>
+    <p:sldId id="412" r:id="rId21"/>
+    <p:sldId id="290" r:id="rId22"/>
   </p:sldIdLst>
   <p:sldSz cx="12190413" cy="6859588"/>
   <p:notesSz cx="7099300" cy="10234613"/>
@@ -320,7 +316,7 @@
               <a:pPr>
                 <a:defRPr/>
               </a:pPr>
-              <a:t>27.09.2015</a:t>
+              <a:t>24.02.2017</a:t>
             </a:fld>
             <a:endParaRPr lang="de-DE"/>
           </a:p>
@@ -519,7 +515,7 @@
               <a:pPr>
                 <a:defRPr/>
               </a:pPr>
-              <a:t>2015-09-27</a:t>
+              <a:t>2017-02-24</a:t>
             </a:fld>
             <a:endParaRPr lang="sv-SE"/>
           </a:p>
@@ -1018,7 +1014,11 @@
             </a:pPr>
             <a:r>
               <a:rPr lang="de-DE" altLang="de-DE" dirty="0" smtClean="0"/>
-              <a:t>Projekttypen</a:t>
+              <a:t>Separierung</a:t>
+            </a:r>
+            <a:r>
+              <a:rPr lang="de-DE" altLang="de-DE" baseline="0" dirty="0" smtClean="0"/>
+              <a:t> von UI / Business- / Datenlogik</a:t>
             </a:r>
           </a:p>
           <a:p>
@@ -1040,12 +1040,8 @@
               <a:defRPr/>
             </a:pPr>
             <a:r>
-              <a:rPr lang="de-DE" altLang="de-DE" dirty="0" smtClean="0"/>
-              <a:t>Neue</a:t>
-            </a:r>
-            <a:r>
               <a:rPr lang="de-DE" altLang="de-DE" baseline="0" dirty="0" smtClean="0"/>
-              <a:t> View</a:t>
+              <a:t>UI kann ausgetauscht werden (Windows App -&gt; WPF, …)</a:t>
             </a:r>
           </a:p>
           <a:p>
@@ -1068,43 +1064,11 @@
             </a:pPr>
             <a:r>
               <a:rPr lang="de-DE" altLang="de-DE" baseline="0" dirty="0" smtClean="0"/>
-              <a:t>XAML Demos – </a:t>
+              <a:t>Unit </a:t>
             </a:r>
             <a:r>
               <a:rPr lang="de-DE" altLang="de-DE" baseline="0" dirty="0" err="1" smtClean="0"/>
-              <a:t>Grid</a:t>
-            </a:r>
-            <a:r>
-              <a:rPr lang="de-DE" altLang="de-DE" baseline="0" dirty="0" smtClean="0"/>
-              <a:t> mit </a:t>
-            </a:r>
-            <a:r>
-              <a:rPr lang="de-DE" altLang="de-DE" baseline="0" dirty="0" err="1" smtClean="0"/>
-              <a:t>Rows</a:t>
-            </a:r>
-            <a:r>
-              <a:rPr lang="de-DE" altLang="de-DE" baseline="0" dirty="0" smtClean="0"/>
-              <a:t>, </a:t>
-            </a:r>
-            <a:r>
-              <a:rPr lang="de-DE" altLang="de-DE" baseline="0" dirty="0" err="1" smtClean="0"/>
-              <a:t>Cols</a:t>
-            </a:r>
-            <a:r>
-              <a:rPr lang="de-DE" altLang="de-DE" baseline="0" dirty="0" smtClean="0"/>
-              <a:t>, Buttons, </a:t>
-            </a:r>
-            <a:r>
-              <a:rPr lang="de-DE" altLang="de-DE" baseline="0" dirty="0" err="1" smtClean="0"/>
-              <a:t>Margins</a:t>
-            </a:r>
-            <a:r>
-              <a:rPr lang="de-DE" altLang="de-DE" baseline="0" dirty="0" smtClean="0"/>
-              <a:t>, </a:t>
-            </a:r>
-            <a:r>
-              <a:rPr lang="de-DE" altLang="de-DE" baseline="0" dirty="0" err="1" smtClean="0"/>
-              <a:t>EventHandler</a:t>
+              <a:t>Testing</a:t>
             </a:r>
             <a:endParaRPr lang="de-DE" altLang="de-DE" baseline="0" dirty="0" smtClean="0"/>
           </a:p>
@@ -1128,8 +1092,103 @@
             </a:pPr>
             <a:r>
               <a:rPr lang="de-DE" altLang="de-DE" baseline="0" dirty="0" smtClean="0"/>
-              <a:t>Pivot</a:t>
-            </a:r>
+              <a:t>Weniger UI </a:t>
+            </a:r>
+            <a:r>
+              <a:rPr lang="de-DE" altLang="de-DE" baseline="0" dirty="0" err="1" smtClean="0"/>
+              <a:t>code</a:t>
+            </a:r>
+            <a:endParaRPr lang="de-DE" altLang="de-DE" baseline="0" dirty="0" smtClean="0"/>
+          </a:p>
+          <a:p>
+            <a:pPr marL="0" marR="0" indent="0" algn="l" defTabSz="914400" rtl="0" eaLnBrk="0" fontAlgn="base" latinLnBrk="0" hangingPunct="0">
+              <a:lnSpc>
+                <a:spcPct val="100000"/>
+              </a:lnSpc>
+              <a:spcBef>
+                <a:spcPct val="30000"/>
+              </a:spcBef>
+              <a:spcAft>
+                <a:spcPct val="0"/>
+              </a:spcAft>
+              <a:buClrTx/>
+              <a:buSzTx/>
+              <a:buFontTx/>
+              <a:buNone/>
+              <a:tabLst/>
+              <a:defRPr/>
+            </a:pPr>
+            <a:r>
+              <a:rPr lang="de-DE" altLang="de-DE" baseline="0" dirty="0" smtClean="0"/>
+              <a:t> - Demo – </a:t>
+            </a:r>
+          </a:p>
+          <a:p>
+            <a:pPr marL="0" marR="0" indent="0" algn="l" defTabSz="914400" rtl="0" eaLnBrk="0" fontAlgn="base" latinLnBrk="0" hangingPunct="0">
+              <a:lnSpc>
+                <a:spcPct val="100000"/>
+              </a:lnSpc>
+              <a:spcBef>
+                <a:spcPct val="30000"/>
+              </a:spcBef>
+              <a:spcAft>
+                <a:spcPct val="0"/>
+              </a:spcAft>
+              <a:buClrTx/>
+              <a:buSzTx/>
+              <a:buFontTx/>
+              <a:buNone/>
+              <a:tabLst/>
+              <a:defRPr/>
+            </a:pPr>
+            <a:r>
+              <a:rPr lang="de-DE" altLang="de-DE" baseline="0" dirty="0" err="1" smtClean="0"/>
+              <a:t>INotifyPropertyChanged</a:t>
+            </a:r>
+            <a:r>
+              <a:rPr lang="de-DE" altLang="de-DE" baseline="0" dirty="0" smtClean="0"/>
+              <a:t> – in Common Ordner</a:t>
+            </a:r>
+          </a:p>
+          <a:p>
+            <a:pPr marL="0" marR="0" indent="0" algn="l" defTabSz="914400" rtl="0" eaLnBrk="0" fontAlgn="base" latinLnBrk="0" hangingPunct="0">
+              <a:lnSpc>
+                <a:spcPct val="100000"/>
+              </a:lnSpc>
+              <a:spcBef>
+                <a:spcPct val="30000"/>
+              </a:spcBef>
+              <a:spcAft>
+                <a:spcPct val="0"/>
+              </a:spcAft>
+              <a:buClrTx/>
+              <a:buSzTx/>
+              <a:buFontTx/>
+              <a:buNone/>
+              <a:tabLst/>
+              <a:defRPr/>
+            </a:pPr>
+            <a:r>
+              <a:rPr lang="de-DE" altLang="de-DE" baseline="0" dirty="0" err="1" smtClean="0"/>
+              <a:t>One</a:t>
+            </a:r>
+            <a:r>
+              <a:rPr lang="de-DE" altLang="de-DE" baseline="0" dirty="0" smtClean="0"/>
+              <a:t> Way, </a:t>
+            </a:r>
+            <a:r>
+              <a:rPr lang="de-DE" altLang="de-DE" baseline="0" dirty="0" err="1" smtClean="0"/>
+              <a:t>Two</a:t>
+            </a:r>
+            <a:r>
+              <a:rPr lang="de-DE" altLang="de-DE" baseline="0" dirty="0" smtClean="0"/>
+              <a:t> Way </a:t>
+            </a:r>
+            <a:r>
+              <a:rPr lang="de-DE" altLang="de-DE" baseline="0" dirty="0" err="1" smtClean="0"/>
+              <a:t>Bindings</a:t>
+            </a:r>
+            <a:endParaRPr lang="de-DE" altLang="de-DE" baseline="0" dirty="0" smtClean="0"/>
           </a:p>
         </p:txBody>
       </p:sp>
@@ -1165,7 +1224,7 @@
     </p:spTree>
     <p:extLst>
       <p:ext uri="{BB962C8B-B14F-4D97-AF65-F5344CB8AC3E}">
-        <p14:creationId xmlns:p14="http://schemas.microsoft.com/office/powerpoint/2010/main" val="3000165267"/>
+        <p14:creationId xmlns:p14="http://schemas.microsoft.com/office/powerpoint/2010/main" val="2159062467"/>
       </p:ext>
     </p:extLst>
   </p:cSld>
@@ -1238,89 +1297,11 @@
             </a:pPr>
             <a:r>
               <a:rPr lang="de-DE" altLang="de-DE" dirty="0" smtClean="0"/>
-              <a:t>Separierung</a:t>
+              <a:t>- Demo mit einigen</a:t>
             </a:r>
             <a:r>
               <a:rPr lang="de-DE" altLang="de-DE" baseline="0" dirty="0" smtClean="0"/>
-              <a:t> von UI / Business- / Datenlogik</a:t>
-            </a:r>
-          </a:p>
-          <a:p>
-            <a:pPr marL="0" marR="0" indent="0" algn="l" defTabSz="914400" rtl="0" eaLnBrk="0" fontAlgn="base" latinLnBrk="0" hangingPunct="0">
-              <a:lnSpc>
-                <a:spcPct val="100000"/>
-              </a:lnSpc>
-              <a:spcBef>
-                <a:spcPct val="30000"/>
-              </a:spcBef>
-              <a:spcAft>
-                <a:spcPct val="0"/>
-              </a:spcAft>
-              <a:buClrTx/>
-              <a:buSzTx/>
-              <a:buFontTx/>
-              <a:buNone/>
-              <a:tabLst/>
-              <a:defRPr/>
-            </a:pPr>
-            <a:r>
-              <a:rPr lang="de-DE" altLang="de-DE" baseline="0" dirty="0" smtClean="0"/>
-              <a:t>UI kann ausgetauscht werden (Windows App -&gt; WPF, …)</a:t>
-            </a:r>
-          </a:p>
-          <a:p>
-            <a:pPr marL="0" marR="0" indent="0" algn="l" defTabSz="914400" rtl="0" eaLnBrk="0" fontAlgn="base" latinLnBrk="0" hangingPunct="0">
-              <a:lnSpc>
-                <a:spcPct val="100000"/>
-              </a:lnSpc>
-              <a:spcBef>
-                <a:spcPct val="30000"/>
-              </a:spcBef>
-              <a:spcAft>
-                <a:spcPct val="0"/>
-              </a:spcAft>
-              <a:buClrTx/>
-              <a:buSzTx/>
-              <a:buFontTx/>
-              <a:buNone/>
-              <a:tabLst/>
-              <a:defRPr/>
-            </a:pPr>
-            <a:r>
-              <a:rPr lang="de-DE" altLang="de-DE" baseline="0" dirty="0" smtClean="0"/>
-              <a:t>Unit </a:t>
-            </a:r>
-            <a:r>
-              <a:rPr lang="de-DE" altLang="de-DE" baseline="0" dirty="0" err="1" smtClean="0"/>
-              <a:t>Testing</a:t>
-            </a:r>
-            <a:endParaRPr lang="de-DE" altLang="de-DE" baseline="0" dirty="0" smtClean="0"/>
-          </a:p>
-          <a:p>
-            <a:pPr marL="0" marR="0" indent="0" algn="l" defTabSz="914400" rtl="0" eaLnBrk="0" fontAlgn="base" latinLnBrk="0" hangingPunct="0">
-              <a:lnSpc>
-                <a:spcPct val="100000"/>
-              </a:lnSpc>
-              <a:spcBef>
-                <a:spcPct val="30000"/>
-              </a:spcBef>
-              <a:spcAft>
-                <a:spcPct val="0"/>
-              </a:spcAft>
-              <a:buClrTx/>
-              <a:buSzTx/>
-              <a:buFontTx/>
-              <a:buNone/>
-              <a:tabLst/>
-              <a:defRPr/>
-            </a:pPr>
-            <a:r>
-              <a:rPr lang="de-DE" altLang="de-DE" baseline="0" dirty="0" smtClean="0"/>
-              <a:t>Weniger UI </a:t>
-            </a:r>
-            <a:r>
-              <a:rPr lang="de-DE" altLang="de-DE" baseline="0" dirty="0" err="1" smtClean="0"/>
-              <a:t>code</a:t>
+              <a:t> Konvertern + Alternative ohne Konverter -</a:t>
             </a:r>
             <a:endParaRPr lang="de-DE" altLang="de-DE" dirty="0" smtClean="0"/>
           </a:p>
@@ -1358,7 +1339,7 @@
     </p:spTree>
     <p:extLst>
       <p:ext uri="{BB962C8B-B14F-4D97-AF65-F5344CB8AC3E}">
-        <p14:creationId xmlns:p14="http://schemas.microsoft.com/office/powerpoint/2010/main" val="3518941626"/>
+        <p14:creationId xmlns:p14="http://schemas.microsoft.com/office/powerpoint/2010/main" val="1873316582"/>
       </p:ext>
     </p:extLst>
   </p:cSld>
@@ -1431,89 +1412,15 @@
             </a:pPr>
             <a:r>
               <a:rPr lang="de-DE" altLang="de-DE" dirty="0" smtClean="0"/>
-              <a:t>Separierung</a:t>
+              <a:t>- Demo mit </a:t>
+            </a:r>
+            <a:r>
+              <a:rPr lang="de-DE" altLang="de-DE" dirty="0" err="1" smtClean="0"/>
+              <a:t>DelegateCommand</a:t>
             </a:r>
             <a:r>
               <a:rPr lang="de-DE" altLang="de-DE" baseline="0" dirty="0" smtClean="0"/>
-              <a:t> von UI / Business- / Datenlogik</a:t>
-            </a:r>
-          </a:p>
-          <a:p>
-            <a:pPr marL="0" marR="0" indent="0" algn="l" defTabSz="914400" rtl="0" eaLnBrk="0" fontAlgn="base" latinLnBrk="0" hangingPunct="0">
-              <a:lnSpc>
-                <a:spcPct val="100000"/>
-              </a:lnSpc>
-              <a:spcBef>
-                <a:spcPct val="30000"/>
-              </a:spcBef>
-              <a:spcAft>
-                <a:spcPct val="0"/>
-              </a:spcAft>
-              <a:buClrTx/>
-              <a:buSzTx/>
-              <a:buFontTx/>
-              <a:buNone/>
-              <a:tabLst/>
-              <a:defRPr/>
-            </a:pPr>
-            <a:r>
-              <a:rPr lang="de-DE" altLang="de-DE" baseline="0" dirty="0" smtClean="0"/>
-              <a:t>UI kann ausgetauscht werden (Windows App -&gt; WPF, …)</a:t>
-            </a:r>
-          </a:p>
-          <a:p>
-            <a:pPr marL="0" marR="0" indent="0" algn="l" defTabSz="914400" rtl="0" eaLnBrk="0" fontAlgn="base" latinLnBrk="0" hangingPunct="0">
-              <a:lnSpc>
-                <a:spcPct val="100000"/>
-              </a:lnSpc>
-              <a:spcBef>
-                <a:spcPct val="30000"/>
-              </a:spcBef>
-              <a:spcAft>
-                <a:spcPct val="0"/>
-              </a:spcAft>
-              <a:buClrTx/>
-              <a:buSzTx/>
-              <a:buFontTx/>
-              <a:buNone/>
-              <a:tabLst/>
-              <a:defRPr/>
-            </a:pPr>
-            <a:r>
-              <a:rPr lang="de-DE" altLang="de-DE" baseline="0" dirty="0" smtClean="0"/>
-              <a:t>Unit </a:t>
-            </a:r>
-            <a:r>
-              <a:rPr lang="de-DE" altLang="de-DE" baseline="0" dirty="0" err="1" smtClean="0"/>
-              <a:t>Testing</a:t>
-            </a:r>
-            <a:endParaRPr lang="de-DE" altLang="de-DE" baseline="0" dirty="0" smtClean="0"/>
-          </a:p>
-          <a:p>
-            <a:pPr marL="0" marR="0" indent="0" algn="l" defTabSz="914400" rtl="0" eaLnBrk="0" fontAlgn="base" latinLnBrk="0" hangingPunct="0">
-              <a:lnSpc>
-                <a:spcPct val="100000"/>
-              </a:lnSpc>
-              <a:spcBef>
-                <a:spcPct val="30000"/>
-              </a:spcBef>
-              <a:spcAft>
-                <a:spcPct val="0"/>
-              </a:spcAft>
-              <a:buClrTx/>
-              <a:buSzTx/>
-              <a:buFontTx/>
-              <a:buNone/>
-              <a:tabLst/>
-              <a:defRPr/>
-            </a:pPr>
-            <a:r>
-              <a:rPr lang="de-DE" altLang="de-DE" baseline="0" dirty="0" smtClean="0"/>
-              <a:t>Weniger UI </a:t>
-            </a:r>
-            <a:r>
-              <a:rPr lang="de-DE" altLang="de-DE" baseline="0" dirty="0" err="1" smtClean="0"/>
-              <a:t>code</a:t>
+              <a:t> -</a:t>
             </a:r>
             <a:endParaRPr lang="de-DE" altLang="de-DE" dirty="0" smtClean="0"/>
           </a:p>
@@ -1551,7 +1458,7 @@
     </p:spTree>
     <p:extLst>
       <p:ext uri="{BB962C8B-B14F-4D97-AF65-F5344CB8AC3E}">
-        <p14:creationId xmlns:p14="http://schemas.microsoft.com/office/powerpoint/2010/main" val="3425383243"/>
+        <p14:creationId xmlns:p14="http://schemas.microsoft.com/office/powerpoint/2010/main" val="3977777682"/>
       </p:ext>
     </p:extLst>
   </p:cSld>
@@ -1658,7 +1565,7 @@
     </p:spTree>
     <p:extLst>
       <p:ext uri="{BB962C8B-B14F-4D97-AF65-F5344CB8AC3E}">
-        <p14:creationId xmlns:p14="http://schemas.microsoft.com/office/powerpoint/2010/main" val="1063223986"/>
+        <p14:creationId xmlns:p14="http://schemas.microsoft.com/office/powerpoint/2010/main" val="3945167074"/>
       </p:ext>
     </p:extLst>
   </p:cSld>
@@ -1729,183 +1636,7 @@
               <a:tabLst/>
               <a:defRPr/>
             </a:pPr>
-            <a:r>
-              <a:rPr lang="de-DE" altLang="de-DE" dirty="0" smtClean="0"/>
-              <a:t>Separierung</a:t>
-            </a:r>
-            <a:r>
-              <a:rPr lang="de-DE" altLang="de-DE" baseline="0" dirty="0" smtClean="0"/>
-              <a:t> von UI / Business- / Datenlogik</a:t>
-            </a:r>
-          </a:p>
-          <a:p>
-            <a:pPr marL="0" marR="0" indent="0" algn="l" defTabSz="914400" rtl="0" eaLnBrk="0" fontAlgn="base" latinLnBrk="0" hangingPunct="0">
-              <a:lnSpc>
-                <a:spcPct val="100000"/>
-              </a:lnSpc>
-              <a:spcBef>
-                <a:spcPct val="30000"/>
-              </a:spcBef>
-              <a:spcAft>
-                <a:spcPct val="0"/>
-              </a:spcAft>
-              <a:buClrTx/>
-              <a:buSzTx/>
-              <a:buFontTx/>
-              <a:buNone/>
-              <a:tabLst/>
-              <a:defRPr/>
-            </a:pPr>
-            <a:r>
-              <a:rPr lang="de-DE" altLang="de-DE" baseline="0" dirty="0" smtClean="0"/>
-              <a:t>UI kann ausgetauscht werden (Windows App -&gt; WPF, …)</a:t>
-            </a:r>
-          </a:p>
-          <a:p>
-            <a:pPr marL="0" marR="0" indent="0" algn="l" defTabSz="914400" rtl="0" eaLnBrk="0" fontAlgn="base" latinLnBrk="0" hangingPunct="0">
-              <a:lnSpc>
-                <a:spcPct val="100000"/>
-              </a:lnSpc>
-              <a:spcBef>
-                <a:spcPct val="30000"/>
-              </a:spcBef>
-              <a:spcAft>
-                <a:spcPct val="0"/>
-              </a:spcAft>
-              <a:buClrTx/>
-              <a:buSzTx/>
-              <a:buFontTx/>
-              <a:buNone/>
-              <a:tabLst/>
-              <a:defRPr/>
-            </a:pPr>
-            <a:r>
-              <a:rPr lang="de-DE" altLang="de-DE" baseline="0" dirty="0" smtClean="0"/>
-              <a:t>Unit </a:t>
-            </a:r>
-            <a:r>
-              <a:rPr lang="de-DE" altLang="de-DE" baseline="0" dirty="0" err="1" smtClean="0"/>
-              <a:t>Testing</a:t>
-            </a:r>
-            <a:endParaRPr lang="de-DE" altLang="de-DE" baseline="0" dirty="0" smtClean="0"/>
-          </a:p>
-          <a:p>
-            <a:pPr marL="0" marR="0" indent="0" algn="l" defTabSz="914400" rtl="0" eaLnBrk="0" fontAlgn="base" latinLnBrk="0" hangingPunct="0">
-              <a:lnSpc>
-                <a:spcPct val="100000"/>
-              </a:lnSpc>
-              <a:spcBef>
-                <a:spcPct val="30000"/>
-              </a:spcBef>
-              <a:spcAft>
-                <a:spcPct val="0"/>
-              </a:spcAft>
-              <a:buClrTx/>
-              <a:buSzTx/>
-              <a:buFontTx/>
-              <a:buNone/>
-              <a:tabLst/>
-              <a:defRPr/>
-            </a:pPr>
-            <a:r>
-              <a:rPr lang="de-DE" altLang="de-DE" baseline="0" dirty="0" smtClean="0"/>
-              <a:t>Weniger UI </a:t>
-            </a:r>
-            <a:r>
-              <a:rPr lang="de-DE" altLang="de-DE" baseline="0" dirty="0" err="1" smtClean="0"/>
-              <a:t>code</a:t>
-            </a:r>
-            <a:endParaRPr lang="de-DE" altLang="de-DE" baseline="0" dirty="0" smtClean="0"/>
-          </a:p>
-          <a:p>
-            <a:pPr marL="0" marR="0" indent="0" algn="l" defTabSz="914400" rtl="0" eaLnBrk="0" fontAlgn="base" latinLnBrk="0" hangingPunct="0">
-              <a:lnSpc>
-                <a:spcPct val="100000"/>
-              </a:lnSpc>
-              <a:spcBef>
-                <a:spcPct val="30000"/>
-              </a:spcBef>
-              <a:spcAft>
-                <a:spcPct val="0"/>
-              </a:spcAft>
-              <a:buClrTx/>
-              <a:buSzTx/>
-              <a:buFontTx/>
-              <a:buNone/>
-              <a:tabLst/>
-              <a:defRPr/>
-            </a:pPr>
-            <a:r>
-              <a:rPr lang="de-DE" altLang="de-DE" baseline="0" dirty="0" smtClean="0"/>
-              <a:t> - Demo – </a:t>
-            </a:r>
-          </a:p>
-          <a:p>
-            <a:pPr marL="0" marR="0" indent="0" algn="l" defTabSz="914400" rtl="0" eaLnBrk="0" fontAlgn="base" latinLnBrk="0" hangingPunct="0">
-              <a:lnSpc>
-                <a:spcPct val="100000"/>
-              </a:lnSpc>
-              <a:spcBef>
-                <a:spcPct val="30000"/>
-              </a:spcBef>
-              <a:spcAft>
-                <a:spcPct val="0"/>
-              </a:spcAft>
-              <a:buClrTx/>
-              <a:buSzTx/>
-              <a:buFontTx/>
-              <a:buNone/>
-              <a:tabLst/>
-              <a:defRPr/>
-            </a:pPr>
-            <a:r>
-              <a:rPr lang="de-DE" altLang="de-DE" baseline="0" dirty="0" err="1" smtClean="0"/>
-              <a:t>INotifyPropertyChanged</a:t>
-            </a:r>
-            <a:r>
-              <a:rPr lang="de-DE" altLang="de-DE" baseline="0" dirty="0" smtClean="0"/>
-              <a:t> – in Common Ordner</a:t>
-            </a:r>
-          </a:p>
-          <a:p>
-            <a:pPr marL="0" marR="0" indent="0" algn="l" defTabSz="914400" rtl="0" eaLnBrk="0" fontAlgn="base" latinLnBrk="0" hangingPunct="0">
-              <a:lnSpc>
-                <a:spcPct val="100000"/>
-              </a:lnSpc>
-              <a:spcBef>
-                <a:spcPct val="30000"/>
-              </a:spcBef>
-              <a:spcAft>
-                <a:spcPct val="0"/>
-              </a:spcAft>
-              <a:buClrTx/>
-              <a:buSzTx/>
-              <a:buFontTx/>
-              <a:buNone/>
-              <a:tabLst/>
-              <a:defRPr/>
-            </a:pPr>
-            <a:r>
-              <a:rPr lang="de-DE" altLang="de-DE" baseline="0" dirty="0" err="1" smtClean="0"/>
-              <a:t>One</a:t>
-            </a:r>
-            <a:r>
-              <a:rPr lang="de-DE" altLang="de-DE" baseline="0" dirty="0" smtClean="0"/>
-              <a:t> Way, </a:t>
-            </a:r>
-            <a:r>
-              <a:rPr lang="de-DE" altLang="de-DE" baseline="0" dirty="0" err="1" smtClean="0"/>
-              <a:t>Two</a:t>
-            </a:r>
-            <a:r>
-              <a:rPr lang="de-DE" altLang="de-DE" baseline="0" dirty="0" smtClean="0"/>
-              <a:t> Way </a:t>
-            </a:r>
-            <a:r>
-              <a:rPr lang="de-DE" altLang="de-DE" baseline="0" dirty="0" err="1" smtClean="0"/>
-              <a:t>Bindings</a:t>
-            </a:r>
-            <a:endParaRPr lang="de-DE" altLang="de-DE" baseline="0" dirty="0" smtClean="0"/>
+            <a:endParaRPr lang="de-DE" altLang="de-DE" dirty="0" smtClean="0"/>
           </a:p>
         </p:txBody>
       </p:sp>
@@ -1941,7 +1672,7 @@
     </p:spTree>
     <p:extLst>
       <p:ext uri="{BB962C8B-B14F-4D97-AF65-F5344CB8AC3E}">
-        <p14:creationId xmlns:p14="http://schemas.microsoft.com/office/powerpoint/2010/main" val="2159062467"/>
+        <p14:creationId xmlns:p14="http://schemas.microsoft.com/office/powerpoint/2010/main" val="2598731878"/>
       </p:ext>
     </p:extLst>
   </p:cSld>
@@ -2012,14 +1743,6 @@
               <a:tabLst/>
               <a:defRPr/>
             </a:pPr>
-            <a:r>
-              <a:rPr lang="de-DE" altLang="de-DE" dirty="0" smtClean="0"/>
-              <a:t>- Demo mit einigen</a:t>
-            </a:r>
-            <a:r>
-              <a:rPr lang="de-DE" altLang="de-DE" baseline="0" dirty="0" smtClean="0"/>
-              <a:t> Konvertern + Alternative ohne Konverter -</a:t>
-            </a:r>
             <a:endParaRPr lang="de-DE" altLang="de-DE" dirty="0" smtClean="0"/>
           </a:p>
         </p:txBody>
@@ -2056,7 +1779,7 @@
     </p:spTree>
     <p:extLst>
       <p:ext uri="{BB962C8B-B14F-4D97-AF65-F5344CB8AC3E}">
-        <p14:creationId xmlns:p14="http://schemas.microsoft.com/office/powerpoint/2010/main" val="1873316582"/>
+        <p14:creationId xmlns:p14="http://schemas.microsoft.com/office/powerpoint/2010/main" val="1209886120"/>
       </p:ext>
     </p:extLst>
   </p:cSld>
@@ -2127,18 +1850,6 @@
               <a:tabLst/>
               <a:defRPr/>
             </a:pPr>
-            <a:r>
-              <a:rPr lang="de-DE" altLang="de-DE" dirty="0" smtClean="0"/>
-              <a:t>- Demo mit </a:t>
-            </a:r>
-            <a:r>
-              <a:rPr lang="de-DE" altLang="de-DE" dirty="0" err="1" smtClean="0"/>
-              <a:t>DelegateCommand</a:t>
-            </a:r>
-            <a:r>
-              <a:rPr lang="de-DE" altLang="de-DE" baseline="0" dirty="0" smtClean="0"/>
-              <a:t> -</a:t>
-            </a:r>
             <a:endParaRPr lang="de-DE" altLang="de-DE" dirty="0" smtClean="0"/>
           </a:p>
         </p:txBody>
@@ -2175,7 +1886,7 @@
     </p:spTree>
     <p:extLst>
       <p:ext uri="{BB962C8B-B14F-4D97-AF65-F5344CB8AC3E}">
-        <p14:creationId xmlns:p14="http://schemas.microsoft.com/office/powerpoint/2010/main" val="3977777682"/>
+        <p14:creationId xmlns:p14="http://schemas.microsoft.com/office/powerpoint/2010/main" val="3697890392"/>
       </p:ext>
     </p:extLst>
   </p:cSld>
@@ -2282,7 +1993,7 @@
     </p:spTree>
     <p:extLst>
       <p:ext uri="{BB962C8B-B14F-4D97-AF65-F5344CB8AC3E}">
-        <p14:creationId xmlns:p14="http://schemas.microsoft.com/office/powerpoint/2010/main" val="3945167074"/>
+        <p14:creationId xmlns:p14="http://schemas.microsoft.com/office/powerpoint/2010/main" val="1827438283"/>
       </p:ext>
     </p:extLst>
   </p:cSld>
@@ -2311,24 +2022,63 @@
       </p:grpSpPr>
       <p:sp>
         <p:nvSpPr>
-          <p:cNvPr id="2" name="Folienbildplatzhalter 1"/>
-          <p:cNvSpPr>
-            <a:spLocks noGrp="1" noRot="1" noChangeAspect="1"/>
+          <p:cNvPr id="35842" name="Folienbildplatzhalter 1"/>
+          <p:cNvSpPr>
+            <a:spLocks noGrp="1" noRot="1" noChangeAspect="1" noTextEdit="1"/>
           </p:cNvSpPr>
           <p:nvPr>
             <p:ph type="sldImg"/>
           </p:nvPr>
         </p:nvSpPr>
-        <p:spPr/>
-      </p:sp>
-      <p:sp>
-        <p:nvSpPr>
-          <p:cNvPr id="3" name="Notizenplatzhalter 2"/>
+        <p:spPr bwMode="auto">
+          <a:xfrm>
+            <a:off x="139700" y="768350"/>
+            <a:ext cx="6819900" cy="3836988"/>
+          </a:xfrm>
+          <a:noFill/>
+          <a:ln>
+            <a:solidFill>
+              <a:srgbClr val="000000"/>
+            </a:solidFill>
+            <a:miter lim="800000"/>
+            <a:headEnd/>
+            <a:tailEnd/>
+          </a:ln>
+        </p:spPr>
+      </p:sp>
+      <p:sp>
+        <p:nvSpPr>
+          <p:cNvPr id="35843" name="Notizenplatzhalter 2"/>
           <p:cNvSpPr>
             <a:spLocks noGrp="1"/>
           </p:cNvSpPr>
           <p:nvPr>
             <p:ph type="body" idx="1"/>
+          </p:nvPr>
+        </p:nvSpPr>
+        <p:spPr bwMode="auto">
+          <a:noFill/>
+        </p:spPr>
+        <p:txBody>
+          <a:bodyPr wrap="square" numCol="1" anchor="t" anchorCtr="0" compatLnSpc="1">
+            <a:prstTxWarp prst="textNoShape">
+              <a:avLst/>
+            </a:prstTxWarp>
+          </a:bodyPr>
+          <a:lstStyle/>
+          <a:p>
+            <a:endParaRPr lang="de-DE" smtClean="0"/>
+          </a:p>
+        </p:txBody>
+      </p:sp>
+      <p:sp>
+        <p:nvSpPr>
+          <p:cNvPr id="4" name="Foliennummernplatzhalter 3"/>
+          <p:cNvSpPr>
+            <a:spLocks noGrp="1"/>
+          </p:cNvSpPr>
+          <p:nvPr>
+            <p:ph type="sldNum" sz="quarter" idx="5"/>
           </p:nvPr>
         </p:nvSpPr>
         <p:spPr/>
@@ -2336,46 +2086,10 @@
           <a:bodyPr/>
           <a:lstStyle/>
           <a:p>
-            <a:pPr marL="0" marR="0" indent="0" algn="l" defTabSz="914400" rtl="0" eaLnBrk="0" fontAlgn="base" latinLnBrk="0" hangingPunct="0">
-              <a:lnSpc>
-                <a:spcPct val="100000"/>
-              </a:lnSpc>
-              <a:spcBef>
-                <a:spcPct val="30000"/>
-              </a:spcBef>
-              <a:spcAft>
-                <a:spcPct val="0"/>
-              </a:spcAft>
-              <a:buClrTx/>
-              <a:buSzTx/>
-              <a:buFontTx/>
-              <a:buNone/>
-              <a:tabLst/>
-              <a:defRPr/>
-            </a:pPr>
-            <a:endParaRPr lang="de-DE" altLang="de-DE" dirty="0" smtClean="0"/>
-          </a:p>
-        </p:txBody>
-      </p:sp>
-      <p:sp>
-        <p:nvSpPr>
-          <p:cNvPr id="4" name="Foliennummernplatzhalter 3"/>
-          <p:cNvSpPr>
-            <a:spLocks noGrp="1"/>
-          </p:cNvSpPr>
-          <p:nvPr>
-            <p:ph type="sldNum" sz="quarter" idx="10"/>
-          </p:nvPr>
-        </p:nvSpPr>
-        <p:spPr/>
-        <p:txBody>
-          <a:bodyPr/>
-          <a:lstStyle/>
-          <a:p>
             <a:pPr>
               <a:defRPr/>
             </a:pPr>
-            <a:fld id="{9FD97EF8-451C-4BD4-A577-78C919C344DB}" type="slidenum">
+            <a:fld id="{E5B22351-C0A7-44C9-AD1C-4123D43CDD3F}" type="slidenum">
               <a:rPr lang="sv-SE" smtClean="0"/>
               <a:pPr>
                 <a:defRPr/>
@@ -2389,114 +2103,7 @@
     </p:spTree>
     <p:extLst>
       <p:ext uri="{BB962C8B-B14F-4D97-AF65-F5344CB8AC3E}">
-        <p14:creationId xmlns:p14="http://schemas.microsoft.com/office/powerpoint/2010/main" val="2598731878"/>
-      </p:ext>
-    </p:extLst>
-  </p:cSld>
-  <p:clrMapOvr>
-    <a:masterClrMapping/>
-  </p:clrMapOvr>
-</p:notes>
-</file>
-
-<file path=ppt/notesSlides/notesSlide19.xml><?xml version="1.0" encoding="utf-8"?>
-<p:notes xmlns:a="http://schemas.openxmlformats.org/drawingml/2006/main" xmlns:r="http://schemas.openxmlformats.org/officeDocument/2006/relationships" xmlns:p="http://schemas.openxmlformats.org/presentationml/2006/main">
-  <p:cSld>
-    <p:spTree>
-      <p:nvGrpSpPr>
-        <p:cNvPr id="1" name=""/>
-        <p:cNvGrpSpPr/>
-        <p:nvPr/>
-      </p:nvGrpSpPr>
-      <p:grpSpPr>
-        <a:xfrm>
-          <a:off x="0" y="0"/>
-          <a:ext cx="0" cy="0"/>
-          <a:chOff x="0" y="0"/>
-          <a:chExt cx="0" cy="0"/>
-        </a:xfrm>
-      </p:grpSpPr>
-      <p:sp>
-        <p:nvSpPr>
-          <p:cNvPr id="2" name="Folienbildplatzhalter 1"/>
-          <p:cNvSpPr>
-            <a:spLocks noGrp="1" noRot="1" noChangeAspect="1"/>
-          </p:cNvSpPr>
-          <p:nvPr>
-            <p:ph type="sldImg"/>
-          </p:nvPr>
-        </p:nvSpPr>
-        <p:spPr/>
-      </p:sp>
-      <p:sp>
-        <p:nvSpPr>
-          <p:cNvPr id="3" name="Notizenplatzhalter 2"/>
-          <p:cNvSpPr>
-            <a:spLocks noGrp="1"/>
-          </p:cNvSpPr>
-          <p:nvPr>
-            <p:ph type="body" idx="1"/>
-          </p:nvPr>
-        </p:nvSpPr>
-        <p:spPr/>
-        <p:txBody>
-          <a:bodyPr/>
-          <a:lstStyle/>
-          <a:p>
-            <a:pPr marL="0" marR="0" indent="0" algn="l" defTabSz="914400" rtl="0" eaLnBrk="0" fontAlgn="base" latinLnBrk="0" hangingPunct="0">
-              <a:lnSpc>
-                <a:spcPct val="100000"/>
-              </a:lnSpc>
-              <a:spcBef>
-                <a:spcPct val="30000"/>
-              </a:spcBef>
-              <a:spcAft>
-                <a:spcPct val="0"/>
-              </a:spcAft>
-              <a:buClrTx/>
-              <a:buSzTx/>
-              <a:buFontTx/>
-              <a:buNone/>
-              <a:tabLst/>
-              <a:defRPr/>
-            </a:pPr>
-            <a:endParaRPr lang="de-DE" altLang="de-DE" dirty="0" smtClean="0"/>
-          </a:p>
-        </p:txBody>
-      </p:sp>
-      <p:sp>
-        <p:nvSpPr>
-          <p:cNvPr id="4" name="Foliennummernplatzhalter 3"/>
-          <p:cNvSpPr>
-            <a:spLocks noGrp="1"/>
-          </p:cNvSpPr>
-          <p:nvPr>
-            <p:ph type="sldNum" sz="quarter" idx="10"/>
-          </p:nvPr>
-        </p:nvSpPr>
-        <p:spPr/>
-        <p:txBody>
-          <a:bodyPr/>
-          <a:lstStyle/>
-          <a:p>
-            <a:pPr>
-              <a:defRPr/>
-            </a:pPr>
-            <a:fld id="{9FD97EF8-451C-4BD4-A577-78C919C344DB}" type="slidenum">
-              <a:rPr lang="sv-SE" smtClean="0"/>
-              <a:pPr>
-                <a:defRPr/>
-              </a:pPr>
-              <a:t>22</a:t>
-            </a:fld>
-            <a:endParaRPr lang="sv-SE"/>
-          </a:p>
-        </p:txBody>
-      </p:sp>
-    </p:spTree>
-    <p:extLst>
-      <p:ext uri="{BB962C8B-B14F-4D97-AF65-F5344CB8AC3E}">
-        <p14:creationId xmlns:p14="http://schemas.microsoft.com/office/powerpoint/2010/main" val="1209886120"/>
+        <p14:creationId xmlns:p14="http://schemas.microsoft.com/office/powerpoint/2010/main" val="3268157013"/>
       </p:ext>
     </p:extLst>
   </p:cSld>
@@ -2525,116 +2132,6 @@
       </p:grpSpPr>
       <p:sp>
         <p:nvSpPr>
-          <p:cNvPr id="28674" name="Folienbildplatzhalter 1"/>
-          <p:cNvSpPr>
-            <a:spLocks noGrp="1" noRot="1" noChangeAspect="1" noTextEdit="1"/>
-          </p:cNvSpPr>
-          <p:nvPr>
-            <p:ph type="sldImg"/>
-          </p:nvPr>
-        </p:nvSpPr>
-        <p:spPr bwMode="auto">
-          <a:xfrm>
-            <a:off x="139700" y="768350"/>
-            <a:ext cx="6819900" cy="3836988"/>
-          </a:xfrm>
-          <a:noFill/>
-          <a:ln>
-            <a:solidFill>
-              <a:srgbClr val="000000"/>
-            </a:solidFill>
-            <a:miter lim="800000"/>
-            <a:headEnd/>
-            <a:tailEnd/>
-          </a:ln>
-        </p:spPr>
-      </p:sp>
-      <p:sp>
-        <p:nvSpPr>
-          <p:cNvPr id="28675" name="Notizenplatzhalter 2"/>
-          <p:cNvSpPr>
-            <a:spLocks noGrp="1"/>
-          </p:cNvSpPr>
-          <p:nvPr>
-            <p:ph type="body" idx="1"/>
-          </p:nvPr>
-        </p:nvSpPr>
-        <p:spPr bwMode="auto">
-          <a:noFill/>
-        </p:spPr>
-        <p:txBody>
-          <a:bodyPr wrap="square" numCol="1" anchor="t" anchorCtr="0" compatLnSpc="1">
-            <a:prstTxWarp prst="textNoShape">
-              <a:avLst/>
-            </a:prstTxWarp>
-          </a:bodyPr>
-          <a:lstStyle/>
-          <a:p>
-            <a:endParaRPr lang="de-DE" dirty="0" smtClean="0"/>
-          </a:p>
-        </p:txBody>
-      </p:sp>
-      <p:sp>
-        <p:nvSpPr>
-          <p:cNvPr id="4" name="Foliennummernplatzhalter 3"/>
-          <p:cNvSpPr>
-            <a:spLocks noGrp="1"/>
-          </p:cNvSpPr>
-          <p:nvPr>
-            <p:ph type="sldNum" sz="quarter" idx="5"/>
-          </p:nvPr>
-        </p:nvSpPr>
-        <p:spPr/>
-        <p:txBody>
-          <a:bodyPr/>
-          <a:lstStyle/>
-          <a:p>
-            <a:pPr>
-              <a:defRPr/>
-            </a:pPr>
-            <a:fld id="{55AE93FB-93AC-4F27-ACAF-F1F038C932EA}" type="slidenum">
-              <a:rPr lang="sv-SE" smtClean="0"/>
-              <a:pPr>
-                <a:defRPr/>
-              </a:pPr>
-              <a:t>3</a:t>
-            </a:fld>
-            <a:endParaRPr lang="sv-SE"/>
-          </a:p>
-        </p:txBody>
-      </p:sp>
-    </p:spTree>
-    <p:extLst>
-      <p:ext uri="{BB962C8B-B14F-4D97-AF65-F5344CB8AC3E}">
-        <p14:creationId xmlns:p14="http://schemas.microsoft.com/office/powerpoint/2010/main" val="596210946"/>
-      </p:ext>
-    </p:extLst>
-  </p:cSld>
-  <p:clrMapOvr>
-    <a:masterClrMapping/>
-  </p:clrMapOvr>
-</p:notes>
-</file>
-
-<file path=ppt/notesSlides/notesSlide20.xml><?xml version="1.0" encoding="utf-8"?>
-<p:notes xmlns:a="http://schemas.openxmlformats.org/drawingml/2006/main" xmlns:r="http://schemas.openxmlformats.org/officeDocument/2006/relationships" xmlns:p="http://schemas.openxmlformats.org/presentationml/2006/main">
-  <p:cSld>
-    <p:spTree>
-      <p:nvGrpSpPr>
-        <p:cNvPr id="1" name=""/>
-        <p:cNvGrpSpPr/>
-        <p:nvPr/>
-      </p:nvGrpSpPr>
-      <p:grpSpPr>
-        <a:xfrm>
-          <a:off x="0" y="0"/>
-          <a:ext cx="0" cy="0"/>
-          <a:chOff x="0" y="0"/>
-          <a:chExt cx="0" cy="0"/>
-        </a:xfrm>
-      </p:grpSpPr>
-      <p:sp>
-        <p:nvSpPr>
           <p:cNvPr id="2" name="Folienbildplatzhalter 1"/>
           <p:cNvSpPr>
             <a:spLocks noGrp="1" noRot="1" noChangeAspect="1"/>
@@ -2677,7 +2174,10 @@
               <a:tabLst/>
               <a:defRPr/>
             </a:pPr>
-            <a:endParaRPr lang="de-DE" altLang="de-DE" dirty="0" smtClean="0"/>
+            <a:r>
+              <a:rPr lang="de-DE" altLang="de-DE" dirty="0" smtClean="0"/>
+              <a:t>Marktanteil Windows Phone 2,7% 2014 (laut IDC)</a:t>
+            </a:r>
           </a:p>
         </p:txBody>
       </p:sp>
@@ -2704,7 +2204,7 @@
               <a:pPr>
                 <a:defRPr/>
               </a:pPr>
-              <a:t>23</a:t>
+              <a:t>5</a:t>
             </a:fld>
             <a:endParaRPr lang="sv-SE"/>
           </a:p>
@@ -2713,224 +2213,7 @@
     </p:spTree>
     <p:extLst>
       <p:ext uri="{BB962C8B-B14F-4D97-AF65-F5344CB8AC3E}">
-        <p14:creationId xmlns:p14="http://schemas.microsoft.com/office/powerpoint/2010/main" val="3697890392"/>
-      </p:ext>
-    </p:extLst>
-  </p:cSld>
-  <p:clrMapOvr>
-    <a:masterClrMapping/>
-  </p:clrMapOvr>
-</p:notes>
-</file>
-
-<file path=ppt/notesSlides/notesSlide21.xml><?xml version="1.0" encoding="utf-8"?>
-<p:notes xmlns:a="http://schemas.openxmlformats.org/drawingml/2006/main" xmlns:r="http://schemas.openxmlformats.org/officeDocument/2006/relationships" xmlns:p="http://schemas.openxmlformats.org/presentationml/2006/main">
-  <p:cSld>
-    <p:spTree>
-      <p:nvGrpSpPr>
-        <p:cNvPr id="1" name=""/>
-        <p:cNvGrpSpPr/>
-        <p:nvPr/>
-      </p:nvGrpSpPr>
-      <p:grpSpPr>
-        <a:xfrm>
-          <a:off x="0" y="0"/>
-          <a:ext cx="0" cy="0"/>
-          <a:chOff x="0" y="0"/>
-          <a:chExt cx="0" cy="0"/>
-        </a:xfrm>
-      </p:grpSpPr>
-      <p:sp>
-        <p:nvSpPr>
-          <p:cNvPr id="2" name="Folienbildplatzhalter 1"/>
-          <p:cNvSpPr>
-            <a:spLocks noGrp="1" noRot="1" noChangeAspect="1"/>
-          </p:cNvSpPr>
-          <p:nvPr>
-            <p:ph type="sldImg"/>
-          </p:nvPr>
-        </p:nvSpPr>
-        <p:spPr/>
-      </p:sp>
-      <p:sp>
-        <p:nvSpPr>
-          <p:cNvPr id="3" name="Notizenplatzhalter 2"/>
-          <p:cNvSpPr>
-            <a:spLocks noGrp="1"/>
-          </p:cNvSpPr>
-          <p:nvPr>
-            <p:ph type="body" idx="1"/>
-          </p:nvPr>
-        </p:nvSpPr>
-        <p:spPr/>
-        <p:txBody>
-          <a:bodyPr/>
-          <a:lstStyle/>
-          <a:p>
-            <a:pPr marL="0" marR="0" indent="0" algn="l" defTabSz="914400" rtl="0" eaLnBrk="0" fontAlgn="base" latinLnBrk="0" hangingPunct="0">
-              <a:lnSpc>
-                <a:spcPct val="100000"/>
-              </a:lnSpc>
-              <a:spcBef>
-                <a:spcPct val="30000"/>
-              </a:spcBef>
-              <a:spcAft>
-                <a:spcPct val="0"/>
-              </a:spcAft>
-              <a:buClrTx/>
-              <a:buSzTx/>
-              <a:buFontTx/>
-              <a:buNone/>
-              <a:tabLst/>
-              <a:defRPr/>
-            </a:pPr>
-            <a:endParaRPr lang="de-DE" altLang="de-DE" dirty="0" smtClean="0"/>
-          </a:p>
-        </p:txBody>
-      </p:sp>
-      <p:sp>
-        <p:nvSpPr>
-          <p:cNvPr id="4" name="Foliennummernplatzhalter 3"/>
-          <p:cNvSpPr>
-            <a:spLocks noGrp="1"/>
-          </p:cNvSpPr>
-          <p:nvPr>
-            <p:ph type="sldNum" sz="quarter" idx="10"/>
-          </p:nvPr>
-        </p:nvSpPr>
-        <p:spPr/>
-        <p:txBody>
-          <a:bodyPr/>
-          <a:lstStyle/>
-          <a:p>
-            <a:pPr>
-              <a:defRPr/>
-            </a:pPr>
-            <a:fld id="{9FD97EF8-451C-4BD4-A577-78C919C344DB}" type="slidenum">
-              <a:rPr lang="sv-SE" smtClean="0"/>
-              <a:pPr>
-                <a:defRPr/>
-              </a:pPr>
-              <a:t>24</a:t>
-            </a:fld>
-            <a:endParaRPr lang="sv-SE"/>
-          </a:p>
-        </p:txBody>
-      </p:sp>
-    </p:spTree>
-    <p:extLst>
-      <p:ext uri="{BB962C8B-B14F-4D97-AF65-F5344CB8AC3E}">
-        <p14:creationId xmlns:p14="http://schemas.microsoft.com/office/powerpoint/2010/main" val="1827438283"/>
-      </p:ext>
-    </p:extLst>
-  </p:cSld>
-  <p:clrMapOvr>
-    <a:masterClrMapping/>
-  </p:clrMapOvr>
-</p:notes>
-</file>
-
-<file path=ppt/notesSlides/notesSlide22.xml><?xml version="1.0" encoding="utf-8"?>
-<p:notes xmlns:a="http://schemas.openxmlformats.org/drawingml/2006/main" xmlns:r="http://schemas.openxmlformats.org/officeDocument/2006/relationships" xmlns:p="http://schemas.openxmlformats.org/presentationml/2006/main">
-  <p:cSld>
-    <p:spTree>
-      <p:nvGrpSpPr>
-        <p:cNvPr id="1" name=""/>
-        <p:cNvGrpSpPr/>
-        <p:nvPr/>
-      </p:nvGrpSpPr>
-      <p:grpSpPr>
-        <a:xfrm>
-          <a:off x="0" y="0"/>
-          <a:ext cx="0" cy="0"/>
-          <a:chOff x="0" y="0"/>
-          <a:chExt cx="0" cy="0"/>
-        </a:xfrm>
-      </p:grpSpPr>
-      <p:sp>
-        <p:nvSpPr>
-          <p:cNvPr id="35842" name="Folienbildplatzhalter 1"/>
-          <p:cNvSpPr>
-            <a:spLocks noGrp="1" noRot="1" noChangeAspect="1" noTextEdit="1"/>
-          </p:cNvSpPr>
-          <p:nvPr>
-            <p:ph type="sldImg"/>
-          </p:nvPr>
-        </p:nvSpPr>
-        <p:spPr bwMode="auto">
-          <a:xfrm>
-            <a:off x="139700" y="768350"/>
-            <a:ext cx="6819900" cy="3836988"/>
-          </a:xfrm>
-          <a:noFill/>
-          <a:ln>
-            <a:solidFill>
-              <a:srgbClr val="000000"/>
-            </a:solidFill>
-            <a:miter lim="800000"/>
-            <a:headEnd/>
-            <a:tailEnd/>
-          </a:ln>
-        </p:spPr>
-      </p:sp>
-      <p:sp>
-        <p:nvSpPr>
-          <p:cNvPr id="35843" name="Notizenplatzhalter 2"/>
-          <p:cNvSpPr>
-            <a:spLocks noGrp="1"/>
-          </p:cNvSpPr>
-          <p:nvPr>
-            <p:ph type="body" idx="1"/>
-          </p:nvPr>
-        </p:nvSpPr>
-        <p:spPr bwMode="auto">
-          <a:noFill/>
-        </p:spPr>
-        <p:txBody>
-          <a:bodyPr wrap="square" numCol="1" anchor="t" anchorCtr="0" compatLnSpc="1">
-            <a:prstTxWarp prst="textNoShape">
-              <a:avLst/>
-            </a:prstTxWarp>
-          </a:bodyPr>
-          <a:lstStyle/>
-          <a:p>
-            <a:endParaRPr lang="de-DE" smtClean="0"/>
-          </a:p>
-        </p:txBody>
-      </p:sp>
-      <p:sp>
-        <p:nvSpPr>
-          <p:cNvPr id="4" name="Foliennummernplatzhalter 3"/>
-          <p:cNvSpPr>
-            <a:spLocks noGrp="1"/>
-          </p:cNvSpPr>
-          <p:nvPr>
-            <p:ph type="sldNum" sz="quarter" idx="5"/>
-          </p:nvPr>
-        </p:nvSpPr>
-        <p:spPr/>
-        <p:txBody>
-          <a:bodyPr/>
-          <a:lstStyle/>
-          <a:p>
-            <a:pPr>
-              <a:defRPr/>
-            </a:pPr>
-            <a:fld id="{E5B22351-C0A7-44C9-AD1C-4123D43CDD3F}" type="slidenum">
-              <a:rPr lang="sv-SE" smtClean="0"/>
-              <a:pPr>
-                <a:defRPr/>
-              </a:pPr>
-              <a:t>25</a:t>
-            </a:fld>
-            <a:endParaRPr lang="sv-SE"/>
-          </a:p>
-        </p:txBody>
-      </p:sp>
-    </p:spTree>
-    <p:extLst>
-      <p:ext uri="{BB962C8B-B14F-4D97-AF65-F5344CB8AC3E}">
-        <p14:creationId xmlns:p14="http://schemas.microsoft.com/office/powerpoint/2010/main" val="3268157013"/>
+        <p14:creationId xmlns:p14="http://schemas.microsoft.com/office/powerpoint/2010/main" val="830980378"/>
       </p:ext>
     </p:extLst>
   </p:cSld>
@@ -2984,7 +2267,24 @@
           <a:bodyPr/>
           <a:lstStyle/>
           <a:p>
-            <a:endParaRPr lang="de-DE" dirty="0"/>
+            <a:pPr marL="0" marR="0" indent="0" algn="l" defTabSz="914400" rtl="0" eaLnBrk="0" fontAlgn="base" latinLnBrk="0" hangingPunct="0">
+              <a:lnSpc>
+                <a:spcPct val="100000"/>
+              </a:lnSpc>
+              <a:spcBef>
+                <a:spcPct val="30000"/>
+              </a:spcBef>
+              <a:spcAft>
+                <a:spcPct val="0"/>
+              </a:spcAft>
+              <a:buClrTx/>
+              <a:buSzTx/>
+              <a:buFontTx/>
+              <a:buNone/>
+              <a:tabLst/>
+              <a:defRPr/>
+            </a:pPr>
+            <a:endParaRPr lang="de-DE" altLang="de-DE" dirty="0" smtClean="0"/>
           </a:p>
         </p:txBody>
       </p:sp>
@@ -3020,7 +2320,7 @@
     </p:spTree>
     <p:extLst>
       <p:ext uri="{BB962C8B-B14F-4D97-AF65-F5344CB8AC3E}">
-        <p14:creationId xmlns:p14="http://schemas.microsoft.com/office/powerpoint/2010/main" val="3288795873"/>
+        <p14:creationId xmlns:p14="http://schemas.microsoft.com/office/powerpoint/2010/main" val="4256082938"/>
       </p:ext>
     </p:extLst>
   </p:cSld>
@@ -3074,26 +2374,24 @@
           <a:bodyPr/>
           <a:lstStyle/>
           <a:p>
-            <a:r>
-              <a:rPr lang="de-DE" dirty="0" smtClean="0"/>
-              <a:t>- Demo WP App </a:t>
-            </a:r>
-            <a:r>
-              <a:rPr lang="de-DE" dirty="0" err="1" smtClean="0"/>
-              <a:t>Contoso</a:t>
-            </a:r>
-            <a:r>
-              <a:rPr lang="de-DE" dirty="0" smtClean="0"/>
-              <a:t> </a:t>
-            </a:r>
-            <a:r>
-              <a:rPr lang="de-DE" dirty="0" err="1" smtClean="0"/>
-              <a:t>Cookbook</a:t>
-            </a:r>
-            <a:r>
-              <a:rPr lang="de-DE" dirty="0" smtClean="0"/>
-              <a:t> -</a:t>
-            </a:r>
+            <a:pPr marL="0" marR="0" indent="0" algn="l" defTabSz="914400" rtl="0" eaLnBrk="0" fontAlgn="base" latinLnBrk="0" hangingPunct="0">
+              <a:lnSpc>
+                <a:spcPct val="100000"/>
+              </a:lnSpc>
+              <a:spcBef>
+                <a:spcPct val="30000"/>
+              </a:spcBef>
+              <a:spcAft>
+                <a:spcPct val="0"/>
+              </a:spcAft>
+              <a:buClrTx/>
+              <a:buSzTx/>
+              <a:buFontTx/>
+              <a:buNone/>
+              <a:tabLst/>
+              <a:defRPr/>
+            </a:pPr>
+            <a:endParaRPr lang="de-DE" altLang="de-DE" dirty="0" smtClean="0"/>
           </a:p>
         </p:txBody>
       </p:sp>
@@ -3129,7 +2427,7 @@
     </p:spTree>
     <p:extLst>
       <p:ext uri="{BB962C8B-B14F-4D97-AF65-F5344CB8AC3E}">
-        <p14:creationId xmlns:p14="http://schemas.microsoft.com/office/powerpoint/2010/main" val="3509917866"/>
+        <p14:creationId xmlns:p14="http://schemas.microsoft.com/office/powerpoint/2010/main" val="127894087"/>
       </p:ext>
     </p:extLst>
   </p:cSld>
@@ -3183,7 +2481,27 @@
           <a:bodyPr/>
           <a:lstStyle/>
           <a:p>
-            <a:endParaRPr lang="de-DE" dirty="0"/>
+            <a:pPr marL="0" marR="0" indent="0" algn="l" defTabSz="914400" rtl="0" eaLnBrk="0" fontAlgn="base" latinLnBrk="0" hangingPunct="0">
+              <a:lnSpc>
+                <a:spcPct val="100000"/>
+              </a:lnSpc>
+              <a:spcBef>
+                <a:spcPct val="30000"/>
+              </a:spcBef>
+              <a:spcAft>
+                <a:spcPct val="0"/>
+              </a:spcAft>
+              <a:buClrTx/>
+              <a:buSzTx/>
+              <a:buFontTx/>
+              <a:buNone/>
+              <a:tabLst/>
+              <a:defRPr/>
+            </a:pPr>
+            <a:r>
+              <a:rPr lang="de-DE" altLang="de-DE" dirty="0" smtClean="0"/>
+              <a:t>Marktanteil Windows Phone 2,7% 2014 (laut IDC)</a:t>
+            </a:r>
           </a:p>
         </p:txBody>
       </p:sp>
@@ -3219,7 +2537,7 @@
     </p:spTree>
     <p:extLst>
       <p:ext uri="{BB962C8B-B14F-4D97-AF65-F5344CB8AC3E}">
-        <p14:creationId xmlns:p14="http://schemas.microsoft.com/office/powerpoint/2010/main" val="568176677"/>
+        <p14:creationId xmlns:p14="http://schemas.microsoft.com/office/powerpoint/2010/main" val="2097140640"/>
       </p:ext>
     </p:extLst>
   </p:cSld>
@@ -3292,7 +2610,117 @@
             </a:pPr>
             <a:r>
               <a:rPr lang="de-DE" altLang="de-DE" dirty="0" smtClean="0"/>
-              <a:t>Marktanteil Windows Phone 2,7% 2014 (laut IDC)</a:t>
+              <a:t>Projekttypen</a:t>
+            </a:r>
+          </a:p>
+          <a:p>
+            <a:pPr marL="0" marR="0" indent="0" algn="l" defTabSz="914400" rtl="0" eaLnBrk="0" fontAlgn="base" latinLnBrk="0" hangingPunct="0">
+              <a:lnSpc>
+                <a:spcPct val="100000"/>
+              </a:lnSpc>
+              <a:spcBef>
+                <a:spcPct val="30000"/>
+              </a:spcBef>
+              <a:spcAft>
+                <a:spcPct val="0"/>
+              </a:spcAft>
+              <a:buClrTx/>
+              <a:buSzTx/>
+              <a:buFontTx/>
+              <a:buNone/>
+              <a:tabLst/>
+              <a:defRPr/>
+            </a:pPr>
+            <a:r>
+              <a:rPr lang="de-DE" altLang="de-DE" dirty="0" smtClean="0"/>
+              <a:t>Neue</a:t>
+            </a:r>
+            <a:r>
+              <a:rPr lang="de-DE" altLang="de-DE" baseline="0" dirty="0" smtClean="0"/>
+              <a:t> View</a:t>
+            </a:r>
+          </a:p>
+          <a:p>
+            <a:pPr marL="0" marR="0" indent="0" algn="l" defTabSz="914400" rtl="0" eaLnBrk="0" fontAlgn="base" latinLnBrk="0" hangingPunct="0">
+              <a:lnSpc>
+                <a:spcPct val="100000"/>
+              </a:lnSpc>
+              <a:spcBef>
+                <a:spcPct val="30000"/>
+              </a:spcBef>
+              <a:spcAft>
+                <a:spcPct val="0"/>
+              </a:spcAft>
+              <a:buClrTx/>
+              <a:buSzTx/>
+              <a:buFontTx/>
+              <a:buNone/>
+              <a:tabLst/>
+              <a:defRPr/>
+            </a:pPr>
+            <a:r>
+              <a:rPr lang="de-DE" altLang="de-DE" baseline="0" dirty="0" smtClean="0"/>
+              <a:t>XAML Demos – </a:t>
+            </a:r>
+            <a:r>
+              <a:rPr lang="de-DE" altLang="de-DE" baseline="0" dirty="0" err="1" smtClean="0"/>
+              <a:t>Grid</a:t>
+            </a:r>
+            <a:r>
+              <a:rPr lang="de-DE" altLang="de-DE" baseline="0" dirty="0" smtClean="0"/>
+              <a:t> mit </a:t>
+            </a:r>
+            <a:r>
+              <a:rPr lang="de-DE" altLang="de-DE" baseline="0" dirty="0" err="1" smtClean="0"/>
+              <a:t>Rows</a:t>
+            </a:r>
+            <a:r>
+              <a:rPr lang="de-DE" altLang="de-DE" baseline="0" dirty="0" smtClean="0"/>
+              <a:t>, </a:t>
+            </a:r>
+            <a:r>
+              <a:rPr lang="de-DE" altLang="de-DE" baseline="0" dirty="0" err="1" smtClean="0"/>
+              <a:t>Cols</a:t>
+            </a:r>
+            <a:r>
+              <a:rPr lang="de-DE" altLang="de-DE" baseline="0" dirty="0" smtClean="0"/>
+              <a:t>, Buttons, </a:t>
+            </a:r>
+            <a:r>
+              <a:rPr lang="de-DE" altLang="de-DE" baseline="0" dirty="0" err="1" smtClean="0"/>
+              <a:t>Margins</a:t>
+            </a:r>
+            <a:r>
+              <a:rPr lang="de-DE" altLang="de-DE" baseline="0" dirty="0" smtClean="0"/>
+              <a:t>, </a:t>
+            </a:r>
+            <a:r>
+              <a:rPr lang="de-DE" altLang="de-DE" baseline="0" dirty="0" err="1" smtClean="0"/>
+              <a:t>EventHandler</a:t>
+            </a:r>
+            <a:endParaRPr lang="de-DE" altLang="de-DE" baseline="0" dirty="0" smtClean="0"/>
+          </a:p>
+          <a:p>
+            <a:pPr marL="0" marR="0" indent="0" algn="l" defTabSz="914400" rtl="0" eaLnBrk="0" fontAlgn="base" latinLnBrk="0" hangingPunct="0">
+              <a:lnSpc>
+                <a:spcPct val="100000"/>
+              </a:lnSpc>
+              <a:spcBef>
+                <a:spcPct val="30000"/>
+              </a:spcBef>
+              <a:spcAft>
+                <a:spcPct val="0"/>
+              </a:spcAft>
+              <a:buClrTx/>
+              <a:buSzTx/>
+              <a:buFontTx/>
+              <a:buNone/>
+              <a:tabLst/>
+              <a:defRPr/>
+            </a:pPr>
+            <a:r>
+              <a:rPr lang="de-DE" altLang="de-DE" baseline="0" dirty="0" smtClean="0"/>
+              <a:t>Pivot</a:t>
             </a:r>
           </a:p>
         </p:txBody>
@@ -3329,7 +2757,7 @@
     </p:spTree>
     <p:extLst>
       <p:ext uri="{BB962C8B-B14F-4D97-AF65-F5344CB8AC3E}">
-        <p14:creationId xmlns:p14="http://schemas.microsoft.com/office/powerpoint/2010/main" val="830980378"/>
+        <p14:creationId xmlns:p14="http://schemas.microsoft.com/office/powerpoint/2010/main" val="3000165267"/>
       </p:ext>
     </p:extLst>
   </p:cSld>
@@ -3400,6 +2828,92 @@
               <a:tabLst/>
               <a:defRPr/>
             </a:pPr>
+            <a:r>
+              <a:rPr lang="de-DE" altLang="de-DE" dirty="0" smtClean="0"/>
+              <a:t>Separierung</a:t>
+            </a:r>
+            <a:r>
+              <a:rPr lang="de-DE" altLang="de-DE" baseline="0" dirty="0" smtClean="0"/>
+              <a:t> von UI / Business- / Datenlogik</a:t>
+            </a:r>
+          </a:p>
+          <a:p>
+            <a:pPr marL="0" marR="0" indent="0" algn="l" defTabSz="914400" rtl="0" eaLnBrk="0" fontAlgn="base" latinLnBrk="0" hangingPunct="0">
+              <a:lnSpc>
+                <a:spcPct val="100000"/>
+              </a:lnSpc>
+              <a:spcBef>
+                <a:spcPct val="30000"/>
+              </a:spcBef>
+              <a:spcAft>
+                <a:spcPct val="0"/>
+              </a:spcAft>
+              <a:buClrTx/>
+              <a:buSzTx/>
+              <a:buFontTx/>
+              <a:buNone/>
+              <a:tabLst/>
+              <a:defRPr/>
+            </a:pPr>
+            <a:r>
+              <a:rPr lang="de-DE" altLang="de-DE" baseline="0" dirty="0" smtClean="0"/>
+              <a:t>UI kann ausgetauscht werden (Windows App -&gt; WPF, …)</a:t>
+            </a:r>
+          </a:p>
+          <a:p>
+            <a:pPr marL="0" marR="0" indent="0" algn="l" defTabSz="914400" rtl="0" eaLnBrk="0" fontAlgn="base" latinLnBrk="0" hangingPunct="0">
+              <a:lnSpc>
+                <a:spcPct val="100000"/>
+              </a:lnSpc>
+              <a:spcBef>
+                <a:spcPct val="30000"/>
+              </a:spcBef>
+              <a:spcAft>
+                <a:spcPct val="0"/>
+              </a:spcAft>
+              <a:buClrTx/>
+              <a:buSzTx/>
+              <a:buFontTx/>
+              <a:buNone/>
+              <a:tabLst/>
+              <a:defRPr/>
+            </a:pPr>
+            <a:r>
+              <a:rPr lang="de-DE" altLang="de-DE" baseline="0" dirty="0" smtClean="0"/>
+              <a:t>Unit </a:t>
+            </a:r>
+            <a:r>
+              <a:rPr lang="de-DE" altLang="de-DE" baseline="0" dirty="0" err="1" smtClean="0"/>
+              <a:t>Testing</a:t>
+            </a:r>
+            <a:endParaRPr lang="de-DE" altLang="de-DE" baseline="0" dirty="0" smtClean="0"/>
+          </a:p>
+          <a:p>
+            <a:pPr marL="0" marR="0" indent="0" algn="l" defTabSz="914400" rtl="0" eaLnBrk="0" fontAlgn="base" latinLnBrk="0" hangingPunct="0">
+              <a:lnSpc>
+                <a:spcPct val="100000"/>
+              </a:lnSpc>
+              <a:spcBef>
+                <a:spcPct val="30000"/>
+              </a:spcBef>
+              <a:spcAft>
+                <a:spcPct val="0"/>
+              </a:spcAft>
+              <a:buClrTx/>
+              <a:buSzTx/>
+              <a:buFontTx/>
+              <a:buNone/>
+              <a:tabLst/>
+              <a:defRPr/>
+            </a:pPr>
+            <a:r>
+              <a:rPr lang="de-DE" altLang="de-DE" baseline="0" dirty="0" smtClean="0"/>
+              <a:t>Weniger UI </a:t>
+            </a:r>
+            <a:r>
+              <a:rPr lang="de-DE" altLang="de-DE" baseline="0" dirty="0" err="1" smtClean="0"/>
+              <a:t>code</a:t>
+            </a:r>
             <a:endParaRPr lang="de-DE" altLang="de-DE" dirty="0" smtClean="0"/>
           </a:p>
         </p:txBody>
@@ -3436,7 +2950,7 @@
     </p:spTree>
     <p:extLst>
       <p:ext uri="{BB962C8B-B14F-4D97-AF65-F5344CB8AC3E}">
-        <p14:creationId xmlns:p14="http://schemas.microsoft.com/office/powerpoint/2010/main" val="2621235160"/>
+        <p14:creationId xmlns:p14="http://schemas.microsoft.com/office/powerpoint/2010/main" val="3518941626"/>
       </p:ext>
     </p:extLst>
   </p:cSld>
@@ -3507,6 +3021,92 @@
               <a:tabLst/>
               <a:defRPr/>
             </a:pPr>
+            <a:r>
+              <a:rPr lang="de-DE" altLang="de-DE" dirty="0" smtClean="0"/>
+              <a:t>Separierung</a:t>
+            </a:r>
+            <a:r>
+              <a:rPr lang="de-DE" altLang="de-DE" baseline="0" dirty="0" smtClean="0"/>
+              <a:t> von UI / Business- / Datenlogik</a:t>
+            </a:r>
+          </a:p>
+          <a:p>
+            <a:pPr marL="0" marR="0" indent="0" algn="l" defTabSz="914400" rtl="0" eaLnBrk="0" fontAlgn="base" latinLnBrk="0" hangingPunct="0">
+              <a:lnSpc>
+                <a:spcPct val="100000"/>
+              </a:lnSpc>
+              <a:spcBef>
+                <a:spcPct val="30000"/>
+              </a:spcBef>
+              <a:spcAft>
+                <a:spcPct val="0"/>
+              </a:spcAft>
+              <a:buClrTx/>
+              <a:buSzTx/>
+              <a:buFontTx/>
+              <a:buNone/>
+              <a:tabLst/>
+              <a:defRPr/>
+            </a:pPr>
+            <a:r>
+              <a:rPr lang="de-DE" altLang="de-DE" baseline="0" dirty="0" smtClean="0"/>
+              <a:t>UI kann ausgetauscht werden (Windows App -&gt; WPF, …)</a:t>
+            </a:r>
+          </a:p>
+          <a:p>
+            <a:pPr marL="0" marR="0" indent="0" algn="l" defTabSz="914400" rtl="0" eaLnBrk="0" fontAlgn="base" latinLnBrk="0" hangingPunct="0">
+              <a:lnSpc>
+                <a:spcPct val="100000"/>
+              </a:lnSpc>
+              <a:spcBef>
+                <a:spcPct val="30000"/>
+              </a:spcBef>
+              <a:spcAft>
+                <a:spcPct val="0"/>
+              </a:spcAft>
+              <a:buClrTx/>
+              <a:buSzTx/>
+              <a:buFontTx/>
+              <a:buNone/>
+              <a:tabLst/>
+              <a:defRPr/>
+            </a:pPr>
+            <a:r>
+              <a:rPr lang="de-DE" altLang="de-DE" baseline="0" dirty="0" smtClean="0"/>
+              <a:t>Unit </a:t>
+            </a:r>
+            <a:r>
+              <a:rPr lang="de-DE" altLang="de-DE" baseline="0" dirty="0" err="1" smtClean="0"/>
+              <a:t>Testing</a:t>
+            </a:r>
+            <a:endParaRPr lang="de-DE" altLang="de-DE" baseline="0" dirty="0" smtClean="0"/>
+          </a:p>
+          <a:p>
+            <a:pPr marL="0" marR="0" indent="0" algn="l" defTabSz="914400" rtl="0" eaLnBrk="0" fontAlgn="base" latinLnBrk="0" hangingPunct="0">
+              <a:lnSpc>
+                <a:spcPct val="100000"/>
+              </a:lnSpc>
+              <a:spcBef>
+                <a:spcPct val="30000"/>
+              </a:spcBef>
+              <a:spcAft>
+                <a:spcPct val="0"/>
+              </a:spcAft>
+              <a:buClrTx/>
+              <a:buSzTx/>
+              <a:buFontTx/>
+              <a:buNone/>
+              <a:tabLst/>
+              <a:defRPr/>
+            </a:pPr>
+            <a:r>
+              <a:rPr lang="de-DE" altLang="de-DE" baseline="0" dirty="0" smtClean="0"/>
+              <a:t>Weniger UI </a:t>
+            </a:r>
+            <a:r>
+              <a:rPr lang="de-DE" altLang="de-DE" baseline="0" dirty="0" err="1" smtClean="0"/>
+              <a:t>code</a:t>
+            </a:r>
             <a:endParaRPr lang="de-DE" altLang="de-DE" dirty="0" smtClean="0"/>
           </a:p>
         </p:txBody>
@@ -3543,7 +3143,7 @@
     </p:spTree>
     <p:extLst>
       <p:ext uri="{BB962C8B-B14F-4D97-AF65-F5344CB8AC3E}">
-        <p14:creationId xmlns:p14="http://schemas.microsoft.com/office/powerpoint/2010/main" val="4256082938"/>
+        <p14:creationId xmlns:p14="http://schemas.microsoft.com/office/powerpoint/2010/main" val="3425383243"/>
       </p:ext>
     </p:extLst>
   </p:cSld>
@@ -3650,7 +3250,7 @@
     </p:spTree>
     <p:extLst>
       <p:ext uri="{BB962C8B-B14F-4D97-AF65-F5344CB8AC3E}">
-        <p14:creationId xmlns:p14="http://schemas.microsoft.com/office/powerpoint/2010/main" val="127894087"/>
+        <p14:creationId xmlns:p14="http://schemas.microsoft.com/office/powerpoint/2010/main" val="1063223986"/>
       </p:ext>
     </p:extLst>
   </p:cSld>
@@ -7163,7 +6763,7 @@
 </file>
 
 <file path=ppt/slides/slide10.xml><?xml version="1.0" encoding="utf-8"?>
-<p:sld xmlns:a="http://schemas.openxmlformats.org/drawingml/2006/main" xmlns:r="http://schemas.openxmlformats.org/officeDocument/2006/relationships" xmlns:p="http://schemas.openxmlformats.org/presentationml/2006/main" show="0">
+<p:sld xmlns:a="http://schemas.openxmlformats.org/drawingml/2006/main" xmlns:r="http://schemas.openxmlformats.org/officeDocument/2006/relationships" xmlns:p="http://schemas.openxmlformats.org/presentationml/2006/main">
   <p:cSld>
     <p:spTree>
       <p:nvGrpSpPr>
@@ -7181,6 +6781,180 @@
       </p:grpSpPr>
       <p:sp>
         <p:nvSpPr>
+          <p:cNvPr id="2" name="Titel 1"/>
+          <p:cNvSpPr>
+            <a:spLocks noGrp="1"/>
+          </p:cNvSpPr>
+          <p:nvPr>
+            <p:ph type="title"/>
+          </p:nvPr>
+        </p:nvSpPr>
+        <p:spPr/>
+        <p:txBody>
+          <a:bodyPr/>
+          <a:lstStyle/>
+          <a:p>
+            <a:pPr>
+              <a:lnSpc>
+                <a:spcPct val="150000"/>
+              </a:lnSpc>
+            </a:pPr>
+            <a:r>
+              <a:rPr lang="de-DE" dirty="0" smtClean="0"/>
+              <a:t>4. </a:t>
+            </a:r>
+            <a:r>
+              <a:rPr lang="de-DE" dirty="0" smtClean="0"/>
+              <a:t>Entwickeln von ViewModels</a:t>
+            </a:r>
+            <a:endParaRPr lang="de-DE" dirty="0"/>
+          </a:p>
+        </p:txBody>
+      </p:sp>
+      <p:sp>
+        <p:nvSpPr>
+          <p:cNvPr id="3" name="Inhaltsplatzhalter 2"/>
+          <p:cNvSpPr>
+            <a:spLocks noGrp="1"/>
+          </p:cNvSpPr>
+          <p:nvPr>
+            <p:ph idx="1"/>
+          </p:nvPr>
+        </p:nvSpPr>
+        <p:spPr/>
+        <p:txBody>
+          <a:bodyPr/>
+          <a:lstStyle/>
+          <a:p>
+            <a:pPr marL="0" indent="0">
+              <a:lnSpc>
+                <a:spcPct val="150000"/>
+              </a:lnSpc>
+              <a:buNone/>
+            </a:pPr>
+            <a:r>
+              <a:rPr lang="de-DE" dirty="0" smtClean="0">
+                <a:solidFill>
+                  <a:schemeClr val="bg2"/>
+                </a:solidFill>
+              </a:rPr>
+              <a:t>5.1</a:t>
+            </a:r>
+            <a:r>
+              <a:rPr lang="de-DE" dirty="0" smtClean="0"/>
+              <a:t> MVVM-Entwurfsmuster</a:t>
+            </a:r>
+          </a:p>
+          <a:p>
+            <a:pPr marL="0" indent="0">
+              <a:lnSpc>
+                <a:spcPct val="150000"/>
+              </a:lnSpc>
+              <a:buNone/>
+            </a:pPr>
+            <a:r>
+              <a:rPr lang="de-DE" dirty="0" smtClean="0">
+                <a:solidFill>
+                  <a:schemeClr val="bg2"/>
+                </a:solidFill>
+              </a:rPr>
+              <a:t>5.2</a:t>
+            </a:r>
+            <a:r>
+              <a:rPr lang="de-DE" dirty="0" smtClean="0"/>
+              <a:t> Datenbindung</a:t>
+            </a:r>
+          </a:p>
+          <a:p>
+            <a:pPr marL="0" indent="0">
+              <a:lnSpc>
+                <a:spcPct val="150000"/>
+              </a:lnSpc>
+              <a:buNone/>
+            </a:pPr>
+            <a:r>
+              <a:rPr lang="de-DE" dirty="0" smtClean="0">
+                <a:solidFill>
+                  <a:schemeClr val="bg2"/>
+                </a:solidFill>
+              </a:rPr>
+              <a:t>5.3</a:t>
+            </a:r>
+            <a:r>
+              <a:rPr lang="de-DE" dirty="0" smtClean="0"/>
+              <a:t> Datenkonvertierung </a:t>
+            </a:r>
+            <a:r>
+              <a:rPr lang="de-DE" dirty="0"/>
+              <a:t>mittels </a:t>
+            </a:r>
+            <a:r>
+              <a:rPr lang="de-DE" dirty="0" err="1" smtClean="0"/>
+              <a:t>IValueConverter</a:t>
+            </a:r>
+            <a:endParaRPr lang="de-DE" dirty="0" smtClean="0"/>
+          </a:p>
+          <a:p>
+            <a:pPr marL="0" indent="0">
+              <a:lnSpc>
+                <a:spcPct val="150000"/>
+              </a:lnSpc>
+              <a:buNone/>
+            </a:pPr>
+            <a:r>
+              <a:rPr lang="de-DE" dirty="0" smtClean="0">
+                <a:solidFill>
+                  <a:schemeClr val="bg2"/>
+                </a:solidFill>
+              </a:rPr>
+              <a:t>5.4</a:t>
+            </a:r>
+            <a:r>
+              <a:rPr lang="de-DE" dirty="0" smtClean="0"/>
+              <a:t> Befehle </a:t>
+            </a:r>
+            <a:r>
+              <a:rPr lang="de-DE" dirty="0"/>
+              <a:t>mit </a:t>
+            </a:r>
+            <a:r>
+              <a:rPr lang="de-DE" dirty="0" err="1" smtClean="0"/>
+              <a:t>ICommand</a:t>
+            </a:r>
+            <a:endParaRPr lang="de-DE" dirty="0" smtClean="0"/>
+          </a:p>
+          <a:p>
+            <a:pPr marL="0" indent="0">
+              <a:lnSpc>
+                <a:spcPct val="150000"/>
+              </a:lnSpc>
+              <a:buNone/>
+            </a:pPr>
+            <a:r>
+              <a:rPr lang="de-DE" dirty="0" smtClean="0">
+                <a:solidFill>
+                  <a:schemeClr val="bg2"/>
+                </a:solidFill>
+              </a:rPr>
+              <a:t>5.5</a:t>
+            </a:r>
+            <a:r>
+              <a:rPr lang="de-DE" dirty="0" smtClean="0"/>
+              <a:t> Hands-On</a:t>
+            </a:r>
+          </a:p>
+          <a:p>
+            <a:pPr>
+              <a:lnSpc>
+                <a:spcPct val="150000"/>
+              </a:lnSpc>
+            </a:pPr>
+            <a:endParaRPr lang="de-DE" dirty="0" smtClean="0"/>
+          </a:p>
+        </p:txBody>
+      </p:sp>
+      <p:sp>
+        <p:nvSpPr>
           <p:cNvPr id="4" name="Foliennummernplatzhalter 3"/>
           <p:cNvSpPr>
             <a:spLocks noGrp="1"/>
@@ -7203,54 +6977,16 @@
           </a:p>
         </p:txBody>
       </p:sp>
-      <p:pic>
-        <p:nvPicPr>
-          <p:cNvPr id="8" name="Grafik 7"/>
-          <p:cNvPicPr>
-            <a:picLocks noChangeAspect="1"/>
-          </p:cNvPicPr>
-          <p:nvPr/>
-        </p:nvPicPr>
-        <p:blipFill>
-          <a:blip r:embed="rId3">
-            <a:extLst>
-              <a:ext uri="{28A0092B-C50C-407E-A947-70E740481C1C}">
-                <a14:useLocalDpi xmlns:a14="http://schemas.microsoft.com/office/drawing/2010/main" val="0"/>
-              </a:ext>
-            </a:extLst>
-          </a:blip>
-          <a:stretch>
-            <a:fillRect/>
-          </a:stretch>
-        </p:blipFill>
-        <p:spPr>
-          <a:xfrm>
-            <a:off x="0" y="2481"/>
-            <a:ext cx="12190413" cy="6857107"/>
-          </a:xfrm>
-          <a:prstGeom prst="rect">
-            <a:avLst/>
-          </a:prstGeom>
-        </p:spPr>
-      </p:pic>
     </p:spTree>
     <p:extLst>
       <p:ext uri="{BB962C8B-B14F-4D97-AF65-F5344CB8AC3E}">
-        <p14:creationId xmlns:p14="http://schemas.microsoft.com/office/powerpoint/2010/main" val="3668835715"/>
+        <p14:creationId xmlns:p14="http://schemas.microsoft.com/office/powerpoint/2010/main" val="1769433813"/>
       </p:ext>
     </p:extLst>
   </p:cSld>
   <p:clrMapOvr>
     <a:masterClrMapping/>
   </p:clrMapOvr>
-  <mc:AlternateContent xmlns:mc="http://schemas.openxmlformats.org/markup-compatibility/2006" xmlns:p14="http://schemas.microsoft.com/office/powerpoint/2010/main">
-    <mc:Choice Requires="p14">
-      <p:transition spd="slow" p14:dur="2000"/>
-    </mc:Choice>
-    <mc:Fallback xmlns="">
-      <p:transition spd="slow"/>
-    </mc:Fallback>
-  </mc:AlternateContent>
   <p:timing>
     <p:tnLst>
       <p:par>
@@ -7280,6 +7016,154 @@
       </p:grpSpPr>
       <p:sp>
         <p:nvSpPr>
+          <p:cNvPr id="2" name="Titel 1"/>
+          <p:cNvSpPr>
+            <a:spLocks noGrp="1"/>
+          </p:cNvSpPr>
+          <p:nvPr>
+            <p:ph type="title"/>
+          </p:nvPr>
+        </p:nvSpPr>
+        <p:spPr/>
+        <p:txBody>
+          <a:bodyPr/>
+          <a:lstStyle/>
+          <a:p>
+            <a:pPr>
+              <a:lnSpc>
+                <a:spcPct val="150000"/>
+              </a:lnSpc>
+            </a:pPr>
+            <a:r>
+              <a:rPr lang="de-DE" dirty="0" smtClean="0"/>
+              <a:t>4.1 </a:t>
+            </a:r>
+            <a:r>
+              <a:rPr lang="de-DE" dirty="0" smtClean="0"/>
+              <a:t>MVVM-Entwurfsmuster</a:t>
+            </a:r>
+            <a:endParaRPr lang="de-DE" dirty="0"/>
+          </a:p>
+        </p:txBody>
+      </p:sp>
+      <p:sp>
+        <p:nvSpPr>
+          <p:cNvPr id="3" name="Inhaltsplatzhalter 2"/>
+          <p:cNvSpPr>
+            <a:spLocks noGrp="1"/>
+          </p:cNvSpPr>
+          <p:nvPr>
+            <p:ph idx="1"/>
+          </p:nvPr>
+        </p:nvSpPr>
+        <p:spPr/>
+        <p:txBody>
+          <a:bodyPr/>
+          <a:lstStyle/>
+          <a:p>
+            <a:pPr>
+              <a:lnSpc>
+                <a:spcPct val="150000"/>
+              </a:lnSpc>
+            </a:pPr>
+            <a:r>
+              <a:rPr lang="de-DE" dirty="0" smtClean="0"/>
+              <a:t>Model-View-ViewModel</a:t>
+            </a:r>
+          </a:p>
+          <a:p>
+            <a:pPr>
+              <a:lnSpc>
+                <a:spcPct val="150000"/>
+              </a:lnSpc>
+            </a:pPr>
+            <a:r>
+              <a:rPr lang="de-DE" dirty="0" smtClean="0"/>
+              <a:t>Model = Daten</a:t>
+            </a:r>
+          </a:p>
+          <a:p>
+            <a:pPr>
+              <a:lnSpc>
+                <a:spcPct val="150000"/>
+              </a:lnSpc>
+            </a:pPr>
+            <a:r>
+              <a:rPr lang="de-DE" dirty="0" smtClean="0"/>
+              <a:t>View = Benutzeroberfläche (UI)</a:t>
+            </a:r>
+          </a:p>
+          <a:p>
+            <a:pPr>
+              <a:lnSpc>
+                <a:spcPct val="150000"/>
+              </a:lnSpc>
+            </a:pPr>
+            <a:r>
+              <a:rPr lang="de-DE" dirty="0" smtClean="0"/>
+              <a:t>ViewModel (VM)</a:t>
+            </a:r>
+          </a:p>
+          <a:p>
+            <a:pPr lvl="1">
+              <a:lnSpc>
+                <a:spcPct val="150000"/>
+              </a:lnSpc>
+            </a:pPr>
+            <a:r>
+              <a:rPr lang="de-DE" dirty="0" smtClean="0"/>
+              <a:t>Daten werden im VM gehalten und auf der</a:t>
+            </a:r>
+            <a:br>
+              <a:rPr lang="de-DE" dirty="0" smtClean="0"/>
+            </a:br>
+            <a:r>
+              <a:rPr lang="de-DE" dirty="0" smtClean="0"/>
+              <a:t>Benutzeroberfläche angezeigt (Datenbindung)</a:t>
+            </a:r>
+          </a:p>
+          <a:p>
+            <a:pPr lvl="1">
+              <a:lnSpc>
+                <a:spcPct val="150000"/>
+              </a:lnSpc>
+            </a:pPr>
+            <a:r>
+              <a:rPr lang="de-DE" dirty="0" smtClean="0"/>
+              <a:t>Verwendet Services um Daten abzurufen</a:t>
+            </a:r>
+          </a:p>
+          <a:p>
+            <a:pPr lvl="1">
+              <a:lnSpc>
+                <a:spcPct val="150000"/>
+              </a:lnSpc>
+            </a:pPr>
+            <a:r>
+              <a:rPr lang="de-DE" dirty="0" smtClean="0"/>
+              <a:t>Beinhaltet auch Geschäftslogik für </a:t>
+            </a:r>
+            <a:r>
+              <a:rPr lang="de-DE" i="1" dirty="0" smtClean="0"/>
+              <a:t>Commands</a:t>
+            </a:r>
+            <a:r>
+              <a:rPr lang="de-DE" dirty="0"/>
+              <a:t/>
+            </a:r>
+            <a:br>
+              <a:rPr lang="de-DE" dirty="0"/>
+            </a:br>
+            <a:r>
+              <a:rPr lang="de-DE" dirty="0" smtClean="0"/>
+              <a:t>von der View</a:t>
+            </a:r>
+            <a:endParaRPr lang="de-DE" dirty="0"/>
+          </a:p>
+        </p:txBody>
+      </p:sp>
+      <p:sp>
+        <p:nvSpPr>
           <p:cNvPr id="4" name="Foliennummernplatzhalter 3"/>
           <p:cNvSpPr>
             <a:spLocks noGrp="1"/>
@@ -7297,1561 +7181,6 @@
               <a:rPr lang="en-US" smtClean="0"/>
               <a:pPr/>
               <a:t>11</a:t>
-            </a:fld>
-            <a:endParaRPr lang="en-US"/>
-          </a:p>
-        </p:txBody>
-      </p:sp>
-      <p:pic>
-        <p:nvPicPr>
-          <p:cNvPr id="3" name="Grafik 2"/>
-          <p:cNvPicPr>
-            <a:picLocks noChangeAspect="1"/>
-          </p:cNvPicPr>
-          <p:nvPr/>
-        </p:nvPicPr>
-        <p:blipFill rotWithShape="1">
-          <a:blip r:embed="rId3">
-            <a:extLst>
-              <a:ext uri="{28A0092B-C50C-407E-A947-70E740481C1C}">
-                <a14:useLocalDpi xmlns:a14="http://schemas.microsoft.com/office/drawing/2010/main" val="0"/>
-              </a:ext>
-            </a:extLst>
-          </a:blip>
-          <a:srcRect l="1663" t="141" r="3447" b="-141"/>
-          <a:stretch/>
-        </p:blipFill>
-        <p:spPr>
-          <a:xfrm>
-            <a:off x="-1" y="-581025"/>
-            <a:ext cx="12190413" cy="6873014"/>
-          </a:xfrm>
-          <a:prstGeom prst="rect">
-            <a:avLst/>
-          </a:prstGeom>
-        </p:spPr>
-      </p:pic>
-      <p:sp>
-        <p:nvSpPr>
-          <p:cNvPr id="2" name="Rechteck 1"/>
-          <p:cNvSpPr/>
-          <p:nvPr/>
-        </p:nvSpPr>
-        <p:spPr>
-          <a:xfrm>
-            <a:off x="65087" y="-466725"/>
-            <a:ext cx="12036425" cy="1381125"/>
-          </a:xfrm>
-          <a:prstGeom prst="rect">
-            <a:avLst/>
-          </a:prstGeom>
-          <a:solidFill>
-            <a:srgbClr val="0073C0"/>
-          </a:solidFill>
-          <a:ln>
-            <a:noFill/>
-          </a:ln>
-        </p:spPr>
-        <p:style>
-          <a:lnRef idx="2">
-            <a:schemeClr val="accent1">
-              <a:shade val="50000"/>
-            </a:schemeClr>
-          </a:lnRef>
-          <a:fillRef idx="1">
-            <a:schemeClr val="accent1"/>
-          </a:fillRef>
-          <a:effectRef idx="0">
-            <a:schemeClr val="accent1"/>
-          </a:effectRef>
-          <a:fontRef idx="minor">
-            <a:schemeClr val="lt1"/>
-          </a:fontRef>
-        </p:style>
-        <p:txBody>
-          <a:bodyPr rtlCol="0" anchor="ctr"/>
-          <a:lstStyle/>
-          <a:p>
-            <a:pPr algn="ctr"/>
-            <a:endParaRPr lang="de-DE" sz="1400" dirty="0" err="1" smtClean="0">
-              <a:solidFill>
-                <a:schemeClr val="accent3"/>
-              </a:solidFill>
-            </a:endParaRPr>
-          </a:p>
-        </p:txBody>
-      </p:sp>
-      <p:sp>
-        <p:nvSpPr>
-          <p:cNvPr id="5" name="Rechteck 4"/>
-          <p:cNvSpPr/>
-          <p:nvPr/>
-        </p:nvSpPr>
-        <p:spPr>
-          <a:xfrm>
-            <a:off x="-1" y="5478463"/>
-            <a:ext cx="12190413" cy="1381125"/>
-          </a:xfrm>
-          <a:prstGeom prst="rect">
-            <a:avLst/>
-          </a:prstGeom>
-          <a:solidFill>
-            <a:srgbClr val="0073C0"/>
-          </a:solidFill>
-          <a:ln>
-            <a:noFill/>
-          </a:ln>
-        </p:spPr>
-        <p:style>
-          <a:lnRef idx="2">
-            <a:schemeClr val="accent1">
-              <a:shade val="50000"/>
-            </a:schemeClr>
-          </a:lnRef>
-          <a:fillRef idx="1">
-            <a:schemeClr val="accent1"/>
-          </a:fillRef>
-          <a:effectRef idx="0">
-            <a:schemeClr val="accent1"/>
-          </a:effectRef>
-          <a:fontRef idx="minor">
-            <a:schemeClr val="lt1"/>
-          </a:fontRef>
-        </p:style>
-        <p:txBody>
-          <a:bodyPr rtlCol="0" anchor="ctr"/>
-          <a:lstStyle/>
-          <a:p>
-            <a:pPr algn="ctr"/>
-            <a:endParaRPr lang="de-DE" sz="1400" dirty="0" err="1" smtClean="0">
-              <a:solidFill>
-                <a:schemeClr val="accent3"/>
-              </a:solidFill>
-            </a:endParaRPr>
-          </a:p>
-        </p:txBody>
-      </p:sp>
-    </p:spTree>
-    <p:extLst>
-      <p:ext uri="{BB962C8B-B14F-4D97-AF65-F5344CB8AC3E}">
-        <p14:creationId xmlns:p14="http://schemas.microsoft.com/office/powerpoint/2010/main" val="1388420440"/>
-      </p:ext>
-    </p:extLst>
-  </p:cSld>
-  <p:clrMapOvr>
-    <a:masterClrMapping/>
-  </p:clrMapOvr>
-  <p:timing>
-    <p:tnLst>
-      <p:par>
-        <p:cTn id="1" dur="indefinite" restart="never" nodeType="tmRoot"/>
-      </p:par>
-    </p:tnLst>
-  </p:timing>
-</p:sld>
-</file>
-
-<file path=ppt/slides/slide12.xml><?xml version="1.0" encoding="utf-8"?>
-<p:sld xmlns:a="http://schemas.openxmlformats.org/drawingml/2006/main" xmlns:r="http://schemas.openxmlformats.org/officeDocument/2006/relationships" xmlns:p="http://schemas.openxmlformats.org/presentationml/2006/main" show="0">
-  <p:cSld>
-    <p:spTree>
-      <p:nvGrpSpPr>
-        <p:cNvPr id="1" name=""/>
-        <p:cNvGrpSpPr/>
-        <p:nvPr/>
-      </p:nvGrpSpPr>
-      <p:grpSpPr>
-        <a:xfrm>
-          <a:off x="0" y="0"/>
-          <a:ext cx="0" cy="0"/>
-          <a:chOff x="0" y="0"/>
-          <a:chExt cx="0" cy="0"/>
-        </a:xfrm>
-      </p:grpSpPr>
-      <p:sp>
-        <p:nvSpPr>
-          <p:cNvPr id="2" name="Titel 1"/>
-          <p:cNvSpPr>
-            <a:spLocks noGrp="1"/>
-          </p:cNvSpPr>
-          <p:nvPr>
-            <p:ph type="title"/>
-          </p:nvPr>
-        </p:nvSpPr>
-        <p:spPr/>
-        <p:txBody>
-          <a:bodyPr/>
-          <a:lstStyle/>
-          <a:p>
-            <a:pPr>
-              <a:lnSpc>
-                <a:spcPct val="150000"/>
-              </a:lnSpc>
-            </a:pPr>
-            <a:r>
-              <a:rPr lang="de-DE" dirty="0" smtClean="0"/>
-              <a:t>3. Exkurs: Windows Universal Plattform</a:t>
-            </a:r>
-            <a:endParaRPr lang="de-DE" dirty="0"/>
-          </a:p>
-        </p:txBody>
-      </p:sp>
-      <p:sp>
-        <p:nvSpPr>
-          <p:cNvPr id="3" name="Inhaltsplatzhalter 2"/>
-          <p:cNvSpPr>
-            <a:spLocks noGrp="1"/>
-          </p:cNvSpPr>
-          <p:nvPr>
-            <p:ph idx="1"/>
-          </p:nvPr>
-        </p:nvSpPr>
-        <p:spPr/>
-        <p:txBody>
-          <a:bodyPr/>
-          <a:lstStyle/>
-          <a:p>
-            <a:pPr>
-              <a:lnSpc>
-                <a:spcPct val="150000"/>
-              </a:lnSpc>
-            </a:pPr>
-            <a:r>
-              <a:rPr lang="de-DE" altLang="de-DE" dirty="0" smtClean="0"/>
-              <a:t>Gleicher Quellcode für Geschäftslogik</a:t>
-            </a:r>
-          </a:p>
-          <a:p>
-            <a:pPr>
-              <a:lnSpc>
-                <a:spcPct val="150000"/>
-              </a:lnSpc>
-            </a:pPr>
-            <a:r>
-              <a:rPr lang="de-DE" altLang="de-DE" dirty="0"/>
-              <a:t>APIs jeder Plattform </a:t>
-            </a:r>
-            <a:r>
-              <a:rPr lang="de-DE" altLang="de-DE" dirty="0" smtClean="0"/>
-              <a:t>nutzbar</a:t>
-            </a:r>
-          </a:p>
-          <a:p>
-            <a:pPr>
-              <a:lnSpc>
-                <a:spcPct val="150000"/>
-              </a:lnSpc>
-            </a:pPr>
-            <a:r>
-              <a:rPr lang="de-DE" altLang="de-DE" dirty="0" smtClean="0"/>
-              <a:t>Adaptives UI (vgl. Media Queries in CSS)</a:t>
-            </a:r>
-          </a:p>
-          <a:p>
-            <a:pPr>
-              <a:lnSpc>
-                <a:spcPct val="150000"/>
-              </a:lnSpc>
-            </a:pPr>
-            <a:r>
-              <a:rPr lang="de-DE" altLang="de-DE" dirty="0" smtClean="0"/>
-              <a:t>Sehr gute Unterstützung durch Visual Studio</a:t>
-            </a:r>
-          </a:p>
-          <a:p>
-            <a:pPr lvl="1">
-              <a:lnSpc>
-                <a:spcPct val="150000"/>
-              </a:lnSpc>
-            </a:pPr>
-            <a:r>
-              <a:rPr lang="de-DE" altLang="de-DE" dirty="0" smtClean="0"/>
-              <a:t>Emulator</a:t>
-            </a:r>
-          </a:p>
-          <a:p>
-            <a:pPr lvl="1">
-              <a:lnSpc>
-                <a:spcPct val="150000"/>
-              </a:lnSpc>
-            </a:pPr>
-            <a:r>
-              <a:rPr lang="de-DE" altLang="de-DE" dirty="0" smtClean="0"/>
-              <a:t>Design Time</a:t>
-            </a:r>
-          </a:p>
-          <a:p>
-            <a:pPr marL="0" indent="0">
-              <a:lnSpc>
-                <a:spcPct val="150000"/>
-              </a:lnSpc>
-              <a:buNone/>
-            </a:pPr>
-            <a:endParaRPr lang="de-DE" altLang="de-DE" dirty="0" smtClean="0"/>
-          </a:p>
-        </p:txBody>
-      </p:sp>
-      <p:sp>
-        <p:nvSpPr>
-          <p:cNvPr id="4" name="Foliennummernplatzhalter 3"/>
-          <p:cNvSpPr>
-            <a:spLocks noGrp="1"/>
-          </p:cNvSpPr>
-          <p:nvPr>
-            <p:ph type="sldNum" sz="quarter" idx="12"/>
-          </p:nvPr>
-        </p:nvSpPr>
-        <p:spPr/>
-        <p:txBody>
-          <a:bodyPr/>
-          <a:lstStyle/>
-          <a:p>
-            <a:fld id="{8F35CB8A-22DD-4279-9E9E-A49CDB5FBE56}" type="slidenum">
-              <a:rPr lang="en-US" smtClean="0"/>
-              <a:pPr/>
-              <a:t>12</a:t>
-            </a:fld>
-            <a:endParaRPr lang="en-US"/>
-          </a:p>
-        </p:txBody>
-      </p:sp>
-      <p:pic>
-        <p:nvPicPr>
-          <p:cNvPr id="6" name="Grafik 5"/>
-          <p:cNvPicPr>
-            <a:picLocks noChangeAspect="1"/>
-          </p:cNvPicPr>
-          <p:nvPr/>
-        </p:nvPicPr>
-        <p:blipFill>
-          <a:blip r:embed="rId3">
-            <a:extLst>
-              <a:ext uri="{28A0092B-C50C-407E-A947-70E740481C1C}">
-                <a14:useLocalDpi xmlns:a14="http://schemas.microsoft.com/office/drawing/2010/main" val="0"/>
-              </a:ext>
-            </a:extLst>
-          </a:blip>
-          <a:stretch>
-            <a:fillRect/>
-          </a:stretch>
-        </p:blipFill>
-        <p:spPr>
-          <a:xfrm>
-            <a:off x="6818488" y="1341753"/>
-            <a:ext cx="3801005" cy="4382112"/>
-          </a:xfrm>
-          <a:prstGeom prst="rect">
-            <a:avLst/>
-          </a:prstGeom>
-        </p:spPr>
-      </p:pic>
-      <p:sp>
-        <p:nvSpPr>
-          <p:cNvPr id="7" name="Textfeld 6"/>
-          <p:cNvSpPr txBox="1"/>
-          <p:nvPr/>
-        </p:nvSpPr>
-        <p:spPr>
-          <a:xfrm>
-            <a:off x="9091511" y="5569976"/>
-            <a:ext cx="1527982" cy="307777"/>
-          </a:xfrm>
-          <a:prstGeom prst="rect">
-            <a:avLst/>
-          </a:prstGeom>
-          <a:noFill/>
-        </p:spPr>
-        <p:txBody>
-          <a:bodyPr wrap="none" rtlCol="0">
-            <a:spAutoFit/>
-          </a:bodyPr>
-          <a:lstStyle/>
-          <a:p>
-            <a:r>
-              <a:rPr lang="de-DE" sz="1400" dirty="0" smtClean="0">
-                <a:solidFill>
-                  <a:schemeClr val="accent3"/>
-                </a:solidFill>
-              </a:rPr>
-              <a:t>Quelle: Microsoft</a:t>
-            </a:r>
-          </a:p>
-        </p:txBody>
-      </p:sp>
-    </p:spTree>
-    <p:extLst>
-      <p:ext uri="{BB962C8B-B14F-4D97-AF65-F5344CB8AC3E}">
-        <p14:creationId xmlns:p14="http://schemas.microsoft.com/office/powerpoint/2010/main" val="3343172451"/>
-      </p:ext>
-    </p:extLst>
-  </p:cSld>
-  <p:clrMapOvr>
-    <a:masterClrMapping/>
-  </p:clrMapOvr>
-  <mc:AlternateContent xmlns:mc="http://schemas.openxmlformats.org/markup-compatibility/2006" xmlns:p14="http://schemas.microsoft.com/office/powerpoint/2010/main">
-    <mc:Choice Requires="p14">
-      <p:transition spd="slow" p14:dur="2000"/>
-    </mc:Choice>
-    <mc:Fallback xmlns="">
-      <p:transition spd="slow"/>
-    </mc:Fallback>
-  </mc:AlternateContent>
-  <p:timing>
-    <p:tnLst>
-      <p:par>
-        <p:cTn id="1" dur="indefinite" restart="never" nodeType="tmRoot"/>
-      </p:par>
-    </p:tnLst>
-  </p:timing>
-</p:sld>
-</file>
-
-<file path=ppt/slides/slide13.xml><?xml version="1.0" encoding="utf-8"?>
-<p:sld xmlns:a="http://schemas.openxmlformats.org/drawingml/2006/main" xmlns:r="http://schemas.openxmlformats.org/officeDocument/2006/relationships" xmlns:p="http://schemas.openxmlformats.org/presentationml/2006/main">
-  <p:cSld>
-    <p:spTree>
-      <p:nvGrpSpPr>
-        <p:cNvPr id="1" name=""/>
-        <p:cNvGrpSpPr/>
-        <p:nvPr/>
-      </p:nvGrpSpPr>
-      <p:grpSpPr>
-        <a:xfrm>
-          <a:off x="0" y="0"/>
-          <a:ext cx="0" cy="0"/>
-          <a:chOff x="0" y="0"/>
-          <a:chExt cx="0" cy="0"/>
-        </a:xfrm>
-      </p:grpSpPr>
-      <p:sp>
-        <p:nvSpPr>
-          <p:cNvPr id="2" name="Titel 1"/>
-          <p:cNvSpPr>
-            <a:spLocks noGrp="1"/>
-          </p:cNvSpPr>
-          <p:nvPr>
-            <p:ph type="title"/>
-          </p:nvPr>
-        </p:nvSpPr>
-        <p:spPr/>
-        <p:txBody>
-          <a:bodyPr/>
-          <a:lstStyle/>
-          <a:p>
-            <a:pPr>
-              <a:lnSpc>
-                <a:spcPct val="150000"/>
-              </a:lnSpc>
-            </a:pPr>
-            <a:r>
-              <a:rPr lang="de-DE" dirty="0"/>
-              <a:t>4. Projektsetup und Erstellung der </a:t>
-            </a:r>
-            <a:r>
-              <a:rPr lang="de-DE" dirty="0" smtClean="0"/>
-              <a:t>Views</a:t>
-            </a:r>
-            <a:endParaRPr lang="de-DE" dirty="0"/>
-          </a:p>
-        </p:txBody>
-      </p:sp>
-      <p:sp>
-        <p:nvSpPr>
-          <p:cNvPr id="3" name="Inhaltsplatzhalter 2"/>
-          <p:cNvSpPr>
-            <a:spLocks noGrp="1"/>
-          </p:cNvSpPr>
-          <p:nvPr>
-            <p:ph idx="1"/>
-          </p:nvPr>
-        </p:nvSpPr>
-        <p:spPr>
-          <a:xfrm>
-            <a:off x="587304" y="1341753"/>
-            <a:ext cx="10968110" cy="5257347"/>
-          </a:xfrm>
-        </p:spPr>
-        <p:txBody>
-          <a:bodyPr/>
-          <a:lstStyle/>
-          <a:p>
-            <a:pPr>
-              <a:lnSpc>
-                <a:spcPct val="150000"/>
-              </a:lnSpc>
-            </a:pPr>
-            <a:r>
-              <a:rPr lang="de-DE" dirty="0"/>
-              <a:t>Projekttypen / Projektaufbau in </a:t>
-            </a:r>
-            <a:r>
-              <a:rPr lang="de-DE" dirty="0" smtClean="0"/>
-              <a:t>Visual Studio</a:t>
-            </a:r>
-          </a:p>
-          <a:p>
-            <a:pPr lvl="1">
-              <a:lnSpc>
-                <a:spcPct val="150000"/>
-              </a:lnSpc>
-            </a:pPr>
-            <a:r>
-              <a:rPr lang="de-DE" dirty="0" smtClean="0"/>
-              <a:t>Windows Phone Projekt</a:t>
-            </a:r>
-            <a:endParaRPr lang="de-DE" dirty="0"/>
-          </a:p>
-          <a:p>
-            <a:pPr>
-              <a:lnSpc>
-                <a:spcPct val="150000"/>
-              </a:lnSpc>
-            </a:pPr>
-            <a:r>
-              <a:rPr lang="de-DE" dirty="0"/>
-              <a:t>XAML </a:t>
-            </a:r>
-            <a:endParaRPr lang="de-DE" dirty="0" smtClean="0"/>
-          </a:p>
-          <a:p>
-            <a:pPr lvl="1">
-              <a:lnSpc>
-                <a:spcPct val="150000"/>
-              </a:lnSpc>
-            </a:pPr>
-            <a:r>
-              <a:rPr lang="de-DE" dirty="0" smtClean="0"/>
-              <a:t>Views</a:t>
-            </a:r>
-          </a:p>
-          <a:p>
-            <a:pPr lvl="1">
-              <a:lnSpc>
-                <a:spcPct val="150000"/>
-              </a:lnSpc>
-            </a:pPr>
-            <a:r>
-              <a:rPr lang="de-DE" dirty="0" smtClean="0"/>
-              <a:t>Gültiges XML</a:t>
-            </a:r>
-          </a:p>
-          <a:p>
-            <a:pPr lvl="1">
-              <a:lnSpc>
-                <a:spcPct val="150000"/>
-              </a:lnSpc>
-            </a:pPr>
-            <a:r>
-              <a:rPr lang="de-DE" dirty="0" smtClean="0"/>
-              <a:t>XML-Namensräume</a:t>
-            </a:r>
-          </a:p>
-          <a:p>
-            <a:pPr lvl="1">
-              <a:lnSpc>
-                <a:spcPct val="150000"/>
-              </a:lnSpc>
-            </a:pPr>
-            <a:r>
-              <a:rPr lang="de-DE" dirty="0" smtClean="0"/>
-              <a:t>Elemente / Attribute</a:t>
-            </a:r>
-            <a:endParaRPr lang="de-DE" dirty="0"/>
-          </a:p>
-          <a:p>
-            <a:pPr>
-              <a:lnSpc>
-                <a:spcPct val="150000"/>
-              </a:lnSpc>
-            </a:pPr>
-            <a:r>
-              <a:rPr lang="de-DE" dirty="0" smtClean="0"/>
-              <a:t>Hands-On</a:t>
-            </a:r>
-          </a:p>
-          <a:p>
-            <a:pPr lvl="1">
-              <a:lnSpc>
-                <a:spcPct val="150000"/>
-              </a:lnSpc>
-            </a:pPr>
-            <a:r>
-              <a:rPr lang="de-DE" dirty="0" smtClean="0"/>
-              <a:t>Ein Visual Studio Projekt für Windows Phone erstellen</a:t>
-            </a:r>
-            <a:endParaRPr lang="de-DE" dirty="0"/>
-          </a:p>
-          <a:p>
-            <a:pPr lvl="1">
-              <a:lnSpc>
-                <a:spcPct val="150000"/>
-              </a:lnSpc>
-            </a:pPr>
-            <a:r>
-              <a:rPr lang="de-DE" dirty="0" smtClean="0"/>
-              <a:t>Eine Entwicklerlizenz beantragen</a:t>
-            </a:r>
-          </a:p>
-          <a:p>
-            <a:pPr lvl="1">
-              <a:lnSpc>
-                <a:spcPct val="150000"/>
-              </a:lnSpc>
-            </a:pPr>
-            <a:r>
-              <a:rPr lang="de-DE" dirty="0" smtClean="0"/>
-              <a:t>Die Hauptseite der App mit XAML erstellen</a:t>
-            </a:r>
-          </a:p>
-          <a:p>
-            <a:pPr lvl="1">
-              <a:lnSpc>
-                <a:spcPct val="150000"/>
-              </a:lnSpc>
-            </a:pPr>
-            <a:r>
-              <a:rPr lang="de-DE" dirty="0" smtClean="0"/>
-              <a:t>Die In-App-Navigation einrichten</a:t>
-            </a:r>
-            <a:endParaRPr lang="de-DE" dirty="0"/>
-          </a:p>
-          <a:p>
-            <a:pPr marL="342900" indent="-342900">
-              <a:lnSpc>
-                <a:spcPct val="150000"/>
-              </a:lnSpc>
-              <a:buFont typeface="+mj-lt"/>
-              <a:buAutoNum type="arabicPeriod"/>
-            </a:pPr>
-            <a:endParaRPr lang="de-DE" dirty="0"/>
-          </a:p>
-        </p:txBody>
-      </p:sp>
-      <p:sp>
-        <p:nvSpPr>
-          <p:cNvPr id="4" name="Foliennummernplatzhalter 3"/>
-          <p:cNvSpPr>
-            <a:spLocks noGrp="1"/>
-          </p:cNvSpPr>
-          <p:nvPr>
-            <p:ph type="sldNum" sz="quarter" idx="12"/>
-          </p:nvPr>
-        </p:nvSpPr>
-        <p:spPr/>
-        <p:txBody>
-          <a:bodyPr/>
-          <a:lstStyle/>
-          <a:p>
-            <a:fld id="{8F35CB8A-22DD-4279-9E9E-A49CDB5FBE56}" type="slidenum">
-              <a:rPr lang="en-US" smtClean="0"/>
-              <a:pPr/>
-              <a:t>13</a:t>
-            </a:fld>
-            <a:endParaRPr lang="en-US"/>
-          </a:p>
-        </p:txBody>
-      </p:sp>
-    </p:spTree>
-    <p:extLst>
-      <p:ext uri="{BB962C8B-B14F-4D97-AF65-F5344CB8AC3E}">
-        <p14:creationId xmlns:p14="http://schemas.microsoft.com/office/powerpoint/2010/main" val="559050347"/>
-      </p:ext>
-    </p:extLst>
-  </p:cSld>
-  <p:clrMapOvr>
-    <a:masterClrMapping/>
-  </p:clrMapOvr>
-  <p:timing>
-    <p:tnLst>
-      <p:par>
-        <p:cTn id="1" dur="indefinite" restart="never" nodeType="tmRoot">
-          <p:childTnLst>
-            <p:seq concurrent="1" nextAc="seek">
-              <p:cTn id="2" dur="indefinite" nodeType="mainSeq">
-                <p:childTnLst>
-                  <p:par>
-                    <p:cTn id="3" fill="hold">
-                      <p:stCondLst>
-                        <p:cond delay="indefinite"/>
-                        <p:cond evt="onBegin" delay="0">
-                          <p:tn val="2"/>
-                        </p:cond>
-                      </p:stCondLst>
-                      <p:childTnLst>
-                        <p:par>
-                          <p:cTn id="4" fill="hold">
-                            <p:stCondLst>
-                              <p:cond delay="0"/>
-                            </p:stCondLst>
-                            <p:childTnLst>
-                              <p:par>
-                                <p:cTn id="5" presetID="1" presetClass="entr" presetSubtype="0" fill="hold" nodeType="withEffect">
-                                  <p:stCondLst>
-                                    <p:cond delay="0"/>
-                                  </p:stCondLst>
-                                  <p:childTnLst>
-                                    <p:set>
-                                      <p:cBhvr>
-                                        <p:cTn id="6" dur="1" fill="hold">
-                                          <p:stCondLst>
-                                            <p:cond delay="0"/>
-                                          </p:stCondLst>
-                                        </p:cTn>
-                                        <p:tgtEl>
-                                          <p:spTgt spid="3">
-                                            <p:txEl>
-                                              <p:pRg st="0" end="0"/>
-                                            </p:txEl>
-                                          </p:spTgt>
-                                        </p:tgtEl>
-                                        <p:attrNameLst>
-                                          <p:attrName>style.visibility</p:attrName>
-                                        </p:attrNameLst>
-                                      </p:cBhvr>
-                                      <p:to>
-                                        <p:strVal val="visible"/>
-                                      </p:to>
-                                    </p:set>
-                                  </p:childTnLst>
-                                </p:cTn>
-                              </p:par>
-                              <p:par>
-                                <p:cTn id="7" presetID="1" presetClass="entr" presetSubtype="0" fill="hold" nodeType="withEffect">
-                                  <p:stCondLst>
-                                    <p:cond delay="0"/>
-                                  </p:stCondLst>
-                                  <p:childTnLst>
-                                    <p:set>
-                                      <p:cBhvr>
-                                        <p:cTn id="8" dur="1" fill="hold">
-                                          <p:stCondLst>
-                                            <p:cond delay="0"/>
-                                          </p:stCondLst>
-                                        </p:cTn>
-                                        <p:tgtEl>
-                                          <p:spTgt spid="3">
-                                            <p:txEl>
-                                              <p:pRg st="1" end="1"/>
-                                            </p:txEl>
-                                          </p:spTgt>
-                                        </p:tgtEl>
-                                        <p:attrNameLst>
-                                          <p:attrName>style.visibility</p:attrName>
-                                        </p:attrNameLst>
-                                      </p:cBhvr>
-                                      <p:to>
-                                        <p:strVal val="visible"/>
-                                      </p:to>
-                                    </p:set>
-                                  </p:childTnLst>
-                                </p:cTn>
-                              </p:par>
-                            </p:childTnLst>
-                          </p:cTn>
-                        </p:par>
-                      </p:childTnLst>
-                    </p:cTn>
-                  </p:par>
-                  <p:par>
-                    <p:cTn id="9" fill="hold">
-                      <p:stCondLst>
-                        <p:cond delay="indefinite"/>
-                      </p:stCondLst>
-                      <p:childTnLst>
-                        <p:par>
-                          <p:cTn id="10" fill="hold">
-                            <p:stCondLst>
-                              <p:cond delay="0"/>
-                            </p:stCondLst>
-                            <p:childTnLst>
-                              <p:par>
-                                <p:cTn id="11" presetID="1" presetClass="entr" presetSubtype="0" fill="hold" nodeType="clickEffect">
-                                  <p:stCondLst>
-                                    <p:cond delay="0"/>
-                                  </p:stCondLst>
-                                  <p:childTnLst>
-                                    <p:set>
-                                      <p:cBhvr>
-                                        <p:cTn id="12" dur="1" fill="hold">
-                                          <p:stCondLst>
-                                            <p:cond delay="0"/>
-                                          </p:stCondLst>
-                                        </p:cTn>
-                                        <p:tgtEl>
-                                          <p:spTgt spid="3">
-                                            <p:txEl>
-                                              <p:pRg st="2" end="2"/>
-                                            </p:txEl>
-                                          </p:spTgt>
-                                        </p:tgtEl>
-                                        <p:attrNameLst>
-                                          <p:attrName>style.visibility</p:attrName>
-                                        </p:attrNameLst>
-                                      </p:cBhvr>
-                                      <p:to>
-                                        <p:strVal val="visible"/>
-                                      </p:to>
-                                    </p:set>
-                                  </p:childTnLst>
-                                </p:cTn>
-                              </p:par>
-                            </p:childTnLst>
-                          </p:cTn>
-                        </p:par>
-                      </p:childTnLst>
-                    </p:cTn>
-                  </p:par>
-                  <p:par>
-                    <p:cTn id="13" fill="hold">
-                      <p:stCondLst>
-                        <p:cond delay="indefinite"/>
-                      </p:stCondLst>
-                      <p:childTnLst>
-                        <p:par>
-                          <p:cTn id="14" fill="hold">
-                            <p:stCondLst>
-                              <p:cond delay="0"/>
-                            </p:stCondLst>
-                            <p:childTnLst>
-                              <p:par>
-                                <p:cTn id="15" presetID="1" presetClass="entr" presetSubtype="0" fill="hold" nodeType="clickEffect">
-                                  <p:stCondLst>
-                                    <p:cond delay="0"/>
-                                  </p:stCondLst>
-                                  <p:childTnLst>
-                                    <p:set>
-                                      <p:cBhvr>
-                                        <p:cTn id="16" dur="1" fill="hold">
-                                          <p:stCondLst>
-                                            <p:cond delay="0"/>
-                                          </p:stCondLst>
-                                        </p:cTn>
-                                        <p:tgtEl>
-                                          <p:spTgt spid="3">
-                                            <p:txEl>
-                                              <p:pRg st="3" end="3"/>
-                                            </p:txEl>
-                                          </p:spTgt>
-                                        </p:tgtEl>
-                                        <p:attrNameLst>
-                                          <p:attrName>style.visibility</p:attrName>
-                                        </p:attrNameLst>
-                                      </p:cBhvr>
-                                      <p:to>
-                                        <p:strVal val="visible"/>
-                                      </p:to>
-                                    </p:set>
-                                  </p:childTnLst>
-                                </p:cTn>
-                              </p:par>
-                              <p:par>
-                                <p:cTn id="17" presetID="1" presetClass="entr" presetSubtype="0" fill="hold" nodeType="withEffect">
-                                  <p:stCondLst>
-                                    <p:cond delay="0"/>
-                                  </p:stCondLst>
-                                  <p:childTnLst>
-                                    <p:set>
-                                      <p:cBhvr>
-                                        <p:cTn id="18" dur="1" fill="hold">
-                                          <p:stCondLst>
-                                            <p:cond delay="0"/>
-                                          </p:stCondLst>
-                                        </p:cTn>
-                                        <p:tgtEl>
-                                          <p:spTgt spid="3">
-                                            <p:txEl>
-                                              <p:pRg st="4" end="4"/>
-                                            </p:txEl>
-                                          </p:spTgt>
-                                        </p:tgtEl>
-                                        <p:attrNameLst>
-                                          <p:attrName>style.visibility</p:attrName>
-                                        </p:attrNameLst>
-                                      </p:cBhvr>
-                                      <p:to>
-                                        <p:strVal val="visible"/>
-                                      </p:to>
-                                    </p:set>
-                                  </p:childTnLst>
-                                </p:cTn>
-                              </p:par>
-                              <p:par>
-                                <p:cTn id="19" presetID="1" presetClass="entr" presetSubtype="0" fill="hold" nodeType="withEffect">
-                                  <p:stCondLst>
-                                    <p:cond delay="0"/>
-                                  </p:stCondLst>
-                                  <p:childTnLst>
-                                    <p:set>
-                                      <p:cBhvr>
-                                        <p:cTn id="20" dur="1" fill="hold">
-                                          <p:stCondLst>
-                                            <p:cond delay="0"/>
-                                          </p:stCondLst>
-                                        </p:cTn>
-                                        <p:tgtEl>
-                                          <p:spTgt spid="3">
-                                            <p:txEl>
-                                              <p:pRg st="5" end="5"/>
-                                            </p:txEl>
-                                          </p:spTgt>
-                                        </p:tgtEl>
-                                        <p:attrNameLst>
-                                          <p:attrName>style.visibility</p:attrName>
-                                        </p:attrNameLst>
-                                      </p:cBhvr>
-                                      <p:to>
-                                        <p:strVal val="visible"/>
-                                      </p:to>
-                                    </p:set>
-                                  </p:childTnLst>
-                                </p:cTn>
-                              </p:par>
-                              <p:par>
-                                <p:cTn id="21" presetID="1" presetClass="entr" presetSubtype="0" fill="hold" nodeType="withEffect">
-                                  <p:stCondLst>
-                                    <p:cond delay="0"/>
-                                  </p:stCondLst>
-                                  <p:childTnLst>
-                                    <p:set>
-                                      <p:cBhvr>
-                                        <p:cTn id="22" dur="1" fill="hold">
-                                          <p:stCondLst>
-                                            <p:cond delay="0"/>
-                                          </p:stCondLst>
-                                        </p:cTn>
-                                        <p:tgtEl>
-                                          <p:spTgt spid="3">
-                                            <p:txEl>
-                                              <p:pRg st="6" end="6"/>
-                                            </p:txEl>
-                                          </p:spTgt>
-                                        </p:tgtEl>
-                                        <p:attrNameLst>
-                                          <p:attrName>style.visibility</p:attrName>
-                                        </p:attrNameLst>
-                                      </p:cBhvr>
-                                      <p:to>
-                                        <p:strVal val="visible"/>
-                                      </p:to>
-                                    </p:set>
-                                  </p:childTnLst>
-                                </p:cTn>
-                              </p:par>
-                            </p:childTnLst>
-                          </p:cTn>
-                        </p:par>
-                      </p:childTnLst>
-                    </p:cTn>
-                  </p:par>
-                  <p:par>
-                    <p:cTn id="23" fill="hold">
-                      <p:stCondLst>
-                        <p:cond delay="indefinite"/>
-                      </p:stCondLst>
-                      <p:childTnLst>
-                        <p:par>
-                          <p:cTn id="24" fill="hold">
-                            <p:stCondLst>
-                              <p:cond delay="0"/>
-                            </p:stCondLst>
-                            <p:childTnLst>
-                              <p:par>
-                                <p:cTn id="25" presetID="1" presetClass="entr" presetSubtype="0" fill="hold" nodeType="clickEffect">
-                                  <p:stCondLst>
-                                    <p:cond delay="0"/>
-                                  </p:stCondLst>
-                                  <p:childTnLst>
-                                    <p:set>
-                                      <p:cBhvr>
-                                        <p:cTn id="26" dur="1" fill="hold">
-                                          <p:stCondLst>
-                                            <p:cond delay="0"/>
-                                          </p:stCondLst>
-                                        </p:cTn>
-                                        <p:tgtEl>
-                                          <p:spTgt spid="3">
-                                            <p:txEl>
-                                              <p:pRg st="7" end="7"/>
-                                            </p:txEl>
-                                          </p:spTgt>
-                                        </p:tgtEl>
-                                        <p:attrNameLst>
-                                          <p:attrName>style.visibility</p:attrName>
-                                        </p:attrNameLst>
-                                      </p:cBhvr>
-                                      <p:to>
-                                        <p:strVal val="visible"/>
-                                      </p:to>
-                                    </p:set>
-                                  </p:childTnLst>
-                                </p:cTn>
-                              </p:par>
-                              <p:par>
-                                <p:cTn id="27" presetID="1" presetClass="entr" presetSubtype="0" fill="hold" nodeType="withEffect">
-                                  <p:stCondLst>
-                                    <p:cond delay="0"/>
-                                  </p:stCondLst>
-                                  <p:childTnLst>
-                                    <p:set>
-                                      <p:cBhvr>
-                                        <p:cTn id="28" dur="1" fill="hold">
-                                          <p:stCondLst>
-                                            <p:cond delay="0"/>
-                                          </p:stCondLst>
-                                        </p:cTn>
-                                        <p:tgtEl>
-                                          <p:spTgt spid="3">
-                                            <p:txEl>
-                                              <p:pRg st="8" end="8"/>
-                                            </p:txEl>
-                                          </p:spTgt>
-                                        </p:tgtEl>
-                                        <p:attrNameLst>
-                                          <p:attrName>style.visibility</p:attrName>
-                                        </p:attrNameLst>
-                                      </p:cBhvr>
-                                      <p:to>
-                                        <p:strVal val="visible"/>
-                                      </p:to>
-                                    </p:set>
-                                  </p:childTnLst>
-                                </p:cTn>
-                              </p:par>
-                              <p:par>
-                                <p:cTn id="29" presetID="1" presetClass="entr" presetSubtype="0" fill="hold" nodeType="withEffect">
-                                  <p:stCondLst>
-                                    <p:cond delay="0"/>
-                                  </p:stCondLst>
-                                  <p:childTnLst>
-                                    <p:set>
-                                      <p:cBhvr>
-                                        <p:cTn id="30" dur="1" fill="hold">
-                                          <p:stCondLst>
-                                            <p:cond delay="0"/>
-                                          </p:stCondLst>
-                                        </p:cTn>
-                                        <p:tgtEl>
-                                          <p:spTgt spid="3">
-                                            <p:txEl>
-                                              <p:pRg st="9" end="9"/>
-                                            </p:txEl>
-                                          </p:spTgt>
-                                        </p:tgtEl>
-                                        <p:attrNameLst>
-                                          <p:attrName>style.visibility</p:attrName>
-                                        </p:attrNameLst>
-                                      </p:cBhvr>
-                                      <p:to>
-                                        <p:strVal val="visible"/>
-                                      </p:to>
-                                    </p:set>
-                                  </p:childTnLst>
-                                </p:cTn>
-                              </p:par>
-                              <p:par>
-                                <p:cTn id="31" presetID="1" presetClass="entr" presetSubtype="0" fill="hold" nodeType="withEffect">
-                                  <p:stCondLst>
-                                    <p:cond delay="0"/>
-                                  </p:stCondLst>
-                                  <p:childTnLst>
-                                    <p:set>
-                                      <p:cBhvr>
-                                        <p:cTn id="32" dur="1" fill="hold">
-                                          <p:stCondLst>
-                                            <p:cond delay="0"/>
-                                          </p:stCondLst>
-                                        </p:cTn>
-                                        <p:tgtEl>
-                                          <p:spTgt spid="3">
-                                            <p:txEl>
-                                              <p:pRg st="10" end="10"/>
-                                            </p:txEl>
-                                          </p:spTgt>
-                                        </p:tgtEl>
-                                        <p:attrNameLst>
-                                          <p:attrName>style.visibility</p:attrName>
-                                        </p:attrNameLst>
-                                      </p:cBhvr>
-                                      <p:to>
-                                        <p:strVal val="visible"/>
-                                      </p:to>
-                                    </p:set>
-                                  </p:childTnLst>
-                                </p:cTn>
-                              </p:par>
-                              <p:par>
-                                <p:cTn id="33" presetID="1" presetClass="entr" presetSubtype="0" fill="hold" nodeType="withEffect">
-                                  <p:stCondLst>
-                                    <p:cond delay="0"/>
-                                  </p:stCondLst>
-                                  <p:childTnLst>
-                                    <p:set>
-                                      <p:cBhvr>
-                                        <p:cTn id="34" dur="1" fill="hold">
-                                          <p:stCondLst>
-                                            <p:cond delay="0"/>
-                                          </p:stCondLst>
-                                        </p:cTn>
-                                        <p:tgtEl>
-                                          <p:spTgt spid="3">
-                                            <p:txEl>
-                                              <p:pRg st="11" end="11"/>
-                                            </p:txEl>
-                                          </p:spTgt>
-                                        </p:tgtEl>
-                                        <p:attrNameLst>
-                                          <p:attrName>style.visibility</p:attrName>
-                                        </p:attrNameLst>
-                                      </p:cBhvr>
-                                      <p:to>
-                                        <p:strVal val="visible"/>
-                                      </p:to>
-                                    </p:set>
-                                  </p:childTnLst>
-                                </p:cTn>
-                              </p:par>
-                            </p:childTnLst>
-                          </p:cTn>
-                        </p:par>
-                      </p:childTnLst>
-                    </p:cTn>
-                  </p:par>
-                </p:childTnLst>
-              </p:cTn>
-              <p:prevCondLst>
-                <p:cond evt="onPrev" delay="0">
-                  <p:tgtEl>
-                    <p:sldTgt/>
-                  </p:tgtEl>
-                </p:cond>
-              </p:prevCondLst>
-              <p:nextCondLst>
-                <p:cond evt="onNext" delay="0">
-                  <p:tgtEl>
-                    <p:sldTgt/>
-                  </p:tgtEl>
-                </p:cond>
-              </p:nextCondLst>
-            </p:seq>
-          </p:childTnLst>
-        </p:cTn>
-      </p:par>
-    </p:tnLst>
-  </p:timing>
-</p:sld>
-</file>
-
-<file path=ppt/slides/slide14.xml><?xml version="1.0" encoding="utf-8"?>
-<p:sld xmlns:a="http://schemas.openxmlformats.org/drawingml/2006/main" xmlns:r="http://schemas.openxmlformats.org/officeDocument/2006/relationships" xmlns:p="http://schemas.openxmlformats.org/presentationml/2006/main">
-  <p:cSld>
-    <p:spTree>
-      <p:nvGrpSpPr>
-        <p:cNvPr id="1" name=""/>
-        <p:cNvGrpSpPr/>
-        <p:nvPr/>
-      </p:nvGrpSpPr>
-      <p:grpSpPr>
-        <a:xfrm>
-          <a:off x="0" y="0"/>
-          <a:ext cx="0" cy="0"/>
-          <a:chOff x="0" y="0"/>
-          <a:chExt cx="0" cy="0"/>
-        </a:xfrm>
-      </p:grpSpPr>
-      <p:sp>
-        <p:nvSpPr>
-          <p:cNvPr id="2" name="Titel 1"/>
-          <p:cNvSpPr>
-            <a:spLocks noGrp="1"/>
-          </p:cNvSpPr>
-          <p:nvPr>
-            <p:ph type="title"/>
-          </p:nvPr>
-        </p:nvSpPr>
-        <p:spPr/>
-        <p:txBody>
-          <a:bodyPr/>
-          <a:lstStyle/>
-          <a:p>
-            <a:pPr>
-              <a:lnSpc>
-                <a:spcPct val="150000"/>
-              </a:lnSpc>
-            </a:pPr>
-            <a:r>
-              <a:rPr lang="de-DE" dirty="0" smtClean="0"/>
-              <a:t>5. Entwickeln von ViewModels</a:t>
-            </a:r>
-            <a:endParaRPr lang="de-DE" dirty="0"/>
-          </a:p>
-        </p:txBody>
-      </p:sp>
-      <p:sp>
-        <p:nvSpPr>
-          <p:cNvPr id="3" name="Inhaltsplatzhalter 2"/>
-          <p:cNvSpPr>
-            <a:spLocks noGrp="1"/>
-          </p:cNvSpPr>
-          <p:nvPr>
-            <p:ph idx="1"/>
-          </p:nvPr>
-        </p:nvSpPr>
-        <p:spPr/>
-        <p:txBody>
-          <a:bodyPr/>
-          <a:lstStyle/>
-          <a:p>
-            <a:pPr marL="0" indent="0">
-              <a:lnSpc>
-                <a:spcPct val="150000"/>
-              </a:lnSpc>
-              <a:buNone/>
-            </a:pPr>
-            <a:r>
-              <a:rPr lang="de-DE" dirty="0" smtClean="0">
-                <a:solidFill>
-                  <a:schemeClr val="bg2"/>
-                </a:solidFill>
-              </a:rPr>
-              <a:t>5.1</a:t>
-            </a:r>
-            <a:r>
-              <a:rPr lang="de-DE" dirty="0" smtClean="0"/>
-              <a:t> MVVM-Entwurfsmuster</a:t>
-            </a:r>
-          </a:p>
-          <a:p>
-            <a:pPr marL="0" indent="0">
-              <a:lnSpc>
-                <a:spcPct val="150000"/>
-              </a:lnSpc>
-              <a:buNone/>
-            </a:pPr>
-            <a:r>
-              <a:rPr lang="de-DE" dirty="0" smtClean="0">
-                <a:solidFill>
-                  <a:schemeClr val="bg2"/>
-                </a:solidFill>
-              </a:rPr>
-              <a:t>5.2</a:t>
-            </a:r>
-            <a:r>
-              <a:rPr lang="de-DE" dirty="0" smtClean="0"/>
-              <a:t> Datenbindung</a:t>
-            </a:r>
-          </a:p>
-          <a:p>
-            <a:pPr marL="0" indent="0">
-              <a:lnSpc>
-                <a:spcPct val="150000"/>
-              </a:lnSpc>
-              <a:buNone/>
-            </a:pPr>
-            <a:r>
-              <a:rPr lang="de-DE" dirty="0" smtClean="0">
-                <a:solidFill>
-                  <a:schemeClr val="bg2"/>
-                </a:solidFill>
-              </a:rPr>
-              <a:t>5.3</a:t>
-            </a:r>
-            <a:r>
-              <a:rPr lang="de-DE" dirty="0" smtClean="0"/>
-              <a:t> Datenkonvertierung </a:t>
-            </a:r>
-            <a:r>
-              <a:rPr lang="de-DE" dirty="0"/>
-              <a:t>mittels </a:t>
-            </a:r>
-            <a:r>
-              <a:rPr lang="de-DE" dirty="0" err="1" smtClean="0"/>
-              <a:t>IValueConverter</a:t>
-            </a:r>
-            <a:endParaRPr lang="de-DE" dirty="0" smtClean="0"/>
-          </a:p>
-          <a:p>
-            <a:pPr marL="0" indent="0">
-              <a:lnSpc>
-                <a:spcPct val="150000"/>
-              </a:lnSpc>
-              <a:buNone/>
-            </a:pPr>
-            <a:r>
-              <a:rPr lang="de-DE" dirty="0" smtClean="0">
-                <a:solidFill>
-                  <a:schemeClr val="bg2"/>
-                </a:solidFill>
-              </a:rPr>
-              <a:t>5.4</a:t>
-            </a:r>
-            <a:r>
-              <a:rPr lang="de-DE" dirty="0" smtClean="0"/>
-              <a:t> Befehle </a:t>
-            </a:r>
-            <a:r>
-              <a:rPr lang="de-DE" dirty="0"/>
-              <a:t>mit </a:t>
-            </a:r>
-            <a:r>
-              <a:rPr lang="de-DE" dirty="0" err="1" smtClean="0"/>
-              <a:t>ICommand</a:t>
-            </a:r>
-            <a:endParaRPr lang="de-DE" dirty="0" smtClean="0"/>
-          </a:p>
-          <a:p>
-            <a:pPr marL="0" indent="0">
-              <a:lnSpc>
-                <a:spcPct val="150000"/>
-              </a:lnSpc>
-              <a:buNone/>
-            </a:pPr>
-            <a:r>
-              <a:rPr lang="de-DE" dirty="0" smtClean="0">
-                <a:solidFill>
-                  <a:schemeClr val="bg2"/>
-                </a:solidFill>
-              </a:rPr>
-              <a:t>5.5</a:t>
-            </a:r>
-            <a:r>
-              <a:rPr lang="de-DE" dirty="0" smtClean="0"/>
-              <a:t> Hands-On</a:t>
-            </a:r>
-          </a:p>
-          <a:p>
-            <a:pPr>
-              <a:lnSpc>
-                <a:spcPct val="150000"/>
-              </a:lnSpc>
-            </a:pPr>
-            <a:endParaRPr lang="de-DE" dirty="0" smtClean="0"/>
-          </a:p>
-        </p:txBody>
-      </p:sp>
-      <p:sp>
-        <p:nvSpPr>
-          <p:cNvPr id="4" name="Foliennummernplatzhalter 3"/>
-          <p:cNvSpPr>
-            <a:spLocks noGrp="1"/>
-          </p:cNvSpPr>
-          <p:nvPr>
-            <p:ph type="sldNum" sz="quarter" idx="12"/>
-          </p:nvPr>
-        </p:nvSpPr>
-        <p:spPr/>
-        <p:txBody>
-          <a:bodyPr/>
-          <a:lstStyle/>
-          <a:p>
-            <a:fld id="{8F35CB8A-22DD-4279-9E9E-A49CDB5FBE56}" type="slidenum">
-              <a:rPr lang="en-US" smtClean="0"/>
-              <a:pPr/>
-              <a:t>14</a:t>
-            </a:fld>
-            <a:endParaRPr lang="en-US"/>
-          </a:p>
-        </p:txBody>
-      </p:sp>
-    </p:spTree>
-    <p:extLst>
-      <p:ext uri="{BB962C8B-B14F-4D97-AF65-F5344CB8AC3E}">
-        <p14:creationId xmlns:p14="http://schemas.microsoft.com/office/powerpoint/2010/main" val="1769433813"/>
-      </p:ext>
-    </p:extLst>
-  </p:cSld>
-  <p:clrMapOvr>
-    <a:masterClrMapping/>
-  </p:clrMapOvr>
-  <p:timing>
-    <p:tnLst>
-      <p:par>
-        <p:cTn id="1" dur="indefinite" restart="never" nodeType="tmRoot"/>
-      </p:par>
-    </p:tnLst>
-  </p:timing>
-</p:sld>
-</file>
-
-<file path=ppt/slides/slide15.xml><?xml version="1.0" encoding="utf-8"?>
-<p:sld xmlns:a="http://schemas.openxmlformats.org/drawingml/2006/main" xmlns:r="http://schemas.openxmlformats.org/officeDocument/2006/relationships" xmlns:p="http://schemas.openxmlformats.org/presentationml/2006/main">
-  <p:cSld>
-    <p:spTree>
-      <p:nvGrpSpPr>
-        <p:cNvPr id="1" name=""/>
-        <p:cNvGrpSpPr/>
-        <p:nvPr/>
-      </p:nvGrpSpPr>
-      <p:grpSpPr>
-        <a:xfrm>
-          <a:off x="0" y="0"/>
-          <a:ext cx="0" cy="0"/>
-          <a:chOff x="0" y="0"/>
-          <a:chExt cx="0" cy="0"/>
-        </a:xfrm>
-      </p:grpSpPr>
-      <p:sp>
-        <p:nvSpPr>
-          <p:cNvPr id="2" name="Titel 1"/>
-          <p:cNvSpPr>
-            <a:spLocks noGrp="1"/>
-          </p:cNvSpPr>
-          <p:nvPr>
-            <p:ph type="title"/>
-          </p:nvPr>
-        </p:nvSpPr>
-        <p:spPr/>
-        <p:txBody>
-          <a:bodyPr/>
-          <a:lstStyle/>
-          <a:p>
-            <a:pPr>
-              <a:lnSpc>
-                <a:spcPct val="150000"/>
-              </a:lnSpc>
-            </a:pPr>
-            <a:r>
-              <a:rPr lang="de-DE" dirty="0" smtClean="0"/>
-              <a:t>5.1 MVVM-Entwurfsmuster</a:t>
-            </a:r>
-            <a:endParaRPr lang="de-DE" dirty="0"/>
-          </a:p>
-        </p:txBody>
-      </p:sp>
-      <p:sp>
-        <p:nvSpPr>
-          <p:cNvPr id="3" name="Inhaltsplatzhalter 2"/>
-          <p:cNvSpPr>
-            <a:spLocks noGrp="1"/>
-          </p:cNvSpPr>
-          <p:nvPr>
-            <p:ph idx="1"/>
-          </p:nvPr>
-        </p:nvSpPr>
-        <p:spPr/>
-        <p:txBody>
-          <a:bodyPr/>
-          <a:lstStyle/>
-          <a:p>
-            <a:pPr>
-              <a:lnSpc>
-                <a:spcPct val="150000"/>
-              </a:lnSpc>
-            </a:pPr>
-            <a:r>
-              <a:rPr lang="de-DE" dirty="0" smtClean="0"/>
-              <a:t>Model-View-ViewModel</a:t>
-            </a:r>
-          </a:p>
-          <a:p>
-            <a:pPr>
-              <a:lnSpc>
-                <a:spcPct val="150000"/>
-              </a:lnSpc>
-            </a:pPr>
-            <a:r>
-              <a:rPr lang="de-DE" dirty="0" smtClean="0"/>
-              <a:t>Model = Daten</a:t>
-            </a:r>
-          </a:p>
-          <a:p>
-            <a:pPr>
-              <a:lnSpc>
-                <a:spcPct val="150000"/>
-              </a:lnSpc>
-            </a:pPr>
-            <a:r>
-              <a:rPr lang="de-DE" dirty="0" smtClean="0"/>
-              <a:t>View = Benutzeroberfläche (UI)</a:t>
-            </a:r>
-          </a:p>
-          <a:p>
-            <a:pPr>
-              <a:lnSpc>
-                <a:spcPct val="150000"/>
-              </a:lnSpc>
-            </a:pPr>
-            <a:r>
-              <a:rPr lang="de-DE" dirty="0" smtClean="0"/>
-              <a:t>ViewModel (VM)</a:t>
-            </a:r>
-          </a:p>
-          <a:p>
-            <a:pPr lvl="1">
-              <a:lnSpc>
-                <a:spcPct val="150000"/>
-              </a:lnSpc>
-            </a:pPr>
-            <a:r>
-              <a:rPr lang="de-DE" dirty="0" smtClean="0"/>
-              <a:t>Daten werden im VM gehalten und auf der</a:t>
-            </a:r>
-            <a:br>
-              <a:rPr lang="de-DE" dirty="0" smtClean="0"/>
-            </a:br>
-            <a:r>
-              <a:rPr lang="de-DE" dirty="0" smtClean="0"/>
-              <a:t>Benutzeroberfläche angezeigt (Datenbindung)</a:t>
-            </a:r>
-          </a:p>
-          <a:p>
-            <a:pPr lvl="1">
-              <a:lnSpc>
-                <a:spcPct val="150000"/>
-              </a:lnSpc>
-            </a:pPr>
-            <a:r>
-              <a:rPr lang="de-DE" dirty="0" smtClean="0"/>
-              <a:t>Verwendet Services um Daten abzurufen</a:t>
-            </a:r>
-          </a:p>
-          <a:p>
-            <a:pPr lvl="1">
-              <a:lnSpc>
-                <a:spcPct val="150000"/>
-              </a:lnSpc>
-            </a:pPr>
-            <a:r>
-              <a:rPr lang="de-DE" dirty="0" smtClean="0"/>
-              <a:t>Beinhaltet auch Geschäftslogik für </a:t>
-            </a:r>
-            <a:r>
-              <a:rPr lang="de-DE" i="1" dirty="0" smtClean="0"/>
-              <a:t>Commands</a:t>
-            </a:r>
-            <a:r>
-              <a:rPr lang="de-DE" dirty="0"/>
-              <a:t/>
-            </a:r>
-            <a:br>
-              <a:rPr lang="de-DE" dirty="0"/>
-            </a:br>
-            <a:r>
-              <a:rPr lang="de-DE" dirty="0" smtClean="0"/>
-              <a:t>von der View</a:t>
-            </a:r>
-            <a:endParaRPr lang="de-DE" dirty="0"/>
-          </a:p>
-        </p:txBody>
-      </p:sp>
-      <p:sp>
-        <p:nvSpPr>
-          <p:cNvPr id="4" name="Foliennummernplatzhalter 3"/>
-          <p:cNvSpPr>
-            <a:spLocks noGrp="1"/>
-          </p:cNvSpPr>
-          <p:nvPr>
-            <p:ph type="sldNum" sz="quarter" idx="12"/>
-          </p:nvPr>
-        </p:nvSpPr>
-        <p:spPr/>
-        <p:txBody>
-          <a:bodyPr/>
-          <a:lstStyle/>
-          <a:p>
-            <a:fld id="{8F35CB8A-22DD-4279-9E9E-A49CDB5FBE56}" type="slidenum">
-              <a:rPr lang="en-US" smtClean="0"/>
-              <a:pPr/>
-              <a:t>15</a:t>
             </a:fld>
             <a:endParaRPr lang="en-US"/>
           </a:p>
@@ -9500,7 +7829,7 @@
 </p:sld>
 </file>
 
-<file path=ppt/slides/slide16.xml><?xml version="1.0" encoding="utf-8"?>
+<file path=ppt/slides/slide12.xml><?xml version="1.0" encoding="utf-8"?>
 <p:sld xmlns:a="http://schemas.openxmlformats.org/drawingml/2006/main" xmlns:r="http://schemas.openxmlformats.org/officeDocument/2006/relationships" xmlns:p="http://schemas.openxmlformats.org/presentationml/2006/main">
   <p:cSld>
     <p:spTree>
@@ -9539,7 +7868,11 @@
             </a:pPr>
             <a:r>
               <a:rPr lang="de-DE" dirty="0" smtClean="0"/>
-              <a:t>5.2 Ohne Datenbindung</a:t>
+              <a:t>4.2 </a:t>
+            </a:r>
+            <a:r>
+              <a:rPr lang="de-DE" dirty="0" smtClean="0"/>
+              <a:t>Ohne Datenbindung</a:t>
             </a:r>
             <a:endParaRPr lang="de-DE" dirty="0"/>
           </a:p>
@@ -9631,7 +7964,7 @@
             <a:fld id="{8F35CB8A-22DD-4279-9E9E-A49CDB5FBE56}" type="slidenum">
               <a:rPr lang="en-US" smtClean="0"/>
               <a:pPr/>
-              <a:t>16</a:t>
+              <a:t>12</a:t>
             </a:fld>
             <a:endParaRPr lang="en-US"/>
           </a:p>
@@ -9772,7 +8105,7 @@
 </p:sld>
 </file>
 
-<file path=ppt/slides/slide17.xml><?xml version="1.0" encoding="utf-8"?>
+<file path=ppt/slides/slide13.xml><?xml version="1.0" encoding="utf-8"?>
 <p:sld xmlns:a="http://schemas.openxmlformats.org/drawingml/2006/main" xmlns:r="http://schemas.openxmlformats.org/officeDocument/2006/relationships" xmlns:p="http://schemas.openxmlformats.org/presentationml/2006/main">
   <p:cSld>
     <p:spTree>
@@ -9811,7 +8144,11 @@
             </a:pPr>
             <a:r>
               <a:rPr lang="de-DE" dirty="0" smtClean="0"/>
-              <a:t>5.2 Datenbindung</a:t>
+              <a:t>4.2 </a:t>
+            </a:r>
+            <a:r>
+              <a:rPr lang="de-DE" dirty="0" smtClean="0"/>
+              <a:t>Datenbindung</a:t>
             </a:r>
             <a:endParaRPr lang="de-DE" dirty="0"/>
           </a:p>
@@ -9947,7 +8284,7 @@
             <a:fld id="{8F35CB8A-22DD-4279-9E9E-A49CDB5FBE56}" type="slidenum">
               <a:rPr lang="en-US" smtClean="0"/>
               <a:pPr/>
-              <a:t>17</a:t>
+              <a:t>13</a:t>
             </a:fld>
             <a:endParaRPr lang="en-US"/>
           </a:p>
@@ -10031,7 +8368,7 @@
 </p:sld>
 </file>
 
-<file path=ppt/slides/slide18.xml><?xml version="1.0" encoding="utf-8"?>
+<file path=ppt/slides/slide14.xml><?xml version="1.0" encoding="utf-8"?>
 <p:sld xmlns:a="http://schemas.openxmlformats.org/drawingml/2006/main" xmlns:r="http://schemas.openxmlformats.org/officeDocument/2006/relationships" xmlns:p="http://schemas.openxmlformats.org/presentationml/2006/main">
   <p:cSld>
     <p:spTree>
@@ -10070,7 +8407,11 @@
             </a:pPr>
             <a:r>
               <a:rPr lang="de-DE" dirty="0" smtClean="0"/>
-              <a:t>5.3 Datenkonvertierung mittels </a:t>
+              <a:t>4.3 </a:t>
+            </a:r>
+            <a:r>
+              <a:rPr lang="de-DE" dirty="0" smtClean="0"/>
+              <a:t>Datenkonvertierung mittels </a:t>
             </a:r>
             <a:r>
               <a:rPr lang="de-DE" dirty="0" err="1" smtClean="0"/>
@@ -10324,7 +8665,7 @@
             <a:fld id="{8F35CB8A-22DD-4279-9E9E-A49CDB5FBE56}" type="slidenum">
               <a:rPr lang="en-US" smtClean="0"/>
               <a:pPr/>
-              <a:t>18</a:t>
+              <a:t>14</a:t>
             </a:fld>
             <a:endParaRPr lang="en-US"/>
           </a:p>
@@ -10350,7 +8691,7 @@
 </p:sld>
 </file>
 
-<file path=ppt/slides/slide19.xml><?xml version="1.0" encoding="utf-8"?>
+<file path=ppt/slides/slide15.xml><?xml version="1.0" encoding="utf-8"?>
 <p:sld xmlns:a="http://schemas.openxmlformats.org/drawingml/2006/main" xmlns:r="http://schemas.openxmlformats.org/officeDocument/2006/relationships" xmlns:p="http://schemas.openxmlformats.org/presentationml/2006/main">
   <p:cSld>
     <p:spTree>
@@ -10389,7 +8730,11 @@
             </a:pPr>
             <a:r>
               <a:rPr lang="de-DE" dirty="0" smtClean="0"/>
-              <a:t>5.4 Befehle mit </a:t>
+              <a:t>4.4 </a:t>
+            </a:r>
+            <a:r>
+              <a:rPr lang="de-DE" dirty="0" smtClean="0"/>
+              <a:t>Befehle mit </a:t>
             </a:r>
             <a:r>
               <a:rPr lang="de-DE" dirty="0" err="1" smtClean="0"/>
@@ -10540,7 +8885,7 @@
             <a:fld id="{8F35CB8A-22DD-4279-9E9E-A49CDB5FBE56}" type="slidenum">
               <a:rPr lang="en-US" smtClean="0"/>
               <a:pPr/>
-              <a:t>19</a:t>
+              <a:t>15</a:t>
             </a:fld>
             <a:endParaRPr lang="en-US"/>
           </a:p>
@@ -10566,7 +8911,7 @@
 </p:sld>
 </file>
 
-<file path=ppt/slides/slide2.xml><?xml version="1.0" encoding="utf-8"?>
+<file path=ppt/slides/slide16.xml><?xml version="1.0" encoding="utf-8"?>
 <p:sld xmlns:a="http://schemas.openxmlformats.org/drawingml/2006/main" xmlns:r="http://schemas.openxmlformats.org/officeDocument/2006/relationships" xmlns:p="http://schemas.openxmlformats.org/presentationml/2006/main">
   <p:cSld>
     <p:spTree>
@@ -10585,7 +8930,7 @@
       </p:grpSpPr>
       <p:sp>
         <p:nvSpPr>
-          <p:cNvPr id="15362" name="Titel 1"/>
+          <p:cNvPr id="7" name="Titel 1"/>
           <p:cNvSpPr>
             <a:spLocks noGrp="1"/>
           </p:cNvSpPr>
@@ -10598,352 +8943,18 @@
           <a:bodyPr/>
           <a:lstStyle/>
           <a:p>
-            <a:pPr eaLnBrk="1" hangingPunct="1"/>
-            <a:r>
-              <a:rPr lang="de-DE" dirty="0" smtClean="0"/>
-              <a:t>Kursinhalte</a:t>
-            </a:r>
-          </a:p>
-        </p:txBody>
-      </p:sp>
-      <p:sp>
-        <p:nvSpPr>
-          <p:cNvPr id="11" name="Foliennummernplatzhalter 10"/>
-          <p:cNvSpPr>
-            <a:spLocks noGrp="1"/>
-          </p:cNvSpPr>
-          <p:nvPr>
-            <p:ph type="sldNum" sz="quarter" idx="12"/>
-          </p:nvPr>
-        </p:nvSpPr>
-        <p:spPr/>
-        <p:txBody>
-          <a:bodyPr/>
-          <a:lstStyle/>
-          <a:p>
             <a:pPr>
-              <a:defRPr/>
-            </a:pPr>
-            <a:fld id="{167059F5-D541-4CCE-9C94-CDD37FCFF25E}" type="slidenum">
-              <a:rPr lang="sv-SE" smtClean="0"/>
-              <a:pPr>
-                <a:defRPr/>
-              </a:pPr>
-              <a:t>2</a:t>
-            </a:fld>
-            <a:endParaRPr lang="sv-SE" dirty="0"/>
-          </a:p>
-        </p:txBody>
-      </p:sp>
-      <p:graphicFrame>
-        <p:nvGraphicFramePr>
-          <p:cNvPr id="3" name="Tabelle 2"/>
-          <p:cNvGraphicFramePr>
-            <a:graphicFrameLocks noGrp="1"/>
-          </p:cNvGraphicFramePr>
-          <p:nvPr>
-            <p:extLst>
-              <p:ext uri="{D42A27DB-BD31-4B8C-83A1-F6EECF244321}">
-                <p14:modId xmlns:p14="http://schemas.microsoft.com/office/powerpoint/2010/main" val="664804072"/>
-              </p:ext>
-            </p:extLst>
-          </p:nvPr>
-        </p:nvGraphicFramePr>
-        <p:xfrm>
-          <a:off x="587298" y="1444713"/>
-          <a:ext cx="8928177" cy="2746287"/>
-        </p:xfrm>
-        <a:graphic>
-          <a:graphicData uri="http://schemas.openxmlformats.org/drawingml/2006/table">
-            <a:tbl>
-              <a:tblPr firstRow="1" bandRow="1">
-                <a:tableStyleId>{B301B821-A1FF-4177-AEE7-76D212191A09}</a:tableStyleId>
-              </a:tblPr>
-              <a:tblGrid>
-                <a:gridCol w="1357132"/>
-                <a:gridCol w="7571045"/>
-              </a:tblGrid>
-              <a:tr h="460287">
-                <a:tc gridSpan="2">
-                  <a:txBody>
-                    <a:bodyPr/>
-                    <a:lstStyle/>
-                    <a:p>
-                      <a:pPr marL="0" marR="0" indent="0" algn="l" defTabSz="914332" rtl="0" eaLnBrk="1" fontAlgn="auto" latinLnBrk="0" hangingPunct="1">
-                        <a:lnSpc>
-                          <a:spcPct val="100000"/>
-                        </a:lnSpc>
-                        <a:spcBef>
-                          <a:spcPts val="0"/>
-                        </a:spcBef>
-                        <a:spcAft>
-                          <a:spcPts val="0"/>
-                        </a:spcAft>
-                        <a:buClrTx/>
-                        <a:buSzTx/>
-                        <a:buFontTx/>
-                        <a:buNone/>
-                        <a:tabLst/>
-                        <a:defRPr/>
-                      </a:pPr>
-                      <a:r>
-                        <a:rPr lang="de-DE" b="1" dirty="0" smtClean="0">
-                          <a:solidFill>
-                            <a:schemeClr val="tx1"/>
-                          </a:solidFill>
-                        </a:rPr>
-                        <a:t>.NET Jump Start</a:t>
-                      </a:r>
-                    </a:p>
-                  </a:txBody>
-                  <a:tcPr/>
-                </a:tc>
-                <a:tc hMerge="1">
-                  <a:txBody>
-                    <a:bodyPr/>
-                    <a:lstStyle/>
-                    <a:p>
-                      <a:endParaRPr lang="de-DE" dirty="0"/>
-                    </a:p>
-                  </a:txBody>
-                  <a:tcPr/>
-                </a:tc>
-              </a:tr>
-              <a:tr h="370840">
-                <a:tc>
-                  <a:txBody>
-                    <a:bodyPr/>
-                    <a:lstStyle/>
-                    <a:p>
-                      <a:r>
-                        <a:rPr lang="de-DE" dirty="0" smtClean="0"/>
-                        <a:t>Tag 1</a:t>
-                      </a:r>
-                      <a:endParaRPr lang="de-DE" dirty="0"/>
-                    </a:p>
-                  </a:txBody>
-                  <a:tcPr/>
-                </a:tc>
-                <a:tc>
-                  <a:txBody>
-                    <a:bodyPr/>
-                    <a:lstStyle/>
-                    <a:p>
-                      <a:r>
-                        <a:rPr lang="de-DE" b="0" dirty="0" smtClean="0"/>
-                        <a:t>01 | Überblick</a:t>
-                      </a:r>
-                      <a:endParaRPr lang="de-DE" b="0" dirty="0"/>
-                    </a:p>
-                  </a:txBody>
-                  <a:tcPr/>
-                </a:tc>
-              </a:tr>
-              <a:tr h="370840">
-                <a:tc>
-                  <a:txBody>
-                    <a:bodyPr/>
-                    <a:lstStyle/>
-                    <a:p>
-                      <a:endParaRPr lang="de-DE" b="1" dirty="0"/>
-                    </a:p>
-                  </a:txBody>
-                  <a:tcPr/>
-                </a:tc>
-                <a:tc>
-                  <a:txBody>
-                    <a:bodyPr/>
-                    <a:lstStyle/>
-                    <a:p>
-                      <a:r>
-                        <a:rPr lang="de-DE" b="0" dirty="0" smtClean="0"/>
-                        <a:t>02 | Vorbereitung und Projektsetup</a:t>
-                      </a:r>
-                      <a:endParaRPr lang="de-DE" b="0" dirty="0"/>
-                    </a:p>
-                  </a:txBody>
-                  <a:tcPr/>
-                </a:tc>
-              </a:tr>
-              <a:tr h="370840">
-                <a:tc>
-                  <a:txBody>
-                    <a:bodyPr/>
-                    <a:lstStyle/>
-                    <a:p>
-                      <a:endParaRPr lang="de-DE" dirty="0"/>
-                    </a:p>
-                  </a:txBody>
-                  <a:tcPr/>
-                </a:tc>
-                <a:tc>
-                  <a:txBody>
-                    <a:bodyPr/>
-                    <a:lstStyle/>
-                    <a:p>
-                      <a:r>
-                        <a:rPr lang="de-DE" b="0" dirty="0" smtClean="0"/>
-                        <a:t>03 | Datenmodellierung und -abfrage mit dem Entity Framework</a:t>
-                      </a:r>
-                      <a:endParaRPr lang="de-DE" b="0" dirty="0"/>
-                    </a:p>
-                  </a:txBody>
-                  <a:tcPr/>
-                </a:tc>
-              </a:tr>
-              <a:tr h="370840">
-                <a:tc>
-                  <a:txBody>
-                    <a:bodyPr/>
-                    <a:lstStyle/>
-                    <a:p>
-                      <a:r>
-                        <a:rPr lang="de-DE" dirty="0" smtClean="0"/>
-                        <a:t>Tag 2</a:t>
-                      </a:r>
-                      <a:endParaRPr lang="de-DE" dirty="0"/>
-                    </a:p>
-                  </a:txBody>
-                  <a:tcPr/>
-                </a:tc>
-                <a:tc>
-                  <a:txBody>
-                    <a:bodyPr/>
-                    <a:lstStyle/>
-                    <a:p>
-                      <a:r>
-                        <a:rPr lang="de-DE" b="0" dirty="0" smtClean="0"/>
-                        <a:t>04 | Aufbau einer Webapplikation mit ASP.NET MVC</a:t>
-                      </a:r>
-                      <a:endParaRPr lang="de-DE" b="0" dirty="0"/>
-                    </a:p>
-                  </a:txBody>
-                  <a:tcPr/>
-                </a:tc>
-              </a:tr>
-              <a:tr h="370840">
-                <a:tc>
-                  <a:txBody>
-                    <a:bodyPr/>
-                    <a:lstStyle/>
-                    <a:p>
-                      <a:endParaRPr lang="de-DE" dirty="0"/>
-                    </a:p>
-                  </a:txBody>
-                  <a:tcPr/>
-                </a:tc>
-                <a:tc>
-                  <a:txBody>
-                    <a:bodyPr/>
-                    <a:lstStyle/>
-                    <a:p>
-                      <a:r>
-                        <a:rPr lang="de-DE" b="0" dirty="0" smtClean="0"/>
-                        <a:t>05</a:t>
-                      </a:r>
-                      <a:r>
-                        <a:rPr lang="de-DE" b="0" baseline="0" dirty="0" smtClean="0"/>
-                        <a:t> | Entwicklung einer Schnittstelle mit ASP.NET Web API</a:t>
-                      </a:r>
-                      <a:endParaRPr lang="de-DE" b="0" dirty="0"/>
-                    </a:p>
-                  </a:txBody>
-                  <a:tcPr/>
-                </a:tc>
-              </a:tr>
-              <a:tr h="370840">
-                <a:tc>
-                  <a:txBody>
-                    <a:bodyPr/>
-                    <a:lstStyle/>
-                    <a:p>
-                      <a:r>
-                        <a:rPr lang="de-DE" dirty="0" smtClean="0"/>
-                        <a:t>Tag 3</a:t>
-                      </a:r>
-                      <a:endParaRPr lang="de-DE" dirty="0"/>
-                    </a:p>
-                  </a:txBody>
-                  <a:tcPr/>
-                </a:tc>
-                <a:tc>
-                  <a:txBody>
-                    <a:bodyPr/>
-                    <a:lstStyle/>
-                    <a:p>
-                      <a:r>
-                        <a:rPr lang="de-DE" b="1" dirty="0" smtClean="0"/>
-                        <a:t>06</a:t>
-                      </a:r>
-                      <a:r>
-                        <a:rPr lang="de-DE" b="1" baseline="0" dirty="0" smtClean="0"/>
-                        <a:t> | Entwicklung einer App für Windows Phone</a:t>
-                      </a:r>
-                      <a:endParaRPr lang="de-DE" b="1" dirty="0"/>
-                    </a:p>
-                  </a:txBody>
-                  <a:tcPr/>
-                </a:tc>
-              </a:tr>
-            </a:tbl>
-          </a:graphicData>
-        </a:graphic>
-      </p:graphicFrame>
-    </p:spTree>
-  </p:cSld>
-  <p:clrMapOvr>
-    <a:masterClrMapping/>
-  </p:clrMapOvr>
-  <p:timing>
-    <p:tnLst>
-      <p:par>
-        <p:cTn id="1" dur="indefinite" restart="never" nodeType="tmRoot"/>
-      </p:par>
-    </p:tnLst>
-  </p:timing>
-</p:sld>
-</file>
-
-<file path=ppt/slides/slide20.xml><?xml version="1.0" encoding="utf-8"?>
-<p:sld xmlns:a="http://schemas.openxmlformats.org/drawingml/2006/main" xmlns:r="http://schemas.openxmlformats.org/officeDocument/2006/relationships" xmlns:p="http://schemas.openxmlformats.org/presentationml/2006/main">
-  <p:cSld>
-    <p:spTree>
-      <p:nvGrpSpPr>
-        <p:cNvPr id="1" name=""/>
-        <p:cNvGrpSpPr/>
-        <p:nvPr/>
-      </p:nvGrpSpPr>
-      <p:grpSpPr>
-        <a:xfrm>
-          <a:off x="0" y="0"/>
-          <a:ext cx="0" cy="0"/>
-          <a:chOff x="0" y="0"/>
-          <a:chExt cx="0" cy="0"/>
-        </a:xfrm>
-      </p:grpSpPr>
-      <p:sp>
-        <p:nvSpPr>
-          <p:cNvPr id="7" name="Titel 1"/>
-          <p:cNvSpPr>
-            <a:spLocks noGrp="1"/>
-          </p:cNvSpPr>
-          <p:nvPr>
-            <p:ph type="title"/>
-          </p:nvPr>
-        </p:nvSpPr>
-        <p:spPr/>
-        <p:txBody>
-          <a:bodyPr/>
-          <a:lstStyle/>
-          <a:p>
-            <a:pPr>
               <a:lnSpc>
                 <a:spcPct val="150000"/>
               </a:lnSpc>
             </a:pPr>
             <a:r>
               <a:rPr lang="de-DE" dirty="0" smtClean="0"/>
-              <a:t>5.5 Hands-On</a:t>
+              <a:t>4.5 </a:t>
+            </a:r>
+            <a:r>
+              <a:rPr lang="de-DE" dirty="0" smtClean="0"/>
+              <a:t>Hands-On</a:t>
             </a:r>
             <a:endParaRPr lang="de-DE" dirty="0"/>
           </a:p>
@@ -11075,7 +9086,7 @@
             <a:fld id="{8F35CB8A-22DD-4279-9E9E-A49CDB5FBE56}" type="slidenum">
               <a:rPr lang="en-US" smtClean="0"/>
               <a:pPr/>
-              <a:t>20</a:t>
+              <a:t>16</a:t>
             </a:fld>
             <a:endParaRPr lang="en-US"/>
           </a:p>
@@ -11101,7 +9112,7 @@
 </p:sld>
 </file>
 
-<file path=ppt/slides/slide21.xml><?xml version="1.0" encoding="utf-8"?>
+<file path=ppt/slides/slide17.xml><?xml version="1.0" encoding="utf-8"?>
 <p:sld xmlns:a="http://schemas.openxmlformats.org/drawingml/2006/main" xmlns:r="http://schemas.openxmlformats.org/officeDocument/2006/relationships" xmlns:p="http://schemas.openxmlformats.org/presentationml/2006/main">
   <p:cSld>
     <p:spTree>
@@ -11140,11 +9151,11 @@
             </a:pPr>
             <a:r>
               <a:rPr lang="de-DE" dirty="0" smtClean="0"/>
-              <a:t>6</a:t>
+              <a:t>5. </a:t>
             </a:r>
             <a:r>
               <a:rPr lang="de-DE" dirty="0"/>
-              <a:t>. Anbindung der API über Services</a:t>
+              <a:t>Anbindung der API über Services</a:t>
             </a:r>
           </a:p>
         </p:txBody>
@@ -11283,7 +9294,7 @@
             <a:fld id="{8F35CB8A-22DD-4279-9E9E-A49CDB5FBE56}" type="slidenum">
               <a:rPr lang="en-US" smtClean="0"/>
               <a:pPr/>
-              <a:t>21</a:t>
+              <a:t>17</a:t>
             </a:fld>
             <a:endParaRPr lang="en-US"/>
           </a:p>
@@ -11339,7 +9350,7 @@
 </p:sld>
 </file>
 
-<file path=ppt/slides/slide22.xml><?xml version="1.0" encoding="utf-8"?>
+<file path=ppt/slides/slide18.xml><?xml version="1.0" encoding="utf-8"?>
 <p:sld xmlns:a="http://schemas.openxmlformats.org/drawingml/2006/main" xmlns:r="http://schemas.openxmlformats.org/officeDocument/2006/relationships" xmlns:p="http://schemas.openxmlformats.org/presentationml/2006/main">
   <p:cSld>
     <p:spTree>
@@ -11378,7 +9389,15 @@
             </a:pPr>
             <a:r>
               <a:rPr lang="de-DE" dirty="0" smtClean="0"/>
-              <a:t>7. Windows Phone API: </a:t>
+              <a:t>6. </a:t>
+            </a:r>
+            <a:r>
+              <a:rPr lang="de-DE" dirty="0" smtClean="0"/>
+              <a:t>Windows </a:t>
+            </a:r>
+            <a:r>
+              <a:rPr lang="de-DE" dirty="0" smtClean="0"/>
+              <a:t>APIs: </a:t>
             </a:r>
             <a:r>
               <a:rPr lang="de-DE" dirty="0" err="1" smtClean="0"/>
@@ -11410,8 +9429,13 @@
             </a:pPr>
             <a:r>
               <a:rPr lang="de-DE" dirty="0" smtClean="0"/>
-              <a:t>Windows Phone APIs</a:t>
-            </a:r>
+              <a:t>Windows </a:t>
+            </a:r>
+            <a:r>
+              <a:rPr lang="de-DE" dirty="0" smtClean="0"/>
+              <a:t>APIs</a:t>
+            </a:r>
+            <a:endParaRPr lang="de-DE" dirty="0" smtClean="0"/>
           </a:p>
           <a:p>
             <a:pPr>
@@ -11566,7 +9590,7 @@
             <a:fld id="{8F35CB8A-22DD-4279-9E9E-A49CDB5FBE56}" type="slidenum">
               <a:rPr lang="en-US" smtClean="0"/>
               <a:pPr/>
-              <a:t>22</a:t>
+              <a:t>18</a:t>
             </a:fld>
             <a:endParaRPr lang="en-US"/>
           </a:p>
@@ -11592,7 +9616,7 @@
 </p:sld>
 </file>
 
-<file path=ppt/slides/slide23.xml><?xml version="1.0" encoding="utf-8"?>
+<file path=ppt/slides/slide19.xml><?xml version="1.0" encoding="utf-8"?>
 <p:sld xmlns:a="http://schemas.openxmlformats.org/drawingml/2006/main" xmlns:r="http://schemas.openxmlformats.org/officeDocument/2006/relationships" xmlns:p="http://schemas.openxmlformats.org/presentationml/2006/main">
   <p:cSld>
     <p:spTree>
@@ -11631,7 +9655,11 @@
             </a:pPr>
             <a:r>
               <a:rPr lang="de-DE" dirty="0" smtClean="0"/>
-              <a:t>8. Zusammenfassung</a:t>
+              <a:t>7. </a:t>
+            </a:r>
+            <a:r>
+              <a:rPr lang="de-DE" dirty="0" smtClean="0"/>
+              <a:t>Zusammenfassung</a:t>
             </a:r>
             <a:endParaRPr lang="de-DE" dirty="0"/>
           </a:p>
@@ -11717,7 +9745,7 @@
             <a:fld id="{8F35CB8A-22DD-4279-9E9E-A49CDB5FBE56}" type="slidenum">
               <a:rPr lang="en-US" smtClean="0"/>
               <a:pPr/>
-              <a:t>23</a:t>
+              <a:t>19</a:t>
             </a:fld>
             <a:endParaRPr lang="en-US"/>
           </a:p>
@@ -11743,7 +9771,7 @@
 </p:sld>
 </file>
 
-<file path=ppt/slides/slide24.xml><?xml version="1.0" encoding="utf-8"?>
+<file path=ppt/slides/slide2.xml><?xml version="1.0" encoding="utf-8"?>
 <p:sld xmlns:a="http://schemas.openxmlformats.org/drawingml/2006/main" xmlns:r="http://schemas.openxmlformats.org/officeDocument/2006/relationships" xmlns:p="http://schemas.openxmlformats.org/presentationml/2006/main">
   <p:cSld>
     <p:spTree>
@@ -11762,6 +9790,391 @@
       </p:grpSpPr>
       <p:sp>
         <p:nvSpPr>
+          <p:cNvPr id="15362" name="Titel 1"/>
+          <p:cNvSpPr>
+            <a:spLocks noGrp="1"/>
+          </p:cNvSpPr>
+          <p:nvPr>
+            <p:ph type="title"/>
+          </p:nvPr>
+        </p:nvSpPr>
+        <p:spPr/>
+        <p:txBody>
+          <a:bodyPr/>
+          <a:lstStyle/>
+          <a:p>
+            <a:pPr eaLnBrk="1" hangingPunct="1"/>
+            <a:r>
+              <a:rPr lang="de-DE" dirty="0" smtClean="0"/>
+              <a:t>Kursinhalte</a:t>
+            </a:r>
+          </a:p>
+        </p:txBody>
+      </p:sp>
+      <p:sp>
+        <p:nvSpPr>
+          <p:cNvPr id="11" name="Foliennummernplatzhalter 10"/>
+          <p:cNvSpPr>
+            <a:spLocks noGrp="1"/>
+          </p:cNvSpPr>
+          <p:nvPr>
+            <p:ph type="sldNum" sz="quarter" idx="12"/>
+          </p:nvPr>
+        </p:nvSpPr>
+        <p:spPr/>
+        <p:txBody>
+          <a:bodyPr/>
+          <a:lstStyle/>
+          <a:p>
+            <a:pPr>
+              <a:defRPr/>
+            </a:pPr>
+            <a:fld id="{167059F5-D541-4CCE-9C94-CDD37FCFF25E}" type="slidenum">
+              <a:rPr lang="sv-SE" smtClean="0"/>
+              <a:pPr>
+                <a:defRPr/>
+              </a:pPr>
+              <a:t>2</a:t>
+            </a:fld>
+            <a:endParaRPr lang="sv-SE" dirty="0"/>
+          </a:p>
+        </p:txBody>
+      </p:sp>
+      <p:graphicFrame>
+        <p:nvGraphicFramePr>
+          <p:cNvPr id="3" name="Tabelle 2"/>
+          <p:cNvGraphicFramePr>
+            <a:graphicFrameLocks noGrp="1"/>
+          </p:cNvGraphicFramePr>
+          <p:nvPr>
+            <p:extLst>
+              <p:ext uri="{D42A27DB-BD31-4B8C-83A1-F6EECF244321}">
+                <p14:modId xmlns:p14="http://schemas.microsoft.com/office/powerpoint/2010/main" val="2868088868"/>
+              </p:ext>
+            </p:extLst>
+          </p:nvPr>
+        </p:nvGraphicFramePr>
+        <p:xfrm>
+          <a:off x="587298" y="1444713"/>
+          <a:ext cx="9423477" cy="2746287"/>
+        </p:xfrm>
+        <a:graphic>
+          <a:graphicData uri="http://schemas.openxmlformats.org/drawingml/2006/table">
+            <a:tbl>
+              <a:tblPr firstRow="1" bandRow="1">
+                <a:tableStyleId>{B301B821-A1FF-4177-AEE7-76D212191A09}</a:tableStyleId>
+              </a:tblPr>
+              <a:tblGrid>
+                <a:gridCol w="1432420">
+                  <a:extLst>
+                    <a:ext uri="{9D8B030D-6E8A-4147-A177-3AD203B41FA5}">
+                      <a16:colId xmlns:a16="http://schemas.microsoft.com/office/drawing/2014/main" val="20000"/>
+                    </a:ext>
+                  </a:extLst>
+                </a:gridCol>
+                <a:gridCol w="7991057">
+                  <a:extLst>
+                    <a:ext uri="{9D8B030D-6E8A-4147-A177-3AD203B41FA5}">
+                      <a16:colId xmlns:a16="http://schemas.microsoft.com/office/drawing/2014/main" val="20001"/>
+                    </a:ext>
+                  </a:extLst>
+                </a:gridCol>
+              </a:tblGrid>
+              <a:tr h="460287">
+                <a:tc gridSpan="2">
+                  <a:txBody>
+                    <a:bodyPr/>
+                    <a:lstStyle/>
+                    <a:p>
+                      <a:pPr marL="0" marR="0" indent="0" algn="l" defTabSz="914332" rtl="0" eaLnBrk="1" fontAlgn="auto" latinLnBrk="0" hangingPunct="1">
+                        <a:lnSpc>
+                          <a:spcPct val="100000"/>
+                        </a:lnSpc>
+                        <a:spcBef>
+                          <a:spcPts val="0"/>
+                        </a:spcBef>
+                        <a:spcAft>
+                          <a:spcPts val="0"/>
+                        </a:spcAft>
+                        <a:buClrTx/>
+                        <a:buSzTx/>
+                        <a:buFontTx/>
+                        <a:buNone/>
+                        <a:tabLst/>
+                        <a:defRPr/>
+                      </a:pPr>
+                      <a:r>
+                        <a:rPr lang="de-DE" b="1" dirty="0" smtClean="0">
+                          <a:solidFill>
+                            <a:schemeClr val="tx1"/>
+                          </a:solidFill>
+                        </a:rPr>
+                        <a:t>.NET Jump Start</a:t>
+                      </a:r>
+                    </a:p>
+                  </a:txBody>
+                  <a:tcPr/>
+                </a:tc>
+                <a:tc hMerge="1">
+                  <a:txBody>
+                    <a:bodyPr/>
+                    <a:lstStyle/>
+                    <a:p>
+                      <a:endParaRPr lang="de-DE" dirty="0"/>
+                    </a:p>
+                  </a:txBody>
+                  <a:tcPr/>
+                </a:tc>
+                <a:extLst>
+                  <a:ext uri="{0D108BD9-81ED-4DB2-BD59-A6C34878D82A}">
+                    <a16:rowId xmlns:a16="http://schemas.microsoft.com/office/drawing/2014/main" val="10000"/>
+                  </a:ext>
+                </a:extLst>
+              </a:tr>
+              <a:tr h="370840">
+                <a:tc>
+                  <a:txBody>
+                    <a:bodyPr/>
+                    <a:lstStyle/>
+                    <a:p>
+                      <a:r>
+                        <a:rPr lang="de-DE" dirty="0" smtClean="0"/>
+                        <a:t>Tag 1</a:t>
+                      </a:r>
+                      <a:endParaRPr lang="de-DE" dirty="0"/>
+                    </a:p>
+                  </a:txBody>
+                  <a:tcPr/>
+                </a:tc>
+                <a:tc>
+                  <a:txBody>
+                    <a:bodyPr/>
+                    <a:lstStyle/>
+                    <a:p>
+                      <a:r>
+                        <a:rPr lang="de-DE" b="0" dirty="0" smtClean="0"/>
+                        <a:t>01 | Überblick</a:t>
+                      </a:r>
+                      <a:endParaRPr lang="de-DE" b="0" dirty="0"/>
+                    </a:p>
+                  </a:txBody>
+                  <a:tcPr/>
+                </a:tc>
+                <a:extLst>
+                  <a:ext uri="{0D108BD9-81ED-4DB2-BD59-A6C34878D82A}">
+                    <a16:rowId xmlns:a16="http://schemas.microsoft.com/office/drawing/2014/main" val="10001"/>
+                  </a:ext>
+                </a:extLst>
+              </a:tr>
+              <a:tr h="370840">
+                <a:tc>
+                  <a:txBody>
+                    <a:bodyPr/>
+                    <a:lstStyle/>
+                    <a:p>
+                      <a:endParaRPr lang="de-DE" b="1" dirty="0"/>
+                    </a:p>
+                  </a:txBody>
+                  <a:tcPr/>
+                </a:tc>
+                <a:tc>
+                  <a:txBody>
+                    <a:bodyPr/>
+                    <a:lstStyle/>
+                    <a:p>
+                      <a:r>
+                        <a:rPr lang="de-DE" b="0" dirty="0" smtClean="0"/>
+                        <a:t>02 | Vorbereitung und Projektsetup</a:t>
+                      </a:r>
+                      <a:endParaRPr lang="de-DE" b="0" dirty="0"/>
+                    </a:p>
+                  </a:txBody>
+                  <a:tcPr/>
+                </a:tc>
+                <a:extLst>
+                  <a:ext uri="{0D108BD9-81ED-4DB2-BD59-A6C34878D82A}">
+                    <a16:rowId xmlns:a16="http://schemas.microsoft.com/office/drawing/2014/main" val="10002"/>
+                  </a:ext>
+                </a:extLst>
+              </a:tr>
+              <a:tr h="370840">
+                <a:tc>
+                  <a:txBody>
+                    <a:bodyPr/>
+                    <a:lstStyle/>
+                    <a:p>
+                      <a:endParaRPr lang="de-DE" dirty="0"/>
+                    </a:p>
+                  </a:txBody>
+                  <a:tcPr/>
+                </a:tc>
+                <a:tc>
+                  <a:txBody>
+                    <a:bodyPr/>
+                    <a:lstStyle/>
+                    <a:p>
+                      <a:r>
+                        <a:rPr lang="de-DE" b="0" dirty="0" smtClean="0"/>
+                        <a:t>03 | Datenmodellierung und -abfrage mit dem Entity Framework</a:t>
+                      </a:r>
+                      <a:endParaRPr lang="de-DE" b="0" dirty="0"/>
+                    </a:p>
+                  </a:txBody>
+                  <a:tcPr/>
+                </a:tc>
+                <a:extLst>
+                  <a:ext uri="{0D108BD9-81ED-4DB2-BD59-A6C34878D82A}">
+                    <a16:rowId xmlns:a16="http://schemas.microsoft.com/office/drawing/2014/main" val="10003"/>
+                  </a:ext>
+                </a:extLst>
+              </a:tr>
+              <a:tr h="370840">
+                <a:tc>
+                  <a:txBody>
+                    <a:bodyPr/>
+                    <a:lstStyle/>
+                    <a:p>
+                      <a:r>
+                        <a:rPr lang="de-DE" dirty="0" smtClean="0"/>
+                        <a:t>Tag 2</a:t>
+                      </a:r>
+                      <a:endParaRPr lang="de-DE" dirty="0"/>
+                    </a:p>
+                  </a:txBody>
+                  <a:tcPr/>
+                </a:tc>
+                <a:tc>
+                  <a:txBody>
+                    <a:bodyPr/>
+                    <a:lstStyle/>
+                    <a:p>
+                      <a:r>
+                        <a:rPr lang="de-DE" b="0" dirty="0" smtClean="0"/>
+                        <a:t>04 | Aufbau einer Webapplikation mit ASP.NET MVC</a:t>
+                      </a:r>
+                      <a:endParaRPr lang="de-DE" b="0" dirty="0"/>
+                    </a:p>
+                  </a:txBody>
+                  <a:tcPr/>
+                </a:tc>
+                <a:extLst>
+                  <a:ext uri="{0D108BD9-81ED-4DB2-BD59-A6C34878D82A}">
+                    <a16:rowId xmlns:a16="http://schemas.microsoft.com/office/drawing/2014/main" val="10004"/>
+                  </a:ext>
+                </a:extLst>
+              </a:tr>
+              <a:tr h="370840">
+                <a:tc>
+                  <a:txBody>
+                    <a:bodyPr/>
+                    <a:lstStyle/>
+                    <a:p>
+                      <a:endParaRPr lang="de-DE" dirty="0"/>
+                    </a:p>
+                  </a:txBody>
+                  <a:tcPr/>
+                </a:tc>
+                <a:tc>
+                  <a:txBody>
+                    <a:bodyPr/>
+                    <a:lstStyle/>
+                    <a:p>
+                      <a:r>
+                        <a:rPr lang="de-DE" b="0" dirty="0" smtClean="0"/>
+                        <a:t>05</a:t>
+                      </a:r>
+                      <a:r>
+                        <a:rPr lang="de-DE" b="0" baseline="0" dirty="0" smtClean="0"/>
+                        <a:t> | Entwicklung einer Schnittstelle mit ASP.NET Web API</a:t>
+                      </a:r>
+                      <a:endParaRPr lang="de-DE" b="0" dirty="0"/>
+                    </a:p>
+                  </a:txBody>
+                  <a:tcPr/>
+                </a:tc>
+                <a:extLst>
+                  <a:ext uri="{0D108BD9-81ED-4DB2-BD59-A6C34878D82A}">
+                    <a16:rowId xmlns:a16="http://schemas.microsoft.com/office/drawing/2014/main" val="10005"/>
+                  </a:ext>
+                </a:extLst>
+              </a:tr>
+              <a:tr h="370840">
+                <a:tc>
+                  <a:txBody>
+                    <a:bodyPr/>
+                    <a:lstStyle/>
+                    <a:p>
+                      <a:endParaRPr lang="de-DE" dirty="0"/>
+                    </a:p>
+                  </a:txBody>
+                  <a:tcPr/>
+                </a:tc>
+                <a:tc>
+                  <a:txBody>
+                    <a:bodyPr/>
+                    <a:lstStyle/>
+                    <a:p>
+                      <a:r>
+                        <a:rPr lang="de-DE" b="1" dirty="0" smtClean="0"/>
+                        <a:t>06</a:t>
+                      </a:r>
+                      <a:r>
+                        <a:rPr lang="de-DE" b="1" baseline="0" dirty="0" smtClean="0"/>
+                        <a:t> | Entwicklung einer App </a:t>
+                      </a:r>
+                      <a:r>
+                        <a:rPr lang="de-DE" b="1" baseline="0" dirty="0" smtClean="0"/>
+                        <a:t>für die universelle Windows Plattform</a:t>
+                      </a:r>
+                      <a:endParaRPr lang="de-DE" b="1" dirty="0"/>
+                    </a:p>
+                  </a:txBody>
+                  <a:tcPr/>
+                </a:tc>
+                <a:extLst>
+                  <a:ext uri="{0D108BD9-81ED-4DB2-BD59-A6C34878D82A}">
+                    <a16:rowId xmlns:a16="http://schemas.microsoft.com/office/drawing/2014/main" val="10006"/>
+                  </a:ext>
+                </a:extLst>
+              </a:tr>
+            </a:tbl>
+          </a:graphicData>
+        </a:graphic>
+      </p:graphicFrame>
+    </p:spTree>
+  </p:cSld>
+  <p:clrMapOvr>
+    <a:masterClrMapping/>
+  </p:clrMapOvr>
+  <p:timing>
+    <p:tnLst>
+      <p:par>
+        <p:cTn id="1" dur="indefinite" restart="never" nodeType="tmRoot"/>
+      </p:par>
+    </p:tnLst>
+  </p:timing>
+</p:sld>
+</file>
+
+<file path=ppt/slides/slide20.xml><?xml version="1.0" encoding="utf-8"?>
+<p:sld xmlns:a="http://schemas.openxmlformats.org/drawingml/2006/main" xmlns:r="http://schemas.openxmlformats.org/officeDocument/2006/relationships" xmlns:p="http://schemas.openxmlformats.org/presentationml/2006/main">
+  <p:cSld>
+    <p:spTree>
+      <p:nvGrpSpPr>
+        <p:cNvPr id="1" name=""/>
+        <p:cNvGrpSpPr/>
+        <p:nvPr/>
+      </p:nvGrpSpPr>
+      <p:grpSpPr>
+        <a:xfrm>
+          <a:off x="0" y="0"/>
+          <a:ext cx="0" cy="0"/>
+          <a:chOff x="0" y="0"/>
+          <a:chExt cx="0" cy="0"/>
+        </a:xfrm>
+      </p:grpSpPr>
+      <p:sp>
+        <p:nvSpPr>
           <p:cNvPr id="2" name="Titel 1"/>
           <p:cNvSpPr>
             <a:spLocks noGrp="1"/>
@@ -11806,7 +10219,7 @@
             <a:fld id="{8F35CB8A-22DD-4279-9E9E-A49CDB5FBE56}" type="slidenum">
               <a:rPr lang="en-US" smtClean="0"/>
               <a:pPr/>
-              <a:t>24</a:t>
+              <a:t>20</a:t>
             </a:fld>
             <a:endParaRPr lang="en-US"/>
           </a:p>
@@ -11861,37 +10274,6 @@
       </p:pic>
       <p:pic>
         <p:nvPicPr>
-          <p:cNvPr id="7" name="Grafik 6"/>
-          <p:cNvPicPr>
-            <a:picLocks noChangeAspect="1"/>
-          </p:cNvPicPr>
-          <p:nvPr/>
-        </p:nvPicPr>
-        <p:blipFill>
-          <a:blip r:embed="rId4"/>
-          <a:stretch>
-            <a:fillRect/>
-          </a:stretch>
-        </p:blipFill>
-        <p:spPr>
-          <a:xfrm>
-            <a:off x="9329909" y="2347075"/>
-            <a:ext cx="2005028" cy="2005028"/>
-          </a:xfrm>
-          <a:prstGeom prst="rect">
-            <a:avLst/>
-          </a:prstGeom>
-          <a:effectLst>
-            <a:outerShdw blurRad="50800" dist="38100" dir="2700000" algn="tl" rotWithShape="0">
-              <a:prstClr val="black">
-                <a:alpha val="40000"/>
-              </a:prstClr>
-            </a:outerShdw>
-          </a:effectLst>
-        </p:spPr>
-      </p:pic>
-      <p:pic>
-        <p:nvPicPr>
           <p:cNvPr id="8" name="Grafik 7"/>
           <p:cNvPicPr>
             <a:picLocks noChangeAspect="1"/>
@@ -11899,7 +10281,7 @@
           <p:nvPr/>
         </p:nvPicPr>
         <p:blipFill>
-          <a:blip r:embed="rId5" cstate="print">
+          <a:blip r:embed="rId4" cstate="print">
             <a:extLst>
               <a:ext uri="{28A0092B-C50C-407E-A947-70E740481C1C}">
                 <a14:useLocalDpi xmlns:a14="http://schemas.microsoft.com/office/drawing/2010/main" val="0"/>
@@ -11978,7 +10360,7 @@
           <a:p>
             <a:r>
               <a:rPr lang="de-DE" dirty="0" smtClean="0">
-                <a:hlinkClick r:id="rId6"/>
+                <a:hlinkClick r:id="rId5"/>
               </a:rPr>
               <a:t>constantin.petsch@acando.de</a:t>
             </a:r>
@@ -11998,7 +10380,49 @@
                   <a:schemeClr val="accent3"/>
                 </a:solidFill>
               </a:rPr>
-              <a:t>Felix Radzanowski</a:t>
+              <a:t>Benedikt Bergmann</a:t>
+            </a:r>
+          </a:p>
+          <a:p>
+            <a:r>
+              <a:rPr lang="de-DE" dirty="0">
+                <a:solidFill>
+                  <a:schemeClr val="accent3"/>
+                </a:solidFill>
+                <a:hlinkClick r:id="rId6"/>
+              </a:rPr>
+              <a:t>b</a:t>
+            </a:r>
+            <a:r>
+              <a:rPr lang="de-DE" dirty="0" smtClean="0">
+                <a:solidFill>
+                  <a:schemeClr val="accent3"/>
+                </a:solidFill>
+                <a:hlinkClick r:id="rId6"/>
+              </a:rPr>
+              <a:t>enedikt.bergmann@acando.de</a:t>
+            </a:r>
+            <a:endParaRPr lang="de-DE" dirty="0" smtClean="0">
+              <a:solidFill>
+                <a:schemeClr val="accent3"/>
+              </a:solidFill>
+            </a:endParaRPr>
+          </a:p>
+          <a:p>
+            <a:endParaRPr lang="de-DE" dirty="0">
+              <a:solidFill>
+                <a:schemeClr val="accent3"/>
+              </a:solidFill>
+            </a:endParaRPr>
+          </a:p>
+          <a:p>
+            <a:r>
+              <a:rPr lang="de-DE" dirty="0" smtClean="0">
+                <a:solidFill>
+                  <a:schemeClr val="accent3"/>
+                </a:solidFill>
+              </a:rPr>
+              <a:t>Daniel Beckmann</a:t>
             </a:r>
           </a:p>
           <a:p>
@@ -12009,7 +10433,7 @@
                 </a:solidFill>
                 <a:hlinkClick r:id="rId7"/>
               </a:rPr>
-              <a:t>felix.radzanowski@acando.de</a:t>
+              <a:t>daniel.beckmann@acando.de</a:t>
             </a:r>
             <a:endParaRPr lang="de-DE" dirty="0" smtClean="0">
               <a:solidFill>
@@ -12024,41 +10448,45 @@
               </a:solidFill>
             </a:endParaRPr>
           </a:p>
-          <a:p>
-            <a:r>
-              <a:rPr lang="de-DE" dirty="0" smtClean="0">
-                <a:solidFill>
-                  <a:schemeClr val="accent3"/>
-                </a:solidFill>
-              </a:rPr>
-              <a:t>Daniel Beckmann</a:t>
-            </a:r>
-          </a:p>
-          <a:p>
-            <a:r>
-              <a:rPr lang="de-DE" dirty="0" smtClean="0">
-                <a:solidFill>
-                  <a:schemeClr val="accent3"/>
-                </a:solidFill>
-                <a:hlinkClick r:id="rId8"/>
-              </a:rPr>
-              <a:t>daniel.beckmann@acando.de</a:t>
-            </a:r>
-            <a:endParaRPr lang="de-DE" dirty="0" smtClean="0">
-              <a:solidFill>
-                <a:schemeClr val="accent3"/>
-              </a:solidFill>
-            </a:endParaRPr>
-          </a:p>
-          <a:p>
-            <a:endParaRPr lang="de-DE" dirty="0">
-              <a:solidFill>
-                <a:schemeClr val="accent3"/>
-              </a:solidFill>
-            </a:endParaRPr>
-          </a:p>
-        </p:txBody>
-      </p:sp>
+        </p:txBody>
+      </p:sp>
+      <p:pic>
+        <p:nvPicPr>
+          <p:cNvPr id="10" name="Grafik 9"/>
+          <p:cNvPicPr>
+            <a:picLocks noChangeAspect="1"/>
+          </p:cNvPicPr>
+          <p:nvPr/>
+        </p:nvPicPr>
+        <p:blipFill>
+          <a:blip r:embed="rId8">
+            <a:extLst>
+              <a:ext uri="{28A0092B-C50C-407E-A947-70E740481C1C}">
+                <a14:useLocalDpi xmlns:a14="http://schemas.microsoft.com/office/drawing/2010/main" val="0"/>
+              </a:ext>
+            </a:extLst>
+          </a:blip>
+          <a:stretch>
+            <a:fillRect/>
+          </a:stretch>
+        </p:blipFill>
+        <p:spPr>
+          <a:xfrm>
+            <a:off x="9438627" y="2151403"/>
+            <a:ext cx="2135346" cy="2135346"/>
+          </a:xfrm>
+          <a:prstGeom prst="rect">
+            <a:avLst/>
+          </a:prstGeom>
+          <a:effectLst>
+            <a:outerShdw blurRad="50800" dist="38100" dir="2700000" algn="tl" rotWithShape="0">
+              <a:prstClr val="black">
+                <a:alpha val="40000"/>
+              </a:prstClr>
+            </a:outerShdw>
+          </a:effectLst>
+        </p:spPr>
+      </p:pic>
     </p:spTree>
     <p:extLst>
       <p:ext uri="{BB962C8B-B14F-4D97-AF65-F5344CB8AC3E}">
@@ -12079,7 +10507,7 @@
 </p:sld>
 </file>
 
-<file path=ppt/slides/slide25.xml><?xml version="1.0" encoding="utf-8"?>
+<file path=ppt/slides/slide21.xml><?xml version="1.0" encoding="utf-8"?>
 <p:sld xmlns:a="http://schemas.openxmlformats.org/drawingml/2006/main" xmlns:r="http://schemas.openxmlformats.org/officeDocument/2006/relationships" xmlns:p="http://schemas.openxmlformats.org/presentationml/2006/main">
   <p:cSld>
     <p:spTree>
@@ -12119,7 +10547,7 @@
               <a:pPr>
                 <a:defRPr/>
               </a:pPr>
-              <a:t>25</a:t>
+              <a:t>21</a:t>
             </a:fld>
             <a:endParaRPr lang="sv-SE" dirty="0"/>
           </a:p>
@@ -12159,12 +10587,12 @@
       </p:grpSpPr>
       <p:sp>
         <p:nvSpPr>
-          <p:cNvPr id="15362" name="Titel 1"/>
-          <p:cNvSpPr>
-            <a:spLocks noGrp="1"/>
-          </p:cNvSpPr>
-          <p:nvPr>
-            <p:ph type="title"/>
+          <p:cNvPr id="2" name="Titel 1"/>
+          <p:cNvSpPr>
+            <a:spLocks noGrp="1"/>
+          </p:cNvSpPr>
+          <p:nvPr>
+            <p:ph type="ctrTitle"/>
           </p:nvPr>
         </p:nvSpPr>
         <p:spPr/>
@@ -12172,22 +10600,30 @@
           <a:bodyPr/>
           <a:lstStyle/>
           <a:p>
-            <a:pPr eaLnBrk="1" hangingPunct="1"/>
-            <a:r>
-              <a:rPr lang="de-DE" dirty="0" smtClean="0"/>
-              <a:t>Module Tag 3</a:t>
-            </a:r>
-          </a:p>
-        </p:txBody>
-      </p:sp>
-      <p:sp>
-        <p:nvSpPr>
-          <p:cNvPr id="11" name="Foliennummernplatzhalter 10"/>
-          <p:cNvSpPr>
-            <a:spLocks noGrp="1"/>
-          </p:cNvSpPr>
-          <p:nvPr>
-            <p:ph type="sldNum" sz="quarter" idx="12"/>
+            <a:r>
+              <a:rPr lang="de-DE" dirty="0" smtClean="0"/>
+              <a:t>06 | Entwicklung </a:t>
+            </a:r>
+            <a:r>
+              <a:rPr lang="de-DE" dirty="0"/>
+              <a:t>einer App für </a:t>
+            </a:r>
+            <a:r>
+              <a:rPr lang="de-DE" dirty="0" smtClean="0"/>
+              <a:t>die universelle Windows Plattform</a:t>
+            </a:r>
+            <a:endParaRPr lang="de-DE" dirty="0"/>
+          </a:p>
+        </p:txBody>
+      </p:sp>
+      <p:sp>
+        <p:nvSpPr>
+          <p:cNvPr id="4" name="Untertitel 3"/>
+          <p:cNvSpPr>
+            <a:spLocks noGrp="1"/>
+          </p:cNvSpPr>
+          <p:nvPr>
+            <p:ph type="subTitle" idx="1"/>
           </p:nvPr>
         </p:nvSpPr>
         <p:spPr/>
@@ -12195,434 +10631,42 @@
           <a:bodyPr/>
           <a:lstStyle/>
           <a:p>
-            <a:pPr>
-              <a:defRPr/>
-            </a:pPr>
-            <a:fld id="{167059F5-D541-4CCE-9C94-CDD37FCFF25E}" type="slidenum">
-              <a:rPr lang="sv-SE" smtClean="0"/>
-              <a:pPr>
-                <a:defRPr/>
-              </a:pPr>
-              <a:t>3</a:t>
-            </a:fld>
-            <a:endParaRPr lang="sv-SE" dirty="0"/>
-          </a:p>
-        </p:txBody>
-      </p:sp>
-      <p:graphicFrame>
-        <p:nvGraphicFramePr>
-          <p:cNvPr id="3" name="Tabelle 2"/>
-          <p:cNvGraphicFramePr>
-            <a:graphicFrameLocks noGrp="1"/>
-          </p:cNvGraphicFramePr>
-          <p:nvPr>
-            <p:extLst>
-              <p:ext uri="{D42A27DB-BD31-4B8C-83A1-F6EECF244321}">
-                <p14:modId xmlns:p14="http://schemas.microsoft.com/office/powerpoint/2010/main" val="3692573897"/>
-              </p:ext>
-            </p:extLst>
-          </p:nvPr>
-        </p:nvGraphicFramePr>
-        <p:xfrm>
-          <a:off x="587297" y="1444713"/>
-          <a:ext cx="11015817" cy="3889287"/>
-        </p:xfrm>
-        <a:graphic>
-          <a:graphicData uri="http://schemas.openxmlformats.org/drawingml/2006/table">
-            <a:tbl>
-              <a:tblPr firstRow="1" bandRow="1">
-                <a:tableStyleId>{B301B821-A1FF-4177-AEE7-76D212191A09}</a:tableStyleId>
-              </a:tblPr>
-              <a:tblGrid>
-                <a:gridCol w="2319194"/>
-                <a:gridCol w="8696623"/>
-              </a:tblGrid>
-              <a:tr h="460287">
-                <a:tc gridSpan="2">
-                  <a:txBody>
-                    <a:bodyPr/>
-                    <a:lstStyle/>
-                    <a:p>
-                      <a:pPr marL="0" marR="0" indent="0" algn="l" defTabSz="914332" rtl="0" eaLnBrk="1" fontAlgn="auto" latinLnBrk="0" hangingPunct="1">
-                        <a:lnSpc>
-                          <a:spcPct val="100000"/>
-                        </a:lnSpc>
-                        <a:spcBef>
-                          <a:spcPts val="0"/>
-                        </a:spcBef>
-                        <a:spcAft>
-                          <a:spcPts val="0"/>
-                        </a:spcAft>
-                        <a:buClrTx/>
-                        <a:buSzTx/>
-                        <a:buFontTx/>
-                        <a:buNone/>
-                        <a:tabLst/>
-                        <a:defRPr/>
-                      </a:pPr>
-                      <a:r>
-                        <a:rPr lang="de-DE" b="1" dirty="0" smtClean="0">
-                          <a:solidFill>
-                            <a:schemeClr val="tx1"/>
-                          </a:solidFill>
-                        </a:rPr>
-                        <a:t>.NET Jump Start: Tag 3</a:t>
-                      </a:r>
-                    </a:p>
-                  </a:txBody>
-                  <a:tcPr/>
-                </a:tc>
-                <a:tc hMerge="1">
-                  <a:txBody>
-                    <a:bodyPr/>
-                    <a:lstStyle/>
-                    <a:p>
-                      <a:endParaRPr lang="de-DE" dirty="0"/>
-                    </a:p>
-                  </a:txBody>
-                  <a:tcPr/>
-                </a:tc>
-              </a:tr>
-              <a:tr h="370840">
-                <a:tc>
-                  <a:txBody>
-                    <a:bodyPr/>
-                    <a:lstStyle/>
-                    <a:p>
-                      <a:r>
-                        <a:rPr lang="de-DE" dirty="0" smtClean="0"/>
-                        <a:t>09:00 – 10:30</a:t>
-                      </a:r>
-                      <a:endParaRPr lang="de-DE" dirty="0"/>
-                    </a:p>
-                  </a:txBody>
-                  <a:tcPr/>
-                </a:tc>
-                <a:tc>
-                  <a:txBody>
-                    <a:bodyPr/>
-                    <a:lstStyle/>
-                    <a:p>
-                      <a:r>
-                        <a:rPr lang="de-DE" b="0" dirty="0" smtClean="0"/>
-                        <a:t>06 | Entwicklung einer App für Windows Phone Teil 1 (Hands-On Views)</a:t>
-                      </a:r>
-                      <a:endParaRPr lang="de-DE" b="0" dirty="0"/>
-                    </a:p>
-                  </a:txBody>
-                  <a:tcPr/>
-                </a:tc>
-              </a:tr>
-              <a:tr h="370840">
-                <a:tc>
-                  <a:txBody>
-                    <a:bodyPr/>
-                    <a:lstStyle/>
-                    <a:p>
-                      <a:r>
-                        <a:rPr lang="de-DE" dirty="0" smtClean="0"/>
-                        <a:t>10:30 – 12:00</a:t>
-                      </a:r>
-                      <a:endParaRPr lang="de-DE" dirty="0"/>
-                    </a:p>
-                  </a:txBody>
-                  <a:tcPr/>
-                </a:tc>
-                <a:tc>
-                  <a:txBody>
-                    <a:bodyPr/>
-                    <a:lstStyle/>
-                    <a:p>
-                      <a:r>
-                        <a:rPr lang="de-DE" b="0" dirty="0" smtClean="0"/>
-                        <a:t>06 | Entwicklung einer App für Windows Phone Teil 2 (Hands-On ViewModels)</a:t>
-                      </a:r>
-                      <a:endParaRPr lang="de-DE" b="0" dirty="0"/>
-                    </a:p>
-                  </a:txBody>
-                  <a:tcPr/>
-                </a:tc>
-              </a:tr>
-              <a:tr h="370840">
-                <a:tc>
-                  <a:txBody>
-                    <a:bodyPr/>
-                    <a:lstStyle/>
-                    <a:p>
-                      <a:r>
-                        <a:rPr lang="de-DE" dirty="0" smtClean="0"/>
-                        <a:t>12:30 – 13:30	</a:t>
-                      </a:r>
-                      <a:endParaRPr lang="de-DE" dirty="0"/>
-                    </a:p>
-                  </a:txBody>
-                  <a:tcPr/>
-                </a:tc>
-                <a:tc>
-                  <a:txBody>
-                    <a:bodyPr/>
-                    <a:lstStyle/>
-                    <a:p>
-                      <a:pPr algn="ctr"/>
-                      <a:r>
-                        <a:rPr lang="de-DE" b="0" dirty="0" smtClean="0"/>
-                        <a:t>-</a:t>
-                      </a:r>
-                      <a:r>
-                        <a:rPr lang="de-DE" b="0" baseline="0" dirty="0" smtClean="0"/>
-                        <a:t> Mittagspause -</a:t>
-                      </a:r>
-                      <a:endParaRPr lang="de-DE" b="0" dirty="0"/>
-                    </a:p>
-                  </a:txBody>
-                  <a:tcPr/>
-                </a:tc>
-              </a:tr>
-              <a:tr h="370840">
-                <a:tc>
-                  <a:txBody>
-                    <a:bodyPr/>
-                    <a:lstStyle/>
-                    <a:p>
-                      <a:r>
-                        <a:rPr lang="de-DE" dirty="0" smtClean="0"/>
-                        <a:t>13:30 – 14:30</a:t>
-                      </a:r>
-                      <a:endParaRPr lang="de-DE" dirty="0"/>
-                    </a:p>
-                  </a:txBody>
-                  <a:tcPr/>
-                </a:tc>
-                <a:tc>
-                  <a:txBody>
-                    <a:bodyPr/>
-                    <a:lstStyle/>
-                    <a:p>
-                      <a:r>
-                        <a:rPr lang="de-DE" dirty="0" smtClean="0"/>
-                        <a:t>06 | Entwicklung einer App für Windows Phone Teil 3 (Hands-On</a:t>
-                      </a:r>
-                      <a:r>
-                        <a:rPr lang="de-DE" baseline="0" dirty="0" smtClean="0"/>
-                        <a:t> </a:t>
-                      </a:r>
-                      <a:r>
-                        <a:rPr lang="de-DE" dirty="0" smtClean="0"/>
-                        <a:t>Services)</a:t>
-                      </a:r>
-                      <a:endParaRPr lang="de-DE" dirty="0"/>
-                    </a:p>
-                  </a:txBody>
-                  <a:tcPr/>
-                </a:tc>
-              </a:tr>
-              <a:tr h="190500">
-                <a:tc>
-                  <a:txBody>
-                    <a:bodyPr/>
-                    <a:lstStyle/>
-                    <a:p>
-                      <a:r>
-                        <a:rPr lang="de-DE" dirty="0" smtClean="0"/>
-                        <a:t>14:30 – 15:00</a:t>
-                      </a:r>
-                      <a:endParaRPr lang="de-DE" dirty="0"/>
-                    </a:p>
-                  </a:txBody>
-                  <a:tcPr/>
-                </a:tc>
-                <a:tc>
-                  <a:txBody>
-                    <a:bodyPr/>
-                    <a:lstStyle/>
-                    <a:p>
-                      <a:pPr marL="0" marR="0" indent="0" algn="l" defTabSz="914332" rtl="0" eaLnBrk="1" fontAlgn="auto" latinLnBrk="0" hangingPunct="1">
-                        <a:lnSpc>
-                          <a:spcPct val="100000"/>
-                        </a:lnSpc>
-                        <a:spcBef>
-                          <a:spcPts val="0"/>
-                        </a:spcBef>
-                        <a:spcAft>
-                          <a:spcPts val="0"/>
-                        </a:spcAft>
-                        <a:buClrTx/>
-                        <a:buSzTx/>
-                        <a:buFontTx/>
-                        <a:buNone/>
-                        <a:tabLst/>
-                        <a:defRPr/>
-                      </a:pPr>
-                      <a:r>
-                        <a:rPr lang="de-DE" b="0" dirty="0" smtClean="0"/>
-                        <a:t>06 | Entwicklung einer App für Windows Phone Teil 4/1 (WP API)</a:t>
-                      </a:r>
-                    </a:p>
-                  </a:txBody>
-                  <a:tcPr/>
-                </a:tc>
-              </a:tr>
-              <a:tr h="190500">
-                <a:tc>
-                  <a:txBody>
-                    <a:bodyPr/>
-                    <a:lstStyle/>
-                    <a:p>
-                      <a:r>
-                        <a:rPr lang="de-DE" dirty="0" smtClean="0"/>
-                        <a:t>15:00 – 15:30</a:t>
-                      </a:r>
-                      <a:endParaRPr lang="de-DE" dirty="0"/>
-                    </a:p>
-                  </a:txBody>
-                  <a:tcPr/>
-                </a:tc>
-                <a:tc>
-                  <a:txBody>
-                    <a:bodyPr/>
-                    <a:lstStyle/>
-                    <a:p>
-                      <a:pPr algn="ctr"/>
-                      <a:r>
-                        <a:rPr lang="de-DE" b="0" dirty="0" smtClean="0"/>
-                        <a:t>- Kaffeepause -</a:t>
-                      </a:r>
-                      <a:endParaRPr lang="de-DE" b="0" dirty="0"/>
-                    </a:p>
-                  </a:txBody>
-                  <a:tcPr/>
-                </a:tc>
-              </a:tr>
-              <a:tr h="370840">
-                <a:tc>
-                  <a:txBody>
-                    <a:bodyPr/>
-                    <a:lstStyle/>
-                    <a:p>
-                      <a:r>
-                        <a:rPr lang="de-DE" dirty="0" smtClean="0"/>
-                        <a:t>15:30 – 16:00</a:t>
-                      </a:r>
-                      <a:endParaRPr lang="de-DE" dirty="0"/>
-                    </a:p>
-                  </a:txBody>
-                  <a:tcPr/>
-                </a:tc>
-                <a:tc>
-                  <a:txBody>
-                    <a:bodyPr/>
-                    <a:lstStyle/>
-                    <a:p>
-                      <a:r>
-                        <a:rPr lang="de-DE" b="0" dirty="0" smtClean="0"/>
-                        <a:t>06 | Entwicklung einer App für Windows Phone </a:t>
-                      </a:r>
-                      <a:r>
-                        <a:rPr lang="de-DE" b="0" smtClean="0"/>
-                        <a:t>Teil 4/2 </a:t>
-                      </a:r>
-                      <a:r>
-                        <a:rPr lang="de-DE" b="0" dirty="0" smtClean="0"/>
-                        <a:t>(Hands-On</a:t>
-                      </a:r>
-                      <a:r>
-                        <a:rPr lang="de-DE" b="0" baseline="0" dirty="0" smtClean="0"/>
-                        <a:t> </a:t>
-                      </a:r>
-                      <a:r>
-                        <a:rPr lang="de-DE" b="0" dirty="0" smtClean="0"/>
-                        <a:t>WP API)</a:t>
-                      </a:r>
-                      <a:endParaRPr lang="de-DE" b="0" dirty="0"/>
-                    </a:p>
-                  </a:txBody>
-                  <a:tcPr/>
-                </a:tc>
-              </a:tr>
-              <a:tr h="370840">
-                <a:tc>
-                  <a:txBody>
-                    <a:bodyPr/>
-                    <a:lstStyle/>
-                    <a:p>
-                      <a:r>
-                        <a:rPr lang="de-DE" dirty="0" smtClean="0"/>
-                        <a:t>16:00</a:t>
-                      </a:r>
-                      <a:r>
-                        <a:rPr lang="de-DE" baseline="0" dirty="0" smtClean="0"/>
-                        <a:t> </a:t>
-                      </a:r>
-                      <a:r>
-                        <a:rPr lang="de-DE" dirty="0" smtClean="0"/>
-                        <a:t>– 17:00</a:t>
-                      </a:r>
-                      <a:endParaRPr lang="de-DE" dirty="0"/>
-                    </a:p>
-                  </a:txBody>
-                  <a:tcPr/>
-                </a:tc>
-                <a:tc>
-                  <a:txBody>
-                    <a:bodyPr/>
-                    <a:lstStyle/>
-                    <a:p>
-                      <a:r>
-                        <a:rPr lang="de-DE" b="0" dirty="0" smtClean="0"/>
-                        <a:t>Universal App Plattform</a:t>
-                      </a:r>
-                      <a:endParaRPr lang="de-DE" b="0" dirty="0"/>
-                    </a:p>
-                  </a:txBody>
-                  <a:tcPr/>
-                </a:tc>
-              </a:tr>
-              <a:tr h="370840">
-                <a:tc>
-                  <a:txBody>
-                    <a:bodyPr/>
-                    <a:lstStyle/>
-                    <a:p>
-                      <a:r>
-                        <a:rPr lang="de-DE" dirty="0" smtClean="0"/>
-                        <a:t>17:00 – 17:30</a:t>
-                      </a:r>
-                      <a:endParaRPr lang="de-DE" dirty="0"/>
-                    </a:p>
-                  </a:txBody>
-                  <a:tcPr/>
-                </a:tc>
-                <a:tc>
-                  <a:txBody>
-                    <a:bodyPr/>
-                    <a:lstStyle/>
-                    <a:p>
-                      <a:r>
-                        <a:rPr lang="de-DE" b="0" dirty="0" smtClean="0"/>
-                        <a:t>Zusammenfassung,</a:t>
-                      </a:r>
-                      <a:r>
-                        <a:rPr lang="de-DE" b="0" baseline="0" dirty="0" smtClean="0"/>
-                        <a:t> </a:t>
-                      </a:r>
-                      <a:r>
-                        <a:rPr lang="de-DE" b="0" dirty="0" smtClean="0"/>
-                        <a:t>Feedbackrunde</a:t>
-                      </a:r>
-                      <a:endParaRPr lang="de-DE" b="0" dirty="0"/>
-                    </a:p>
-                  </a:txBody>
-                  <a:tcPr/>
-                </a:tc>
-              </a:tr>
-            </a:tbl>
-          </a:graphicData>
-        </a:graphic>
-      </p:graphicFrame>
+            <a:r>
+              <a:rPr lang="de-DE" dirty="0" smtClean="0"/>
+              <a:t>Daniel Beckmann</a:t>
+            </a:r>
+            <a:endParaRPr lang="de-DE" dirty="0"/>
+          </a:p>
+        </p:txBody>
+      </p:sp>
+      <p:pic>
+        <p:nvPicPr>
+          <p:cNvPr id="5" name="Grafik 4"/>
+          <p:cNvPicPr>
+            <a:picLocks noChangeAspect="1"/>
+          </p:cNvPicPr>
+          <p:nvPr/>
+        </p:nvPicPr>
+        <p:blipFill>
+          <a:blip r:embed="rId2"/>
+          <a:stretch>
+            <a:fillRect/>
+          </a:stretch>
+        </p:blipFill>
+        <p:spPr>
+          <a:xfrm>
+            <a:off x="587299" y="1949451"/>
+            <a:ext cx="8371097" cy="4593683"/>
+          </a:xfrm>
+          <a:prstGeom prst="rect">
+            <a:avLst/>
+          </a:prstGeom>
+        </p:spPr>
+      </p:pic>
     </p:spTree>
     <p:extLst>
       <p:ext uri="{BB962C8B-B14F-4D97-AF65-F5344CB8AC3E}">
-        <p14:creationId xmlns:p14="http://schemas.microsoft.com/office/powerpoint/2010/main" val="1249594808"/>
+        <p14:creationId xmlns:p14="http://schemas.microsoft.com/office/powerpoint/2010/main" val="3075312266"/>
       </p:ext>
     </p:extLst>
   </p:cSld>
@@ -12658,12 +10702,12 @@
       </p:grpSpPr>
       <p:sp>
         <p:nvSpPr>
-          <p:cNvPr id="2" name="Titel 1"/>
-          <p:cNvSpPr>
-            <a:spLocks noGrp="1"/>
-          </p:cNvSpPr>
-          <p:nvPr>
-            <p:ph type="ctrTitle"/>
+          <p:cNvPr id="6" name="Titel 1"/>
+          <p:cNvSpPr>
+            <a:spLocks noGrp="1"/>
+          </p:cNvSpPr>
+          <p:nvPr>
+            <p:ph type="title"/>
           </p:nvPr>
         </p:nvSpPr>
         <p:spPr/>
@@ -12671,25 +10715,27 @@
           <a:bodyPr/>
           <a:lstStyle/>
           <a:p>
-            <a:r>
-              <a:rPr lang="de-DE" dirty="0" smtClean="0"/>
-              <a:t>06 | Entwicklung </a:t>
-            </a:r>
-            <a:r>
-              <a:rPr lang="de-DE" dirty="0"/>
-              <a:t>einer App für Windows Phone</a:t>
-            </a:r>
-          </a:p>
-        </p:txBody>
-      </p:sp>
-      <p:sp>
-        <p:nvSpPr>
-          <p:cNvPr id="4" name="Untertitel 3"/>
-          <p:cNvSpPr>
-            <a:spLocks noGrp="1"/>
-          </p:cNvSpPr>
-          <p:nvPr>
-            <p:ph type="subTitle" idx="1"/>
+            <a:pPr>
+              <a:lnSpc>
+                <a:spcPct val="150000"/>
+              </a:lnSpc>
+            </a:pPr>
+            <a:r>
+              <a:rPr lang="de-DE" dirty="0" smtClean="0"/>
+              <a:t>Agenda</a:t>
+            </a:r>
+            <a:endParaRPr lang="de-DE" dirty="0"/>
+          </a:p>
+        </p:txBody>
+      </p:sp>
+      <p:sp>
+        <p:nvSpPr>
+          <p:cNvPr id="5" name="Inhaltsplatzhalter 4"/>
+          <p:cNvSpPr>
+            <a:spLocks noGrp="1"/>
+          </p:cNvSpPr>
+          <p:nvPr>
+            <p:ph idx="1"/>
           </p:nvPr>
         </p:nvSpPr>
         <p:spPr/>
@@ -12697,123 +10743,6 @@
           <a:bodyPr/>
           <a:lstStyle/>
           <a:p>
-            <a:r>
-              <a:rPr lang="de-DE" dirty="0" smtClean="0"/>
-              <a:t>Daniel Beckmann</a:t>
-            </a:r>
-            <a:endParaRPr lang="de-DE" dirty="0"/>
-          </a:p>
-        </p:txBody>
-      </p:sp>
-      <p:pic>
-        <p:nvPicPr>
-          <p:cNvPr id="3" name="Grafik 2"/>
-          <p:cNvPicPr>
-            <a:picLocks noChangeAspect="1"/>
-          </p:cNvPicPr>
-          <p:nvPr/>
-        </p:nvPicPr>
-        <p:blipFill rotWithShape="1">
-          <a:blip r:embed="rId2">
-            <a:extLst>
-              <a:ext uri="{28A0092B-C50C-407E-A947-70E740481C1C}">
-                <a14:useLocalDpi xmlns:a14="http://schemas.microsoft.com/office/drawing/2010/main" val="0"/>
-              </a:ext>
-            </a:extLst>
-          </a:blip>
-          <a:srcRect t="-6" b="29106"/>
-          <a:stretch/>
-        </p:blipFill>
-        <p:spPr>
-          <a:xfrm>
-            <a:off x="587299" y="2028825"/>
-            <a:ext cx="11296650" cy="4505325"/>
-          </a:xfrm>
-          <a:prstGeom prst="rect">
-            <a:avLst/>
-          </a:prstGeom>
-        </p:spPr>
-      </p:pic>
-    </p:spTree>
-    <p:extLst>
-      <p:ext uri="{BB962C8B-B14F-4D97-AF65-F5344CB8AC3E}">
-        <p14:creationId xmlns:p14="http://schemas.microsoft.com/office/powerpoint/2010/main" val="3075312266"/>
-      </p:ext>
-    </p:extLst>
-  </p:cSld>
-  <p:clrMapOvr>
-    <a:masterClrMapping/>
-  </p:clrMapOvr>
-  <p:timing>
-    <p:tnLst>
-      <p:par>
-        <p:cTn id="1" dur="indefinite" restart="never" nodeType="tmRoot"/>
-      </p:par>
-    </p:tnLst>
-  </p:timing>
-</p:sld>
-</file>
-
-<file path=ppt/slides/slide5.xml><?xml version="1.0" encoding="utf-8"?>
-<p:sld xmlns:a="http://schemas.openxmlformats.org/drawingml/2006/main" xmlns:r="http://schemas.openxmlformats.org/officeDocument/2006/relationships" xmlns:p="http://schemas.openxmlformats.org/presentationml/2006/main">
-  <p:cSld>
-    <p:spTree>
-      <p:nvGrpSpPr>
-        <p:cNvPr id="1" name=""/>
-        <p:cNvGrpSpPr/>
-        <p:nvPr/>
-      </p:nvGrpSpPr>
-      <p:grpSpPr>
-        <a:xfrm>
-          <a:off x="0" y="0"/>
-          <a:ext cx="0" cy="0"/>
-          <a:chOff x="0" y="0"/>
-          <a:chExt cx="0" cy="0"/>
-        </a:xfrm>
-      </p:grpSpPr>
-      <p:sp>
-        <p:nvSpPr>
-          <p:cNvPr id="6" name="Titel 1"/>
-          <p:cNvSpPr>
-            <a:spLocks noGrp="1"/>
-          </p:cNvSpPr>
-          <p:nvPr>
-            <p:ph type="title"/>
-          </p:nvPr>
-        </p:nvSpPr>
-        <p:spPr/>
-        <p:txBody>
-          <a:bodyPr/>
-          <a:lstStyle/>
-          <a:p>
-            <a:pPr>
-              <a:lnSpc>
-                <a:spcPct val="150000"/>
-              </a:lnSpc>
-            </a:pPr>
-            <a:r>
-              <a:rPr lang="de-DE" dirty="0" smtClean="0"/>
-              <a:t>Agenda</a:t>
-            </a:r>
-            <a:endParaRPr lang="de-DE" dirty="0"/>
-          </a:p>
-        </p:txBody>
-      </p:sp>
-      <p:sp>
-        <p:nvSpPr>
-          <p:cNvPr id="5" name="Inhaltsplatzhalter 4"/>
-          <p:cNvSpPr>
-            <a:spLocks noGrp="1"/>
-          </p:cNvSpPr>
-          <p:nvPr>
-            <p:ph idx="1"/>
-          </p:nvPr>
-        </p:nvSpPr>
-        <p:spPr/>
-        <p:txBody>
-          <a:bodyPr/>
-          <a:lstStyle/>
-          <a:p>
             <a:pPr marL="342900" indent="-342900">
               <a:lnSpc>
                 <a:spcPct val="150000"/>
@@ -12823,7 +10752,7 @@
             </a:pPr>
             <a:r>
               <a:rPr lang="de-DE" dirty="0" smtClean="0"/>
-              <a:t>Veröffentlichung der API in Microsoft Azure</a:t>
+              <a:t>Universelle Windows Plattform</a:t>
             </a:r>
           </a:p>
           <a:p>
@@ -12836,15 +10765,7 @@
             </a:pPr>
             <a:r>
               <a:rPr lang="de-DE" dirty="0" smtClean="0"/>
-              <a:t>Windows </a:t>
-            </a:r>
-            <a:r>
-              <a:rPr lang="de-DE" dirty="0"/>
-              <a:t>Phone </a:t>
-            </a:r>
-            <a:r>
-              <a:rPr lang="de-DE" dirty="0" smtClean="0"/>
-              <a:t>Plattform</a:t>
+              <a:t>Exkurs: Xamarin</a:t>
             </a:r>
           </a:p>
           <a:p>
@@ -12856,16 +10777,16 @@
               <a:buAutoNum type="arabicPeriod"/>
             </a:pPr>
             <a:r>
-              <a:rPr lang="de-DE" dirty="0" smtClean="0"/>
-              <a:t>Exkurs: Windows </a:t>
-            </a:r>
-            <a:r>
-              <a:rPr lang="de-DE" dirty="0"/>
-              <a:t>Universal </a:t>
-            </a:r>
-            <a:r>
-              <a:rPr lang="de-DE" dirty="0" smtClean="0"/>
-              <a:t>Plattform</a:t>
+              <a:rPr lang="de-DE" b="1" dirty="0" smtClean="0"/>
+              <a:t>Projektsetup </a:t>
+            </a:r>
+            <a:r>
+              <a:rPr lang="de-DE" b="1" dirty="0"/>
+              <a:t>und Erstellung der </a:t>
+            </a:r>
+            <a:r>
+              <a:rPr lang="de-DE" b="1" dirty="0" smtClean="0"/>
+              <a:t>Views</a:t>
             </a:r>
           </a:p>
           <a:p>
@@ -12878,15 +10799,15 @@
             </a:pPr>
             <a:r>
               <a:rPr lang="de-DE" b="1" dirty="0" smtClean="0"/>
-              <a:t>Projektsetup </a:t>
+              <a:t>Entwickeln </a:t>
             </a:r>
             <a:r>
               <a:rPr lang="de-DE" b="1" dirty="0"/>
-              <a:t>und Erstellung der </a:t>
+              <a:t>der </a:t>
             </a:r>
             <a:r>
               <a:rPr lang="de-DE" b="1" dirty="0" smtClean="0"/>
-              <a:t>Views</a:t>
+              <a:t>ViewModels</a:t>
             </a:r>
           </a:p>
           <a:p>
@@ -12899,15 +10820,7 @@
             </a:pPr>
             <a:r>
               <a:rPr lang="de-DE" b="1" dirty="0" smtClean="0"/>
-              <a:t>Entwickeln </a:t>
-            </a:r>
-            <a:r>
-              <a:rPr lang="de-DE" b="1" dirty="0"/>
-              <a:t>der </a:t>
-            </a:r>
-            <a:r>
-              <a:rPr lang="de-DE" b="1" dirty="0" smtClean="0"/>
-              <a:t>ViewModels</a:t>
+              <a:t>Anbindung der API über Services</a:t>
             </a:r>
           </a:p>
           <a:p>
@@ -12920,8 +10833,17 @@
             </a:pPr>
             <a:r>
               <a:rPr lang="de-DE" b="1" dirty="0" smtClean="0"/>
-              <a:t>Anbindung der API über Services</a:t>
-            </a:r>
+              <a:t>Windows </a:t>
+            </a:r>
+            <a:r>
+              <a:rPr lang="de-DE" b="1" dirty="0" smtClean="0"/>
+              <a:t>APIs: </a:t>
+            </a:r>
+            <a:r>
+              <a:rPr lang="de-DE" b="1" dirty="0" err="1" smtClean="0"/>
+              <a:t>FileOpenPicker</a:t>
+            </a:r>
+            <a:endParaRPr lang="de-DE" b="1" dirty="0" smtClean="0"/>
           </a:p>
           <a:p>
             <a:pPr marL="342900" indent="-342900">
@@ -12932,41 +10854,10 @@
               <a:buAutoNum type="arabicPeriod"/>
             </a:pPr>
             <a:r>
-              <a:rPr lang="de-DE" b="1" dirty="0" smtClean="0"/>
-              <a:t>Windows Phone API: </a:t>
-            </a:r>
-            <a:r>
-              <a:rPr lang="de-DE" b="1" dirty="0" err="1" smtClean="0"/>
-              <a:t>FileOpenPicker</a:t>
-            </a:r>
-            <a:endParaRPr lang="de-DE" b="1" dirty="0" smtClean="0"/>
-          </a:p>
-          <a:p>
-            <a:pPr marL="342900" indent="-342900">
-              <a:lnSpc>
-                <a:spcPct val="150000"/>
-              </a:lnSpc>
-              <a:buFont typeface="+mj-lt"/>
-              <a:buAutoNum type="arabicPeriod"/>
-            </a:pPr>
-            <a:r>
-              <a:rPr lang="de-DE" dirty="0"/>
-              <a:t>Universal App Plattform</a:t>
+              <a:rPr lang="de-DE" dirty="0" smtClean="0"/>
+              <a:t>Zusammenfassung, Feedbackrunde</a:t>
             </a:r>
             <a:endParaRPr lang="de-DE" dirty="0" smtClean="0"/>
-          </a:p>
-          <a:p>
-            <a:pPr marL="342900" indent="-342900">
-              <a:lnSpc>
-                <a:spcPct val="150000"/>
-              </a:lnSpc>
-              <a:buFont typeface="+mj-lt"/>
-              <a:buAutoNum type="arabicPeriod"/>
-            </a:pPr>
-            <a:r>
-              <a:rPr lang="de-DE" dirty="0" smtClean="0"/>
-              <a:t>Zusammenfassung, Feedbackrunde</a:t>
-            </a:r>
           </a:p>
         </p:txBody>
       </p:sp>
@@ -12990,655 +10881,7 @@
 </p:sld>
 </file>
 
-<file path=ppt/slides/slide6.xml><?xml version="1.0" encoding="utf-8"?>
-<p:sld xmlns:a="http://schemas.openxmlformats.org/drawingml/2006/main" xmlns:r="http://schemas.openxmlformats.org/officeDocument/2006/relationships" xmlns:p="http://schemas.openxmlformats.org/presentationml/2006/main">
-  <p:cSld>
-    <p:spTree>
-      <p:nvGrpSpPr>
-        <p:cNvPr id="1" name=""/>
-        <p:cNvGrpSpPr/>
-        <p:nvPr/>
-      </p:nvGrpSpPr>
-      <p:grpSpPr>
-        <a:xfrm>
-          <a:off x="0" y="0"/>
-          <a:ext cx="0" cy="0"/>
-          <a:chOff x="0" y="0"/>
-          <a:chExt cx="0" cy="0"/>
-        </a:xfrm>
-      </p:grpSpPr>
-      <p:sp>
-        <p:nvSpPr>
-          <p:cNvPr id="2" name="Titel 1"/>
-          <p:cNvSpPr>
-            <a:spLocks noGrp="1"/>
-          </p:cNvSpPr>
-          <p:nvPr>
-            <p:ph type="title"/>
-          </p:nvPr>
-        </p:nvSpPr>
-        <p:spPr/>
-        <p:txBody>
-          <a:bodyPr/>
-          <a:lstStyle/>
-          <a:p>
-            <a:pPr marL="342900" indent="-342900">
-              <a:lnSpc>
-                <a:spcPct val="150000"/>
-              </a:lnSpc>
-              <a:buFont typeface="+mj-lt"/>
-              <a:buAutoNum type="arabicPeriod"/>
-            </a:pPr>
-            <a:r>
-              <a:rPr lang="de-DE" dirty="0" smtClean="0"/>
-              <a:t>Veröffentlichung </a:t>
-            </a:r>
-            <a:r>
-              <a:rPr lang="de-DE" dirty="0"/>
-              <a:t>der API in Microsoft Azure</a:t>
-            </a:r>
-          </a:p>
-        </p:txBody>
-      </p:sp>
-      <p:sp>
-        <p:nvSpPr>
-          <p:cNvPr id="3" name="Inhaltsplatzhalter 2"/>
-          <p:cNvSpPr>
-            <a:spLocks noGrp="1"/>
-          </p:cNvSpPr>
-          <p:nvPr>
-            <p:ph idx="1"/>
-          </p:nvPr>
-        </p:nvSpPr>
-        <p:spPr/>
-        <p:txBody>
-          <a:bodyPr/>
-          <a:lstStyle/>
-          <a:p>
-            <a:pPr>
-              <a:lnSpc>
-                <a:spcPct val="150000"/>
-              </a:lnSpc>
-            </a:pPr>
-            <a:r>
-              <a:rPr lang="de-DE" altLang="de-DE" dirty="0" smtClean="0"/>
-              <a:t>Microsofts Cloud Plattform</a:t>
-            </a:r>
-          </a:p>
-          <a:p>
-            <a:pPr>
-              <a:lnSpc>
-                <a:spcPct val="150000"/>
-              </a:lnSpc>
-            </a:pPr>
-            <a:r>
-              <a:rPr lang="de-DE" altLang="de-DE" dirty="0" smtClean="0"/>
-              <a:t>Veröffentlichung der MVC-Webanwendung und der API</a:t>
-            </a:r>
-          </a:p>
-          <a:p>
-            <a:pPr>
-              <a:lnSpc>
-                <a:spcPct val="150000"/>
-              </a:lnSpc>
-            </a:pPr>
-            <a:endParaRPr lang="de-DE" altLang="de-DE" dirty="0" smtClean="0"/>
-          </a:p>
-          <a:p>
-            <a:pPr>
-              <a:lnSpc>
-                <a:spcPct val="150000"/>
-              </a:lnSpc>
-            </a:pPr>
-            <a:r>
-              <a:rPr lang="de-DE" altLang="de-DE" dirty="0" smtClean="0"/>
-              <a:t>Adresse Webanwendung:</a:t>
-            </a:r>
-          </a:p>
-          <a:p>
-            <a:pPr lvl="1">
-              <a:lnSpc>
-                <a:spcPct val="150000"/>
-              </a:lnSpc>
-            </a:pPr>
-            <a:r>
-              <a:rPr lang="de-DE" altLang="de-DE" b="1" dirty="0" smtClean="0"/>
-              <a:t>http://acando-workshop.azurewebsites.net</a:t>
-            </a:r>
-            <a:endParaRPr lang="de-DE" altLang="de-DE" b="1" dirty="0"/>
-          </a:p>
-          <a:p>
-            <a:pPr>
-              <a:lnSpc>
-                <a:spcPct val="150000"/>
-              </a:lnSpc>
-            </a:pPr>
-            <a:r>
-              <a:rPr lang="de-DE" altLang="de-DE" dirty="0" smtClean="0"/>
-              <a:t>Adresse API:</a:t>
-            </a:r>
-          </a:p>
-          <a:p>
-            <a:pPr lvl="1">
-              <a:lnSpc>
-                <a:spcPct val="150000"/>
-              </a:lnSpc>
-            </a:pPr>
-            <a:r>
-              <a:rPr lang="de-DE" altLang="de-DE" b="1" dirty="0" smtClean="0"/>
-              <a:t>http://acando-workshop.azurewebsites.net/api</a:t>
-            </a:r>
-          </a:p>
-        </p:txBody>
-      </p:sp>
-      <p:sp>
-        <p:nvSpPr>
-          <p:cNvPr id="4" name="Foliennummernplatzhalter 3"/>
-          <p:cNvSpPr>
-            <a:spLocks noGrp="1"/>
-          </p:cNvSpPr>
-          <p:nvPr>
-            <p:ph type="sldNum" sz="quarter" idx="12"/>
-          </p:nvPr>
-        </p:nvSpPr>
-        <p:spPr/>
-        <p:txBody>
-          <a:bodyPr/>
-          <a:lstStyle/>
-          <a:p>
-            <a:fld id="{8F35CB8A-22DD-4279-9E9E-A49CDB5FBE56}" type="slidenum">
-              <a:rPr lang="en-US" smtClean="0"/>
-              <a:pPr/>
-              <a:t>6</a:t>
-            </a:fld>
-            <a:endParaRPr lang="en-US"/>
-          </a:p>
-        </p:txBody>
-      </p:sp>
-      <p:pic>
-        <p:nvPicPr>
-          <p:cNvPr id="5" name="Grafik 4"/>
-          <p:cNvPicPr>
-            <a:picLocks noChangeAspect="1"/>
-          </p:cNvPicPr>
-          <p:nvPr/>
-        </p:nvPicPr>
-        <p:blipFill>
-          <a:blip r:embed="rId3">
-            <a:extLst>
-              <a:ext uri="{28A0092B-C50C-407E-A947-70E740481C1C}">
-                <a14:useLocalDpi xmlns:a14="http://schemas.microsoft.com/office/drawing/2010/main" val="0"/>
-              </a:ext>
-            </a:extLst>
-          </a:blip>
-          <a:stretch>
-            <a:fillRect/>
-          </a:stretch>
-        </p:blipFill>
-        <p:spPr>
-          <a:xfrm>
-            <a:off x="7723630" y="2613182"/>
-            <a:ext cx="3879485" cy="1096169"/>
-          </a:xfrm>
-          <a:prstGeom prst="rect">
-            <a:avLst/>
-          </a:prstGeom>
-        </p:spPr>
-      </p:pic>
-    </p:spTree>
-    <p:extLst>
-      <p:ext uri="{BB962C8B-B14F-4D97-AF65-F5344CB8AC3E}">
-        <p14:creationId xmlns:p14="http://schemas.microsoft.com/office/powerpoint/2010/main" val="3480023031"/>
-      </p:ext>
-    </p:extLst>
-  </p:cSld>
-  <p:clrMapOvr>
-    <a:masterClrMapping/>
-  </p:clrMapOvr>
-  <p:timing>
-    <p:tnLst>
-      <p:par>
-        <p:cTn id="1" dur="indefinite" restart="never" nodeType="tmRoot"/>
-      </p:par>
-    </p:tnLst>
-  </p:timing>
-</p:sld>
-</file>
-
-<file path=ppt/slides/slide7.xml><?xml version="1.0" encoding="utf-8"?>
-<p:sld xmlns:a="http://schemas.openxmlformats.org/drawingml/2006/main" xmlns:r="http://schemas.openxmlformats.org/officeDocument/2006/relationships" xmlns:p="http://schemas.openxmlformats.org/presentationml/2006/main">
-  <p:cSld>
-    <p:spTree>
-      <p:nvGrpSpPr>
-        <p:cNvPr id="1" name=""/>
-        <p:cNvGrpSpPr/>
-        <p:nvPr/>
-      </p:nvGrpSpPr>
-      <p:grpSpPr>
-        <a:xfrm>
-          <a:off x="0" y="0"/>
-          <a:ext cx="0" cy="0"/>
-          <a:chOff x="0" y="0"/>
-          <a:chExt cx="0" cy="0"/>
-        </a:xfrm>
-      </p:grpSpPr>
-      <p:sp>
-        <p:nvSpPr>
-          <p:cNvPr id="2" name="Titel 1"/>
-          <p:cNvSpPr>
-            <a:spLocks noGrp="1"/>
-          </p:cNvSpPr>
-          <p:nvPr>
-            <p:ph type="title"/>
-          </p:nvPr>
-        </p:nvSpPr>
-        <p:spPr/>
-        <p:txBody>
-          <a:bodyPr/>
-          <a:lstStyle/>
-          <a:p>
-            <a:pPr>
-              <a:lnSpc>
-                <a:spcPct val="150000"/>
-              </a:lnSpc>
-            </a:pPr>
-            <a:r>
-              <a:rPr lang="de-DE" dirty="0" smtClean="0"/>
-              <a:t>2. Windows Phone Plattform</a:t>
-            </a:r>
-            <a:endParaRPr lang="de-DE" dirty="0"/>
-          </a:p>
-        </p:txBody>
-      </p:sp>
-      <p:sp>
-        <p:nvSpPr>
-          <p:cNvPr id="3" name="Inhaltsplatzhalter 2"/>
-          <p:cNvSpPr>
-            <a:spLocks noGrp="1"/>
-          </p:cNvSpPr>
-          <p:nvPr>
-            <p:ph idx="1"/>
-          </p:nvPr>
-        </p:nvSpPr>
-        <p:spPr/>
-        <p:txBody>
-          <a:bodyPr/>
-          <a:lstStyle/>
-          <a:p>
-            <a:pPr>
-              <a:lnSpc>
-                <a:spcPct val="150000"/>
-              </a:lnSpc>
-            </a:pPr>
-            <a:r>
-              <a:rPr lang="de-DE" altLang="de-DE" dirty="0" smtClean="0"/>
-              <a:t>Aktuell: Windows Phone 8.1</a:t>
-            </a:r>
-          </a:p>
-          <a:p>
-            <a:pPr>
-              <a:lnSpc>
-                <a:spcPct val="150000"/>
-              </a:lnSpc>
-            </a:pPr>
-            <a:r>
-              <a:rPr lang="de-DE" altLang="de-DE" dirty="0" smtClean="0"/>
-              <a:t>Bald: Windows 10 Mobile</a:t>
-            </a:r>
-          </a:p>
-          <a:p>
-            <a:pPr>
-              <a:lnSpc>
-                <a:spcPct val="150000"/>
-              </a:lnSpc>
-            </a:pPr>
-            <a:r>
-              <a:rPr lang="de-DE" altLang="de-DE" dirty="0"/>
-              <a:t>Microsoft (</a:t>
-            </a:r>
-            <a:r>
-              <a:rPr lang="de-DE" altLang="de-DE" dirty="0" smtClean="0"/>
-              <a:t>Nokia), Samsung</a:t>
-            </a:r>
-            <a:r>
-              <a:rPr lang="de-DE" altLang="de-DE" dirty="0"/>
-              <a:t>, </a:t>
-            </a:r>
-            <a:r>
-              <a:rPr lang="de-DE" altLang="de-DE" dirty="0" smtClean="0"/>
-              <a:t>HTC, Huawei</a:t>
-            </a:r>
-            <a:endParaRPr lang="de-DE" altLang="de-DE" dirty="0"/>
-          </a:p>
-          <a:p>
-            <a:pPr>
-              <a:lnSpc>
-                <a:spcPct val="150000"/>
-              </a:lnSpc>
-            </a:pPr>
-            <a:r>
-              <a:rPr lang="de-DE" altLang="de-DE" dirty="0" smtClean="0"/>
-              <a:t>Flat Design</a:t>
-            </a:r>
-          </a:p>
-          <a:p>
-            <a:pPr>
-              <a:lnSpc>
-                <a:spcPct val="150000"/>
-              </a:lnSpc>
-            </a:pPr>
-            <a:r>
-              <a:rPr lang="de-DE" altLang="de-DE" dirty="0" smtClean="0"/>
-              <a:t>Kacheloptik</a:t>
-            </a:r>
-          </a:p>
-        </p:txBody>
-      </p:sp>
-      <p:sp>
-        <p:nvSpPr>
-          <p:cNvPr id="4" name="Foliennummernplatzhalter 3"/>
-          <p:cNvSpPr>
-            <a:spLocks noGrp="1"/>
-          </p:cNvSpPr>
-          <p:nvPr>
-            <p:ph type="sldNum" sz="quarter" idx="12"/>
-          </p:nvPr>
-        </p:nvSpPr>
-        <p:spPr/>
-        <p:txBody>
-          <a:bodyPr/>
-          <a:lstStyle/>
-          <a:p>
-            <a:fld id="{8F35CB8A-22DD-4279-9E9E-A49CDB5FBE56}" type="slidenum">
-              <a:rPr lang="en-US" smtClean="0"/>
-              <a:pPr/>
-              <a:t>7</a:t>
-            </a:fld>
-            <a:endParaRPr lang="en-US"/>
-          </a:p>
-        </p:txBody>
-      </p:sp>
-      <p:pic>
-        <p:nvPicPr>
-          <p:cNvPr id="6" name="Grafik 5"/>
-          <p:cNvPicPr>
-            <a:picLocks noChangeAspect="1"/>
-          </p:cNvPicPr>
-          <p:nvPr/>
-        </p:nvPicPr>
-        <p:blipFill>
-          <a:blip r:embed="rId3" cstate="print">
-            <a:extLst>
-              <a:ext uri="{28A0092B-C50C-407E-A947-70E740481C1C}">
-                <a14:useLocalDpi xmlns:a14="http://schemas.microsoft.com/office/drawing/2010/main" val="0"/>
-              </a:ext>
-            </a:extLst>
-          </a:blip>
-          <a:stretch>
-            <a:fillRect/>
-          </a:stretch>
-        </p:blipFill>
-        <p:spPr>
-          <a:xfrm>
-            <a:off x="7839946" y="1341753"/>
-            <a:ext cx="2341002" cy="4682004"/>
-          </a:xfrm>
-          <a:prstGeom prst="rect">
-            <a:avLst/>
-          </a:prstGeom>
-        </p:spPr>
-      </p:pic>
-    </p:spTree>
-    <p:extLst>
-      <p:ext uri="{BB962C8B-B14F-4D97-AF65-F5344CB8AC3E}">
-        <p14:creationId xmlns:p14="http://schemas.microsoft.com/office/powerpoint/2010/main" val="3448965510"/>
-      </p:ext>
-    </p:extLst>
-  </p:cSld>
-  <p:clrMapOvr>
-    <a:masterClrMapping/>
-  </p:clrMapOvr>
-  <p:timing>
-    <p:tnLst>
-      <p:par>
-        <p:cTn id="1" dur="indefinite" restart="never" nodeType="tmRoot"/>
-      </p:par>
-    </p:tnLst>
-  </p:timing>
-</p:sld>
-</file>
-
-<file path=ppt/slides/slide8.xml><?xml version="1.0" encoding="utf-8"?>
-<p:sld xmlns:a="http://schemas.openxmlformats.org/drawingml/2006/main" xmlns:r="http://schemas.openxmlformats.org/officeDocument/2006/relationships" xmlns:p="http://schemas.openxmlformats.org/presentationml/2006/main">
-  <p:cSld>
-    <p:spTree>
-      <p:nvGrpSpPr>
-        <p:cNvPr id="1" name=""/>
-        <p:cNvGrpSpPr/>
-        <p:nvPr/>
-      </p:nvGrpSpPr>
-      <p:grpSpPr>
-        <a:xfrm>
-          <a:off x="0" y="0"/>
-          <a:ext cx="0" cy="0"/>
-          <a:chOff x="0" y="0"/>
-          <a:chExt cx="0" cy="0"/>
-        </a:xfrm>
-      </p:grpSpPr>
-      <p:sp>
-        <p:nvSpPr>
-          <p:cNvPr id="4" name="Foliennummernplatzhalter 3"/>
-          <p:cNvSpPr>
-            <a:spLocks noGrp="1"/>
-          </p:cNvSpPr>
-          <p:nvPr>
-            <p:ph type="sldNum" sz="quarter" idx="12"/>
-          </p:nvPr>
-        </p:nvSpPr>
-        <p:spPr/>
-        <p:txBody>
-          <a:bodyPr/>
-          <a:lstStyle/>
-          <a:p>
-            <a:fld id="{8F35CB8A-22DD-4279-9E9E-A49CDB5FBE56}" type="slidenum">
-              <a:rPr lang="en-US" smtClean="0"/>
-              <a:pPr/>
-              <a:t>8</a:t>
-            </a:fld>
-            <a:endParaRPr lang="en-US"/>
-          </a:p>
-        </p:txBody>
-      </p:sp>
-      <p:sp>
-        <p:nvSpPr>
-          <p:cNvPr id="10" name="Titel 1"/>
-          <p:cNvSpPr>
-            <a:spLocks noGrp="1"/>
-          </p:cNvSpPr>
-          <p:nvPr>
-            <p:ph type="title"/>
-          </p:nvPr>
-        </p:nvSpPr>
-        <p:spPr>
-          <a:xfrm>
-            <a:off x="587298" y="225478"/>
-            <a:ext cx="10968115" cy="819392"/>
-          </a:xfrm>
-        </p:spPr>
-        <p:txBody>
-          <a:bodyPr/>
-          <a:lstStyle/>
-          <a:p>
-            <a:pPr>
-              <a:lnSpc>
-                <a:spcPct val="150000"/>
-              </a:lnSpc>
-            </a:pPr>
-            <a:r>
-              <a:rPr lang="de-DE" dirty="0" smtClean="0"/>
-              <a:t>2. Windows Phone Plattform – </a:t>
-            </a:r>
-            <a:r>
-              <a:rPr lang="de-DE" dirty="0" err="1" smtClean="0"/>
-              <a:t>EntwicklerModelle</a:t>
-            </a:r>
-            <a:endParaRPr lang="de-DE" dirty="0"/>
-          </a:p>
-        </p:txBody>
-      </p:sp>
-      <p:sp>
-        <p:nvSpPr>
-          <p:cNvPr id="11" name="Textfeld 10"/>
-          <p:cNvSpPr txBox="1"/>
-          <p:nvPr/>
-        </p:nvSpPr>
-        <p:spPr>
-          <a:xfrm>
-            <a:off x="8169318" y="5967871"/>
-            <a:ext cx="1527982" cy="307777"/>
-          </a:xfrm>
-          <a:prstGeom prst="rect">
-            <a:avLst/>
-          </a:prstGeom>
-          <a:noFill/>
-        </p:spPr>
-        <p:txBody>
-          <a:bodyPr wrap="none" rtlCol="0">
-            <a:spAutoFit/>
-          </a:bodyPr>
-          <a:lstStyle/>
-          <a:p>
-            <a:r>
-              <a:rPr lang="de-DE" sz="1400" dirty="0" smtClean="0">
-                <a:solidFill>
-                  <a:schemeClr val="accent3"/>
-                </a:solidFill>
-              </a:rPr>
-              <a:t>Quelle: Microsoft</a:t>
-            </a:r>
-          </a:p>
-        </p:txBody>
-      </p:sp>
-      <p:grpSp>
-        <p:nvGrpSpPr>
-          <p:cNvPr id="3" name="Gruppieren 2"/>
-          <p:cNvGrpSpPr/>
-          <p:nvPr/>
-        </p:nvGrpSpPr>
-        <p:grpSpPr>
-          <a:xfrm>
-            <a:off x="1911273" y="1181100"/>
-            <a:ext cx="6994525" cy="4819650"/>
-            <a:chOff x="444501" y="1137779"/>
-            <a:chExt cx="6994525" cy="4819650"/>
-          </a:xfrm>
-        </p:grpSpPr>
-        <p:pic>
-          <p:nvPicPr>
-            <p:cNvPr id="9" name="Grafik 8"/>
-            <p:cNvPicPr>
-              <a:picLocks noChangeAspect="1"/>
-            </p:cNvPicPr>
-            <p:nvPr/>
-          </p:nvPicPr>
-          <p:blipFill rotWithShape="1">
-            <a:blip r:embed="rId3"/>
-            <a:srcRect l="-117" t="11217" r="51017" b="10521"/>
-            <a:stretch/>
-          </p:blipFill>
-          <p:spPr>
-            <a:xfrm>
-              <a:off x="444501" y="1170658"/>
-              <a:ext cx="4851399" cy="4753892"/>
-            </a:xfrm>
-            <a:prstGeom prst="rect">
-              <a:avLst/>
-            </a:prstGeom>
-          </p:spPr>
-        </p:pic>
-        <p:pic>
-          <p:nvPicPr>
-            <p:cNvPr id="6" name="Grafik 5"/>
-            <p:cNvPicPr>
-              <a:picLocks noChangeAspect="1"/>
-            </p:cNvPicPr>
-            <p:nvPr/>
-          </p:nvPicPr>
-          <p:blipFill rotWithShape="1">
-            <a:blip r:embed="rId3"/>
-            <a:srcRect l="52853" t="9945" r="30470" b="10710"/>
-            <a:stretch/>
-          </p:blipFill>
-          <p:spPr>
-            <a:xfrm>
-              <a:off x="5791200" y="1137779"/>
-              <a:ext cx="1647826" cy="4819650"/>
-            </a:xfrm>
-            <a:prstGeom prst="rect">
-              <a:avLst/>
-            </a:prstGeom>
-          </p:spPr>
-        </p:pic>
-        <p:sp>
-          <p:nvSpPr>
-            <p:cNvPr id="2" name="Textfeld 1"/>
-            <p:cNvSpPr txBox="1"/>
-            <p:nvPr/>
-          </p:nvSpPr>
-          <p:spPr>
-            <a:xfrm>
-              <a:off x="6296025" y="1351633"/>
-              <a:ext cx="813043" cy="369332"/>
-            </a:xfrm>
-            <a:prstGeom prst="rect">
-              <a:avLst/>
-            </a:prstGeom>
-            <a:noFill/>
-          </p:spPr>
-          <p:txBody>
-            <a:bodyPr wrap="none" rtlCol="0">
-              <a:spAutoFit/>
-            </a:bodyPr>
-            <a:lstStyle/>
-            <a:p>
-              <a:r>
-                <a:rPr lang="de-DE" dirty="0" smtClean="0">
-                  <a:solidFill>
-                    <a:schemeClr val="accent3"/>
-                  </a:solidFill>
-                </a:rPr>
-                <a:t>XAML</a:t>
-              </a:r>
-              <a:endParaRPr lang="de-DE" sz="1400" dirty="0" smtClean="0">
-                <a:solidFill>
-                  <a:schemeClr val="accent3"/>
-                </a:solidFill>
-              </a:endParaRPr>
-            </a:p>
-          </p:txBody>
-        </p:sp>
-      </p:grpSp>
-    </p:spTree>
-    <p:extLst>
-      <p:ext uri="{BB962C8B-B14F-4D97-AF65-F5344CB8AC3E}">
-        <p14:creationId xmlns:p14="http://schemas.microsoft.com/office/powerpoint/2010/main" val="1512796346"/>
-      </p:ext>
-    </p:extLst>
-  </p:cSld>
-  <p:clrMapOvr>
-    <a:masterClrMapping/>
-  </p:clrMapOvr>
-  <p:timing>
-    <p:tnLst>
-      <p:par>
-        <p:cTn id="1" dur="indefinite" restart="never" nodeType="tmRoot"/>
-      </p:par>
-    </p:tnLst>
-  </p:timing>
-</p:sld>
-</file>
-
-<file path=ppt/slides/slide9.xml><?xml version="1.0" encoding="utf-8"?>
+<file path=ppt/slides/slide5.xml><?xml version="1.0" encoding="utf-8"?>
 <p:sld xmlns:a="http://schemas.openxmlformats.org/drawingml/2006/main" xmlns:r="http://schemas.openxmlformats.org/officeDocument/2006/relationships" xmlns:p="http://schemas.openxmlformats.org/presentationml/2006/main">
   <p:cSld>
     <p:spTree>
@@ -13707,7 +10950,7 @@
             </a:pPr>
             <a:r>
               <a:rPr lang="de-DE" dirty="0" smtClean="0"/>
-              <a:t>3. Exkurs: Windows Universal Plattform</a:t>
+              <a:t>1. Universelle Windows Plattform</a:t>
             </a:r>
             <a:endParaRPr lang="de-DE" dirty="0"/>
           </a:p>
@@ -13786,7 +11029,7 @@
             <a:fld id="{8F35CB8A-22DD-4279-9E9E-A49CDB5FBE56}" type="slidenum">
               <a:rPr lang="en-US" smtClean="0"/>
               <a:pPr/>
-              <a:t>9</a:t>
+              <a:t>5</a:t>
             </a:fld>
             <a:endParaRPr lang="en-US"/>
           </a:p>
@@ -13839,6 +11082,1312 @@
     <p:tnLst>
       <p:par>
         <p:cTn id="1" dur="indefinite" restart="never" nodeType="tmRoot"/>
+      </p:par>
+    </p:tnLst>
+  </p:timing>
+</p:sld>
+</file>
+
+<file path=ppt/slides/slide6.xml><?xml version="1.0" encoding="utf-8"?>
+<p:sld xmlns:a="http://schemas.openxmlformats.org/drawingml/2006/main" xmlns:r="http://schemas.openxmlformats.org/officeDocument/2006/relationships" xmlns:p="http://schemas.openxmlformats.org/presentationml/2006/main">
+  <p:cSld>
+    <p:spTree>
+      <p:nvGrpSpPr>
+        <p:cNvPr id="1" name=""/>
+        <p:cNvGrpSpPr/>
+        <p:nvPr/>
+      </p:nvGrpSpPr>
+      <p:grpSpPr>
+        <a:xfrm>
+          <a:off x="0" y="0"/>
+          <a:ext cx="0" cy="0"/>
+          <a:chOff x="0" y="0"/>
+          <a:chExt cx="0" cy="0"/>
+        </a:xfrm>
+      </p:grpSpPr>
+      <p:sp>
+        <p:nvSpPr>
+          <p:cNvPr id="4" name="Foliennummernplatzhalter 3"/>
+          <p:cNvSpPr>
+            <a:spLocks noGrp="1"/>
+          </p:cNvSpPr>
+          <p:nvPr>
+            <p:ph type="sldNum" sz="quarter" idx="12"/>
+          </p:nvPr>
+        </p:nvSpPr>
+        <p:spPr/>
+        <p:txBody>
+          <a:bodyPr/>
+          <a:lstStyle/>
+          <a:p>
+            <a:fld id="{8F35CB8A-22DD-4279-9E9E-A49CDB5FBE56}" type="slidenum">
+              <a:rPr lang="en-US" smtClean="0"/>
+              <a:pPr/>
+              <a:t>6</a:t>
+            </a:fld>
+            <a:endParaRPr lang="en-US"/>
+          </a:p>
+        </p:txBody>
+      </p:sp>
+      <p:pic>
+        <p:nvPicPr>
+          <p:cNvPr id="3" name="Grafik 2"/>
+          <p:cNvPicPr>
+            <a:picLocks noChangeAspect="1"/>
+          </p:cNvPicPr>
+          <p:nvPr/>
+        </p:nvPicPr>
+        <p:blipFill rotWithShape="1">
+          <a:blip r:embed="rId3">
+            <a:extLst>
+              <a:ext uri="{28A0092B-C50C-407E-A947-70E740481C1C}">
+                <a14:useLocalDpi xmlns:a14="http://schemas.microsoft.com/office/drawing/2010/main" val="0"/>
+              </a:ext>
+            </a:extLst>
+          </a:blip>
+          <a:srcRect l="1663" t="141" r="3447" b="-141"/>
+          <a:stretch/>
+        </p:blipFill>
+        <p:spPr>
+          <a:xfrm>
+            <a:off x="-1" y="-581025"/>
+            <a:ext cx="12190413" cy="6873014"/>
+          </a:xfrm>
+          <a:prstGeom prst="rect">
+            <a:avLst/>
+          </a:prstGeom>
+        </p:spPr>
+      </p:pic>
+      <p:sp>
+        <p:nvSpPr>
+          <p:cNvPr id="2" name="Rechteck 1"/>
+          <p:cNvSpPr/>
+          <p:nvPr/>
+        </p:nvSpPr>
+        <p:spPr>
+          <a:xfrm>
+            <a:off x="65087" y="-466725"/>
+            <a:ext cx="12036425" cy="1381125"/>
+          </a:xfrm>
+          <a:prstGeom prst="rect">
+            <a:avLst/>
+          </a:prstGeom>
+          <a:solidFill>
+            <a:srgbClr val="0073C0"/>
+          </a:solidFill>
+          <a:ln>
+            <a:noFill/>
+          </a:ln>
+        </p:spPr>
+        <p:style>
+          <a:lnRef idx="2">
+            <a:schemeClr val="accent1">
+              <a:shade val="50000"/>
+            </a:schemeClr>
+          </a:lnRef>
+          <a:fillRef idx="1">
+            <a:schemeClr val="accent1"/>
+          </a:fillRef>
+          <a:effectRef idx="0">
+            <a:schemeClr val="accent1"/>
+          </a:effectRef>
+          <a:fontRef idx="minor">
+            <a:schemeClr val="lt1"/>
+          </a:fontRef>
+        </p:style>
+        <p:txBody>
+          <a:bodyPr rtlCol="0" anchor="ctr"/>
+          <a:lstStyle/>
+          <a:p>
+            <a:pPr algn="ctr"/>
+            <a:endParaRPr lang="de-DE" sz="1400" dirty="0" err="1" smtClean="0">
+              <a:solidFill>
+                <a:schemeClr val="accent3"/>
+              </a:solidFill>
+            </a:endParaRPr>
+          </a:p>
+        </p:txBody>
+      </p:sp>
+      <p:sp>
+        <p:nvSpPr>
+          <p:cNvPr id="5" name="Rechteck 4"/>
+          <p:cNvSpPr/>
+          <p:nvPr/>
+        </p:nvSpPr>
+        <p:spPr>
+          <a:xfrm>
+            <a:off x="-1" y="5478463"/>
+            <a:ext cx="12190413" cy="1381125"/>
+          </a:xfrm>
+          <a:prstGeom prst="rect">
+            <a:avLst/>
+          </a:prstGeom>
+          <a:solidFill>
+            <a:srgbClr val="0073C0"/>
+          </a:solidFill>
+          <a:ln>
+            <a:noFill/>
+          </a:ln>
+        </p:spPr>
+        <p:style>
+          <a:lnRef idx="2">
+            <a:schemeClr val="accent1">
+              <a:shade val="50000"/>
+            </a:schemeClr>
+          </a:lnRef>
+          <a:fillRef idx="1">
+            <a:schemeClr val="accent1"/>
+          </a:fillRef>
+          <a:effectRef idx="0">
+            <a:schemeClr val="accent1"/>
+          </a:effectRef>
+          <a:fontRef idx="minor">
+            <a:schemeClr val="lt1"/>
+          </a:fontRef>
+        </p:style>
+        <p:txBody>
+          <a:bodyPr rtlCol="0" anchor="ctr"/>
+          <a:lstStyle/>
+          <a:p>
+            <a:pPr algn="ctr"/>
+            <a:endParaRPr lang="de-DE" sz="1400" dirty="0" err="1" smtClean="0">
+              <a:solidFill>
+                <a:schemeClr val="accent3"/>
+              </a:solidFill>
+            </a:endParaRPr>
+          </a:p>
+        </p:txBody>
+      </p:sp>
+    </p:spTree>
+    <p:extLst>
+      <p:ext uri="{BB962C8B-B14F-4D97-AF65-F5344CB8AC3E}">
+        <p14:creationId xmlns:p14="http://schemas.microsoft.com/office/powerpoint/2010/main" val="1388420440"/>
+      </p:ext>
+    </p:extLst>
+  </p:cSld>
+  <p:clrMapOvr>
+    <a:masterClrMapping/>
+  </p:clrMapOvr>
+  <p:timing>
+    <p:tnLst>
+      <p:par>
+        <p:cTn id="1" dur="indefinite" restart="never" nodeType="tmRoot"/>
+      </p:par>
+    </p:tnLst>
+  </p:timing>
+</p:sld>
+</file>
+
+<file path=ppt/slides/slide7.xml><?xml version="1.0" encoding="utf-8"?>
+<p:sld xmlns:a="http://schemas.openxmlformats.org/drawingml/2006/main" xmlns:r="http://schemas.openxmlformats.org/officeDocument/2006/relationships" xmlns:p="http://schemas.openxmlformats.org/presentationml/2006/main">
+  <p:cSld>
+    <p:spTree>
+      <p:nvGrpSpPr>
+        <p:cNvPr id="1" name=""/>
+        <p:cNvGrpSpPr/>
+        <p:nvPr/>
+      </p:nvGrpSpPr>
+      <p:grpSpPr>
+        <a:xfrm>
+          <a:off x="0" y="0"/>
+          <a:ext cx="0" cy="0"/>
+          <a:chOff x="0" y="0"/>
+          <a:chExt cx="0" cy="0"/>
+        </a:xfrm>
+      </p:grpSpPr>
+      <p:sp>
+        <p:nvSpPr>
+          <p:cNvPr id="2" name="Titel 1"/>
+          <p:cNvSpPr>
+            <a:spLocks noGrp="1"/>
+          </p:cNvSpPr>
+          <p:nvPr>
+            <p:ph type="title"/>
+          </p:nvPr>
+        </p:nvSpPr>
+        <p:spPr/>
+        <p:txBody>
+          <a:bodyPr/>
+          <a:lstStyle/>
+          <a:p>
+            <a:pPr>
+              <a:lnSpc>
+                <a:spcPct val="150000"/>
+              </a:lnSpc>
+            </a:pPr>
+            <a:r>
+              <a:rPr lang="de-DE" dirty="0" smtClean="0"/>
+              <a:t>1. Universelle </a:t>
+            </a:r>
+            <a:r>
+              <a:rPr lang="de-DE" dirty="0"/>
+              <a:t>Windows Plattform</a:t>
+            </a:r>
+            <a:endParaRPr lang="de-DE" dirty="0"/>
+          </a:p>
+        </p:txBody>
+      </p:sp>
+      <p:sp>
+        <p:nvSpPr>
+          <p:cNvPr id="3" name="Inhaltsplatzhalter 2"/>
+          <p:cNvSpPr>
+            <a:spLocks noGrp="1"/>
+          </p:cNvSpPr>
+          <p:nvPr>
+            <p:ph idx="1"/>
+          </p:nvPr>
+        </p:nvSpPr>
+        <p:spPr/>
+        <p:txBody>
+          <a:bodyPr/>
+          <a:lstStyle/>
+          <a:p>
+            <a:pPr>
+              <a:lnSpc>
+                <a:spcPct val="150000"/>
+              </a:lnSpc>
+            </a:pPr>
+            <a:r>
+              <a:rPr lang="de-DE" altLang="de-DE" dirty="0" smtClean="0"/>
+              <a:t>Gleicher Quellcode für Geschäftslogik</a:t>
+            </a:r>
+          </a:p>
+          <a:p>
+            <a:pPr>
+              <a:lnSpc>
+                <a:spcPct val="150000"/>
+              </a:lnSpc>
+            </a:pPr>
+            <a:r>
+              <a:rPr lang="de-DE" altLang="de-DE" dirty="0"/>
+              <a:t>APIs jeder Plattform </a:t>
+            </a:r>
+            <a:r>
+              <a:rPr lang="de-DE" altLang="de-DE" dirty="0" smtClean="0"/>
+              <a:t>nutzbar</a:t>
+            </a:r>
+          </a:p>
+          <a:p>
+            <a:pPr>
+              <a:lnSpc>
+                <a:spcPct val="150000"/>
+              </a:lnSpc>
+            </a:pPr>
+            <a:r>
+              <a:rPr lang="de-DE" altLang="de-DE" dirty="0" smtClean="0"/>
+              <a:t>Adaptives UI (vgl. Media Queries in CSS)</a:t>
+            </a:r>
+          </a:p>
+          <a:p>
+            <a:pPr>
+              <a:lnSpc>
+                <a:spcPct val="150000"/>
+              </a:lnSpc>
+            </a:pPr>
+            <a:r>
+              <a:rPr lang="de-DE" altLang="de-DE" dirty="0" smtClean="0"/>
+              <a:t>Sehr gute Unterstützung durch Visual Studio</a:t>
+            </a:r>
+          </a:p>
+          <a:p>
+            <a:pPr lvl="1">
+              <a:lnSpc>
+                <a:spcPct val="150000"/>
+              </a:lnSpc>
+            </a:pPr>
+            <a:r>
+              <a:rPr lang="de-DE" altLang="de-DE" dirty="0" smtClean="0"/>
+              <a:t>Emulator</a:t>
+            </a:r>
+          </a:p>
+          <a:p>
+            <a:pPr lvl="1">
+              <a:lnSpc>
+                <a:spcPct val="150000"/>
+              </a:lnSpc>
+            </a:pPr>
+            <a:r>
+              <a:rPr lang="de-DE" altLang="de-DE" dirty="0" smtClean="0"/>
+              <a:t>Design Time</a:t>
+            </a:r>
+          </a:p>
+          <a:p>
+            <a:pPr marL="0" indent="0">
+              <a:lnSpc>
+                <a:spcPct val="150000"/>
+              </a:lnSpc>
+              <a:buNone/>
+            </a:pPr>
+            <a:endParaRPr lang="de-DE" altLang="de-DE" dirty="0" smtClean="0"/>
+          </a:p>
+        </p:txBody>
+      </p:sp>
+      <p:sp>
+        <p:nvSpPr>
+          <p:cNvPr id="4" name="Foliennummernplatzhalter 3"/>
+          <p:cNvSpPr>
+            <a:spLocks noGrp="1"/>
+          </p:cNvSpPr>
+          <p:nvPr>
+            <p:ph type="sldNum" sz="quarter" idx="12"/>
+          </p:nvPr>
+        </p:nvSpPr>
+        <p:spPr/>
+        <p:txBody>
+          <a:bodyPr/>
+          <a:lstStyle/>
+          <a:p>
+            <a:fld id="{8F35CB8A-22DD-4279-9E9E-A49CDB5FBE56}" type="slidenum">
+              <a:rPr lang="en-US" smtClean="0"/>
+              <a:pPr/>
+              <a:t>7</a:t>
+            </a:fld>
+            <a:endParaRPr lang="en-US"/>
+          </a:p>
+        </p:txBody>
+      </p:sp>
+      <p:pic>
+        <p:nvPicPr>
+          <p:cNvPr id="6" name="Grafik 5"/>
+          <p:cNvPicPr>
+            <a:picLocks noChangeAspect="1"/>
+          </p:cNvPicPr>
+          <p:nvPr/>
+        </p:nvPicPr>
+        <p:blipFill>
+          <a:blip r:embed="rId3">
+            <a:extLst>
+              <a:ext uri="{28A0092B-C50C-407E-A947-70E740481C1C}">
+                <a14:useLocalDpi xmlns:a14="http://schemas.microsoft.com/office/drawing/2010/main" val="0"/>
+              </a:ext>
+            </a:extLst>
+          </a:blip>
+          <a:stretch>
+            <a:fillRect/>
+          </a:stretch>
+        </p:blipFill>
+        <p:spPr>
+          <a:xfrm>
+            <a:off x="6818488" y="1341753"/>
+            <a:ext cx="3801005" cy="4382112"/>
+          </a:xfrm>
+          <a:prstGeom prst="rect">
+            <a:avLst/>
+          </a:prstGeom>
+        </p:spPr>
+      </p:pic>
+      <p:sp>
+        <p:nvSpPr>
+          <p:cNvPr id="7" name="Textfeld 6"/>
+          <p:cNvSpPr txBox="1"/>
+          <p:nvPr/>
+        </p:nvSpPr>
+        <p:spPr>
+          <a:xfrm>
+            <a:off x="9091511" y="5569976"/>
+            <a:ext cx="1527982" cy="307777"/>
+          </a:xfrm>
+          <a:prstGeom prst="rect">
+            <a:avLst/>
+          </a:prstGeom>
+          <a:noFill/>
+        </p:spPr>
+        <p:txBody>
+          <a:bodyPr wrap="none" rtlCol="0">
+            <a:spAutoFit/>
+          </a:bodyPr>
+          <a:lstStyle/>
+          <a:p>
+            <a:r>
+              <a:rPr lang="de-DE" sz="1400" dirty="0" smtClean="0">
+                <a:solidFill>
+                  <a:schemeClr val="accent3"/>
+                </a:solidFill>
+              </a:rPr>
+              <a:t>Quelle: Microsoft</a:t>
+            </a:r>
+          </a:p>
+        </p:txBody>
+      </p:sp>
+    </p:spTree>
+    <p:extLst>
+      <p:ext uri="{BB962C8B-B14F-4D97-AF65-F5344CB8AC3E}">
+        <p14:creationId xmlns:p14="http://schemas.microsoft.com/office/powerpoint/2010/main" val="3343172451"/>
+      </p:ext>
+    </p:extLst>
+  </p:cSld>
+  <p:clrMapOvr>
+    <a:masterClrMapping/>
+  </p:clrMapOvr>
+  <mc:AlternateContent xmlns:mc="http://schemas.openxmlformats.org/markup-compatibility/2006">
+    <mc:Choice xmlns:p14="http://schemas.microsoft.com/office/powerpoint/2010/main" Requires="p14">
+      <p:transition spd="slow" p14:dur="2000"/>
+    </mc:Choice>
+    <mc:Fallback>
+      <p:transition spd="slow"/>
+    </mc:Fallback>
+  </mc:AlternateContent>
+  <p:timing>
+    <p:tnLst>
+      <p:par>
+        <p:cTn id="1" dur="indefinite" restart="never" nodeType="tmRoot"/>
+      </p:par>
+    </p:tnLst>
+  </p:timing>
+</p:sld>
+</file>
+
+<file path=ppt/slides/slide8.xml><?xml version="1.0" encoding="utf-8"?>
+<p:sld xmlns:a="http://schemas.openxmlformats.org/drawingml/2006/main" xmlns:r="http://schemas.openxmlformats.org/officeDocument/2006/relationships" xmlns:p="http://schemas.openxmlformats.org/presentationml/2006/main">
+  <p:cSld>
+    <p:spTree>
+      <p:nvGrpSpPr>
+        <p:cNvPr id="1" name=""/>
+        <p:cNvGrpSpPr/>
+        <p:nvPr/>
+      </p:nvGrpSpPr>
+      <p:grpSpPr>
+        <a:xfrm>
+          <a:off x="0" y="0"/>
+          <a:ext cx="0" cy="0"/>
+          <a:chOff x="0" y="0"/>
+          <a:chExt cx="0" cy="0"/>
+        </a:xfrm>
+      </p:grpSpPr>
+      <p:sp>
+        <p:nvSpPr>
+          <p:cNvPr id="2" name="Titel 1"/>
+          <p:cNvSpPr>
+            <a:spLocks noGrp="1"/>
+          </p:cNvSpPr>
+          <p:nvPr>
+            <p:ph type="title"/>
+          </p:nvPr>
+        </p:nvSpPr>
+        <p:spPr/>
+        <p:txBody>
+          <a:bodyPr/>
+          <a:lstStyle/>
+          <a:p>
+            <a:pPr>
+              <a:lnSpc>
+                <a:spcPct val="150000"/>
+              </a:lnSpc>
+            </a:pPr>
+            <a:r>
+              <a:rPr lang="de-DE" dirty="0" smtClean="0"/>
+              <a:t>2. Exkurs: Xamarin</a:t>
+            </a:r>
+            <a:endParaRPr lang="de-DE" dirty="0"/>
+          </a:p>
+        </p:txBody>
+      </p:sp>
+      <p:sp>
+        <p:nvSpPr>
+          <p:cNvPr id="3" name="Inhaltsplatzhalter 2"/>
+          <p:cNvSpPr>
+            <a:spLocks noGrp="1"/>
+          </p:cNvSpPr>
+          <p:nvPr>
+            <p:ph idx="1"/>
+          </p:nvPr>
+        </p:nvSpPr>
+        <p:spPr>
+          <a:xfrm>
+            <a:off x="587304" y="1247775"/>
+            <a:ext cx="10968110" cy="4829175"/>
+          </a:xfrm>
+        </p:spPr>
+        <p:txBody>
+          <a:bodyPr/>
+          <a:lstStyle/>
+          <a:p>
+            <a:pPr>
+              <a:lnSpc>
+                <a:spcPct val="150000"/>
+              </a:lnSpc>
+            </a:pPr>
+            <a:endParaRPr lang="de-DE" altLang="de-DE" dirty="0" smtClean="0"/>
+          </a:p>
+        </p:txBody>
+      </p:sp>
+      <p:sp>
+        <p:nvSpPr>
+          <p:cNvPr id="4" name="Foliennummernplatzhalter 3"/>
+          <p:cNvSpPr>
+            <a:spLocks noGrp="1"/>
+          </p:cNvSpPr>
+          <p:nvPr>
+            <p:ph type="sldNum" sz="quarter" idx="12"/>
+          </p:nvPr>
+        </p:nvSpPr>
+        <p:spPr/>
+        <p:txBody>
+          <a:bodyPr/>
+          <a:lstStyle/>
+          <a:p>
+            <a:fld id="{8F35CB8A-22DD-4279-9E9E-A49CDB5FBE56}" type="slidenum">
+              <a:rPr lang="en-US" smtClean="0"/>
+              <a:pPr/>
+              <a:t>8</a:t>
+            </a:fld>
+            <a:endParaRPr lang="en-US"/>
+          </a:p>
+        </p:txBody>
+      </p:sp>
+    </p:spTree>
+    <p:extLst>
+      <p:ext uri="{BB962C8B-B14F-4D97-AF65-F5344CB8AC3E}">
+        <p14:creationId xmlns:p14="http://schemas.microsoft.com/office/powerpoint/2010/main" val="2188031966"/>
+      </p:ext>
+    </p:extLst>
+  </p:cSld>
+  <p:clrMapOvr>
+    <a:masterClrMapping/>
+  </p:clrMapOvr>
+  <p:timing>
+    <p:tnLst>
+      <p:par>
+        <p:cTn id="1" dur="indefinite" restart="never" nodeType="tmRoot"/>
+      </p:par>
+    </p:tnLst>
+  </p:timing>
+</p:sld>
+</file>
+
+<file path=ppt/slides/slide9.xml><?xml version="1.0" encoding="utf-8"?>
+<p:sld xmlns:a="http://schemas.openxmlformats.org/drawingml/2006/main" xmlns:r="http://schemas.openxmlformats.org/officeDocument/2006/relationships" xmlns:p="http://schemas.openxmlformats.org/presentationml/2006/main">
+  <p:cSld>
+    <p:spTree>
+      <p:nvGrpSpPr>
+        <p:cNvPr id="1" name=""/>
+        <p:cNvGrpSpPr/>
+        <p:nvPr/>
+      </p:nvGrpSpPr>
+      <p:grpSpPr>
+        <a:xfrm>
+          <a:off x="0" y="0"/>
+          <a:ext cx="0" cy="0"/>
+          <a:chOff x="0" y="0"/>
+          <a:chExt cx="0" cy="0"/>
+        </a:xfrm>
+      </p:grpSpPr>
+      <p:sp>
+        <p:nvSpPr>
+          <p:cNvPr id="2" name="Titel 1"/>
+          <p:cNvSpPr>
+            <a:spLocks noGrp="1"/>
+          </p:cNvSpPr>
+          <p:nvPr>
+            <p:ph type="title"/>
+          </p:nvPr>
+        </p:nvSpPr>
+        <p:spPr/>
+        <p:txBody>
+          <a:bodyPr/>
+          <a:lstStyle/>
+          <a:p>
+            <a:pPr>
+              <a:lnSpc>
+                <a:spcPct val="150000"/>
+              </a:lnSpc>
+            </a:pPr>
+            <a:r>
+              <a:rPr lang="de-DE" dirty="0" smtClean="0"/>
+              <a:t>3. </a:t>
+            </a:r>
+            <a:r>
+              <a:rPr lang="de-DE" dirty="0"/>
+              <a:t>Projektsetup und Erstellung der </a:t>
+            </a:r>
+            <a:r>
+              <a:rPr lang="de-DE" dirty="0" smtClean="0"/>
+              <a:t>Views</a:t>
+            </a:r>
+            <a:endParaRPr lang="de-DE" dirty="0"/>
+          </a:p>
+        </p:txBody>
+      </p:sp>
+      <p:sp>
+        <p:nvSpPr>
+          <p:cNvPr id="3" name="Inhaltsplatzhalter 2"/>
+          <p:cNvSpPr>
+            <a:spLocks noGrp="1"/>
+          </p:cNvSpPr>
+          <p:nvPr>
+            <p:ph idx="1"/>
+          </p:nvPr>
+        </p:nvSpPr>
+        <p:spPr>
+          <a:xfrm>
+            <a:off x="587304" y="1341753"/>
+            <a:ext cx="10968110" cy="5257347"/>
+          </a:xfrm>
+        </p:spPr>
+        <p:txBody>
+          <a:bodyPr/>
+          <a:lstStyle/>
+          <a:p>
+            <a:pPr>
+              <a:lnSpc>
+                <a:spcPct val="150000"/>
+              </a:lnSpc>
+            </a:pPr>
+            <a:r>
+              <a:rPr lang="de-DE" dirty="0"/>
+              <a:t>Projekttypen / Projektaufbau in </a:t>
+            </a:r>
+            <a:r>
+              <a:rPr lang="de-DE" dirty="0" smtClean="0"/>
+              <a:t>Visual Studio</a:t>
+            </a:r>
+          </a:p>
+          <a:p>
+            <a:pPr lvl="1">
+              <a:lnSpc>
+                <a:spcPct val="150000"/>
+              </a:lnSpc>
+            </a:pPr>
+            <a:r>
+              <a:rPr lang="de-DE" dirty="0" smtClean="0"/>
+              <a:t>Windows Phone Projekt</a:t>
+            </a:r>
+            <a:endParaRPr lang="de-DE" dirty="0"/>
+          </a:p>
+          <a:p>
+            <a:pPr>
+              <a:lnSpc>
+                <a:spcPct val="150000"/>
+              </a:lnSpc>
+            </a:pPr>
+            <a:r>
+              <a:rPr lang="de-DE" dirty="0"/>
+              <a:t>XAML </a:t>
+            </a:r>
+            <a:endParaRPr lang="de-DE" dirty="0" smtClean="0"/>
+          </a:p>
+          <a:p>
+            <a:pPr lvl="1">
+              <a:lnSpc>
+                <a:spcPct val="150000"/>
+              </a:lnSpc>
+            </a:pPr>
+            <a:r>
+              <a:rPr lang="de-DE" dirty="0" smtClean="0"/>
+              <a:t>Views</a:t>
+            </a:r>
+          </a:p>
+          <a:p>
+            <a:pPr lvl="1">
+              <a:lnSpc>
+                <a:spcPct val="150000"/>
+              </a:lnSpc>
+            </a:pPr>
+            <a:r>
+              <a:rPr lang="de-DE" dirty="0" smtClean="0"/>
+              <a:t>Gültiges XML</a:t>
+            </a:r>
+          </a:p>
+          <a:p>
+            <a:pPr lvl="1">
+              <a:lnSpc>
+                <a:spcPct val="150000"/>
+              </a:lnSpc>
+            </a:pPr>
+            <a:r>
+              <a:rPr lang="de-DE" dirty="0" smtClean="0"/>
+              <a:t>XML-Namensräume</a:t>
+            </a:r>
+          </a:p>
+          <a:p>
+            <a:pPr lvl="1">
+              <a:lnSpc>
+                <a:spcPct val="150000"/>
+              </a:lnSpc>
+            </a:pPr>
+            <a:r>
+              <a:rPr lang="de-DE" dirty="0" smtClean="0"/>
+              <a:t>Elemente / Attribute</a:t>
+            </a:r>
+            <a:endParaRPr lang="de-DE" dirty="0"/>
+          </a:p>
+          <a:p>
+            <a:pPr>
+              <a:lnSpc>
+                <a:spcPct val="150000"/>
+              </a:lnSpc>
+            </a:pPr>
+            <a:r>
+              <a:rPr lang="de-DE" dirty="0" smtClean="0"/>
+              <a:t>Hands-On</a:t>
+            </a:r>
+          </a:p>
+          <a:p>
+            <a:pPr lvl="1">
+              <a:lnSpc>
+                <a:spcPct val="150000"/>
+              </a:lnSpc>
+            </a:pPr>
+            <a:r>
+              <a:rPr lang="de-DE" dirty="0" smtClean="0"/>
+              <a:t>Ein Visual Studio Projekt für Windows Phone erstellen</a:t>
+            </a:r>
+            <a:endParaRPr lang="de-DE" dirty="0"/>
+          </a:p>
+          <a:p>
+            <a:pPr lvl="1">
+              <a:lnSpc>
+                <a:spcPct val="150000"/>
+              </a:lnSpc>
+            </a:pPr>
+            <a:r>
+              <a:rPr lang="de-DE" dirty="0" smtClean="0"/>
+              <a:t>Eine Entwicklerlizenz beantragen</a:t>
+            </a:r>
+          </a:p>
+          <a:p>
+            <a:pPr lvl="1">
+              <a:lnSpc>
+                <a:spcPct val="150000"/>
+              </a:lnSpc>
+            </a:pPr>
+            <a:r>
+              <a:rPr lang="de-DE" dirty="0" smtClean="0"/>
+              <a:t>Die Hauptseite der App mit XAML erstellen</a:t>
+            </a:r>
+          </a:p>
+          <a:p>
+            <a:pPr lvl="1">
+              <a:lnSpc>
+                <a:spcPct val="150000"/>
+              </a:lnSpc>
+            </a:pPr>
+            <a:r>
+              <a:rPr lang="de-DE" dirty="0" smtClean="0"/>
+              <a:t>Die In-App-Navigation einrichten</a:t>
+            </a:r>
+            <a:endParaRPr lang="de-DE" dirty="0"/>
+          </a:p>
+          <a:p>
+            <a:pPr marL="342900" indent="-342900">
+              <a:lnSpc>
+                <a:spcPct val="150000"/>
+              </a:lnSpc>
+              <a:buFont typeface="+mj-lt"/>
+              <a:buAutoNum type="arabicPeriod"/>
+            </a:pPr>
+            <a:endParaRPr lang="de-DE" dirty="0"/>
+          </a:p>
+        </p:txBody>
+      </p:sp>
+      <p:sp>
+        <p:nvSpPr>
+          <p:cNvPr id="4" name="Foliennummernplatzhalter 3"/>
+          <p:cNvSpPr>
+            <a:spLocks noGrp="1"/>
+          </p:cNvSpPr>
+          <p:nvPr>
+            <p:ph type="sldNum" sz="quarter" idx="12"/>
+          </p:nvPr>
+        </p:nvSpPr>
+        <p:spPr/>
+        <p:txBody>
+          <a:bodyPr/>
+          <a:lstStyle/>
+          <a:p>
+            <a:fld id="{8F35CB8A-22DD-4279-9E9E-A49CDB5FBE56}" type="slidenum">
+              <a:rPr lang="en-US" smtClean="0"/>
+              <a:pPr/>
+              <a:t>9</a:t>
+            </a:fld>
+            <a:endParaRPr lang="en-US"/>
+          </a:p>
+        </p:txBody>
+      </p:sp>
+    </p:spTree>
+    <p:extLst>
+      <p:ext uri="{BB962C8B-B14F-4D97-AF65-F5344CB8AC3E}">
+        <p14:creationId xmlns:p14="http://schemas.microsoft.com/office/powerpoint/2010/main" val="559050347"/>
+      </p:ext>
+    </p:extLst>
+  </p:cSld>
+  <p:clrMapOvr>
+    <a:masterClrMapping/>
+  </p:clrMapOvr>
+  <p:timing>
+    <p:tnLst>
+      <p:par>
+        <p:cTn id="1" dur="indefinite" restart="never" nodeType="tmRoot">
+          <p:childTnLst>
+            <p:seq concurrent="1" nextAc="seek">
+              <p:cTn id="2" dur="indefinite" nodeType="mainSeq">
+                <p:childTnLst>
+                  <p:par>
+                    <p:cTn id="3" fill="hold">
+                      <p:stCondLst>
+                        <p:cond delay="indefinite"/>
+                        <p:cond evt="onBegin" delay="0">
+                          <p:tn val="2"/>
+                        </p:cond>
+                      </p:stCondLst>
+                      <p:childTnLst>
+                        <p:par>
+                          <p:cTn id="4" fill="hold">
+                            <p:stCondLst>
+                              <p:cond delay="0"/>
+                            </p:stCondLst>
+                            <p:childTnLst>
+                              <p:par>
+                                <p:cTn id="5" presetID="1" presetClass="entr" presetSubtype="0" fill="hold" nodeType="withEffect">
+                                  <p:stCondLst>
+                                    <p:cond delay="0"/>
+                                  </p:stCondLst>
+                                  <p:childTnLst>
+                                    <p:set>
+                                      <p:cBhvr>
+                                        <p:cTn id="6" dur="1" fill="hold">
+                                          <p:stCondLst>
+                                            <p:cond delay="0"/>
+                                          </p:stCondLst>
+                                        </p:cTn>
+                                        <p:tgtEl>
+                                          <p:spTgt spid="3">
+                                            <p:txEl>
+                                              <p:pRg st="0" end="0"/>
+                                            </p:txEl>
+                                          </p:spTgt>
+                                        </p:tgtEl>
+                                        <p:attrNameLst>
+                                          <p:attrName>style.visibility</p:attrName>
+                                        </p:attrNameLst>
+                                      </p:cBhvr>
+                                      <p:to>
+                                        <p:strVal val="visible"/>
+                                      </p:to>
+                                    </p:set>
+                                  </p:childTnLst>
+                                </p:cTn>
+                              </p:par>
+                              <p:par>
+                                <p:cTn id="7" presetID="1" presetClass="entr" presetSubtype="0" fill="hold" nodeType="withEffect">
+                                  <p:stCondLst>
+                                    <p:cond delay="0"/>
+                                  </p:stCondLst>
+                                  <p:childTnLst>
+                                    <p:set>
+                                      <p:cBhvr>
+                                        <p:cTn id="8" dur="1" fill="hold">
+                                          <p:stCondLst>
+                                            <p:cond delay="0"/>
+                                          </p:stCondLst>
+                                        </p:cTn>
+                                        <p:tgtEl>
+                                          <p:spTgt spid="3">
+                                            <p:txEl>
+                                              <p:pRg st="1" end="1"/>
+                                            </p:txEl>
+                                          </p:spTgt>
+                                        </p:tgtEl>
+                                        <p:attrNameLst>
+                                          <p:attrName>style.visibility</p:attrName>
+                                        </p:attrNameLst>
+                                      </p:cBhvr>
+                                      <p:to>
+                                        <p:strVal val="visible"/>
+                                      </p:to>
+                                    </p:set>
+                                  </p:childTnLst>
+                                </p:cTn>
+                              </p:par>
+                            </p:childTnLst>
+                          </p:cTn>
+                        </p:par>
+                      </p:childTnLst>
+                    </p:cTn>
+                  </p:par>
+                  <p:par>
+                    <p:cTn id="9" fill="hold">
+                      <p:stCondLst>
+                        <p:cond delay="indefinite"/>
+                      </p:stCondLst>
+                      <p:childTnLst>
+                        <p:par>
+                          <p:cTn id="10" fill="hold">
+                            <p:stCondLst>
+                              <p:cond delay="0"/>
+                            </p:stCondLst>
+                            <p:childTnLst>
+                              <p:par>
+                                <p:cTn id="11" presetID="1" presetClass="entr" presetSubtype="0" fill="hold" nodeType="clickEffect">
+                                  <p:stCondLst>
+                                    <p:cond delay="0"/>
+                                  </p:stCondLst>
+                                  <p:childTnLst>
+                                    <p:set>
+                                      <p:cBhvr>
+                                        <p:cTn id="12" dur="1" fill="hold">
+                                          <p:stCondLst>
+                                            <p:cond delay="0"/>
+                                          </p:stCondLst>
+                                        </p:cTn>
+                                        <p:tgtEl>
+                                          <p:spTgt spid="3">
+                                            <p:txEl>
+                                              <p:pRg st="2" end="2"/>
+                                            </p:txEl>
+                                          </p:spTgt>
+                                        </p:tgtEl>
+                                        <p:attrNameLst>
+                                          <p:attrName>style.visibility</p:attrName>
+                                        </p:attrNameLst>
+                                      </p:cBhvr>
+                                      <p:to>
+                                        <p:strVal val="visible"/>
+                                      </p:to>
+                                    </p:set>
+                                  </p:childTnLst>
+                                </p:cTn>
+                              </p:par>
+                            </p:childTnLst>
+                          </p:cTn>
+                        </p:par>
+                      </p:childTnLst>
+                    </p:cTn>
+                  </p:par>
+                  <p:par>
+                    <p:cTn id="13" fill="hold">
+                      <p:stCondLst>
+                        <p:cond delay="indefinite"/>
+                      </p:stCondLst>
+                      <p:childTnLst>
+                        <p:par>
+                          <p:cTn id="14" fill="hold">
+                            <p:stCondLst>
+                              <p:cond delay="0"/>
+                            </p:stCondLst>
+                            <p:childTnLst>
+                              <p:par>
+                                <p:cTn id="15" presetID="1" presetClass="entr" presetSubtype="0" fill="hold" nodeType="clickEffect">
+                                  <p:stCondLst>
+                                    <p:cond delay="0"/>
+                                  </p:stCondLst>
+                                  <p:childTnLst>
+                                    <p:set>
+                                      <p:cBhvr>
+                                        <p:cTn id="16" dur="1" fill="hold">
+                                          <p:stCondLst>
+                                            <p:cond delay="0"/>
+                                          </p:stCondLst>
+                                        </p:cTn>
+                                        <p:tgtEl>
+                                          <p:spTgt spid="3">
+                                            <p:txEl>
+                                              <p:pRg st="3" end="3"/>
+                                            </p:txEl>
+                                          </p:spTgt>
+                                        </p:tgtEl>
+                                        <p:attrNameLst>
+                                          <p:attrName>style.visibility</p:attrName>
+                                        </p:attrNameLst>
+                                      </p:cBhvr>
+                                      <p:to>
+                                        <p:strVal val="visible"/>
+                                      </p:to>
+                                    </p:set>
+                                  </p:childTnLst>
+                                </p:cTn>
+                              </p:par>
+                              <p:par>
+                                <p:cTn id="17" presetID="1" presetClass="entr" presetSubtype="0" fill="hold" nodeType="withEffect">
+                                  <p:stCondLst>
+                                    <p:cond delay="0"/>
+                                  </p:stCondLst>
+                                  <p:childTnLst>
+                                    <p:set>
+                                      <p:cBhvr>
+                                        <p:cTn id="18" dur="1" fill="hold">
+                                          <p:stCondLst>
+                                            <p:cond delay="0"/>
+                                          </p:stCondLst>
+                                        </p:cTn>
+                                        <p:tgtEl>
+                                          <p:spTgt spid="3">
+                                            <p:txEl>
+                                              <p:pRg st="4" end="4"/>
+                                            </p:txEl>
+                                          </p:spTgt>
+                                        </p:tgtEl>
+                                        <p:attrNameLst>
+                                          <p:attrName>style.visibility</p:attrName>
+                                        </p:attrNameLst>
+                                      </p:cBhvr>
+                                      <p:to>
+                                        <p:strVal val="visible"/>
+                                      </p:to>
+                                    </p:set>
+                                  </p:childTnLst>
+                                </p:cTn>
+                              </p:par>
+                              <p:par>
+                                <p:cTn id="19" presetID="1" presetClass="entr" presetSubtype="0" fill="hold" nodeType="withEffect">
+                                  <p:stCondLst>
+                                    <p:cond delay="0"/>
+                                  </p:stCondLst>
+                                  <p:childTnLst>
+                                    <p:set>
+                                      <p:cBhvr>
+                                        <p:cTn id="20" dur="1" fill="hold">
+                                          <p:stCondLst>
+                                            <p:cond delay="0"/>
+                                          </p:stCondLst>
+                                        </p:cTn>
+                                        <p:tgtEl>
+                                          <p:spTgt spid="3">
+                                            <p:txEl>
+                                              <p:pRg st="5" end="5"/>
+                                            </p:txEl>
+                                          </p:spTgt>
+                                        </p:tgtEl>
+                                        <p:attrNameLst>
+                                          <p:attrName>style.visibility</p:attrName>
+                                        </p:attrNameLst>
+                                      </p:cBhvr>
+                                      <p:to>
+                                        <p:strVal val="visible"/>
+                                      </p:to>
+                                    </p:set>
+                                  </p:childTnLst>
+                                </p:cTn>
+                              </p:par>
+                              <p:par>
+                                <p:cTn id="21" presetID="1" presetClass="entr" presetSubtype="0" fill="hold" nodeType="withEffect">
+                                  <p:stCondLst>
+                                    <p:cond delay="0"/>
+                                  </p:stCondLst>
+                                  <p:childTnLst>
+                                    <p:set>
+                                      <p:cBhvr>
+                                        <p:cTn id="22" dur="1" fill="hold">
+                                          <p:stCondLst>
+                                            <p:cond delay="0"/>
+                                          </p:stCondLst>
+                                        </p:cTn>
+                                        <p:tgtEl>
+                                          <p:spTgt spid="3">
+                                            <p:txEl>
+                                              <p:pRg st="6" end="6"/>
+                                            </p:txEl>
+                                          </p:spTgt>
+                                        </p:tgtEl>
+                                        <p:attrNameLst>
+                                          <p:attrName>style.visibility</p:attrName>
+                                        </p:attrNameLst>
+                                      </p:cBhvr>
+                                      <p:to>
+                                        <p:strVal val="visible"/>
+                                      </p:to>
+                                    </p:set>
+                                  </p:childTnLst>
+                                </p:cTn>
+                              </p:par>
+                            </p:childTnLst>
+                          </p:cTn>
+                        </p:par>
+                      </p:childTnLst>
+                    </p:cTn>
+                  </p:par>
+                  <p:par>
+                    <p:cTn id="23" fill="hold">
+                      <p:stCondLst>
+                        <p:cond delay="indefinite"/>
+                      </p:stCondLst>
+                      <p:childTnLst>
+                        <p:par>
+                          <p:cTn id="24" fill="hold">
+                            <p:stCondLst>
+                              <p:cond delay="0"/>
+                            </p:stCondLst>
+                            <p:childTnLst>
+                              <p:par>
+                                <p:cTn id="25" presetID="1" presetClass="entr" presetSubtype="0" fill="hold" nodeType="clickEffect">
+                                  <p:stCondLst>
+                                    <p:cond delay="0"/>
+                                  </p:stCondLst>
+                                  <p:childTnLst>
+                                    <p:set>
+                                      <p:cBhvr>
+                                        <p:cTn id="26" dur="1" fill="hold">
+                                          <p:stCondLst>
+                                            <p:cond delay="0"/>
+                                          </p:stCondLst>
+                                        </p:cTn>
+                                        <p:tgtEl>
+                                          <p:spTgt spid="3">
+                                            <p:txEl>
+                                              <p:pRg st="7" end="7"/>
+                                            </p:txEl>
+                                          </p:spTgt>
+                                        </p:tgtEl>
+                                        <p:attrNameLst>
+                                          <p:attrName>style.visibility</p:attrName>
+                                        </p:attrNameLst>
+                                      </p:cBhvr>
+                                      <p:to>
+                                        <p:strVal val="visible"/>
+                                      </p:to>
+                                    </p:set>
+                                  </p:childTnLst>
+                                </p:cTn>
+                              </p:par>
+                              <p:par>
+                                <p:cTn id="27" presetID="1" presetClass="entr" presetSubtype="0" fill="hold" nodeType="withEffect">
+                                  <p:stCondLst>
+                                    <p:cond delay="0"/>
+                                  </p:stCondLst>
+                                  <p:childTnLst>
+                                    <p:set>
+                                      <p:cBhvr>
+                                        <p:cTn id="28" dur="1" fill="hold">
+                                          <p:stCondLst>
+                                            <p:cond delay="0"/>
+                                          </p:stCondLst>
+                                        </p:cTn>
+                                        <p:tgtEl>
+                                          <p:spTgt spid="3">
+                                            <p:txEl>
+                                              <p:pRg st="8" end="8"/>
+                                            </p:txEl>
+                                          </p:spTgt>
+                                        </p:tgtEl>
+                                        <p:attrNameLst>
+                                          <p:attrName>style.visibility</p:attrName>
+                                        </p:attrNameLst>
+                                      </p:cBhvr>
+                                      <p:to>
+                                        <p:strVal val="visible"/>
+                                      </p:to>
+                                    </p:set>
+                                  </p:childTnLst>
+                                </p:cTn>
+                              </p:par>
+                              <p:par>
+                                <p:cTn id="29" presetID="1" presetClass="entr" presetSubtype="0" fill="hold" nodeType="withEffect">
+                                  <p:stCondLst>
+                                    <p:cond delay="0"/>
+                                  </p:stCondLst>
+                                  <p:childTnLst>
+                                    <p:set>
+                                      <p:cBhvr>
+                                        <p:cTn id="30" dur="1" fill="hold">
+                                          <p:stCondLst>
+                                            <p:cond delay="0"/>
+                                          </p:stCondLst>
+                                        </p:cTn>
+                                        <p:tgtEl>
+                                          <p:spTgt spid="3">
+                                            <p:txEl>
+                                              <p:pRg st="9" end="9"/>
+                                            </p:txEl>
+                                          </p:spTgt>
+                                        </p:tgtEl>
+                                        <p:attrNameLst>
+                                          <p:attrName>style.visibility</p:attrName>
+                                        </p:attrNameLst>
+                                      </p:cBhvr>
+                                      <p:to>
+                                        <p:strVal val="visible"/>
+                                      </p:to>
+                                    </p:set>
+                                  </p:childTnLst>
+                                </p:cTn>
+                              </p:par>
+                              <p:par>
+                                <p:cTn id="31" presetID="1" presetClass="entr" presetSubtype="0" fill="hold" nodeType="withEffect">
+                                  <p:stCondLst>
+                                    <p:cond delay="0"/>
+                                  </p:stCondLst>
+                                  <p:childTnLst>
+                                    <p:set>
+                                      <p:cBhvr>
+                                        <p:cTn id="32" dur="1" fill="hold">
+                                          <p:stCondLst>
+                                            <p:cond delay="0"/>
+                                          </p:stCondLst>
+                                        </p:cTn>
+                                        <p:tgtEl>
+                                          <p:spTgt spid="3">
+                                            <p:txEl>
+                                              <p:pRg st="10" end="10"/>
+                                            </p:txEl>
+                                          </p:spTgt>
+                                        </p:tgtEl>
+                                        <p:attrNameLst>
+                                          <p:attrName>style.visibility</p:attrName>
+                                        </p:attrNameLst>
+                                      </p:cBhvr>
+                                      <p:to>
+                                        <p:strVal val="visible"/>
+                                      </p:to>
+                                    </p:set>
+                                  </p:childTnLst>
+                                </p:cTn>
+                              </p:par>
+                              <p:par>
+                                <p:cTn id="33" presetID="1" presetClass="entr" presetSubtype="0" fill="hold" nodeType="withEffect">
+                                  <p:stCondLst>
+                                    <p:cond delay="0"/>
+                                  </p:stCondLst>
+                                  <p:childTnLst>
+                                    <p:set>
+                                      <p:cBhvr>
+                                        <p:cTn id="34" dur="1" fill="hold">
+                                          <p:stCondLst>
+                                            <p:cond delay="0"/>
+                                          </p:stCondLst>
+                                        </p:cTn>
+                                        <p:tgtEl>
+                                          <p:spTgt spid="3">
+                                            <p:txEl>
+                                              <p:pRg st="11" end="11"/>
+                                            </p:txEl>
+                                          </p:spTgt>
+                                        </p:tgtEl>
+                                        <p:attrNameLst>
+                                          <p:attrName>style.visibility</p:attrName>
+                                        </p:attrNameLst>
+                                      </p:cBhvr>
+                                      <p:to>
+                                        <p:strVal val="visible"/>
+                                      </p:to>
+                                    </p:set>
+                                  </p:childTnLst>
+                                </p:cTn>
+                              </p:par>
+                            </p:childTnLst>
+                          </p:cTn>
+                        </p:par>
+                      </p:childTnLst>
+                    </p:cTn>
+                  </p:par>
+                </p:childTnLst>
+              </p:cTn>
+              <p:prevCondLst>
+                <p:cond evt="onPrev" delay="0">
+                  <p:tgtEl>
+                    <p:sldTgt/>
+                  </p:tgtEl>
+                </p:cond>
+              </p:prevCondLst>
+              <p:nextCondLst>
+                <p:cond evt="onNext" delay="0">
+                  <p:tgtEl>
+                    <p:sldTgt/>
+                  </p:tgtEl>
+                </p:cond>
+              </p:nextCondLst>
+            </p:seq>
+          </p:childTnLst>
+        </p:cTn>
       </p:par>
     </p:tnLst>
   </p:timing>

--- a/06. Universal Windows Platform/Entwicklung einer App für die universelle Windows Plattform.pptx
+++ b/06. Universal Windows Platform/Entwicklung einer App für die universelle Windows Plattform.pptx
@@ -5,10 +5,10 @@
     <p:sldMasterId id="2147484690" r:id="rId1"/>
   </p:sldMasterIdLst>
   <p:notesMasterIdLst>
-    <p:notesMasterId r:id="rId23"/>
+    <p:notesMasterId r:id="rId26"/>
   </p:notesMasterIdLst>
   <p:handoutMasterIdLst>
-    <p:handoutMasterId r:id="rId24"/>
+    <p:handoutMasterId r:id="rId27"/>
   </p:handoutMasterIdLst>
   <p:sldIdLst>
     <p:sldId id="332" r:id="rId2"/>
@@ -20,18 +20,21 @@
     <p:sldId id="390" r:id="rId8"/>
     <p:sldId id="413" r:id="rId9"/>
     <p:sldId id="391" r:id="rId10"/>
-    <p:sldId id="400" r:id="rId11"/>
-    <p:sldId id="410" r:id="rId12"/>
-    <p:sldId id="404" r:id="rId13"/>
-    <p:sldId id="405" r:id="rId14"/>
-    <p:sldId id="406" r:id="rId15"/>
-    <p:sldId id="409" r:id="rId16"/>
-    <p:sldId id="411" r:id="rId17"/>
-    <p:sldId id="398" r:id="rId18"/>
-    <p:sldId id="399" r:id="rId19"/>
-    <p:sldId id="403" r:id="rId20"/>
-    <p:sldId id="412" r:id="rId21"/>
-    <p:sldId id="290" r:id="rId22"/>
+    <p:sldId id="414" r:id="rId11"/>
+    <p:sldId id="400" r:id="rId12"/>
+    <p:sldId id="410" r:id="rId13"/>
+    <p:sldId id="404" r:id="rId14"/>
+    <p:sldId id="405" r:id="rId15"/>
+    <p:sldId id="406" r:id="rId16"/>
+    <p:sldId id="409" r:id="rId17"/>
+    <p:sldId id="411" r:id="rId18"/>
+    <p:sldId id="415" r:id="rId19"/>
+    <p:sldId id="398" r:id="rId20"/>
+    <p:sldId id="399" r:id="rId21"/>
+    <p:sldId id="416" r:id="rId22"/>
+    <p:sldId id="403" r:id="rId23"/>
+    <p:sldId id="412" r:id="rId24"/>
+    <p:sldId id="290" r:id="rId25"/>
   </p:sldIdLst>
   <p:sldSz cx="12190413" cy="6859588"/>
   <p:notesSz cx="7099300" cy="10234613"/>
@@ -316,7 +319,7 @@
               <a:pPr>
                 <a:defRPr/>
               </a:pPr>
-              <a:t>24.02.2017</a:t>
+              <a:t>03.03.2017</a:t>
             </a:fld>
             <a:endParaRPr lang="de-DE"/>
           </a:p>
@@ -515,7 +518,7 @@
               <a:pPr>
                 <a:defRPr/>
               </a:pPr>
-              <a:t>2017-02-24</a:t>
+              <a:t>2017-03-03</a:t>
             </a:fld>
             <a:endParaRPr lang="sv-SE"/>
           </a:p>
@@ -1215,7 +1218,7 @@
               <a:pPr>
                 <a:defRPr/>
               </a:pPr>
-              <a:t>13</a:t>
+              <a:t>14</a:t>
             </a:fld>
             <a:endParaRPr lang="sv-SE"/>
           </a:p>
@@ -1330,7 +1333,7 @@
               <a:pPr>
                 <a:defRPr/>
               </a:pPr>
-              <a:t>14</a:t>
+              <a:t>15</a:t>
             </a:fld>
             <a:endParaRPr lang="sv-SE"/>
           </a:p>
@@ -1449,7 +1452,7 @@
               <a:pPr>
                 <a:defRPr/>
               </a:pPr>
-              <a:t>15</a:t>
+              <a:t>16</a:t>
             </a:fld>
             <a:endParaRPr lang="sv-SE"/>
           </a:p>
@@ -1556,7 +1559,7 @@
               <a:pPr>
                 <a:defRPr/>
               </a:pPr>
-              <a:t>16</a:t>
+              <a:t>17</a:t>
             </a:fld>
             <a:endParaRPr lang="sv-SE"/>
           </a:p>
@@ -1663,7 +1666,7 @@
               <a:pPr>
                 <a:defRPr/>
               </a:pPr>
-              <a:t>17</a:t>
+              <a:t>19</a:t>
             </a:fld>
             <a:endParaRPr lang="sv-SE"/>
           </a:p>
@@ -1770,7 +1773,7 @@
               <a:pPr>
                 <a:defRPr/>
               </a:pPr>
-              <a:t>18</a:t>
+              <a:t>20</a:t>
             </a:fld>
             <a:endParaRPr lang="sv-SE"/>
           </a:p>
@@ -1877,7 +1880,7 @@
               <a:pPr>
                 <a:defRPr/>
               </a:pPr>
-              <a:t>19</a:t>
+              <a:t>22</a:t>
             </a:fld>
             <a:endParaRPr lang="sv-SE"/>
           </a:p>
@@ -1984,7 +1987,7 @@
               <a:pPr>
                 <a:defRPr/>
               </a:pPr>
-              <a:t>20</a:t>
+              <a:t>23</a:t>
             </a:fld>
             <a:endParaRPr lang="sv-SE"/>
           </a:p>
@@ -2094,7 +2097,7 @@
               <a:pPr>
                 <a:defRPr/>
               </a:pPr>
-              <a:t>21</a:t>
+              <a:t>24</a:t>
             </a:fld>
             <a:endParaRPr lang="sv-SE"/>
           </a:p>
@@ -2941,7 +2944,7 @@
               <a:pPr>
                 <a:defRPr/>
               </a:pPr>
-              <a:t>10</a:t>
+              <a:t>11</a:t>
             </a:fld>
             <a:endParaRPr lang="sv-SE"/>
           </a:p>
@@ -3134,7 +3137,7 @@
               <a:pPr>
                 <a:defRPr/>
               </a:pPr>
-              <a:t>11</a:t>
+              <a:t>12</a:t>
             </a:fld>
             <a:endParaRPr lang="sv-SE"/>
           </a:p>
@@ -3241,7 +3244,7 @@
               <a:pPr>
                 <a:defRPr/>
               </a:pPr>
-              <a:t>12</a:t>
+              <a:t>13</a:t>
             </a:fld>
             <a:endParaRPr lang="sv-SE"/>
           </a:p>
@@ -6781,7 +6784,7 @@
       </p:grpSpPr>
       <p:sp>
         <p:nvSpPr>
-          <p:cNvPr id="2" name="Titel 1"/>
+          <p:cNvPr id="6" name="Titel 5"/>
           <p:cNvSpPr>
             <a:spLocks noGrp="1"/>
           </p:cNvSpPr>
@@ -6794,6 +6797,110 @@
           <a:bodyPr/>
           <a:lstStyle/>
           <a:p>
+            <a:r>
+              <a:rPr lang="de-DE" dirty="0" smtClean="0"/>
+              <a:t>HANDS-ON</a:t>
+            </a:r>
+            <a:endParaRPr lang="de-DE" dirty="0"/>
+          </a:p>
+        </p:txBody>
+      </p:sp>
+      <p:sp>
+        <p:nvSpPr>
+          <p:cNvPr id="7" name="Untertitel 6"/>
+          <p:cNvSpPr>
+            <a:spLocks noGrp="1"/>
+          </p:cNvSpPr>
+          <p:nvPr>
+            <p:ph type="subTitle" idx="1"/>
+          </p:nvPr>
+        </p:nvSpPr>
+        <p:spPr/>
+        <p:txBody>
+          <a:bodyPr/>
+          <a:lstStyle/>
+          <a:p>
+            <a:r>
+              <a:rPr lang="de-DE" dirty="0" smtClean="0"/>
+              <a:t>06/01 </a:t>
+            </a:r>
+            <a:r>
+              <a:rPr lang="de-DE" dirty="0"/>
+              <a:t>Projekteinrichtung und Views</a:t>
+            </a:r>
+            <a:endParaRPr lang="de-DE" dirty="0"/>
+          </a:p>
+        </p:txBody>
+      </p:sp>
+      <p:sp>
+        <p:nvSpPr>
+          <p:cNvPr id="4" name="Foliennummernplatzhalter 3"/>
+          <p:cNvSpPr>
+            <a:spLocks noGrp="1"/>
+          </p:cNvSpPr>
+          <p:nvPr>
+            <p:ph type="sldNum" sz="quarter" idx="10"/>
+          </p:nvPr>
+        </p:nvSpPr>
+        <p:spPr/>
+        <p:txBody>
+          <a:bodyPr/>
+          <a:lstStyle/>
+          <a:p>
+            <a:fld id="{8F35CB8A-22DD-4279-9E9E-A49CDB5FBE56}" type="slidenum">
+              <a:rPr lang="en-US" smtClean="0"/>
+              <a:pPr/>
+              <a:t>10</a:t>
+            </a:fld>
+            <a:endParaRPr lang="en-US" dirty="0"/>
+          </a:p>
+        </p:txBody>
+      </p:sp>
+    </p:spTree>
+    <p:extLst>
+      <p:ext uri="{BB962C8B-B14F-4D97-AF65-F5344CB8AC3E}">
+        <p14:creationId xmlns:p14="http://schemas.microsoft.com/office/powerpoint/2010/main" val="1194494271"/>
+      </p:ext>
+    </p:extLst>
+  </p:cSld>
+  <p:clrMapOvr>
+    <a:masterClrMapping/>
+  </p:clrMapOvr>
+</p:sld>
+</file>
+
+<file path=ppt/slides/slide11.xml><?xml version="1.0" encoding="utf-8"?>
+<p:sld xmlns:a="http://schemas.openxmlformats.org/drawingml/2006/main" xmlns:r="http://schemas.openxmlformats.org/officeDocument/2006/relationships" xmlns:p="http://schemas.openxmlformats.org/presentationml/2006/main">
+  <p:cSld>
+    <p:spTree>
+      <p:nvGrpSpPr>
+        <p:cNvPr id="1" name=""/>
+        <p:cNvGrpSpPr/>
+        <p:nvPr/>
+      </p:nvGrpSpPr>
+      <p:grpSpPr>
+        <a:xfrm>
+          <a:off x="0" y="0"/>
+          <a:ext cx="0" cy="0"/>
+          <a:chOff x="0" y="0"/>
+          <a:chExt cx="0" cy="0"/>
+        </a:xfrm>
+      </p:grpSpPr>
+      <p:sp>
+        <p:nvSpPr>
+          <p:cNvPr id="2" name="Titel 1"/>
+          <p:cNvSpPr>
+            <a:spLocks noGrp="1"/>
+          </p:cNvSpPr>
+          <p:nvPr>
+            <p:ph type="title"/>
+          </p:nvPr>
+        </p:nvSpPr>
+        <p:spPr/>
+        <p:txBody>
+          <a:bodyPr/>
+          <a:lstStyle/>
+          <a:p>
             <a:pPr>
               <a:lnSpc>
                 <a:spcPct val="150000"/>
@@ -6805,7 +6912,15 @@
             </a:r>
             <a:r>
               <a:rPr lang="de-DE" dirty="0" smtClean="0"/>
-              <a:t>Entwickeln von ViewModels</a:t>
+              <a:t>Entwickeln mit dem MVVM-Entwurfsmuster (Model-View-</a:t>
+            </a:r>
+            <a:r>
+              <a:rPr lang="de-DE" dirty="0" err="1" smtClean="0"/>
+              <a:t>ViewModel</a:t>
+            </a:r>
+            <a:r>
+              <a:rPr lang="de-DE" dirty="0" smtClean="0"/>
+              <a:t>)</a:t>
             </a:r>
             <a:endParaRPr lang="de-DE" dirty="0"/>
           </a:p>
@@ -6971,7 +7086,7 @@
             <a:fld id="{8F35CB8A-22DD-4279-9E9E-A49CDB5FBE56}" type="slidenum">
               <a:rPr lang="en-US" smtClean="0"/>
               <a:pPr/>
-              <a:t>10</a:t>
+              <a:t>11</a:t>
             </a:fld>
             <a:endParaRPr lang="en-US"/>
           </a:p>
@@ -6997,7 +7112,7 @@
 </p:sld>
 </file>
 
-<file path=ppt/slides/slide11.xml><?xml version="1.0" encoding="utf-8"?>
+<file path=ppt/slides/slide12.xml><?xml version="1.0" encoding="utf-8"?>
 <p:sld xmlns:a="http://schemas.openxmlformats.org/drawingml/2006/main" xmlns:r="http://schemas.openxmlformats.org/officeDocument/2006/relationships" xmlns:p="http://schemas.openxmlformats.org/presentationml/2006/main">
   <p:cSld>
     <p:spTree>
@@ -7036,11 +7151,7 @@
             </a:pPr>
             <a:r>
               <a:rPr lang="de-DE" dirty="0" smtClean="0"/>
-              <a:t>4.1 </a:t>
-            </a:r>
-            <a:r>
-              <a:rPr lang="de-DE" dirty="0" smtClean="0"/>
-              <a:t>MVVM-Entwurfsmuster</a:t>
+              <a:t>4.1 MVVM-Entwurfsmuster</a:t>
             </a:r>
             <a:endParaRPr lang="de-DE" dirty="0"/>
           </a:p>
@@ -7180,7 +7291,7 @@
             <a:fld id="{8F35CB8A-22DD-4279-9E9E-A49CDB5FBE56}" type="slidenum">
               <a:rPr lang="en-US" smtClean="0"/>
               <a:pPr/>
-              <a:t>11</a:t>
+              <a:t>12</a:t>
             </a:fld>
             <a:endParaRPr lang="en-US"/>
           </a:p>
@@ -7829,7 +7940,7 @@
 </p:sld>
 </file>
 
-<file path=ppt/slides/slide12.xml><?xml version="1.0" encoding="utf-8"?>
+<file path=ppt/slides/slide13.xml><?xml version="1.0" encoding="utf-8"?>
 <p:sld xmlns:a="http://schemas.openxmlformats.org/drawingml/2006/main" xmlns:r="http://schemas.openxmlformats.org/officeDocument/2006/relationships" xmlns:p="http://schemas.openxmlformats.org/presentationml/2006/main">
   <p:cSld>
     <p:spTree>
@@ -7868,11 +7979,7 @@
             </a:pPr>
             <a:r>
               <a:rPr lang="de-DE" dirty="0" smtClean="0"/>
-              <a:t>4.2 </a:t>
-            </a:r>
-            <a:r>
-              <a:rPr lang="de-DE" dirty="0" smtClean="0"/>
-              <a:t>Ohne Datenbindung</a:t>
+              <a:t>4.2 Ohne Datenbindung</a:t>
             </a:r>
             <a:endParaRPr lang="de-DE" dirty="0"/>
           </a:p>
@@ -7964,7 +8071,7 @@
             <a:fld id="{8F35CB8A-22DD-4279-9E9E-A49CDB5FBE56}" type="slidenum">
               <a:rPr lang="en-US" smtClean="0"/>
               <a:pPr/>
-              <a:t>12</a:t>
+              <a:t>13</a:t>
             </a:fld>
             <a:endParaRPr lang="en-US"/>
           </a:p>
@@ -8105,7 +8212,7 @@
 </p:sld>
 </file>
 
-<file path=ppt/slides/slide13.xml><?xml version="1.0" encoding="utf-8"?>
+<file path=ppt/slides/slide14.xml><?xml version="1.0" encoding="utf-8"?>
 <p:sld xmlns:a="http://schemas.openxmlformats.org/drawingml/2006/main" xmlns:r="http://schemas.openxmlformats.org/officeDocument/2006/relationships" xmlns:p="http://schemas.openxmlformats.org/presentationml/2006/main">
   <p:cSld>
     <p:spTree>
@@ -8144,11 +8251,7 @@
             </a:pPr>
             <a:r>
               <a:rPr lang="de-DE" dirty="0" smtClean="0"/>
-              <a:t>4.2 </a:t>
-            </a:r>
-            <a:r>
-              <a:rPr lang="de-DE" dirty="0" smtClean="0"/>
-              <a:t>Datenbindung</a:t>
+              <a:t>4.2 Datenbindung</a:t>
             </a:r>
             <a:endParaRPr lang="de-DE" dirty="0"/>
           </a:p>
@@ -8284,7 +8387,7 @@
             <a:fld id="{8F35CB8A-22DD-4279-9E9E-A49CDB5FBE56}" type="slidenum">
               <a:rPr lang="en-US" smtClean="0"/>
               <a:pPr/>
-              <a:t>13</a:t>
+              <a:t>14</a:t>
             </a:fld>
             <a:endParaRPr lang="en-US"/>
           </a:p>
@@ -8368,329 +8471,6 @@
 </p:sld>
 </file>
 
-<file path=ppt/slides/slide14.xml><?xml version="1.0" encoding="utf-8"?>
-<p:sld xmlns:a="http://schemas.openxmlformats.org/drawingml/2006/main" xmlns:r="http://schemas.openxmlformats.org/officeDocument/2006/relationships" xmlns:p="http://schemas.openxmlformats.org/presentationml/2006/main">
-  <p:cSld>
-    <p:spTree>
-      <p:nvGrpSpPr>
-        <p:cNvPr id="1" name=""/>
-        <p:cNvGrpSpPr/>
-        <p:nvPr/>
-      </p:nvGrpSpPr>
-      <p:grpSpPr>
-        <a:xfrm>
-          <a:off x="0" y="0"/>
-          <a:ext cx="0" cy="0"/>
-          <a:chOff x="0" y="0"/>
-          <a:chExt cx="0" cy="0"/>
-        </a:xfrm>
-      </p:grpSpPr>
-      <p:sp>
-        <p:nvSpPr>
-          <p:cNvPr id="2" name="Titel 1"/>
-          <p:cNvSpPr>
-            <a:spLocks noGrp="1"/>
-          </p:cNvSpPr>
-          <p:nvPr>
-            <p:ph type="title"/>
-          </p:nvPr>
-        </p:nvSpPr>
-        <p:spPr/>
-        <p:txBody>
-          <a:bodyPr/>
-          <a:lstStyle/>
-          <a:p>
-            <a:pPr>
-              <a:lnSpc>
-                <a:spcPct val="150000"/>
-              </a:lnSpc>
-            </a:pPr>
-            <a:r>
-              <a:rPr lang="de-DE" dirty="0" smtClean="0"/>
-              <a:t>4.3 </a:t>
-            </a:r>
-            <a:r>
-              <a:rPr lang="de-DE" dirty="0" smtClean="0"/>
-              <a:t>Datenkonvertierung mittels </a:t>
-            </a:r>
-            <a:r>
-              <a:rPr lang="de-DE" dirty="0" err="1" smtClean="0"/>
-              <a:t>IValueConverter</a:t>
-            </a:r>
-            <a:endParaRPr lang="de-DE" dirty="0"/>
-          </a:p>
-        </p:txBody>
-      </p:sp>
-      <p:sp>
-        <p:nvSpPr>
-          <p:cNvPr id="3" name="Inhaltsplatzhalter 2"/>
-          <p:cNvSpPr>
-            <a:spLocks noGrp="1"/>
-          </p:cNvSpPr>
-          <p:nvPr>
-            <p:ph idx="1"/>
-          </p:nvPr>
-        </p:nvSpPr>
-        <p:spPr/>
-        <p:txBody>
-          <a:bodyPr/>
-          <a:lstStyle/>
-          <a:p>
-            <a:pPr>
-              <a:lnSpc>
-                <a:spcPct val="150000"/>
-              </a:lnSpc>
-            </a:pPr>
-            <a:r>
-              <a:rPr lang="de-DE" dirty="0" smtClean="0"/>
-              <a:t>Werte während der Datenbindung verändern</a:t>
-            </a:r>
-          </a:p>
-          <a:p>
-            <a:pPr lvl="1">
-              <a:lnSpc>
-                <a:spcPct val="150000"/>
-              </a:lnSpc>
-            </a:pPr>
-            <a:r>
-              <a:rPr lang="de-DE" dirty="0"/>
-              <a:t>Boolean </a:t>
-            </a:r>
-            <a:r>
-              <a:rPr lang="de-DE" dirty="0" smtClean="0"/>
-              <a:t>(</a:t>
-            </a:r>
-            <a:r>
-              <a:rPr lang="de-DE" dirty="0" err="1" smtClean="0"/>
-              <a:t>true</a:t>
-            </a:r>
-            <a:r>
-              <a:rPr lang="de-DE" dirty="0" smtClean="0"/>
-              <a:t>/</a:t>
-            </a:r>
-            <a:r>
-              <a:rPr lang="de-DE" dirty="0" err="1" smtClean="0"/>
-              <a:t>false</a:t>
-            </a:r>
-            <a:r>
-              <a:rPr lang="de-DE" dirty="0" smtClean="0"/>
-              <a:t>) </a:t>
-            </a:r>
-            <a:r>
-              <a:rPr lang="de-DE" dirty="0"/>
-              <a:t>-&gt; </a:t>
-            </a:r>
-            <a:r>
-              <a:rPr lang="de-DE" dirty="0" err="1"/>
-              <a:t>Visibility</a:t>
-            </a:r>
-            <a:r>
-              <a:rPr lang="de-DE" dirty="0"/>
-              <a:t> </a:t>
-            </a:r>
-            <a:r>
-              <a:rPr lang="de-DE" dirty="0" smtClean="0"/>
-              <a:t>(Visible/</a:t>
-            </a:r>
-            <a:r>
-              <a:rPr lang="de-DE" dirty="0" err="1" smtClean="0"/>
-              <a:t>Collapsed</a:t>
-            </a:r>
-            <a:r>
-              <a:rPr lang="de-DE" dirty="0" smtClean="0"/>
-              <a:t>)</a:t>
-            </a:r>
-          </a:p>
-          <a:p>
-            <a:pPr lvl="1">
-              <a:lnSpc>
-                <a:spcPct val="150000"/>
-              </a:lnSpc>
-            </a:pPr>
-            <a:r>
-              <a:rPr lang="de-DE" dirty="0" smtClean="0"/>
-              <a:t>Boolean (</a:t>
-            </a:r>
-            <a:r>
-              <a:rPr lang="de-DE" dirty="0" err="1" smtClean="0"/>
-              <a:t>true</a:t>
-            </a:r>
-            <a:r>
-              <a:rPr lang="de-DE" dirty="0" smtClean="0"/>
-              <a:t>/</a:t>
-            </a:r>
-            <a:r>
-              <a:rPr lang="de-DE" dirty="0" err="1" smtClean="0"/>
-              <a:t>false</a:t>
-            </a:r>
-            <a:r>
-              <a:rPr lang="de-DE" dirty="0" smtClean="0"/>
-              <a:t>) -&gt; </a:t>
-            </a:r>
-            <a:r>
-              <a:rPr lang="de-DE" dirty="0" err="1" smtClean="0"/>
-              <a:t>Inverted</a:t>
-            </a:r>
-            <a:r>
-              <a:rPr lang="de-DE" dirty="0" smtClean="0"/>
-              <a:t> (</a:t>
-            </a:r>
-            <a:r>
-              <a:rPr lang="de-DE" dirty="0" err="1" smtClean="0"/>
-              <a:t>false</a:t>
-            </a:r>
-            <a:r>
-              <a:rPr lang="de-DE" dirty="0" smtClean="0"/>
-              <a:t>/</a:t>
-            </a:r>
-            <a:r>
-              <a:rPr lang="de-DE" dirty="0" err="1" smtClean="0"/>
-              <a:t>true</a:t>
-            </a:r>
-            <a:r>
-              <a:rPr lang="de-DE" dirty="0" smtClean="0"/>
-              <a:t>)</a:t>
-            </a:r>
-            <a:endParaRPr lang="de-DE" dirty="0"/>
-          </a:p>
-          <a:p>
-            <a:pPr lvl="1">
-              <a:lnSpc>
-                <a:spcPct val="150000"/>
-              </a:lnSpc>
-            </a:pPr>
-            <a:r>
-              <a:rPr lang="de-DE" dirty="0" smtClean="0"/>
-              <a:t>Collection (</a:t>
-            </a:r>
-            <a:r>
-              <a:rPr lang="de-DE" dirty="0" err="1" smtClean="0"/>
-              <a:t>no</a:t>
-            </a:r>
-            <a:r>
-              <a:rPr lang="de-DE" dirty="0" smtClean="0"/>
-              <a:t> </a:t>
-            </a:r>
-            <a:r>
-              <a:rPr lang="de-DE" dirty="0" err="1" smtClean="0"/>
-              <a:t>items</a:t>
-            </a:r>
-            <a:r>
-              <a:rPr lang="de-DE" dirty="0" smtClean="0"/>
-              <a:t>/</a:t>
-            </a:r>
-            <a:r>
-              <a:rPr lang="de-DE" dirty="0" err="1" smtClean="0"/>
-              <a:t>items</a:t>
-            </a:r>
-            <a:r>
-              <a:rPr lang="de-DE" dirty="0" smtClean="0"/>
-              <a:t>) -&gt; </a:t>
-            </a:r>
-            <a:r>
-              <a:rPr lang="de-DE" dirty="0" err="1" smtClean="0"/>
-              <a:t>Visibility</a:t>
-            </a:r>
-            <a:r>
-              <a:rPr lang="de-DE" dirty="0" smtClean="0"/>
-              <a:t> (Visible/</a:t>
-            </a:r>
-            <a:r>
-              <a:rPr lang="de-DE" dirty="0" err="1" smtClean="0"/>
-              <a:t>Collapsed</a:t>
-            </a:r>
-            <a:r>
-              <a:rPr lang="de-DE" dirty="0" smtClean="0"/>
-              <a:t>)</a:t>
-            </a:r>
-            <a:endParaRPr lang="de-DE" dirty="0"/>
-          </a:p>
-          <a:p>
-            <a:pPr>
-              <a:lnSpc>
-                <a:spcPct val="150000"/>
-              </a:lnSpc>
-            </a:pPr>
-            <a:r>
-              <a:rPr lang="de-DE" dirty="0" smtClean="0"/>
-              <a:t>Interface: </a:t>
-            </a:r>
-            <a:r>
-              <a:rPr lang="de-DE" dirty="0" err="1" smtClean="0"/>
-              <a:t>IValueConverter</a:t>
-            </a:r>
-            <a:endParaRPr lang="de-DE" dirty="0" smtClean="0"/>
-          </a:p>
-          <a:p>
-            <a:pPr lvl="1">
-              <a:lnSpc>
-                <a:spcPct val="150000"/>
-              </a:lnSpc>
-            </a:pPr>
-            <a:r>
-              <a:rPr lang="de-DE" dirty="0" err="1" smtClean="0"/>
-              <a:t>Convert</a:t>
-            </a:r>
-            <a:endParaRPr lang="de-DE" dirty="0" smtClean="0"/>
-          </a:p>
-          <a:p>
-            <a:pPr lvl="1">
-              <a:lnSpc>
-                <a:spcPct val="150000"/>
-              </a:lnSpc>
-            </a:pPr>
-            <a:r>
-              <a:rPr lang="de-DE" dirty="0" err="1" smtClean="0"/>
-              <a:t>ConvertBack</a:t>
-            </a:r>
-            <a:endParaRPr lang="de-DE" dirty="0"/>
-          </a:p>
-        </p:txBody>
-      </p:sp>
-      <p:sp>
-        <p:nvSpPr>
-          <p:cNvPr id="4" name="Foliennummernplatzhalter 3"/>
-          <p:cNvSpPr>
-            <a:spLocks noGrp="1"/>
-          </p:cNvSpPr>
-          <p:nvPr>
-            <p:ph type="sldNum" sz="quarter" idx="12"/>
-          </p:nvPr>
-        </p:nvSpPr>
-        <p:spPr/>
-        <p:txBody>
-          <a:bodyPr/>
-          <a:lstStyle/>
-          <a:p>
-            <a:fld id="{8F35CB8A-22DD-4279-9E9E-A49CDB5FBE56}" type="slidenum">
-              <a:rPr lang="en-US" smtClean="0"/>
-              <a:pPr/>
-              <a:t>14</a:t>
-            </a:fld>
-            <a:endParaRPr lang="en-US"/>
-          </a:p>
-        </p:txBody>
-      </p:sp>
-    </p:spTree>
-    <p:extLst>
-      <p:ext uri="{BB962C8B-B14F-4D97-AF65-F5344CB8AC3E}">
-        <p14:creationId xmlns:p14="http://schemas.microsoft.com/office/powerpoint/2010/main" val="804461706"/>
-      </p:ext>
-    </p:extLst>
-  </p:cSld>
-  <p:clrMapOvr>
-    <a:masterClrMapping/>
-  </p:clrMapOvr>
-  <p:timing>
-    <p:tnLst>
-      <p:par>
-        <p:cTn id="1" dur="indefinite" restart="never" nodeType="tmRoot"/>
-      </p:par>
-    </p:tnLst>
-  </p:timing>
-</p:sld>
-</file>
-
 <file path=ppt/slides/slide15.xml><?xml version="1.0" encoding="utf-8"?>
 <p:sld xmlns:a="http://schemas.openxmlformats.org/drawingml/2006/main" xmlns:r="http://schemas.openxmlformats.org/officeDocument/2006/relationships" xmlns:p="http://schemas.openxmlformats.org/presentationml/2006/main">
   <p:cSld>
@@ -8730,15 +8510,11 @@
             </a:pPr>
             <a:r>
               <a:rPr lang="de-DE" dirty="0" smtClean="0"/>
-              <a:t>4.4 </a:t>
-            </a:r>
-            <a:r>
-              <a:rPr lang="de-DE" dirty="0" smtClean="0"/>
-              <a:t>Befehle mit </a:t>
+              <a:t>4.3 Datenkonvertierung mittels </a:t>
             </a:r>
             <a:r>
               <a:rPr lang="de-DE" dirty="0" err="1" smtClean="0"/>
-              <a:t>ICommand</a:t>
+              <a:t>IValueConverter</a:t>
             </a:r>
             <a:endParaRPr lang="de-DE" dirty="0"/>
           </a:p>
@@ -8766,8 +8542,167 @@
             </a:pPr>
             <a:r>
               <a:rPr lang="de-DE" dirty="0" smtClean="0"/>
-              <a:t>Werden von UI-Elementen bei bestimmten Aktionen aufgerufen (Click, …)</a:t>
-            </a:r>
+              <a:t>Werte während der Datenbindung verändern</a:t>
+            </a:r>
+          </a:p>
+          <a:p>
+            <a:pPr lvl="1">
+              <a:lnSpc>
+                <a:spcPct val="150000"/>
+              </a:lnSpc>
+            </a:pPr>
+            <a:r>
+              <a:rPr lang="de-DE" dirty="0"/>
+              <a:t>Boolean </a:t>
+            </a:r>
+            <a:r>
+              <a:rPr lang="de-DE" dirty="0" smtClean="0"/>
+              <a:t>(</a:t>
+            </a:r>
+            <a:r>
+              <a:rPr lang="de-DE" dirty="0" err="1" smtClean="0"/>
+              <a:t>true</a:t>
+            </a:r>
+            <a:r>
+              <a:rPr lang="de-DE" dirty="0" smtClean="0"/>
+              <a:t>/</a:t>
+            </a:r>
+            <a:r>
+              <a:rPr lang="de-DE" dirty="0" err="1" smtClean="0"/>
+              <a:t>false</a:t>
+            </a:r>
+            <a:r>
+              <a:rPr lang="de-DE" dirty="0" smtClean="0"/>
+              <a:t>) </a:t>
+            </a:r>
+            <a:r>
+              <a:rPr lang="de-DE" dirty="0"/>
+              <a:t>-&gt; </a:t>
+            </a:r>
+            <a:r>
+              <a:rPr lang="de-DE" dirty="0" err="1"/>
+              <a:t>Visibility</a:t>
+            </a:r>
+            <a:r>
+              <a:rPr lang="de-DE" dirty="0"/>
+              <a:t> </a:t>
+            </a:r>
+            <a:r>
+              <a:rPr lang="de-DE" dirty="0" smtClean="0"/>
+              <a:t>(Visible/</a:t>
+            </a:r>
+            <a:r>
+              <a:rPr lang="de-DE" dirty="0" err="1" smtClean="0"/>
+              <a:t>Collapsed</a:t>
+            </a:r>
+            <a:r>
+              <a:rPr lang="de-DE" dirty="0" smtClean="0"/>
+              <a:t>)</a:t>
+            </a:r>
+          </a:p>
+          <a:p>
+            <a:pPr lvl="1">
+              <a:lnSpc>
+                <a:spcPct val="150000"/>
+              </a:lnSpc>
+            </a:pPr>
+            <a:r>
+              <a:rPr lang="de-DE" dirty="0" smtClean="0"/>
+              <a:t>Boolean (</a:t>
+            </a:r>
+            <a:r>
+              <a:rPr lang="de-DE" dirty="0" err="1" smtClean="0"/>
+              <a:t>true</a:t>
+            </a:r>
+            <a:r>
+              <a:rPr lang="de-DE" dirty="0" smtClean="0"/>
+              <a:t>/</a:t>
+            </a:r>
+            <a:r>
+              <a:rPr lang="de-DE" dirty="0" err="1" smtClean="0"/>
+              <a:t>false</a:t>
+            </a:r>
+            <a:r>
+              <a:rPr lang="de-DE" dirty="0" smtClean="0"/>
+              <a:t>) -&gt; </a:t>
+            </a:r>
+            <a:r>
+              <a:rPr lang="de-DE" dirty="0" err="1" smtClean="0"/>
+              <a:t>Inverted</a:t>
+            </a:r>
+            <a:r>
+              <a:rPr lang="de-DE" dirty="0" smtClean="0"/>
+              <a:t> (</a:t>
+            </a:r>
+            <a:r>
+              <a:rPr lang="de-DE" dirty="0" err="1" smtClean="0"/>
+              <a:t>false</a:t>
+            </a:r>
+            <a:r>
+              <a:rPr lang="de-DE" dirty="0" smtClean="0"/>
+              <a:t>/</a:t>
+            </a:r>
+            <a:r>
+              <a:rPr lang="de-DE" dirty="0" err="1" smtClean="0"/>
+              <a:t>true</a:t>
+            </a:r>
+            <a:r>
+              <a:rPr lang="de-DE" dirty="0" smtClean="0"/>
+              <a:t>)</a:t>
+            </a:r>
+            <a:endParaRPr lang="de-DE" dirty="0"/>
+          </a:p>
+          <a:p>
+            <a:pPr lvl="1">
+              <a:lnSpc>
+                <a:spcPct val="150000"/>
+              </a:lnSpc>
+            </a:pPr>
+            <a:r>
+              <a:rPr lang="de-DE" dirty="0" smtClean="0"/>
+              <a:t>Collection (</a:t>
+            </a:r>
+            <a:r>
+              <a:rPr lang="de-DE" dirty="0" err="1" smtClean="0"/>
+              <a:t>no</a:t>
+            </a:r>
+            <a:r>
+              <a:rPr lang="de-DE" dirty="0" smtClean="0"/>
+              <a:t> </a:t>
+            </a:r>
+            <a:r>
+              <a:rPr lang="de-DE" dirty="0" err="1" smtClean="0"/>
+              <a:t>items</a:t>
+            </a:r>
+            <a:r>
+              <a:rPr lang="de-DE" dirty="0" smtClean="0"/>
+              <a:t>/</a:t>
+            </a:r>
+            <a:r>
+              <a:rPr lang="de-DE" dirty="0" err="1" smtClean="0"/>
+              <a:t>items</a:t>
+            </a:r>
+            <a:r>
+              <a:rPr lang="de-DE" dirty="0" smtClean="0"/>
+              <a:t>) -&gt; </a:t>
+            </a:r>
+            <a:r>
+              <a:rPr lang="de-DE" dirty="0" err="1" smtClean="0"/>
+              <a:t>Visibility</a:t>
+            </a:r>
+            <a:r>
+              <a:rPr lang="de-DE" dirty="0" smtClean="0"/>
+              <a:t> (Visible/</a:t>
+            </a:r>
+            <a:r>
+              <a:rPr lang="de-DE" dirty="0" err="1" smtClean="0"/>
+              <a:t>Collapsed</a:t>
+            </a:r>
+            <a:r>
+              <a:rPr lang="de-DE" dirty="0" smtClean="0"/>
+              <a:t>)</a:t>
+            </a:r>
+            <a:endParaRPr lang="de-DE" dirty="0"/>
           </a:p>
           <a:p>
             <a:pPr>
@@ -8777,31 +8712,25 @@
             </a:pPr>
             <a:r>
               <a:rPr lang="de-DE" dirty="0" smtClean="0"/>
-              <a:t>Werden im </a:t>
-            </a:r>
-            <a:r>
-              <a:rPr lang="de-DE" dirty="0"/>
-              <a:t>ViewModel </a:t>
-            </a:r>
-            <a:r>
-              <a:rPr lang="de-DE" dirty="0" smtClean="0"/>
-              <a:t>definiert und implementiert</a:t>
-            </a:r>
-          </a:p>
-          <a:p>
-            <a:pPr>
+              <a:t>Interface: </a:t>
+            </a:r>
+            <a:r>
+              <a:rPr lang="de-DE" dirty="0" err="1" smtClean="0"/>
+              <a:t>IValueConverter</a:t>
+            </a:r>
+            <a:endParaRPr lang="de-DE" dirty="0" smtClean="0"/>
+          </a:p>
+          <a:p>
+            <a:pPr lvl="1">
               <a:lnSpc>
                 <a:spcPct val="150000"/>
               </a:lnSpc>
             </a:pPr>
             <a:r>
-              <a:rPr lang="de-DE" smtClean="0"/>
-              <a:t>Ziel MVVM: </a:t>
-            </a:r>
-            <a:r>
-              <a:rPr lang="de-DE" dirty="0" smtClean="0"/>
-              <a:t>So wenig wie möglich Geschäftslogik in der Code-Behind Datei</a:t>
-            </a:r>
+              <a:rPr lang="de-DE" dirty="0" err="1" smtClean="0"/>
+              <a:t>Convert</a:t>
+            </a:r>
+            <a:endParaRPr lang="de-DE" dirty="0" smtClean="0"/>
           </a:p>
           <a:p>
             <a:pPr lvl="1">
@@ -8810,60 +8739,10 @@
               </a:lnSpc>
             </a:pPr>
             <a:r>
-              <a:rPr lang="de-DE" dirty="0" smtClean="0"/>
-              <a:t>Im Bestfall nur View-spezifische Logik</a:t>
-            </a:r>
-          </a:p>
-          <a:p>
-            <a:pPr>
-              <a:lnSpc>
-                <a:spcPct val="150000"/>
-              </a:lnSpc>
-            </a:pPr>
-            <a:r>
-              <a:rPr lang="de-DE" dirty="0" smtClean="0"/>
-              <a:t>Interface: </a:t>
-            </a:r>
-            <a:r>
               <a:rPr lang="de-DE" dirty="0" err="1" smtClean="0"/>
-              <a:t>ICommand</a:t>
-            </a:r>
-            <a:endParaRPr lang="de-DE" dirty="0" smtClean="0"/>
-          </a:p>
-          <a:p>
-            <a:pPr lvl="1">
-              <a:lnSpc>
-                <a:spcPct val="150000"/>
-              </a:lnSpc>
-            </a:pPr>
-            <a:r>
-              <a:rPr lang="de-DE" dirty="0" smtClean="0"/>
-              <a:t>Execute</a:t>
-            </a:r>
-          </a:p>
-          <a:p>
-            <a:pPr lvl="1">
-              <a:lnSpc>
-                <a:spcPct val="150000"/>
-              </a:lnSpc>
-            </a:pPr>
-            <a:r>
-              <a:rPr lang="de-DE" dirty="0" err="1" smtClean="0"/>
-              <a:t>CanExecute</a:t>
-            </a:r>
-            <a:endParaRPr lang="de-DE" dirty="0" smtClean="0"/>
-          </a:p>
-          <a:p>
-            <a:pPr lvl="1">
-              <a:lnSpc>
-                <a:spcPct val="150000"/>
-              </a:lnSpc>
-            </a:pPr>
-            <a:r>
-              <a:rPr lang="de-DE" i="1" dirty="0" err="1" smtClean="0"/>
-              <a:t>CanExecuteChanged</a:t>
-            </a:r>
-            <a:endParaRPr lang="de-DE" i="1" dirty="0"/>
+              <a:t>ConvertBack</a:t>
+            </a:r>
+            <a:endParaRPr lang="de-DE" dirty="0"/>
           </a:p>
         </p:txBody>
       </p:sp>
@@ -8894,7 +8773,7 @@
     </p:spTree>
     <p:extLst>
       <p:ext uri="{BB962C8B-B14F-4D97-AF65-F5344CB8AC3E}">
-        <p14:creationId xmlns:p14="http://schemas.microsoft.com/office/powerpoint/2010/main" val="1993529972"/>
+        <p14:creationId xmlns:p14="http://schemas.microsoft.com/office/powerpoint/2010/main" val="804461706"/>
       </p:ext>
     </p:extLst>
   </p:cSld>
@@ -8930,7 +8809,7 @@
       </p:grpSpPr>
       <p:sp>
         <p:nvSpPr>
-          <p:cNvPr id="7" name="Titel 1"/>
+          <p:cNvPr id="2" name="Titel 1"/>
           <p:cNvSpPr>
             <a:spLocks noGrp="1"/>
           </p:cNvSpPr>
@@ -8950,11 +8829,11 @@
             </a:pPr>
             <a:r>
               <a:rPr lang="de-DE" dirty="0" smtClean="0"/>
-              <a:t>4.5 </a:t>
-            </a:r>
-            <a:r>
-              <a:rPr lang="de-DE" dirty="0" smtClean="0"/>
-              <a:t>Hands-On</a:t>
+              <a:t>4.4 Befehle mit </a:t>
+            </a:r>
+            <a:r>
+              <a:rPr lang="de-DE" dirty="0" err="1" smtClean="0"/>
+              <a:t>ICommand</a:t>
             </a:r>
             <a:endParaRPr lang="de-DE" dirty="0"/>
           </a:p>
@@ -8975,15 +8854,14 @@
           <a:bodyPr/>
           <a:lstStyle/>
           <a:p>
-            <a:pPr marL="0" indent="0">
+            <a:pPr>
               <a:lnSpc>
                 <a:spcPct val="150000"/>
               </a:lnSpc>
-              <a:buNone/>
-            </a:pPr>
-            <a:r>
-              <a:rPr lang="de-DE" dirty="0" smtClean="0"/>
-              <a:t>Ziele:</a:t>
+            </a:pPr>
+            <a:r>
+              <a:rPr lang="de-DE" dirty="0" smtClean="0"/>
+              <a:t>Werden von UI-Elementen bei bestimmten Aktionen aufgerufen (Click, …)</a:t>
             </a:r>
           </a:p>
           <a:p>
@@ -8994,11 +8872,15 @@
             </a:pPr>
             <a:r>
               <a:rPr lang="de-DE" dirty="0" smtClean="0"/>
-              <a:t>Das </a:t>
+              <a:t>Werden im </a:t>
             </a:r>
             <a:r>
               <a:rPr lang="de-DE" dirty="0"/>
-              <a:t>Datenmodell der API einbinden</a:t>
+              <a:t>ViewModel </a:t>
+            </a:r>
+            <a:r>
+              <a:rPr lang="de-DE" dirty="0" smtClean="0"/>
+              <a:t>definiert und implementiert</a:t>
             </a:r>
           </a:p>
           <a:p>
@@ -9008,12 +8890,23 @@
               </a:lnSpc>
             </a:pPr>
             <a:r>
-              <a:rPr lang="de-DE" dirty="0" smtClean="0"/>
-              <a:t>Das </a:t>
-            </a:r>
-            <a:r>
-              <a:rPr lang="de-DE" dirty="0"/>
-              <a:t>ViewModel für die Hauptseite erstellen</a:t>
+              <a:rPr lang="de-DE" smtClean="0"/>
+              <a:t>Ziel MVVM: </a:t>
+            </a:r>
+            <a:r>
+              <a:rPr lang="de-DE" dirty="0" smtClean="0"/>
+              <a:t>So wenig wie möglich Geschäftslogik in der Code-Behind Datei</a:t>
+            </a:r>
+          </a:p>
+          <a:p>
+            <a:pPr lvl="1">
+              <a:lnSpc>
+                <a:spcPct val="150000"/>
+              </a:lnSpc>
+            </a:pPr>
+            <a:r>
+              <a:rPr lang="de-DE" dirty="0" smtClean="0"/>
+              <a:t>Im Bestfall nur View-spezifische Logik</a:t>
             </a:r>
           </a:p>
           <a:p>
@@ -9024,45 +8917,46 @@
             </a:pPr>
             <a:r>
               <a:rPr lang="de-DE" dirty="0" smtClean="0"/>
-              <a:t>Die </a:t>
-            </a:r>
-            <a:r>
-              <a:rPr lang="de-DE" dirty="0"/>
-              <a:t>Datenbindung einrichten</a:t>
-            </a:r>
-          </a:p>
-          <a:p>
-            <a:pPr>
+              <a:t>Interface: </a:t>
+            </a:r>
+            <a:r>
+              <a:rPr lang="de-DE" dirty="0" err="1" smtClean="0"/>
+              <a:t>ICommand</a:t>
+            </a:r>
+            <a:endParaRPr lang="de-DE" dirty="0" smtClean="0"/>
+          </a:p>
+          <a:p>
+            <a:pPr lvl="1">
               <a:lnSpc>
                 <a:spcPct val="150000"/>
               </a:lnSpc>
             </a:pPr>
             <a:r>
               <a:rPr lang="de-DE" dirty="0" smtClean="0"/>
-              <a:t>Einen </a:t>
-            </a:r>
-            <a:r>
-              <a:rPr lang="de-DE" dirty="0" err="1"/>
-              <a:t>IValueConverter</a:t>
-            </a:r>
-            <a:r>
-              <a:rPr lang="de-DE" dirty="0"/>
-              <a:t> verwenden</a:t>
-            </a:r>
-          </a:p>
-          <a:p>
-            <a:pPr>
+              <a:t>Execute</a:t>
+            </a:r>
+          </a:p>
+          <a:p>
+            <a:pPr lvl="1">
               <a:lnSpc>
                 <a:spcPct val="150000"/>
               </a:lnSpc>
             </a:pPr>
             <a:r>
-              <a:rPr lang="de-DE" dirty="0" smtClean="0"/>
-              <a:t>Commands </a:t>
-            </a:r>
-            <a:r>
-              <a:rPr lang="de-DE" dirty="0"/>
-              <a:t>verwenden</a:t>
+              <a:rPr lang="de-DE" dirty="0" err="1" smtClean="0"/>
+              <a:t>CanExecute</a:t>
+            </a:r>
+            <a:endParaRPr lang="de-DE" dirty="0" smtClean="0"/>
+          </a:p>
+          <a:p>
+            <a:pPr lvl="1">
+              <a:lnSpc>
+                <a:spcPct val="150000"/>
+              </a:lnSpc>
+            </a:pPr>
+            <a:r>
+              <a:rPr lang="de-DE" i="1" dirty="0" err="1" smtClean="0"/>
+              <a:t>CanExecuteChanged</a:t>
             </a:r>
             <a:endParaRPr lang="de-DE" i="1" dirty="0"/>
           </a:p>
@@ -9095,7 +8989,7 @@
     </p:spTree>
     <p:extLst>
       <p:ext uri="{BB962C8B-B14F-4D97-AF65-F5344CB8AC3E}">
-        <p14:creationId xmlns:p14="http://schemas.microsoft.com/office/powerpoint/2010/main" val="1279519597"/>
+        <p14:creationId xmlns:p14="http://schemas.microsoft.com/office/powerpoint/2010/main" val="1993529972"/>
       </p:ext>
     </p:extLst>
   </p:cSld>
@@ -9131,7 +9025,7 @@
       </p:grpSpPr>
       <p:sp>
         <p:nvSpPr>
-          <p:cNvPr id="2" name="Titel 1"/>
+          <p:cNvPr id="7" name="Titel 1"/>
           <p:cNvSpPr>
             <a:spLocks noGrp="1"/>
           </p:cNvSpPr>
@@ -9151,12 +9045,9 @@
             </a:pPr>
             <a:r>
               <a:rPr lang="de-DE" dirty="0" smtClean="0"/>
-              <a:t>5. </a:t>
-            </a:r>
-            <a:r>
-              <a:rPr lang="de-DE" dirty="0"/>
-              <a:t>Anbindung der API über Services</a:t>
-            </a:r>
+              <a:t>4.5 Hands-On</a:t>
+            </a:r>
+            <a:endParaRPr lang="de-DE" dirty="0"/>
           </a:p>
         </p:txBody>
       </p:sp>
@@ -9175,6 +9066,18 @@
           <a:bodyPr/>
           <a:lstStyle/>
           <a:p>
+            <a:pPr marL="0" indent="0">
+              <a:lnSpc>
+                <a:spcPct val="150000"/>
+              </a:lnSpc>
+              <a:buNone/>
+            </a:pPr>
+            <a:r>
+              <a:rPr lang="de-DE" dirty="0" smtClean="0"/>
+              <a:t>Ziele:</a:t>
+            </a:r>
+          </a:p>
+          <a:p>
             <a:pPr>
               <a:lnSpc>
                 <a:spcPct val="150000"/>
@@ -9182,7 +9085,11 @@
             </a:pPr>
             <a:r>
               <a:rPr lang="de-DE" dirty="0" smtClean="0"/>
-              <a:t>RestSharp zur einfachen Kommunikation mit der Web API</a:t>
+              <a:t>Das </a:t>
+            </a:r>
+            <a:r>
+              <a:rPr lang="de-DE" dirty="0"/>
+              <a:t>Datenmodell der API einbinden</a:t>
             </a:r>
           </a:p>
           <a:p>
@@ -9193,7 +9100,11 @@
             </a:pPr>
             <a:r>
               <a:rPr lang="de-DE" dirty="0" smtClean="0"/>
-              <a:t>Posts abrufen</a:t>
+              <a:t>Das </a:t>
+            </a:r>
+            <a:r>
+              <a:rPr lang="de-DE" dirty="0"/>
+              <a:t>ViewModel für die Hauptseite erstellen</a:t>
             </a:r>
           </a:p>
           <a:p>
@@ -9204,7 +9115,11 @@
             </a:pPr>
             <a:r>
               <a:rPr lang="de-DE" dirty="0" smtClean="0"/>
-              <a:t>Registrierung und Login</a:t>
+              <a:t>Die </a:t>
+            </a:r>
+            <a:r>
+              <a:rPr lang="de-DE" dirty="0"/>
+              <a:t>Datenbindung einrichten</a:t>
             </a:r>
           </a:p>
           <a:p>
@@ -9215,64 +9130,32 @@
             </a:pPr>
             <a:r>
               <a:rPr lang="de-DE" dirty="0" smtClean="0"/>
-              <a:t>Hands-On:</a:t>
-            </a:r>
-          </a:p>
-          <a:p>
-            <a:pPr lvl="1">
+              <a:t>Einen </a:t>
+            </a:r>
+            <a:r>
+              <a:rPr lang="de-DE" dirty="0" err="1"/>
+              <a:t>IValueConverter</a:t>
+            </a:r>
+            <a:r>
+              <a:rPr lang="de-DE" dirty="0"/>
+              <a:t> verwenden</a:t>
+            </a:r>
+          </a:p>
+          <a:p>
+            <a:pPr>
               <a:lnSpc>
                 <a:spcPct val="150000"/>
               </a:lnSpc>
             </a:pPr>
             <a:r>
               <a:rPr lang="de-DE" dirty="0" smtClean="0"/>
-              <a:t>RestSharp kennenlernen</a:t>
-            </a:r>
-          </a:p>
-          <a:p>
-            <a:pPr lvl="1">
-              <a:lnSpc>
-                <a:spcPct val="150000"/>
-              </a:lnSpc>
-            </a:pPr>
-            <a:r>
-              <a:rPr lang="de-DE" dirty="0" smtClean="0"/>
-              <a:t>Die API anbinden um Posts abzurufen</a:t>
-            </a:r>
-          </a:p>
-          <a:p>
-            <a:pPr lvl="1">
-              <a:lnSpc>
-                <a:spcPct val="150000"/>
-              </a:lnSpc>
-            </a:pPr>
-            <a:r>
-              <a:rPr lang="de-DE" dirty="0" smtClean="0"/>
-              <a:t>Registrierung </a:t>
+              <a:t>Commands </a:t>
             </a:r>
             <a:r>
               <a:rPr lang="de-DE" dirty="0"/>
-              <a:t>und Login der API </a:t>
-            </a:r>
-            <a:r>
-              <a:rPr lang="de-DE" dirty="0" smtClean="0"/>
               <a:t>verwenden</a:t>
             </a:r>
-          </a:p>
-          <a:p>
-            <a:pPr lvl="1">
-              <a:lnSpc>
-                <a:spcPct val="150000"/>
-              </a:lnSpc>
-            </a:pPr>
-            <a:r>
-              <a:rPr lang="de-DE" dirty="0" smtClean="0"/>
-              <a:t>Die </a:t>
-            </a:r>
-            <a:r>
-              <a:rPr lang="de-DE" dirty="0"/>
-              <a:t>Like-Funktion verwenden</a:t>
-            </a:r>
+            <a:endParaRPr lang="de-DE" i="1" dirty="0"/>
           </a:p>
         </p:txBody>
       </p:sp>
@@ -9295,6 +9178,315 @@
               <a:rPr lang="en-US" smtClean="0"/>
               <a:pPr/>
               <a:t>17</a:t>
+            </a:fld>
+            <a:endParaRPr lang="en-US"/>
+          </a:p>
+        </p:txBody>
+      </p:sp>
+    </p:spTree>
+    <p:extLst>
+      <p:ext uri="{BB962C8B-B14F-4D97-AF65-F5344CB8AC3E}">
+        <p14:creationId xmlns:p14="http://schemas.microsoft.com/office/powerpoint/2010/main" val="1279519597"/>
+      </p:ext>
+    </p:extLst>
+  </p:cSld>
+  <p:clrMapOvr>
+    <a:masterClrMapping/>
+  </p:clrMapOvr>
+  <p:timing>
+    <p:tnLst>
+      <p:par>
+        <p:cTn id="1" dur="indefinite" restart="never" nodeType="tmRoot"/>
+      </p:par>
+    </p:tnLst>
+  </p:timing>
+</p:sld>
+</file>
+
+<file path=ppt/slides/slide18.xml><?xml version="1.0" encoding="utf-8"?>
+<p:sld xmlns:a="http://schemas.openxmlformats.org/drawingml/2006/main" xmlns:r="http://schemas.openxmlformats.org/officeDocument/2006/relationships" xmlns:p="http://schemas.openxmlformats.org/presentationml/2006/main">
+  <p:cSld>
+    <p:spTree>
+      <p:nvGrpSpPr>
+        <p:cNvPr id="1" name=""/>
+        <p:cNvGrpSpPr/>
+        <p:nvPr/>
+      </p:nvGrpSpPr>
+      <p:grpSpPr>
+        <a:xfrm>
+          <a:off x="0" y="0"/>
+          <a:ext cx="0" cy="0"/>
+          <a:chOff x="0" y="0"/>
+          <a:chExt cx="0" cy="0"/>
+        </a:xfrm>
+      </p:grpSpPr>
+      <p:sp>
+        <p:nvSpPr>
+          <p:cNvPr id="6" name="Titel 5"/>
+          <p:cNvSpPr>
+            <a:spLocks noGrp="1"/>
+          </p:cNvSpPr>
+          <p:nvPr>
+            <p:ph type="title"/>
+          </p:nvPr>
+        </p:nvSpPr>
+        <p:spPr/>
+        <p:txBody>
+          <a:bodyPr/>
+          <a:lstStyle/>
+          <a:p>
+            <a:r>
+              <a:rPr lang="de-DE" dirty="0" smtClean="0"/>
+              <a:t>HANDS-ON</a:t>
+            </a:r>
+            <a:endParaRPr lang="de-DE" dirty="0"/>
+          </a:p>
+        </p:txBody>
+      </p:sp>
+      <p:sp>
+        <p:nvSpPr>
+          <p:cNvPr id="7" name="Untertitel 6"/>
+          <p:cNvSpPr>
+            <a:spLocks noGrp="1"/>
+          </p:cNvSpPr>
+          <p:nvPr>
+            <p:ph type="subTitle" idx="1"/>
+          </p:nvPr>
+        </p:nvSpPr>
+        <p:spPr/>
+        <p:txBody>
+          <a:bodyPr/>
+          <a:lstStyle/>
+          <a:p>
+            <a:r>
+              <a:rPr lang="de-DE" dirty="0"/>
+              <a:t>06/02 MVVM Grundlagen</a:t>
+            </a:r>
+            <a:endParaRPr lang="de-DE" dirty="0"/>
+          </a:p>
+        </p:txBody>
+      </p:sp>
+      <p:sp>
+        <p:nvSpPr>
+          <p:cNvPr id="4" name="Foliennummernplatzhalter 3"/>
+          <p:cNvSpPr>
+            <a:spLocks noGrp="1"/>
+          </p:cNvSpPr>
+          <p:nvPr>
+            <p:ph type="sldNum" sz="quarter" idx="10"/>
+          </p:nvPr>
+        </p:nvSpPr>
+        <p:spPr/>
+        <p:txBody>
+          <a:bodyPr/>
+          <a:lstStyle/>
+          <a:p>
+            <a:fld id="{8F35CB8A-22DD-4279-9E9E-A49CDB5FBE56}" type="slidenum">
+              <a:rPr lang="en-US" smtClean="0"/>
+              <a:pPr/>
+              <a:t>18</a:t>
+            </a:fld>
+            <a:endParaRPr lang="en-US" dirty="0"/>
+          </a:p>
+        </p:txBody>
+      </p:sp>
+    </p:spTree>
+    <p:extLst>
+      <p:ext uri="{BB962C8B-B14F-4D97-AF65-F5344CB8AC3E}">
+        <p14:creationId xmlns:p14="http://schemas.microsoft.com/office/powerpoint/2010/main" val="125251726"/>
+      </p:ext>
+    </p:extLst>
+  </p:cSld>
+  <p:clrMapOvr>
+    <a:masterClrMapping/>
+  </p:clrMapOvr>
+</p:sld>
+</file>
+
+<file path=ppt/slides/slide19.xml><?xml version="1.0" encoding="utf-8"?>
+<p:sld xmlns:a="http://schemas.openxmlformats.org/drawingml/2006/main" xmlns:r="http://schemas.openxmlformats.org/officeDocument/2006/relationships" xmlns:p="http://schemas.openxmlformats.org/presentationml/2006/main">
+  <p:cSld>
+    <p:spTree>
+      <p:nvGrpSpPr>
+        <p:cNvPr id="1" name=""/>
+        <p:cNvGrpSpPr/>
+        <p:nvPr/>
+      </p:nvGrpSpPr>
+      <p:grpSpPr>
+        <a:xfrm>
+          <a:off x="0" y="0"/>
+          <a:ext cx="0" cy="0"/>
+          <a:chOff x="0" y="0"/>
+          <a:chExt cx="0" cy="0"/>
+        </a:xfrm>
+      </p:grpSpPr>
+      <p:sp>
+        <p:nvSpPr>
+          <p:cNvPr id="2" name="Titel 1"/>
+          <p:cNvSpPr>
+            <a:spLocks noGrp="1"/>
+          </p:cNvSpPr>
+          <p:nvPr>
+            <p:ph type="title"/>
+          </p:nvPr>
+        </p:nvSpPr>
+        <p:spPr/>
+        <p:txBody>
+          <a:bodyPr/>
+          <a:lstStyle/>
+          <a:p>
+            <a:pPr>
+              <a:lnSpc>
+                <a:spcPct val="150000"/>
+              </a:lnSpc>
+            </a:pPr>
+            <a:r>
+              <a:rPr lang="de-DE" dirty="0" smtClean="0"/>
+              <a:t>5. </a:t>
+            </a:r>
+            <a:r>
+              <a:rPr lang="de-DE" dirty="0"/>
+              <a:t>Anbindung der API über Services</a:t>
+            </a:r>
+          </a:p>
+        </p:txBody>
+      </p:sp>
+      <p:sp>
+        <p:nvSpPr>
+          <p:cNvPr id="3" name="Inhaltsplatzhalter 2"/>
+          <p:cNvSpPr>
+            <a:spLocks noGrp="1"/>
+          </p:cNvSpPr>
+          <p:nvPr>
+            <p:ph idx="1"/>
+          </p:nvPr>
+        </p:nvSpPr>
+        <p:spPr/>
+        <p:txBody>
+          <a:bodyPr/>
+          <a:lstStyle/>
+          <a:p>
+            <a:pPr>
+              <a:lnSpc>
+                <a:spcPct val="150000"/>
+              </a:lnSpc>
+            </a:pPr>
+            <a:r>
+              <a:rPr lang="de-DE" dirty="0" smtClean="0"/>
+              <a:t>RestSharp zur einfachen Kommunikation mit der Web API</a:t>
+            </a:r>
+          </a:p>
+          <a:p>
+            <a:pPr>
+              <a:lnSpc>
+                <a:spcPct val="150000"/>
+              </a:lnSpc>
+            </a:pPr>
+            <a:r>
+              <a:rPr lang="de-DE" dirty="0" smtClean="0"/>
+              <a:t>Posts abrufen</a:t>
+            </a:r>
+          </a:p>
+          <a:p>
+            <a:pPr>
+              <a:lnSpc>
+                <a:spcPct val="150000"/>
+              </a:lnSpc>
+            </a:pPr>
+            <a:r>
+              <a:rPr lang="de-DE" dirty="0" smtClean="0"/>
+              <a:t>Registrierung und Login</a:t>
+            </a:r>
+          </a:p>
+          <a:p>
+            <a:pPr>
+              <a:lnSpc>
+                <a:spcPct val="150000"/>
+              </a:lnSpc>
+            </a:pPr>
+            <a:r>
+              <a:rPr lang="de-DE" dirty="0" smtClean="0"/>
+              <a:t>Hands-On (später):</a:t>
+            </a:r>
+            <a:endParaRPr lang="de-DE" dirty="0" smtClean="0"/>
+          </a:p>
+          <a:p>
+            <a:pPr lvl="1">
+              <a:lnSpc>
+                <a:spcPct val="150000"/>
+              </a:lnSpc>
+            </a:pPr>
+            <a:r>
+              <a:rPr lang="de-DE" dirty="0" smtClean="0"/>
+              <a:t>RestSharp kennenlernen</a:t>
+            </a:r>
+          </a:p>
+          <a:p>
+            <a:pPr lvl="1">
+              <a:lnSpc>
+                <a:spcPct val="150000"/>
+              </a:lnSpc>
+            </a:pPr>
+            <a:r>
+              <a:rPr lang="de-DE" dirty="0" smtClean="0"/>
+              <a:t>Die API anbinden um Posts abzurufen</a:t>
+            </a:r>
+          </a:p>
+          <a:p>
+            <a:pPr lvl="1">
+              <a:lnSpc>
+                <a:spcPct val="150000"/>
+              </a:lnSpc>
+            </a:pPr>
+            <a:r>
+              <a:rPr lang="de-DE" dirty="0" smtClean="0"/>
+              <a:t>Registrierung </a:t>
+            </a:r>
+            <a:r>
+              <a:rPr lang="de-DE" dirty="0"/>
+              <a:t>und Login der API </a:t>
+            </a:r>
+            <a:r>
+              <a:rPr lang="de-DE" dirty="0" smtClean="0"/>
+              <a:t>verwenden</a:t>
+            </a:r>
+          </a:p>
+          <a:p>
+            <a:pPr lvl="1">
+              <a:lnSpc>
+                <a:spcPct val="150000"/>
+              </a:lnSpc>
+            </a:pPr>
+            <a:r>
+              <a:rPr lang="de-DE" dirty="0" smtClean="0"/>
+              <a:t>Die </a:t>
+            </a:r>
+            <a:r>
+              <a:rPr lang="de-DE" dirty="0"/>
+              <a:t>Like-Funktion verwenden</a:t>
+            </a:r>
+          </a:p>
+        </p:txBody>
+      </p:sp>
+      <p:sp>
+        <p:nvSpPr>
+          <p:cNvPr id="4" name="Foliennummernplatzhalter 3"/>
+          <p:cNvSpPr>
+            <a:spLocks noGrp="1"/>
+          </p:cNvSpPr>
+          <p:nvPr>
+            <p:ph type="sldNum" sz="quarter" idx="12"/>
+          </p:nvPr>
+        </p:nvSpPr>
+        <p:spPr/>
+        <p:txBody>
+          <a:bodyPr/>
+          <a:lstStyle/>
+          <a:p>
+            <a:fld id="{8F35CB8A-22DD-4279-9E9E-A49CDB5FBE56}" type="slidenum">
+              <a:rPr lang="en-US" smtClean="0"/>
+              <a:pPr/>
+              <a:t>19</a:t>
             </a:fld>
             <a:endParaRPr lang="en-US"/>
           </a:p>
@@ -9350,427 +9542,6 @@
 </p:sld>
 </file>
 
-<file path=ppt/slides/slide18.xml><?xml version="1.0" encoding="utf-8"?>
-<p:sld xmlns:a="http://schemas.openxmlformats.org/drawingml/2006/main" xmlns:r="http://schemas.openxmlformats.org/officeDocument/2006/relationships" xmlns:p="http://schemas.openxmlformats.org/presentationml/2006/main">
-  <p:cSld>
-    <p:spTree>
-      <p:nvGrpSpPr>
-        <p:cNvPr id="1" name=""/>
-        <p:cNvGrpSpPr/>
-        <p:nvPr/>
-      </p:nvGrpSpPr>
-      <p:grpSpPr>
-        <a:xfrm>
-          <a:off x="0" y="0"/>
-          <a:ext cx="0" cy="0"/>
-          <a:chOff x="0" y="0"/>
-          <a:chExt cx="0" cy="0"/>
-        </a:xfrm>
-      </p:grpSpPr>
-      <p:sp>
-        <p:nvSpPr>
-          <p:cNvPr id="2" name="Titel 1"/>
-          <p:cNvSpPr>
-            <a:spLocks noGrp="1"/>
-          </p:cNvSpPr>
-          <p:nvPr>
-            <p:ph type="title"/>
-          </p:nvPr>
-        </p:nvSpPr>
-        <p:spPr/>
-        <p:txBody>
-          <a:bodyPr/>
-          <a:lstStyle/>
-          <a:p>
-            <a:pPr>
-              <a:lnSpc>
-                <a:spcPct val="150000"/>
-              </a:lnSpc>
-            </a:pPr>
-            <a:r>
-              <a:rPr lang="de-DE" dirty="0" smtClean="0"/>
-              <a:t>6. </a:t>
-            </a:r>
-            <a:r>
-              <a:rPr lang="de-DE" dirty="0" smtClean="0"/>
-              <a:t>Windows </a:t>
-            </a:r>
-            <a:r>
-              <a:rPr lang="de-DE" dirty="0" smtClean="0"/>
-              <a:t>APIs: </a:t>
-            </a:r>
-            <a:r>
-              <a:rPr lang="de-DE" dirty="0" err="1" smtClean="0"/>
-              <a:t>FileOpenPicker</a:t>
-            </a:r>
-            <a:endParaRPr lang="de-DE" dirty="0"/>
-          </a:p>
-        </p:txBody>
-      </p:sp>
-      <p:sp>
-        <p:nvSpPr>
-          <p:cNvPr id="3" name="Inhaltsplatzhalter 2"/>
-          <p:cNvSpPr>
-            <a:spLocks noGrp="1"/>
-          </p:cNvSpPr>
-          <p:nvPr>
-            <p:ph idx="1"/>
-          </p:nvPr>
-        </p:nvSpPr>
-        <p:spPr/>
-        <p:txBody>
-          <a:bodyPr/>
-          <a:lstStyle/>
-          <a:p>
-            <a:pPr>
-              <a:lnSpc>
-                <a:spcPct val="150000"/>
-              </a:lnSpc>
-            </a:pPr>
-            <a:r>
-              <a:rPr lang="de-DE" dirty="0" smtClean="0"/>
-              <a:t>Windows </a:t>
-            </a:r>
-            <a:r>
-              <a:rPr lang="de-DE" dirty="0" smtClean="0"/>
-              <a:t>APIs</a:t>
-            </a:r>
-            <a:endParaRPr lang="de-DE" dirty="0" smtClean="0"/>
-          </a:p>
-          <a:p>
-            <a:pPr>
-              <a:lnSpc>
-                <a:spcPct val="150000"/>
-              </a:lnSpc>
-            </a:pPr>
-            <a:r>
-              <a:rPr lang="de-DE" dirty="0" smtClean="0"/>
-              <a:t>Der </a:t>
-            </a:r>
-            <a:r>
-              <a:rPr lang="de-DE" dirty="0" err="1" smtClean="0"/>
-              <a:t>FileOpenPicker</a:t>
-            </a:r>
-            <a:endParaRPr lang="de-DE" dirty="0" smtClean="0"/>
-          </a:p>
-          <a:p>
-            <a:pPr>
-              <a:lnSpc>
-                <a:spcPct val="150000"/>
-              </a:lnSpc>
-            </a:pPr>
-            <a:r>
-              <a:rPr lang="de-DE" dirty="0" smtClean="0"/>
-              <a:t>Services zum Hinzufügen eines neuen Posts</a:t>
-            </a:r>
-          </a:p>
-          <a:p>
-            <a:pPr lvl="1">
-              <a:lnSpc>
-                <a:spcPct val="150000"/>
-              </a:lnSpc>
-            </a:pPr>
-            <a:r>
-              <a:rPr lang="de-DE" dirty="0" smtClean="0"/>
-              <a:t>Bild an API senden (Rückgabe image-</a:t>
-            </a:r>
-            <a:r>
-              <a:rPr lang="de-DE" dirty="0" err="1" smtClean="0"/>
-              <a:t>id</a:t>
-            </a:r>
-            <a:r>
-              <a:rPr lang="de-DE" dirty="0" smtClean="0"/>
-              <a:t>)</a:t>
-            </a:r>
-          </a:p>
-          <a:p>
-            <a:pPr lvl="1">
-              <a:lnSpc>
-                <a:spcPct val="150000"/>
-              </a:lnSpc>
-            </a:pPr>
-            <a:r>
-              <a:rPr lang="de-DE" dirty="0" smtClean="0"/>
-              <a:t>Neuen Post erzeugen</a:t>
-            </a:r>
-          </a:p>
-          <a:p>
-            <a:pPr>
-              <a:lnSpc>
-                <a:spcPct val="150000"/>
-              </a:lnSpc>
-            </a:pPr>
-            <a:r>
-              <a:rPr lang="de-DE" dirty="0" smtClean="0"/>
-              <a:t>Hands-On</a:t>
-            </a:r>
-          </a:p>
-          <a:p>
-            <a:pPr lvl="1">
-              <a:lnSpc>
-                <a:spcPct val="150000"/>
-              </a:lnSpc>
-            </a:pPr>
-            <a:r>
-              <a:rPr lang="de-DE" dirty="0" smtClean="0"/>
-              <a:t>Den </a:t>
-            </a:r>
-            <a:r>
-              <a:rPr lang="de-DE" dirty="0" err="1"/>
-              <a:t>FileOpenPicker</a:t>
-            </a:r>
-            <a:r>
-              <a:rPr lang="de-DE" dirty="0"/>
-              <a:t> </a:t>
-            </a:r>
-            <a:r>
-              <a:rPr lang="de-DE" dirty="0" smtClean="0"/>
-              <a:t>kennenlernen</a:t>
-            </a:r>
-          </a:p>
-          <a:p>
-            <a:pPr lvl="1">
-              <a:lnSpc>
-                <a:spcPct val="150000"/>
-              </a:lnSpc>
-            </a:pPr>
-            <a:r>
-              <a:rPr lang="de-DE" dirty="0" smtClean="0"/>
-              <a:t>Ein </a:t>
-            </a:r>
-            <a:r>
-              <a:rPr lang="de-DE" dirty="0"/>
-              <a:t>Bild vom Mobilgerät auf der API </a:t>
-            </a:r>
-            <a:r>
-              <a:rPr lang="de-DE" dirty="0" smtClean="0"/>
-              <a:t>veröffentlichen</a:t>
-            </a:r>
-          </a:p>
-          <a:p>
-            <a:pPr lvl="1">
-              <a:lnSpc>
-                <a:spcPct val="150000"/>
-              </a:lnSpc>
-            </a:pPr>
-            <a:r>
-              <a:rPr lang="de-DE" dirty="0" smtClean="0"/>
-              <a:t>Ein </a:t>
-            </a:r>
-            <a:r>
-              <a:rPr lang="de-DE" dirty="0"/>
-              <a:t>neues </a:t>
-            </a:r>
-            <a:r>
-              <a:rPr lang="de-DE" dirty="0" err="1"/>
-              <a:t>Posting</a:t>
-            </a:r>
-            <a:r>
-              <a:rPr lang="de-DE" dirty="0"/>
-              <a:t> auf der API erstellen</a:t>
-            </a:r>
-          </a:p>
-        </p:txBody>
-      </p:sp>
-      <p:sp>
-        <p:nvSpPr>
-          <p:cNvPr id="4" name="Foliennummernplatzhalter 3"/>
-          <p:cNvSpPr>
-            <a:spLocks noGrp="1"/>
-          </p:cNvSpPr>
-          <p:nvPr>
-            <p:ph type="sldNum" sz="quarter" idx="12"/>
-          </p:nvPr>
-        </p:nvSpPr>
-        <p:spPr/>
-        <p:txBody>
-          <a:bodyPr/>
-          <a:lstStyle/>
-          <a:p>
-            <a:fld id="{8F35CB8A-22DD-4279-9E9E-A49CDB5FBE56}" type="slidenum">
-              <a:rPr lang="en-US" smtClean="0"/>
-              <a:pPr/>
-              <a:t>18</a:t>
-            </a:fld>
-            <a:endParaRPr lang="en-US"/>
-          </a:p>
-        </p:txBody>
-      </p:sp>
-    </p:spTree>
-    <p:extLst>
-      <p:ext uri="{BB962C8B-B14F-4D97-AF65-F5344CB8AC3E}">
-        <p14:creationId xmlns:p14="http://schemas.microsoft.com/office/powerpoint/2010/main" val="996384512"/>
-      </p:ext>
-    </p:extLst>
-  </p:cSld>
-  <p:clrMapOvr>
-    <a:masterClrMapping/>
-  </p:clrMapOvr>
-  <p:timing>
-    <p:tnLst>
-      <p:par>
-        <p:cTn id="1" dur="indefinite" restart="never" nodeType="tmRoot"/>
-      </p:par>
-    </p:tnLst>
-  </p:timing>
-</p:sld>
-</file>
-
-<file path=ppt/slides/slide19.xml><?xml version="1.0" encoding="utf-8"?>
-<p:sld xmlns:a="http://schemas.openxmlformats.org/drawingml/2006/main" xmlns:r="http://schemas.openxmlformats.org/officeDocument/2006/relationships" xmlns:p="http://schemas.openxmlformats.org/presentationml/2006/main">
-  <p:cSld>
-    <p:spTree>
-      <p:nvGrpSpPr>
-        <p:cNvPr id="1" name=""/>
-        <p:cNvGrpSpPr/>
-        <p:nvPr/>
-      </p:nvGrpSpPr>
-      <p:grpSpPr>
-        <a:xfrm>
-          <a:off x="0" y="0"/>
-          <a:ext cx="0" cy="0"/>
-          <a:chOff x="0" y="0"/>
-          <a:chExt cx="0" cy="0"/>
-        </a:xfrm>
-      </p:grpSpPr>
-      <p:sp>
-        <p:nvSpPr>
-          <p:cNvPr id="2" name="Titel 1"/>
-          <p:cNvSpPr>
-            <a:spLocks noGrp="1"/>
-          </p:cNvSpPr>
-          <p:nvPr>
-            <p:ph type="title"/>
-          </p:nvPr>
-        </p:nvSpPr>
-        <p:spPr/>
-        <p:txBody>
-          <a:bodyPr/>
-          <a:lstStyle/>
-          <a:p>
-            <a:pPr>
-              <a:lnSpc>
-                <a:spcPct val="150000"/>
-              </a:lnSpc>
-            </a:pPr>
-            <a:r>
-              <a:rPr lang="de-DE" dirty="0" smtClean="0"/>
-              <a:t>7. </a:t>
-            </a:r>
-            <a:r>
-              <a:rPr lang="de-DE" dirty="0" smtClean="0"/>
-              <a:t>Zusammenfassung</a:t>
-            </a:r>
-            <a:endParaRPr lang="de-DE" dirty="0"/>
-          </a:p>
-        </p:txBody>
-      </p:sp>
-      <p:sp>
-        <p:nvSpPr>
-          <p:cNvPr id="3" name="Inhaltsplatzhalter 2"/>
-          <p:cNvSpPr>
-            <a:spLocks noGrp="1"/>
-          </p:cNvSpPr>
-          <p:nvPr>
-            <p:ph idx="1"/>
-          </p:nvPr>
-        </p:nvSpPr>
-        <p:spPr/>
-        <p:txBody>
-          <a:bodyPr/>
-          <a:lstStyle/>
-          <a:p>
-            <a:pPr>
-              <a:lnSpc>
-                <a:spcPct val="150000"/>
-              </a:lnSpc>
-            </a:pPr>
-            <a:r>
-              <a:rPr lang="de-DE" dirty="0" smtClean="0"/>
-              <a:t>App einmal entwickeln – auf allen Windows-Plattformen nutzen</a:t>
-            </a:r>
-          </a:p>
-          <a:p>
-            <a:pPr>
-              <a:lnSpc>
-                <a:spcPct val="150000"/>
-              </a:lnSpc>
-            </a:pPr>
-            <a:r>
-              <a:rPr lang="de-DE" dirty="0" smtClean="0"/>
-              <a:t>XAML</a:t>
-            </a:r>
-          </a:p>
-          <a:p>
-            <a:pPr>
-              <a:lnSpc>
-                <a:spcPct val="150000"/>
-              </a:lnSpc>
-            </a:pPr>
-            <a:r>
-              <a:rPr lang="de-DE" dirty="0" smtClean="0"/>
-              <a:t>MVVM-Entwurfsmuster</a:t>
-            </a:r>
-            <a:endParaRPr lang="de-DE" dirty="0"/>
-          </a:p>
-          <a:p>
-            <a:pPr>
-              <a:lnSpc>
-                <a:spcPct val="150000"/>
-              </a:lnSpc>
-            </a:pPr>
-            <a:r>
-              <a:rPr lang="de-DE" smtClean="0"/>
-              <a:t>Deployment</a:t>
-            </a:r>
-            <a:endParaRPr lang="de-DE" dirty="0"/>
-          </a:p>
-        </p:txBody>
-      </p:sp>
-      <p:sp>
-        <p:nvSpPr>
-          <p:cNvPr id="4" name="Foliennummernplatzhalter 3"/>
-          <p:cNvSpPr>
-            <a:spLocks noGrp="1"/>
-          </p:cNvSpPr>
-          <p:nvPr>
-            <p:ph type="sldNum" sz="quarter" idx="12"/>
-          </p:nvPr>
-        </p:nvSpPr>
-        <p:spPr/>
-        <p:txBody>
-          <a:bodyPr/>
-          <a:lstStyle/>
-          <a:p>
-            <a:fld id="{8F35CB8A-22DD-4279-9E9E-A49CDB5FBE56}" type="slidenum">
-              <a:rPr lang="en-US" smtClean="0"/>
-              <a:pPr/>
-              <a:t>19</a:t>
-            </a:fld>
-            <a:endParaRPr lang="en-US"/>
-          </a:p>
-        </p:txBody>
-      </p:sp>
-    </p:spTree>
-    <p:extLst>
-      <p:ext uri="{BB962C8B-B14F-4D97-AF65-F5344CB8AC3E}">
-        <p14:creationId xmlns:p14="http://schemas.microsoft.com/office/powerpoint/2010/main" val="3594633087"/>
-      </p:ext>
-    </p:extLst>
-  </p:cSld>
-  <p:clrMapOvr>
-    <a:masterClrMapping/>
-  </p:clrMapOvr>
-  <p:timing>
-    <p:tnLst>
-      <p:par>
-        <p:cTn id="1" dur="indefinite" restart="never" nodeType="tmRoot"/>
-      </p:par>
-    </p:tnLst>
-  </p:timing>
-</p:sld>
-</file>
-
 <file path=ppt/slides/slide2.xml><?xml version="1.0" encoding="utf-8"?>
 <p:sld xmlns:a="http://schemas.openxmlformats.org/drawingml/2006/main" xmlns:r="http://schemas.openxmlformats.org/officeDocument/2006/relationships" xmlns:p="http://schemas.openxmlformats.org/presentationml/2006/main">
   <p:cSld>
@@ -9849,7 +9620,7 @@
           <p:nvPr>
             <p:extLst>
               <p:ext uri="{D42A27DB-BD31-4B8C-83A1-F6EECF244321}">
-                <p14:modId xmlns:p14="http://schemas.microsoft.com/office/powerpoint/2010/main" val="2868088868"/>
+                <p14:modId xmlns:p14="http://schemas.microsoft.com/office/powerpoint/2010/main" val="2772645151"/>
               </p:ext>
             </p:extLst>
           </p:nvPr>
@@ -10034,10 +9805,6 @@
                     <a:bodyPr/>
                     <a:lstStyle/>
                     <a:p>
-                      <a:r>
-                        <a:rPr lang="de-DE" dirty="0" smtClean="0"/>
-                        <a:t>Tag 2</a:t>
-                      </a:r>
                       <a:endParaRPr lang="de-DE" dirty="0"/>
                     </a:p>
                   </a:txBody>
@@ -10069,7 +9836,27 @@
                     <a:bodyPr/>
                     <a:lstStyle/>
                     <a:p>
-                      <a:endParaRPr lang="de-DE" dirty="0"/>
+                      <a:pPr marL="0" marR="0" lvl="0" indent="0" algn="l" defTabSz="914332" rtl="0" eaLnBrk="1" fontAlgn="auto" latinLnBrk="0" hangingPunct="1">
+                        <a:lnSpc>
+                          <a:spcPct val="100000"/>
+                        </a:lnSpc>
+                        <a:spcBef>
+                          <a:spcPts val="0"/>
+                        </a:spcBef>
+                        <a:spcAft>
+                          <a:spcPts val="0"/>
+                        </a:spcAft>
+                        <a:buClrTx/>
+                        <a:buSzTx/>
+                        <a:buFontTx/>
+                        <a:buNone/>
+                        <a:tabLst/>
+                        <a:defRPr/>
+                      </a:pPr>
+                      <a:r>
+                        <a:rPr lang="de-DE" dirty="0" smtClean="0"/>
+                        <a:t>Tag 2</a:t>
+                      </a:r>
                     </a:p>
                   </a:txBody>
                   <a:tcPr/>
@@ -10120,11 +9907,7 @@
                       </a:r>
                       <a:r>
                         <a:rPr lang="de-DE" b="1" baseline="0" dirty="0" smtClean="0"/>
-                        <a:t> | Entwicklung einer App </a:t>
-                      </a:r>
-                      <a:r>
-                        <a:rPr lang="de-DE" b="1" baseline="0" dirty="0" smtClean="0"/>
-                        <a:t>für die universelle Windows Plattform</a:t>
+                        <a:t> | Entwicklung einer App für die universelle Windows Plattform</a:t>
                       </a:r>
                       <a:endParaRPr lang="de-DE" b="1" dirty="0"/>
                     </a:p>
@@ -10195,9 +9978,173 @@
             </a:pPr>
             <a:r>
               <a:rPr lang="de-DE" dirty="0" smtClean="0"/>
-              <a:t>Abschluss und Feedbackrunde</a:t>
+              <a:t>6. Windows APIs: </a:t>
+            </a:r>
+            <a:r>
+              <a:rPr lang="de-DE" dirty="0" err="1" smtClean="0"/>
+              <a:t>FileOpenPicker</a:t>
             </a:r>
             <a:endParaRPr lang="de-DE" dirty="0"/>
+          </a:p>
+        </p:txBody>
+      </p:sp>
+      <p:sp>
+        <p:nvSpPr>
+          <p:cNvPr id="3" name="Inhaltsplatzhalter 2"/>
+          <p:cNvSpPr>
+            <a:spLocks noGrp="1"/>
+          </p:cNvSpPr>
+          <p:nvPr>
+            <p:ph idx="1"/>
+          </p:nvPr>
+        </p:nvSpPr>
+        <p:spPr/>
+        <p:txBody>
+          <a:bodyPr/>
+          <a:lstStyle/>
+          <a:p>
+            <a:pPr>
+              <a:lnSpc>
+                <a:spcPct val="150000"/>
+              </a:lnSpc>
+            </a:pPr>
+            <a:r>
+              <a:rPr lang="de-DE" dirty="0" smtClean="0"/>
+              <a:t>Windows APIs</a:t>
+            </a:r>
+          </a:p>
+          <a:p>
+            <a:pPr>
+              <a:lnSpc>
+                <a:spcPct val="150000"/>
+              </a:lnSpc>
+            </a:pPr>
+            <a:r>
+              <a:rPr lang="de-DE" dirty="0" smtClean="0"/>
+              <a:t>Der </a:t>
+            </a:r>
+            <a:r>
+              <a:rPr lang="de-DE" dirty="0" err="1" smtClean="0"/>
+              <a:t>FileOpenPicker</a:t>
+            </a:r>
+            <a:endParaRPr lang="de-DE" dirty="0" smtClean="0"/>
+          </a:p>
+          <a:p>
+            <a:pPr>
+              <a:lnSpc>
+                <a:spcPct val="150000"/>
+              </a:lnSpc>
+            </a:pPr>
+            <a:r>
+              <a:rPr lang="de-DE" dirty="0" smtClean="0"/>
+              <a:t>Services zum Hinzufügen eines neuen Posts</a:t>
+            </a:r>
+          </a:p>
+          <a:p>
+            <a:pPr lvl="1">
+              <a:lnSpc>
+                <a:spcPct val="150000"/>
+              </a:lnSpc>
+            </a:pPr>
+            <a:r>
+              <a:rPr lang="de-DE" dirty="0" smtClean="0"/>
+              <a:t>Bild an API senden (Rückgabe image-</a:t>
+            </a:r>
+            <a:r>
+              <a:rPr lang="de-DE" dirty="0" err="1" smtClean="0"/>
+              <a:t>id</a:t>
+            </a:r>
+            <a:r>
+              <a:rPr lang="de-DE" dirty="0" smtClean="0"/>
+              <a:t>)</a:t>
+            </a:r>
+          </a:p>
+          <a:p>
+            <a:pPr lvl="1">
+              <a:lnSpc>
+                <a:spcPct val="150000"/>
+              </a:lnSpc>
+            </a:pPr>
+            <a:r>
+              <a:rPr lang="de-DE" dirty="0" smtClean="0"/>
+              <a:t>Neuen Post erzeugen</a:t>
+            </a:r>
+          </a:p>
+          <a:p>
+            <a:pPr>
+              <a:lnSpc>
+                <a:spcPct val="150000"/>
+              </a:lnSpc>
+            </a:pPr>
+            <a:r>
+              <a:rPr lang="de-DE" dirty="0" smtClean="0"/>
+              <a:t>Hands-On</a:t>
+            </a:r>
+          </a:p>
+          <a:p>
+            <a:pPr lvl="1">
+              <a:lnSpc>
+                <a:spcPct val="150000"/>
+              </a:lnSpc>
+            </a:pPr>
+            <a:r>
+              <a:rPr lang="de-DE" dirty="0" smtClean="0"/>
+              <a:t>Den </a:t>
+            </a:r>
+            <a:r>
+              <a:rPr lang="de-DE" dirty="0" err="1"/>
+              <a:t>FileOpenPicker</a:t>
+            </a:r>
+            <a:r>
+              <a:rPr lang="de-DE" dirty="0"/>
+              <a:t> </a:t>
+            </a:r>
+            <a:r>
+              <a:rPr lang="de-DE" dirty="0" smtClean="0"/>
+              <a:t>kennenlernen</a:t>
+            </a:r>
+          </a:p>
+          <a:p>
+            <a:pPr lvl="1">
+              <a:lnSpc>
+                <a:spcPct val="150000"/>
+              </a:lnSpc>
+            </a:pPr>
+            <a:r>
+              <a:rPr lang="de-DE" dirty="0" smtClean="0"/>
+              <a:t>Ein </a:t>
+            </a:r>
+            <a:r>
+              <a:rPr lang="de-DE" dirty="0"/>
+              <a:t>Bild vom Mobilgerät auf der API </a:t>
+            </a:r>
+            <a:r>
+              <a:rPr lang="de-DE" dirty="0" smtClean="0"/>
+              <a:t>veröffentlichen</a:t>
+            </a:r>
+          </a:p>
+          <a:p>
+            <a:pPr lvl="1">
+              <a:lnSpc>
+                <a:spcPct val="150000"/>
+              </a:lnSpc>
+            </a:pPr>
+            <a:r>
+              <a:rPr lang="de-DE" dirty="0" smtClean="0"/>
+              <a:t>Ein </a:t>
+            </a:r>
+            <a:r>
+              <a:rPr lang="de-DE" dirty="0"/>
+              <a:t>neues </a:t>
+            </a:r>
+            <a:r>
+              <a:rPr lang="de-DE" dirty="0" err="1"/>
+              <a:t>Posting</a:t>
+            </a:r>
+            <a:r>
+              <a:rPr lang="de-DE" dirty="0"/>
+              <a:t> auf der API erstellen</a:t>
+            </a:r>
           </a:p>
         </p:txBody>
       </p:sp>
@@ -10220,6 +10167,360 @@
               <a:rPr lang="en-US" smtClean="0"/>
               <a:pPr/>
               <a:t>20</a:t>
+            </a:fld>
+            <a:endParaRPr lang="en-US"/>
+          </a:p>
+        </p:txBody>
+      </p:sp>
+    </p:spTree>
+    <p:extLst>
+      <p:ext uri="{BB962C8B-B14F-4D97-AF65-F5344CB8AC3E}">
+        <p14:creationId xmlns:p14="http://schemas.microsoft.com/office/powerpoint/2010/main" val="996384512"/>
+      </p:ext>
+    </p:extLst>
+  </p:cSld>
+  <p:clrMapOvr>
+    <a:masterClrMapping/>
+  </p:clrMapOvr>
+  <p:timing>
+    <p:tnLst>
+      <p:par>
+        <p:cTn id="1" dur="indefinite" restart="never" nodeType="tmRoot"/>
+      </p:par>
+    </p:tnLst>
+  </p:timing>
+</p:sld>
+</file>
+
+<file path=ppt/slides/slide21.xml><?xml version="1.0" encoding="utf-8"?>
+<p:sld xmlns:a="http://schemas.openxmlformats.org/drawingml/2006/main" xmlns:r="http://schemas.openxmlformats.org/officeDocument/2006/relationships" xmlns:p="http://schemas.openxmlformats.org/presentationml/2006/main">
+  <p:cSld>
+    <p:spTree>
+      <p:nvGrpSpPr>
+        <p:cNvPr id="1" name=""/>
+        <p:cNvGrpSpPr/>
+        <p:nvPr/>
+      </p:nvGrpSpPr>
+      <p:grpSpPr>
+        <a:xfrm>
+          <a:off x="0" y="0"/>
+          <a:ext cx="0" cy="0"/>
+          <a:chOff x="0" y="0"/>
+          <a:chExt cx="0" cy="0"/>
+        </a:xfrm>
+      </p:grpSpPr>
+      <p:sp>
+        <p:nvSpPr>
+          <p:cNvPr id="6" name="Titel 5"/>
+          <p:cNvSpPr>
+            <a:spLocks noGrp="1"/>
+          </p:cNvSpPr>
+          <p:nvPr>
+            <p:ph type="title"/>
+          </p:nvPr>
+        </p:nvSpPr>
+        <p:spPr/>
+        <p:txBody>
+          <a:bodyPr/>
+          <a:lstStyle/>
+          <a:p>
+            <a:r>
+              <a:rPr lang="de-DE" dirty="0" smtClean="0"/>
+              <a:t>HANDS-ONs</a:t>
+            </a:r>
+            <a:endParaRPr lang="de-DE" dirty="0"/>
+          </a:p>
+        </p:txBody>
+      </p:sp>
+      <p:sp>
+        <p:nvSpPr>
+          <p:cNvPr id="7" name="Untertitel 6"/>
+          <p:cNvSpPr>
+            <a:spLocks noGrp="1"/>
+          </p:cNvSpPr>
+          <p:nvPr>
+            <p:ph type="subTitle" idx="1"/>
+          </p:nvPr>
+        </p:nvSpPr>
+        <p:spPr/>
+        <p:txBody>
+          <a:bodyPr/>
+          <a:lstStyle/>
+          <a:p>
+            <a:r>
+              <a:rPr lang="de-DE" sz="6000" dirty="0"/>
+              <a:t>06/03 Integration von </a:t>
+            </a:r>
+            <a:r>
+              <a:rPr lang="de-DE" sz="6000" dirty="0" smtClean="0"/>
+              <a:t>APIs</a:t>
+            </a:r>
+          </a:p>
+          <a:p>
+            <a:r>
+              <a:rPr lang="de-DE" sz="6000" dirty="0"/>
+              <a:t>06/04 </a:t>
+            </a:r>
+            <a:r>
+              <a:rPr lang="de-DE" sz="6000" dirty="0" err="1"/>
+              <a:t>FileOpenPicker</a:t>
+            </a:r>
+            <a:endParaRPr lang="de-DE" sz="6000" dirty="0"/>
+          </a:p>
+        </p:txBody>
+      </p:sp>
+      <p:sp>
+        <p:nvSpPr>
+          <p:cNvPr id="4" name="Foliennummernplatzhalter 3"/>
+          <p:cNvSpPr>
+            <a:spLocks noGrp="1"/>
+          </p:cNvSpPr>
+          <p:nvPr>
+            <p:ph type="sldNum" sz="quarter" idx="10"/>
+          </p:nvPr>
+        </p:nvSpPr>
+        <p:spPr/>
+        <p:txBody>
+          <a:bodyPr/>
+          <a:lstStyle/>
+          <a:p>
+            <a:fld id="{8F35CB8A-22DD-4279-9E9E-A49CDB5FBE56}" type="slidenum">
+              <a:rPr lang="en-US" smtClean="0"/>
+              <a:pPr/>
+              <a:t>21</a:t>
+            </a:fld>
+            <a:endParaRPr lang="en-US" dirty="0"/>
+          </a:p>
+        </p:txBody>
+      </p:sp>
+    </p:spTree>
+    <p:extLst>
+      <p:ext uri="{BB962C8B-B14F-4D97-AF65-F5344CB8AC3E}">
+        <p14:creationId xmlns:p14="http://schemas.microsoft.com/office/powerpoint/2010/main" val="2527224047"/>
+      </p:ext>
+    </p:extLst>
+  </p:cSld>
+  <p:clrMapOvr>
+    <a:masterClrMapping/>
+  </p:clrMapOvr>
+</p:sld>
+</file>
+
+<file path=ppt/slides/slide22.xml><?xml version="1.0" encoding="utf-8"?>
+<p:sld xmlns:a="http://schemas.openxmlformats.org/drawingml/2006/main" xmlns:r="http://schemas.openxmlformats.org/officeDocument/2006/relationships" xmlns:p="http://schemas.openxmlformats.org/presentationml/2006/main">
+  <p:cSld>
+    <p:spTree>
+      <p:nvGrpSpPr>
+        <p:cNvPr id="1" name=""/>
+        <p:cNvGrpSpPr/>
+        <p:nvPr/>
+      </p:nvGrpSpPr>
+      <p:grpSpPr>
+        <a:xfrm>
+          <a:off x="0" y="0"/>
+          <a:ext cx="0" cy="0"/>
+          <a:chOff x="0" y="0"/>
+          <a:chExt cx="0" cy="0"/>
+        </a:xfrm>
+      </p:grpSpPr>
+      <p:sp>
+        <p:nvSpPr>
+          <p:cNvPr id="2" name="Titel 1"/>
+          <p:cNvSpPr>
+            <a:spLocks noGrp="1"/>
+          </p:cNvSpPr>
+          <p:nvPr>
+            <p:ph type="title"/>
+          </p:nvPr>
+        </p:nvSpPr>
+        <p:spPr/>
+        <p:txBody>
+          <a:bodyPr/>
+          <a:lstStyle/>
+          <a:p>
+            <a:pPr>
+              <a:lnSpc>
+                <a:spcPct val="150000"/>
+              </a:lnSpc>
+            </a:pPr>
+            <a:r>
+              <a:rPr lang="de-DE" dirty="0" smtClean="0"/>
+              <a:t>7. Zusammenfassung</a:t>
+            </a:r>
+            <a:endParaRPr lang="de-DE" dirty="0"/>
+          </a:p>
+        </p:txBody>
+      </p:sp>
+      <p:sp>
+        <p:nvSpPr>
+          <p:cNvPr id="3" name="Inhaltsplatzhalter 2"/>
+          <p:cNvSpPr>
+            <a:spLocks noGrp="1"/>
+          </p:cNvSpPr>
+          <p:nvPr>
+            <p:ph idx="1"/>
+          </p:nvPr>
+        </p:nvSpPr>
+        <p:spPr/>
+        <p:txBody>
+          <a:bodyPr/>
+          <a:lstStyle/>
+          <a:p>
+            <a:pPr>
+              <a:lnSpc>
+                <a:spcPct val="150000"/>
+              </a:lnSpc>
+            </a:pPr>
+            <a:r>
+              <a:rPr lang="de-DE" dirty="0" smtClean="0"/>
+              <a:t>App einmal entwickeln – auf allen Windows-Plattformen nutzen</a:t>
+            </a:r>
+          </a:p>
+          <a:p>
+            <a:pPr>
+              <a:lnSpc>
+                <a:spcPct val="150000"/>
+              </a:lnSpc>
+            </a:pPr>
+            <a:r>
+              <a:rPr lang="de-DE" dirty="0" smtClean="0"/>
+              <a:t>XAML</a:t>
+            </a:r>
+          </a:p>
+          <a:p>
+            <a:pPr>
+              <a:lnSpc>
+                <a:spcPct val="150000"/>
+              </a:lnSpc>
+            </a:pPr>
+            <a:r>
+              <a:rPr lang="de-DE" dirty="0" smtClean="0"/>
+              <a:t>MVVM-Entwurfsmuster</a:t>
+            </a:r>
+            <a:endParaRPr lang="de-DE" dirty="0"/>
+          </a:p>
+          <a:p>
+            <a:pPr>
+              <a:lnSpc>
+                <a:spcPct val="150000"/>
+              </a:lnSpc>
+            </a:pPr>
+            <a:r>
+              <a:rPr lang="de-DE" smtClean="0"/>
+              <a:t>Deployment</a:t>
+            </a:r>
+            <a:endParaRPr lang="de-DE" dirty="0"/>
+          </a:p>
+        </p:txBody>
+      </p:sp>
+      <p:sp>
+        <p:nvSpPr>
+          <p:cNvPr id="4" name="Foliennummernplatzhalter 3"/>
+          <p:cNvSpPr>
+            <a:spLocks noGrp="1"/>
+          </p:cNvSpPr>
+          <p:nvPr>
+            <p:ph type="sldNum" sz="quarter" idx="12"/>
+          </p:nvPr>
+        </p:nvSpPr>
+        <p:spPr/>
+        <p:txBody>
+          <a:bodyPr/>
+          <a:lstStyle/>
+          <a:p>
+            <a:fld id="{8F35CB8A-22DD-4279-9E9E-A49CDB5FBE56}" type="slidenum">
+              <a:rPr lang="en-US" smtClean="0"/>
+              <a:pPr/>
+              <a:t>22</a:t>
+            </a:fld>
+            <a:endParaRPr lang="en-US"/>
+          </a:p>
+        </p:txBody>
+      </p:sp>
+    </p:spTree>
+    <p:extLst>
+      <p:ext uri="{BB962C8B-B14F-4D97-AF65-F5344CB8AC3E}">
+        <p14:creationId xmlns:p14="http://schemas.microsoft.com/office/powerpoint/2010/main" val="3594633087"/>
+      </p:ext>
+    </p:extLst>
+  </p:cSld>
+  <p:clrMapOvr>
+    <a:masterClrMapping/>
+  </p:clrMapOvr>
+  <p:timing>
+    <p:tnLst>
+      <p:par>
+        <p:cTn id="1" dur="indefinite" restart="never" nodeType="tmRoot"/>
+      </p:par>
+    </p:tnLst>
+  </p:timing>
+</p:sld>
+</file>
+
+<file path=ppt/slides/slide23.xml><?xml version="1.0" encoding="utf-8"?>
+<p:sld xmlns:a="http://schemas.openxmlformats.org/drawingml/2006/main" xmlns:r="http://schemas.openxmlformats.org/officeDocument/2006/relationships" xmlns:p="http://schemas.openxmlformats.org/presentationml/2006/main">
+  <p:cSld>
+    <p:spTree>
+      <p:nvGrpSpPr>
+        <p:cNvPr id="1" name=""/>
+        <p:cNvGrpSpPr/>
+        <p:nvPr/>
+      </p:nvGrpSpPr>
+      <p:grpSpPr>
+        <a:xfrm>
+          <a:off x="0" y="0"/>
+          <a:ext cx="0" cy="0"/>
+          <a:chOff x="0" y="0"/>
+          <a:chExt cx="0" cy="0"/>
+        </a:xfrm>
+      </p:grpSpPr>
+      <p:sp>
+        <p:nvSpPr>
+          <p:cNvPr id="2" name="Titel 1"/>
+          <p:cNvSpPr>
+            <a:spLocks noGrp="1"/>
+          </p:cNvSpPr>
+          <p:nvPr>
+            <p:ph type="title"/>
+          </p:nvPr>
+        </p:nvSpPr>
+        <p:spPr/>
+        <p:txBody>
+          <a:bodyPr/>
+          <a:lstStyle/>
+          <a:p>
+            <a:pPr>
+              <a:lnSpc>
+                <a:spcPct val="150000"/>
+              </a:lnSpc>
+            </a:pPr>
+            <a:r>
+              <a:rPr lang="de-DE" dirty="0" smtClean="0"/>
+              <a:t>Abschluss und Feedbackrunde</a:t>
+            </a:r>
+            <a:endParaRPr lang="de-DE" dirty="0"/>
+          </a:p>
+        </p:txBody>
+      </p:sp>
+      <p:sp>
+        <p:nvSpPr>
+          <p:cNvPr id="4" name="Foliennummernplatzhalter 3"/>
+          <p:cNvSpPr>
+            <a:spLocks noGrp="1"/>
+          </p:cNvSpPr>
+          <p:nvPr>
+            <p:ph type="sldNum" sz="quarter" idx="12"/>
+          </p:nvPr>
+        </p:nvSpPr>
+        <p:spPr/>
+        <p:txBody>
+          <a:bodyPr/>
+          <a:lstStyle/>
+          <a:p>
+            <a:fld id="{8F35CB8A-22DD-4279-9E9E-A49CDB5FBE56}" type="slidenum">
+              <a:rPr lang="en-US" smtClean="0"/>
+              <a:pPr/>
+              <a:t>23</a:t>
             </a:fld>
             <a:endParaRPr lang="en-US"/>
           </a:p>
@@ -10507,7 +10808,7 @@
 </p:sld>
 </file>
 
-<file path=ppt/slides/slide21.xml><?xml version="1.0" encoding="utf-8"?>
+<file path=ppt/slides/slide24.xml><?xml version="1.0" encoding="utf-8"?>
 <p:sld xmlns:a="http://schemas.openxmlformats.org/drawingml/2006/main" xmlns:r="http://schemas.openxmlformats.org/officeDocument/2006/relationships" xmlns:p="http://schemas.openxmlformats.org/presentationml/2006/main">
   <p:cSld>
     <p:spTree>
@@ -10547,7 +10848,7 @@
               <a:pPr>
                 <a:defRPr/>
               </a:pPr>
-              <a:t>21</a:t>
+              <a:t>24</a:t>
             </a:fld>
             <a:endParaRPr lang="sv-SE" dirty="0"/>
           </a:p>
@@ -10802,13 +11103,18 @@
               <a:t>Entwickeln </a:t>
             </a:r>
             <a:r>
-              <a:rPr lang="de-DE" b="1" dirty="0"/>
-              <a:t>der </a:t>
-            </a:r>
-            <a:r>
               <a:rPr lang="de-DE" b="1" dirty="0" smtClean="0"/>
-              <a:t>ViewModels</a:t>
-            </a:r>
+              <a:t>mit dem MVVM-Entwurfsmuster (Model-View-</a:t>
+            </a:r>
+            <a:r>
+              <a:rPr lang="de-DE" b="1" dirty="0" err="1" smtClean="0"/>
+              <a:t>ViewModel</a:t>
+            </a:r>
+            <a:r>
+              <a:rPr lang="de-DE" b="1" dirty="0" smtClean="0"/>
+              <a:t>)</a:t>
+            </a:r>
+            <a:endParaRPr lang="de-DE" b="1" dirty="0" smtClean="0"/>
           </a:p>
           <a:p>
             <a:pPr marL="342900" indent="-342900">
@@ -10833,11 +11139,7 @@
             </a:pPr>
             <a:r>
               <a:rPr lang="de-DE" b="1" dirty="0" smtClean="0"/>
-              <a:t>Windows </a:t>
-            </a:r>
-            <a:r>
-              <a:rPr lang="de-DE" b="1" dirty="0" smtClean="0"/>
-              <a:t>APIs: </a:t>
+              <a:t>Windows APIs: </a:t>
             </a:r>
             <a:r>
               <a:rPr lang="de-DE" b="1" dirty="0" err="1" smtClean="0"/>
@@ -10857,7 +11159,6 @@
               <a:rPr lang="de-DE" dirty="0" smtClean="0"/>
               <a:t>Zusammenfassung, Feedbackrunde</a:t>
             </a:r>
-            <a:endParaRPr lang="de-DE" dirty="0" smtClean="0"/>
           </a:p>
         </p:txBody>
       </p:sp>
@@ -10920,8 +11221,8 @@
         </p:blipFill>
         <p:spPr>
           <a:xfrm>
-            <a:off x="334657" y="2286001"/>
-            <a:ext cx="9918047" cy="4313100"/>
+            <a:off x="410857" y="2432333"/>
+            <a:ext cx="8847443" cy="3847522"/>
           </a:xfrm>
           <a:prstGeom prst="rect">
             <a:avLst/>
@@ -11043,7 +11344,7 @@
         </p:nvSpPr>
         <p:spPr>
           <a:xfrm>
-            <a:off x="8800922" y="6366576"/>
+            <a:off x="8494309" y="6256103"/>
             <a:ext cx="1527982" cy="307777"/>
           </a:xfrm>
           <a:prstGeom prst="rect">
@@ -11323,7 +11624,6 @@
               <a:rPr lang="de-DE" dirty="0"/>
               <a:t>Windows Plattform</a:t>
             </a:r>
-            <a:endParaRPr lang="de-DE" dirty="0"/>
           </a:p>
         </p:txBody>
       </p:sp>
@@ -11349,8 +11649,9 @@
             </a:pPr>
             <a:r>
               <a:rPr lang="de-DE" altLang="de-DE" dirty="0" smtClean="0"/>
-              <a:t>Gleicher Quellcode für Geschäftslogik</a:t>
-            </a:r>
+              <a:t>Geschäftslogik wird nur einmal implementiert</a:t>
+            </a:r>
+            <a:endParaRPr lang="de-DE" altLang="de-DE" dirty="0" smtClean="0"/>
           </a:p>
           <a:p>
             <a:pPr>
@@ -11519,11 +11820,11 @@
   <p:clrMapOvr>
     <a:masterClrMapping/>
   </p:clrMapOvr>
-  <mc:AlternateContent xmlns:mc="http://schemas.openxmlformats.org/markup-compatibility/2006">
-    <mc:Choice xmlns:p14="http://schemas.microsoft.com/office/powerpoint/2010/main" Requires="p14">
+  <mc:AlternateContent xmlns:mc="http://schemas.openxmlformats.org/markup-compatibility/2006" xmlns:p14="http://schemas.microsoft.com/office/powerpoint/2010/main">
+    <mc:Choice Requires="p14">
       <p:transition spd="slow" p14:dur="2000"/>
     </mc:Choice>
-    <mc:Fallback>
+    <mc:Fallback xmlns="">
       <p:transition spd="slow"/>
     </mc:Fallback>
   </mc:AlternateContent>

--- a/06. Universal Windows Platform/Entwicklung einer App für die universelle Windows Plattform.pptx
+++ b/06. Universal Windows Platform/Entwicklung einer App für die universelle Windows Plattform.pptx
@@ -319,7 +319,7 @@
               <a:pPr>
                 <a:defRPr/>
               </a:pPr>
-              <a:t>03.03.2017</a:t>
+              <a:t>23.08.2017</a:t>
             </a:fld>
             <a:endParaRPr lang="de-DE"/>
           </a:p>
@@ -518,7 +518,7 @@
               <a:pPr>
                 <a:defRPr/>
               </a:pPr>
-              <a:t>2017-03-03</a:t>
+              <a:t>2017-08-23</a:t>
             </a:fld>
             <a:endParaRPr lang="sv-SE"/>
           </a:p>
@@ -6828,7 +6828,6 @@
               <a:rPr lang="de-DE" dirty="0"/>
               <a:t>Projekteinrichtung und Views</a:t>
             </a:r>
-            <a:endParaRPr lang="de-DE" dirty="0"/>
           </a:p>
         </p:txBody>
       </p:sp>
@@ -6908,11 +6907,7 @@
             </a:pPr>
             <a:r>
               <a:rPr lang="de-DE" dirty="0" smtClean="0"/>
-              <a:t>4. </a:t>
-            </a:r>
-            <a:r>
-              <a:rPr lang="de-DE" dirty="0" smtClean="0"/>
-              <a:t>Entwickeln mit dem MVVM-Entwurfsmuster (Model-View-</a:t>
+              <a:t>4. Entwickeln mit dem MVVM-Entwurfsmuster (Model-View-</a:t>
             </a:r>
             <a:r>
               <a:rPr lang="de-DE" dirty="0" err="1" smtClean="0"/>
@@ -9262,7 +9257,6 @@
               <a:rPr lang="de-DE" dirty="0"/>
               <a:t>06/02 MVVM Grundlagen</a:t>
             </a:r>
-            <a:endParaRPr lang="de-DE" dirty="0"/>
           </a:p>
         </p:txBody>
       </p:sp>
@@ -9408,7 +9402,6 @@
               <a:rPr lang="de-DE" dirty="0" smtClean="0"/>
               <a:t>Hands-On (später):</a:t>
             </a:r>
-            <a:endParaRPr lang="de-DE" dirty="0" smtClean="0"/>
           </a:p>
           <a:p>
             <a:pPr lvl="1">
@@ -11100,11 +11093,7 @@
             </a:pPr>
             <a:r>
               <a:rPr lang="de-DE" b="1" dirty="0" smtClean="0"/>
-              <a:t>Entwickeln </a:t>
-            </a:r>
-            <a:r>
-              <a:rPr lang="de-DE" b="1" dirty="0" smtClean="0"/>
-              <a:t>mit dem MVVM-Entwurfsmuster (Model-View-</a:t>
+              <a:t>Entwickeln mit dem MVVM-Entwurfsmuster (Model-View-</a:t>
             </a:r>
             <a:r>
               <a:rPr lang="de-DE" b="1" dirty="0" err="1" smtClean="0"/>
@@ -11114,7 +11103,6 @@
               <a:rPr lang="de-DE" b="1" dirty="0" smtClean="0"/>
               <a:t>)</a:t>
             </a:r>
-            <a:endParaRPr lang="de-DE" b="1" dirty="0" smtClean="0"/>
           </a:p>
           <a:p>
             <a:pPr marL="342900" indent="-342900">
@@ -11651,7 +11639,6 @@
               <a:rPr lang="de-DE" altLang="de-DE" dirty="0" smtClean="0"/>
               <a:t>Geschäftslogik wird nur einmal implementiert</a:t>
             </a:r>
-            <a:endParaRPr lang="de-DE" altLang="de-DE" dirty="0" smtClean="0"/>
           </a:p>
           <a:p>
             <a:pPr>
@@ -11885,35 +11872,6 @@
       </p:sp>
       <p:sp>
         <p:nvSpPr>
-          <p:cNvPr id="3" name="Inhaltsplatzhalter 2"/>
-          <p:cNvSpPr>
-            <a:spLocks noGrp="1"/>
-          </p:cNvSpPr>
-          <p:nvPr>
-            <p:ph idx="1"/>
-          </p:nvPr>
-        </p:nvSpPr>
-        <p:spPr>
-          <a:xfrm>
-            <a:off x="587304" y="1247775"/>
-            <a:ext cx="10968110" cy="4829175"/>
-          </a:xfrm>
-        </p:spPr>
-        <p:txBody>
-          <a:bodyPr/>
-          <a:lstStyle/>
-          <a:p>
-            <a:pPr>
-              <a:lnSpc>
-                <a:spcPct val="150000"/>
-              </a:lnSpc>
-            </a:pPr>
-            <a:endParaRPr lang="de-DE" altLang="de-DE" dirty="0" smtClean="0"/>
-          </a:p>
-        </p:txBody>
-      </p:sp>
-      <p:sp>
-        <p:nvSpPr>
           <p:cNvPr id="4" name="Foliennummernplatzhalter 3"/>
           <p:cNvSpPr>
             <a:spLocks noGrp="1"/>
@@ -11936,6 +11894,485 @@
           </a:p>
         </p:txBody>
       </p:sp>
+      <p:sp>
+        <p:nvSpPr>
+          <p:cNvPr id="7" name="Rechteck 6"/>
+          <p:cNvSpPr/>
+          <p:nvPr/>
+        </p:nvSpPr>
+        <p:spPr>
+          <a:xfrm>
+            <a:off x="1943100" y="2601560"/>
+            <a:ext cx="2211860" cy="863366"/>
+          </a:xfrm>
+          <a:prstGeom prst="rect">
+            <a:avLst/>
+          </a:prstGeom>
+          <a:solidFill>
+            <a:schemeClr val="accent5"/>
+          </a:solidFill>
+          <a:ln>
+            <a:noFill/>
+          </a:ln>
+        </p:spPr>
+        <p:style>
+          <a:lnRef idx="2">
+            <a:schemeClr val="accent1">
+              <a:shade val="50000"/>
+            </a:schemeClr>
+          </a:lnRef>
+          <a:fillRef idx="1">
+            <a:schemeClr val="accent1"/>
+          </a:fillRef>
+          <a:effectRef idx="0">
+            <a:schemeClr val="accent1"/>
+          </a:effectRef>
+          <a:fontRef idx="minor">
+            <a:schemeClr val="lt1"/>
+          </a:fontRef>
+        </p:style>
+        <p:txBody>
+          <a:bodyPr rtlCol="0" anchor="ctr"/>
+          <a:lstStyle/>
+          <a:p>
+            <a:pPr algn="ctr"/>
+            <a:r>
+              <a:rPr lang="de-DE" sz="2000" dirty="0" smtClean="0">
+                <a:solidFill>
+                  <a:schemeClr val="bg1"/>
+                </a:solidFill>
+              </a:rPr>
+              <a:t>iOS C# UI</a:t>
+            </a:r>
+            <a:endParaRPr lang="de-DE" sz="2000" dirty="0" smtClean="0">
+              <a:solidFill>
+                <a:schemeClr val="bg1"/>
+              </a:solidFill>
+            </a:endParaRPr>
+          </a:p>
+        </p:txBody>
+      </p:sp>
+      <p:sp>
+        <p:nvSpPr>
+          <p:cNvPr id="9" name="Rechteck 8"/>
+          <p:cNvSpPr/>
+          <p:nvPr/>
+        </p:nvSpPr>
+        <p:spPr>
+          <a:xfrm>
+            <a:off x="4218460" y="2601560"/>
+            <a:ext cx="2211860" cy="863366"/>
+          </a:xfrm>
+          <a:prstGeom prst="rect">
+            <a:avLst/>
+          </a:prstGeom>
+          <a:solidFill>
+            <a:schemeClr val="bg2"/>
+          </a:solidFill>
+          <a:ln>
+            <a:noFill/>
+          </a:ln>
+        </p:spPr>
+        <p:style>
+          <a:lnRef idx="2">
+            <a:schemeClr val="accent1">
+              <a:shade val="50000"/>
+            </a:schemeClr>
+          </a:lnRef>
+          <a:fillRef idx="1">
+            <a:schemeClr val="accent1"/>
+          </a:fillRef>
+          <a:effectRef idx="0">
+            <a:schemeClr val="accent1"/>
+          </a:effectRef>
+          <a:fontRef idx="minor">
+            <a:schemeClr val="lt1"/>
+          </a:fontRef>
+        </p:style>
+        <p:txBody>
+          <a:bodyPr rtlCol="0" anchor="ctr"/>
+          <a:lstStyle/>
+          <a:p>
+            <a:pPr algn="ctr"/>
+            <a:r>
+              <a:rPr lang="de-DE" sz="2000" dirty="0" smtClean="0">
+                <a:solidFill>
+                  <a:schemeClr val="bg1"/>
+                </a:solidFill>
+              </a:rPr>
+              <a:t>Android C# UI</a:t>
+            </a:r>
+            <a:endParaRPr lang="de-DE" sz="2000" dirty="0" smtClean="0">
+              <a:solidFill>
+                <a:schemeClr val="bg1"/>
+              </a:solidFill>
+            </a:endParaRPr>
+          </a:p>
+        </p:txBody>
+      </p:sp>
+      <p:sp>
+        <p:nvSpPr>
+          <p:cNvPr id="10" name="Rechteck 9"/>
+          <p:cNvSpPr/>
+          <p:nvPr/>
+        </p:nvSpPr>
+        <p:spPr>
+          <a:xfrm>
+            <a:off x="6493820" y="2601560"/>
+            <a:ext cx="2211860" cy="863366"/>
+          </a:xfrm>
+          <a:prstGeom prst="rect">
+            <a:avLst/>
+          </a:prstGeom>
+          <a:solidFill>
+            <a:schemeClr val="tx2"/>
+          </a:solidFill>
+          <a:ln>
+            <a:noFill/>
+          </a:ln>
+        </p:spPr>
+        <p:style>
+          <a:lnRef idx="2">
+            <a:schemeClr val="accent1">
+              <a:shade val="50000"/>
+            </a:schemeClr>
+          </a:lnRef>
+          <a:fillRef idx="1">
+            <a:schemeClr val="accent1"/>
+          </a:fillRef>
+          <a:effectRef idx="0">
+            <a:schemeClr val="accent1"/>
+          </a:effectRef>
+          <a:fontRef idx="minor">
+            <a:schemeClr val="lt1"/>
+          </a:fontRef>
+        </p:style>
+        <p:txBody>
+          <a:bodyPr rtlCol="0" anchor="ctr"/>
+          <a:lstStyle/>
+          <a:p>
+            <a:pPr algn="ctr"/>
+            <a:r>
+              <a:rPr lang="de-DE" sz="2000" dirty="0" smtClean="0">
+                <a:solidFill>
+                  <a:schemeClr val="bg1"/>
+                </a:solidFill>
+              </a:rPr>
+              <a:t>Windows C# UI</a:t>
+            </a:r>
+            <a:endParaRPr lang="de-DE" sz="2000" dirty="0" smtClean="0">
+              <a:solidFill>
+                <a:schemeClr val="bg1"/>
+              </a:solidFill>
+            </a:endParaRPr>
+          </a:p>
+        </p:txBody>
+      </p:sp>
+      <p:sp>
+        <p:nvSpPr>
+          <p:cNvPr id="11" name="Rechteck 10"/>
+          <p:cNvSpPr/>
+          <p:nvPr/>
+        </p:nvSpPr>
+        <p:spPr>
+          <a:xfrm>
+            <a:off x="1943100" y="3515726"/>
+            <a:ext cx="6762580" cy="1805574"/>
+          </a:xfrm>
+          <a:prstGeom prst="rect">
+            <a:avLst/>
+          </a:prstGeom>
+          <a:solidFill>
+            <a:schemeClr val="accent3"/>
+          </a:solidFill>
+          <a:ln>
+            <a:noFill/>
+          </a:ln>
+        </p:spPr>
+        <p:style>
+          <a:lnRef idx="2">
+            <a:schemeClr val="accent1">
+              <a:shade val="50000"/>
+            </a:schemeClr>
+          </a:lnRef>
+          <a:fillRef idx="1">
+            <a:schemeClr val="accent1"/>
+          </a:fillRef>
+          <a:effectRef idx="0">
+            <a:schemeClr val="accent1"/>
+          </a:effectRef>
+          <a:fontRef idx="minor">
+            <a:schemeClr val="lt1"/>
+          </a:fontRef>
+        </p:style>
+        <p:txBody>
+          <a:bodyPr rtlCol="0" anchor="ctr"/>
+          <a:lstStyle/>
+          <a:p>
+            <a:pPr algn="ctr"/>
+            <a:r>
+              <a:rPr lang="de-DE" sz="2800" dirty="0" smtClean="0">
+                <a:solidFill>
+                  <a:schemeClr val="bg1"/>
+                </a:solidFill>
+              </a:rPr>
+              <a:t>Geteilte C# Businesslogik</a:t>
+            </a:r>
+            <a:endParaRPr lang="de-DE" sz="2800" dirty="0" smtClean="0">
+              <a:solidFill>
+                <a:schemeClr val="bg1"/>
+              </a:solidFill>
+            </a:endParaRPr>
+          </a:p>
+        </p:txBody>
+      </p:sp>
+      <p:sp>
+        <p:nvSpPr>
+          <p:cNvPr id="12" name="Textfeld 11"/>
+          <p:cNvSpPr txBox="1"/>
+          <p:nvPr/>
+        </p:nvSpPr>
+        <p:spPr>
+          <a:xfrm>
+            <a:off x="1122165" y="5675372"/>
+            <a:ext cx="8653779" cy="400110"/>
+          </a:xfrm>
+          <a:prstGeom prst="rect">
+            <a:avLst/>
+          </a:prstGeom>
+          <a:noFill/>
+        </p:spPr>
+        <p:txBody>
+          <a:bodyPr wrap="none" rtlCol="0">
+            <a:spAutoFit/>
+          </a:bodyPr>
+          <a:lstStyle/>
+          <a:p>
+            <a:r>
+              <a:rPr lang="de-DE" sz="2000" dirty="0" smtClean="0">
+                <a:solidFill>
+                  <a:schemeClr val="accent3"/>
+                </a:solidFill>
+              </a:rPr>
+              <a:t>Geteilte C# Codebasis – 100% Zugriff auf native APIs – hohe Performance</a:t>
+            </a:r>
+            <a:endParaRPr lang="de-DE" sz="2000" dirty="0" smtClean="0">
+              <a:solidFill>
+                <a:schemeClr val="accent3"/>
+              </a:solidFill>
+            </a:endParaRPr>
+          </a:p>
+        </p:txBody>
+      </p:sp>
+      <p:sp>
+        <p:nvSpPr>
+          <p:cNvPr id="13" name="Ellipse 12"/>
+          <p:cNvSpPr/>
+          <p:nvPr/>
+        </p:nvSpPr>
+        <p:spPr>
+          <a:xfrm>
+            <a:off x="2623580" y="1580669"/>
+            <a:ext cx="850900" cy="850900"/>
+          </a:xfrm>
+          <a:prstGeom prst="ellipse">
+            <a:avLst/>
+          </a:prstGeom>
+          <a:ln>
+            <a:noFill/>
+          </a:ln>
+        </p:spPr>
+        <p:style>
+          <a:lnRef idx="2">
+            <a:schemeClr val="accent1">
+              <a:shade val="50000"/>
+            </a:schemeClr>
+          </a:lnRef>
+          <a:fillRef idx="1">
+            <a:schemeClr val="accent1"/>
+          </a:fillRef>
+          <a:effectRef idx="0">
+            <a:schemeClr val="accent1"/>
+          </a:effectRef>
+          <a:fontRef idx="minor">
+            <a:schemeClr val="lt1"/>
+          </a:fontRef>
+        </p:style>
+        <p:txBody>
+          <a:bodyPr rtlCol="0" anchor="ctr"/>
+          <a:lstStyle/>
+          <a:p>
+            <a:pPr algn="ctr"/>
+            <a:r>
+              <a:rPr lang="de-DE" dirty="0" smtClean="0">
+                <a:solidFill>
+                  <a:schemeClr val="tx1"/>
+                </a:solidFill>
+              </a:rPr>
+              <a:t>iOS</a:t>
+            </a:r>
+            <a:endParaRPr lang="de-DE" dirty="0" smtClean="0">
+              <a:solidFill>
+                <a:schemeClr val="tx1"/>
+              </a:solidFill>
+            </a:endParaRPr>
+          </a:p>
+        </p:txBody>
+      </p:sp>
+      <p:sp>
+        <p:nvSpPr>
+          <p:cNvPr id="14" name="Ellipse 13"/>
+          <p:cNvSpPr/>
+          <p:nvPr/>
+        </p:nvSpPr>
+        <p:spPr>
+          <a:xfrm>
+            <a:off x="4850328" y="1580669"/>
+            <a:ext cx="850900" cy="850900"/>
+          </a:xfrm>
+          <a:prstGeom prst="ellipse">
+            <a:avLst/>
+          </a:prstGeom>
+          <a:ln>
+            <a:noFill/>
+          </a:ln>
+        </p:spPr>
+        <p:style>
+          <a:lnRef idx="2">
+            <a:schemeClr val="accent1">
+              <a:shade val="50000"/>
+            </a:schemeClr>
+          </a:lnRef>
+          <a:fillRef idx="1">
+            <a:schemeClr val="accent1"/>
+          </a:fillRef>
+          <a:effectRef idx="0">
+            <a:schemeClr val="accent1"/>
+          </a:effectRef>
+          <a:fontRef idx="minor">
+            <a:schemeClr val="lt1"/>
+          </a:fontRef>
+        </p:style>
+        <p:txBody>
+          <a:bodyPr rtlCol="0" anchor="ctr"/>
+          <a:lstStyle/>
+          <a:p>
+            <a:pPr algn="ctr"/>
+            <a:endParaRPr lang="de-DE" sz="1400" dirty="0" err="1" smtClean="0">
+              <a:solidFill>
+                <a:schemeClr val="accent3"/>
+              </a:solidFill>
+            </a:endParaRPr>
+          </a:p>
+        </p:txBody>
+      </p:sp>
+      <p:sp>
+        <p:nvSpPr>
+          <p:cNvPr id="15" name="Ellipse 14"/>
+          <p:cNvSpPr/>
+          <p:nvPr/>
+        </p:nvSpPr>
+        <p:spPr>
+          <a:xfrm>
+            <a:off x="7081280" y="1580669"/>
+            <a:ext cx="850900" cy="850900"/>
+          </a:xfrm>
+          <a:prstGeom prst="ellipse">
+            <a:avLst/>
+          </a:prstGeom>
+          <a:ln>
+            <a:noFill/>
+          </a:ln>
+        </p:spPr>
+        <p:style>
+          <a:lnRef idx="2">
+            <a:schemeClr val="accent1">
+              <a:shade val="50000"/>
+            </a:schemeClr>
+          </a:lnRef>
+          <a:fillRef idx="1">
+            <a:schemeClr val="accent1"/>
+          </a:fillRef>
+          <a:effectRef idx="0">
+            <a:schemeClr val="accent1"/>
+          </a:effectRef>
+          <a:fontRef idx="minor">
+            <a:schemeClr val="lt1"/>
+          </a:fontRef>
+        </p:style>
+        <p:txBody>
+          <a:bodyPr rtlCol="0" anchor="ctr"/>
+          <a:lstStyle/>
+          <a:p>
+            <a:pPr algn="ctr"/>
+            <a:endParaRPr lang="de-DE" sz="1400" dirty="0" err="1" smtClean="0">
+              <a:solidFill>
+                <a:schemeClr val="accent3"/>
+              </a:solidFill>
+            </a:endParaRPr>
+          </a:p>
+        </p:txBody>
+      </p:sp>
+      <p:pic>
+        <p:nvPicPr>
+          <p:cNvPr id="17" name="Grafik 16"/>
+          <p:cNvPicPr>
+            <a:picLocks noChangeAspect="1"/>
+          </p:cNvPicPr>
+          <p:nvPr/>
+        </p:nvPicPr>
+        <p:blipFill>
+          <a:blip r:embed="rId3" cstate="print">
+            <a:extLst>
+              <a:ext uri="{28A0092B-C50C-407E-A947-70E740481C1C}">
+                <a14:useLocalDpi xmlns:a14="http://schemas.microsoft.com/office/drawing/2010/main" val="0"/>
+              </a:ext>
+            </a:extLst>
+          </a:blip>
+          <a:stretch>
+            <a:fillRect/>
+          </a:stretch>
+        </p:blipFill>
+        <p:spPr>
+          <a:xfrm>
+            <a:off x="4986338" y="1678579"/>
+            <a:ext cx="594309" cy="594309"/>
+          </a:xfrm>
+          <a:prstGeom prst="rect">
+            <a:avLst/>
+          </a:prstGeom>
+        </p:spPr>
+      </p:pic>
+      <p:pic>
+        <p:nvPicPr>
+          <p:cNvPr id="20" name="Grafik 19"/>
+          <p:cNvPicPr>
+            <a:picLocks noChangeAspect="1"/>
+          </p:cNvPicPr>
+          <p:nvPr/>
+        </p:nvPicPr>
+        <p:blipFill>
+          <a:blip r:embed="rId4" cstate="print">
+            <a:extLst>
+              <a:ext uri="{28A0092B-C50C-407E-A947-70E740481C1C}">
+                <a14:useLocalDpi xmlns:a14="http://schemas.microsoft.com/office/drawing/2010/main" val="0"/>
+              </a:ext>
+            </a:extLst>
+          </a:blip>
+          <a:stretch>
+            <a:fillRect/>
+          </a:stretch>
+        </p:blipFill>
+        <p:spPr>
+          <a:xfrm>
+            <a:off x="7307093" y="1820281"/>
+            <a:ext cx="401807" cy="401807"/>
+          </a:xfrm>
+          <a:prstGeom prst="rect">
+            <a:avLst/>
+          </a:prstGeom>
+        </p:spPr>
+      </p:pic>
     </p:spTree>
     <p:extLst>
       <p:ext uri="{BB962C8B-B14F-4D97-AF65-F5344CB8AC3E}">

--- a/06. Universal Windows Platform/Entwicklung einer App für die universelle Windows Plattform.pptx
+++ b/06. Universal Windows Platform/Entwicklung einer App für die universelle Windows Plattform.pptx
@@ -319,7 +319,7 @@
               <a:pPr>
                 <a:defRPr/>
               </a:pPr>
-              <a:t>23.08.2017</a:t>
+              <a:t>07.09.2017</a:t>
             </a:fld>
             <a:endParaRPr lang="de-DE"/>
           </a:p>
@@ -518,7 +518,7 @@
               <a:pPr>
                 <a:defRPr/>
               </a:pPr>
-              <a:t>2017-08-23</a:t>
+              <a:t>2017-09-07</a:t>
             </a:fld>
             <a:endParaRPr lang="sv-SE"/>
           </a:p>
@@ -10669,38 +10669,35 @@
           </a:p>
           <a:p>
             <a:r>
+              <a:rPr lang="de-DE" dirty="0">
+                <a:solidFill>
+                  <a:schemeClr val="accent3"/>
+                </a:solidFill>
+              </a:rPr>
+              <a:t>Sadeq Abu </a:t>
+            </a:r>
+            <a:r>
               <a:rPr lang="de-DE" dirty="0" smtClean="0">
                 <a:solidFill>
                   <a:schemeClr val="accent3"/>
                 </a:solidFill>
               </a:rPr>
-              <a:t>Benedikt Bergmann</a:t>
-            </a:r>
-          </a:p>
-          <a:p>
-            <a:r>
-              <a:rPr lang="de-DE" dirty="0">
-                <a:solidFill>
-                  <a:schemeClr val="accent3"/>
-                </a:solidFill>
-                <a:hlinkClick r:id="rId6"/>
-              </a:rPr>
-              <a:t>b</a:t>
-            </a:r>
-            <a:r>
+              <a:t>Hantash</a:t>
+            </a:r>
+            <a:br>
               <a:rPr lang="de-DE" dirty="0" smtClean="0">
                 <a:solidFill>
                   <a:schemeClr val="accent3"/>
                 </a:solidFill>
+              </a:rPr>
+            </a:br>
+            <a:r>
+              <a:rPr lang="de-DE" dirty="0" smtClean="0">
                 <a:hlinkClick r:id="rId6"/>
               </a:rPr>
-              <a:t>enedikt.bergmann@acando.de</a:t>
-            </a:r>
-            <a:endParaRPr lang="de-DE" dirty="0" smtClean="0">
-              <a:solidFill>
-                <a:schemeClr val="accent3"/>
-              </a:solidFill>
-            </a:endParaRPr>
+              <a:t>sadeq.abu.hantash@acando.de</a:t>
+            </a:r>
+            <a:endParaRPr lang="de-DE" dirty="0" smtClean="0"/>
           </a:p>
           <a:p>
             <a:endParaRPr lang="de-DE" dirty="0">
@@ -11944,11 +11941,6 @@
               </a:rPr>
               <a:t>iOS C# UI</a:t>
             </a:r>
-            <a:endParaRPr lang="de-DE" sz="2000" dirty="0" smtClean="0">
-              <a:solidFill>
-                <a:schemeClr val="bg1"/>
-              </a:solidFill>
-            </a:endParaRPr>
           </a:p>
         </p:txBody>
       </p:sp>
@@ -12002,11 +11994,6 @@
               </a:rPr>
               <a:t>Android C# UI</a:t>
             </a:r>
-            <a:endParaRPr lang="de-DE" sz="2000" dirty="0" smtClean="0">
-              <a:solidFill>
-                <a:schemeClr val="bg1"/>
-              </a:solidFill>
-            </a:endParaRPr>
           </a:p>
         </p:txBody>
       </p:sp>
@@ -12060,11 +12047,6 @@
               </a:rPr>
               <a:t>Windows C# UI</a:t>
             </a:r>
-            <a:endParaRPr lang="de-DE" sz="2000" dirty="0" smtClean="0">
-              <a:solidFill>
-                <a:schemeClr val="bg1"/>
-              </a:solidFill>
-            </a:endParaRPr>
           </a:p>
         </p:txBody>
       </p:sp>
@@ -12118,11 +12100,6 @@
               </a:rPr>
               <a:t>Geteilte C# Businesslogik</a:t>
             </a:r>
-            <a:endParaRPr lang="de-DE" sz="2800" dirty="0" smtClean="0">
-              <a:solidFill>
-                <a:schemeClr val="bg1"/>
-              </a:solidFill>
-            </a:endParaRPr>
           </a:p>
         </p:txBody>
       </p:sp>
@@ -12156,11 +12133,6 @@
               </a:rPr>
               <a:t>Geteilte C# Codebasis – 100% Zugriff auf native APIs – hohe Performance</a:t>
             </a:r>
-            <a:endParaRPr lang="de-DE" sz="2000" dirty="0" smtClean="0">
-              <a:solidFill>
-                <a:schemeClr val="accent3"/>
-              </a:solidFill>
-            </a:endParaRPr>
           </a:p>
         </p:txBody>
       </p:sp>
@@ -12211,11 +12183,6 @@
               </a:rPr>
               <a:t>iOS</a:t>
             </a:r>
-            <a:endParaRPr lang="de-DE" dirty="0" smtClean="0">
-              <a:solidFill>
-                <a:schemeClr val="tx1"/>
-              </a:solidFill>
-            </a:endParaRPr>
           </a:p>
         </p:txBody>
       </p:sp>

--- a/06. Universal Windows Platform/Entwicklung einer App für die universelle Windows Plattform.pptx
+++ b/06. Universal Windows Platform/Entwicklung einer App für die universelle Windows Plattform.pptx
@@ -319,7 +319,7 @@
               <a:pPr>
                 <a:defRPr/>
               </a:pPr>
-              <a:t>07.09.2017</a:t>
+              <a:t>13.09.2017</a:t>
             </a:fld>
             <a:endParaRPr lang="de-DE"/>
           </a:p>
@@ -518,7 +518,7 @@
               <a:pPr>
                 <a:defRPr/>
               </a:pPr>
-              <a:t>2017-09-07</a:t>
+              <a:t>2017-09-13</a:t>
             </a:fld>
             <a:endParaRPr lang="sv-SE"/>
           </a:p>
@@ -10566,43 +10566,6 @@
           </a:extLst>
         </p:spPr>
       </p:pic>
-      <p:pic>
-        <p:nvPicPr>
-          <p:cNvPr id="8" name="Grafik 7"/>
-          <p:cNvPicPr>
-            <a:picLocks noChangeAspect="1"/>
-          </p:cNvPicPr>
-          <p:nvPr/>
-        </p:nvPicPr>
-        <p:blipFill>
-          <a:blip r:embed="rId4" cstate="print">
-            <a:extLst>
-              <a:ext uri="{28A0092B-C50C-407E-A947-70E740481C1C}">
-                <a14:useLocalDpi xmlns:a14="http://schemas.microsoft.com/office/drawing/2010/main" val="0"/>
-              </a:ext>
-            </a:extLst>
-          </a:blip>
-          <a:stretch>
-            <a:fillRect/>
-          </a:stretch>
-        </p:blipFill>
-        <p:spPr>
-          <a:xfrm>
-            <a:off x="6727858" y="4187720"/>
-            <a:ext cx="2054193" cy="2054193"/>
-          </a:xfrm>
-          <a:prstGeom prst="rect">
-            <a:avLst/>
-          </a:prstGeom>
-          <a:effectLst>
-            <a:outerShdw blurRad="50800" dist="38100" dir="2700000" algn="tl" rotWithShape="0">
-              <a:prstClr val="black">
-                <a:alpha val="40000"/>
-              </a:prstClr>
-            </a:outerShdw>
-          </a:effectLst>
-        </p:spPr>
-      </p:pic>
       <p:sp>
         <p:nvSpPr>
           <p:cNvPr id="9" name="Textfeld 8"/>
@@ -10654,7 +10617,7 @@
           <a:p>
             <a:r>
               <a:rPr lang="de-DE" dirty="0" smtClean="0">
-                <a:hlinkClick r:id="rId5"/>
+                <a:hlinkClick r:id="rId4"/>
               </a:rPr>
               <a:t>constantin.petsch@acando.de</a:t>
             </a:r>
@@ -10693,7 +10656,7 @@
             </a:br>
             <a:r>
               <a:rPr lang="de-DE" dirty="0" smtClean="0">
-                <a:hlinkClick r:id="rId6"/>
+                <a:hlinkClick r:id="rId5"/>
               </a:rPr>
               <a:t>sadeq.abu.hantash@acando.de</a:t>
             </a:r>
@@ -10713,18 +10676,7 @@
                   <a:schemeClr val="accent3"/>
                 </a:solidFill>
               </a:rPr>
-              <a:t>Daniel Beckmann</a:t>
-            </a:r>
-          </a:p>
-          <a:p>
-            <a:r>
-              <a:rPr lang="de-DE" dirty="0" smtClean="0">
-                <a:solidFill>
-                  <a:schemeClr val="accent3"/>
-                </a:solidFill>
-                <a:hlinkClick r:id="rId7"/>
-              </a:rPr>
-              <a:t>daniel.beckmann@acando.de</a:t>
+              <a:t>Florian Sibinger</a:t>
             </a:r>
             <a:endParaRPr lang="de-DE" dirty="0" smtClean="0">
               <a:solidFill>
@@ -10733,6 +10685,31 @@
             </a:endParaRPr>
           </a:p>
           <a:p>
+            <a:r>
+              <a:rPr lang="de-DE" dirty="0" smtClean="0">
+                <a:solidFill>
+                  <a:schemeClr val="accent3"/>
+                </a:solidFill>
+                <a:hlinkClick r:id="rId6"/>
+              </a:rPr>
+              <a:t>florian.sibinger@acand</a:t>
+            </a:r>
+            <a:r>
+              <a:rPr lang="de-DE" dirty="0" smtClean="0">
+                <a:solidFill>
+                  <a:schemeClr val="accent3"/>
+                </a:solidFill>
+                <a:hlinkClick r:id="rId6"/>
+              </a:rPr>
+              <a:t>o.de</a:t>
+            </a:r>
+            <a:endParaRPr lang="de-DE" dirty="0" smtClean="0">
+              <a:solidFill>
+                <a:schemeClr val="accent3"/>
+              </a:solidFill>
+            </a:endParaRPr>
+          </a:p>
+          <a:p>
             <a:endParaRPr lang="de-DE" dirty="0">
               <a:solidFill>
                 <a:schemeClr val="accent3"/>
@@ -10741,43 +10718,6 @@
           </a:p>
         </p:txBody>
       </p:sp>
-      <p:pic>
-        <p:nvPicPr>
-          <p:cNvPr id="10" name="Grafik 9"/>
-          <p:cNvPicPr>
-            <a:picLocks noChangeAspect="1"/>
-          </p:cNvPicPr>
-          <p:nvPr/>
-        </p:nvPicPr>
-        <p:blipFill>
-          <a:blip r:embed="rId8">
-            <a:extLst>
-              <a:ext uri="{28A0092B-C50C-407E-A947-70E740481C1C}">
-                <a14:useLocalDpi xmlns:a14="http://schemas.microsoft.com/office/drawing/2010/main" val="0"/>
-              </a:ext>
-            </a:extLst>
-          </a:blip>
-          <a:stretch>
-            <a:fillRect/>
-          </a:stretch>
-        </p:blipFill>
-        <p:spPr>
-          <a:xfrm>
-            <a:off x="9438627" y="2151403"/>
-            <a:ext cx="2135346" cy="2135346"/>
-          </a:xfrm>
-          <a:prstGeom prst="rect">
-            <a:avLst/>
-          </a:prstGeom>
-          <a:effectLst>
-            <a:outerShdw blurRad="50800" dist="38100" dir="2700000" algn="tl" rotWithShape="0">
-              <a:prstClr val="black">
-                <a:alpha val="40000"/>
-              </a:prstClr>
-            </a:outerShdw>
-          </a:effectLst>
-        </p:spPr>
-      </p:pic>
     </p:spTree>
     <p:extLst>
       <p:ext uri="{BB962C8B-B14F-4D97-AF65-F5344CB8AC3E}">
@@ -10923,8 +10863,8 @@
           <a:lstStyle/>
           <a:p>
             <a:r>
-              <a:rPr lang="de-DE" dirty="0" smtClean="0"/>
-              <a:t>Daniel Beckmann</a:t>
+              <a:rPr lang="de-DE" dirty="0"/>
+              <a:t>Florian Sibinger</a:t>
             </a:r>
             <a:endParaRPr lang="de-DE" dirty="0"/>
           </a:p>

--- a/06. Universal Windows Platform/Entwicklung einer App für die universelle Windows Plattform.pptx
+++ b/06. Universal Windows Platform/Entwicklung einer App für die universelle Windows Plattform.pptx
@@ -5,10 +5,10 @@
     <p:sldMasterId id="2147484690" r:id="rId1"/>
   </p:sldMasterIdLst>
   <p:notesMasterIdLst>
-    <p:notesMasterId r:id="rId26"/>
+    <p:notesMasterId r:id="rId29"/>
   </p:notesMasterIdLst>
   <p:handoutMasterIdLst>
-    <p:handoutMasterId r:id="rId27"/>
+    <p:handoutMasterId r:id="rId30"/>
   </p:handoutMasterIdLst>
   <p:sldIdLst>
     <p:sldId id="332" r:id="rId2"/>
@@ -25,16 +25,19 @@
     <p:sldId id="410" r:id="rId13"/>
     <p:sldId id="404" r:id="rId14"/>
     <p:sldId id="405" r:id="rId15"/>
-    <p:sldId id="406" r:id="rId16"/>
-    <p:sldId id="409" r:id="rId17"/>
-    <p:sldId id="411" r:id="rId18"/>
-    <p:sldId id="415" r:id="rId19"/>
-    <p:sldId id="398" r:id="rId20"/>
-    <p:sldId id="399" r:id="rId21"/>
-    <p:sldId id="416" r:id="rId22"/>
-    <p:sldId id="403" r:id="rId23"/>
-    <p:sldId id="412" r:id="rId24"/>
-    <p:sldId id="290" r:id="rId25"/>
+    <p:sldId id="418" r:id="rId16"/>
+    <p:sldId id="406" r:id="rId17"/>
+    <p:sldId id="417" r:id="rId18"/>
+    <p:sldId id="409" r:id="rId19"/>
+    <p:sldId id="419" r:id="rId20"/>
+    <p:sldId id="411" r:id="rId21"/>
+    <p:sldId id="415" r:id="rId22"/>
+    <p:sldId id="398" r:id="rId23"/>
+    <p:sldId id="399" r:id="rId24"/>
+    <p:sldId id="416" r:id="rId25"/>
+    <p:sldId id="403" r:id="rId26"/>
+    <p:sldId id="412" r:id="rId27"/>
+    <p:sldId id="290" r:id="rId28"/>
   </p:sldIdLst>
   <p:sldSz cx="12190413" cy="6859588"/>
   <p:notesSz cx="7099300" cy="10234613"/>
@@ -319,7 +322,7 @@
               <a:pPr>
                 <a:defRPr/>
               </a:pPr>
-              <a:t>13.09.2017</a:t>
+              <a:t>24.09.2017</a:t>
             </a:fld>
             <a:endParaRPr lang="de-DE"/>
           </a:p>
@@ -518,7 +521,7 @@
               <a:pPr>
                 <a:defRPr/>
               </a:pPr>
-              <a:t>2017-09-13</a:t>
+              <a:t>2017-09-24</a:t>
             </a:fld>
             <a:endParaRPr lang="sv-SE"/>
           </a:p>
@@ -1333,7 +1336,7 @@
               <a:pPr>
                 <a:defRPr/>
               </a:pPr>
-              <a:t>15</a:t>
+              <a:t>16</a:t>
             </a:fld>
             <a:endParaRPr lang="sv-SE"/>
           </a:p>
@@ -1452,7 +1455,7 @@
               <a:pPr>
                 <a:defRPr/>
               </a:pPr>
-              <a:t>16</a:t>
+              <a:t>18</a:t>
             </a:fld>
             <a:endParaRPr lang="sv-SE"/>
           </a:p>
@@ -1515,24 +1518,7 @@
           <a:bodyPr/>
           <a:lstStyle/>
           <a:p>
-            <a:pPr marL="0" marR="0" indent="0" algn="l" defTabSz="914400" rtl="0" eaLnBrk="0" fontAlgn="base" latinLnBrk="0" hangingPunct="0">
-              <a:lnSpc>
-                <a:spcPct val="100000"/>
-              </a:lnSpc>
-              <a:spcBef>
-                <a:spcPct val="30000"/>
-              </a:spcBef>
-              <a:spcAft>
-                <a:spcPct val="0"/>
-              </a:spcAft>
-              <a:buClrTx/>
-              <a:buSzTx/>
-              <a:buFontTx/>
-              <a:buNone/>
-              <a:tabLst/>
-              <a:defRPr/>
-            </a:pPr>
-            <a:endParaRPr lang="de-DE" altLang="de-DE" dirty="0" smtClean="0"/>
+            <a:endParaRPr lang="de-DE" dirty="0"/>
           </a:p>
         </p:txBody>
       </p:sp>
@@ -1559,7 +1545,7 @@
               <a:pPr>
                 <a:defRPr/>
               </a:pPr>
-              <a:t>17</a:t>
+              <a:t>19</a:t>
             </a:fld>
             <a:endParaRPr lang="sv-SE"/>
           </a:p>
@@ -1568,7 +1554,7 @@
     </p:spTree>
     <p:extLst>
       <p:ext uri="{BB962C8B-B14F-4D97-AF65-F5344CB8AC3E}">
-        <p14:creationId xmlns:p14="http://schemas.microsoft.com/office/powerpoint/2010/main" val="3945167074"/>
+        <p14:creationId xmlns:p14="http://schemas.microsoft.com/office/powerpoint/2010/main" val="487383486"/>
       </p:ext>
     </p:extLst>
   </p:cSld>
@@ -1666,7 +1652,7 @@
               <a:pPr>
                 <a:defRPr/>
               </a:pPr>
-              <a:t>19</a:t>
+              <a:t>20</a:t>
             </a:fld>
             <a:endParaRPr lang="sv-SE"/>
           </a:p>
@@ -1675,7 +1661,7 @@
     </p:spTree>
     <p:extLst>
       <p:ext uri="{BB962C8B-B14F-4D97-AF65-F5344CB8AC3E}">
-        <p14:creationId xmlns:p14="http://schemas.microsoft.com/office/powerpoint/2010/main" val="2598731878"/>
+        <p14:creationId xmlns:p14="http://schemas.microsoft.com/office/powerpoint/2010/main" val="3945167074"/>
       </p:ext>
     </p:extLst>
   </p:cSld>
@@ -1773,7 +1759,7 @@
               <a:pPr>
                 <a:defRPr/>
               </a:pPr>
-              <a:t>20</a:t>
+              <a:t>22</a:t>
             </a:fld>
             <a:endParaRPr lang="sv-SE"/>
           </a:p>
@@ -1782,7 +1768,7 @@
     </p:spTree>
     <p:extLst>
       <p:ext uri="{BB962C8B-B14F-4D97-AF65-F5344CB8AC3E}">
-        <p14:creationId xmlns:p14="http://schemas.microsoft.com/office/powerpoint/2010/main" val="1209886120"/>
+        <p14:creationId xmlns:p14="http://schemas.microsoft.com/office/powerpoint/2010/main" val="2598731878"/>
       </p:ext>
     </p:extLst>
   </p:cSld>
@@ -1880,7 +1866,7 @@
               <a:pPr>
                 <a:defRPr/>
               </a:pPr>
-              <a:t>22</a:t>
+              <a:t>23</a:t>
             </a:fld>
             <a:endParaRPr lang="sv-SE"/>
           </a:p>
@@ -1889,7 +1875,7 @@
     </p:spTree>
     <p:extLst>
       <p:ext uri="{BB962C8B-B14F-4D97-AF65-F5344CB8AC3E}">
-        <p14:creationId xmlns:p14="http://schemas.microsoft.com/office/powerpoint/2010/main" val="3697890392"/>
+        <p14:creationId xmlns:p14="http://schemas.microsoft.com/office/powerpoint/2010/main" val="1209886120"/>
       </p:ext>
     </p:extLst>
   </p:cSld>
@@ -1987,7 +1973,7 @@
               <a:pPr>
                 <a:defRPr/>
               </a:pPr>
-              <a:t>23</a:t>
+              <a:t>25</a:t>
             </a:fld>
             <a:endParaRPr lang="sv-SE"/>
           </a:p>
@@ -1996,7 +1982,7 @@
     </p:spTree>
     <p:extLst>
       <p:ext uri="{BB962C8B-B14F-4D97-AF65-F5344CB8AC3E}">
-        <p14:creationId xmlns:p14="http://schemas.microsoft.com/office/powerpoint/2010/main" val="1827438283"/>
+        <p14:creationId xmlns:p14="http://schemas.microsoft.com/office/powerpoint/2010/main" val="3697890392"/>
       </p:ext>
     </p:extLst>
   </p:cSld>
@@ -2025,6 +2011,113 @@
       </p:grpSpPr>
       <p:sp>
         <p:nvSpPr>
+          <p:cNvPr id="2" name="Folienbildplatzhalter 1"/>
+          <p:cNvSpPr>
+            <a:spLocks noGrp="1" noRot="1" noChangeAspect="1"/>
+          </p:cNvSpPr>
+          <p:nvPr>
+            <p:ph type="sldImg"/>
+          </p:nvPr>
+        </p:nvSpPr>
+        <p:spPr/>
+      </p:sp>
+      <p:sp>
+        <p:nvSpPr>
+          <p:cNvPr id="3" name="Notizenplatzhalter 2"/>
+          <p:cNvSpPr>
+            <a:spLocks noGrp="1"/>
+          </p:cNvSpPr>
+          <p:nvPr>
+            <p:ph type="body" idx="1"/>
+          </p:nvPr>
+        </p:nvSpPr>
+        <p:spPr/>
+        <p:txBody>
+          <a:bodyPr/>
+          <a:lstStyle/>
+          <a:p>
+            <a:pPr marL="0" marR="0" indent="0" algn="l" defTabSz="914400" rtl="0" eaLnBrk="0" fontAlgn="base" latinLnBrk="0" hangingPunct="0">
+              <a:lnSpc>
+                <a:spcPct val="100000"/>
+              </a:lnSpc>
+              <a:spcBef>
+                <a:spcPct val="30000"/>
+              </a:spcBef>
+              <a:spcAft>
+                <a:spcPct val="0"/>
+              </a:spcAft>
+              <a:buClrTx/>
+              <a:buSzTx/>
+              <a:buFontTx/>
+              <a:buNone/>
+              <a:tabLst/>
+              <a:defRPr/>
+            </a:pPr>
+            <a:endParaRPr lang="de-DE" altLang="de-DE" dirty="0" smtClean="0"/>
+          </a:p>
+        </p:txBody>
+      </p:sp>
+      <p:sp>
+        <p:nvSpPr>
+          <p:cNvPr id="4" name="Foliennummernplatzhalter 3"/>
+          <p:cNvSpPr>
+            <a:spLocks noGrp="1"/>
+          </p:cNvSpPr>
+          <p:nvPr>
+            <p:ph type="sldNum" sz="quarter" idx="10"/>
+          </p:nvPr>
+        </p:nvSpPr>
+        <p:spPr/>
+        <p:txBody>
+          <a:bodyPr/>
+          <a:lstStyle/>
+          <a:p>
+            <a:pPr>
+              <a:defRPr/>
+            </a:pPr>
+            <a:fld id="{9FD97EF8-451C-4BD4-A577-78C919C344DB}" type="slidenum">
+              <a:rPr lang="sv-SE" smtClean="0"/>
+              <a:pPr>
+                <a:defRPr/>
+              </a:pPr>
+              <a:t>26</a:t>
+            </a:fld>
+            <a:endParaRPr lang="sv-SE"/>
+          </a:p>
+        </p:txBody>
+      </p:sp>
+    </p:spTree>
+    <p:extLst>
+      <p:ext uri="{BB962C8B-B14F-4D97-AF65-F5344CB8AC3E}">
+        <p14:creationId xmlns:p14="http://schemas.microsoft.com/office/powerpoint/2010/main" val="1827438283"/>
+      </p:ext>
+    </p:extLst>
+  </p:cSld>
+  <p:clrMapOvr>
+    <a:masterClrMapping/>
+  </p:clrMapOvr>
+</p:notes>
+</file>
+
+<file path=ppt/notesSlides/notesSlide19.xml><?xml version="1.0" encoding="utf-8"?>
+<p:notes xmlns:a="http://schemas.openxmlformats.org/drawingml/2006/main" xmlns:r="http://schemas.openxmlformats.org/officeDocument/2006/relationships" xmlns:p="http://schemas.openxmlformats.org/presentationml/2006/main">
+  <p:cSld>
+    <p:spTree>
+      <p:nvGrpSpPr>
+        <p:cNvPr id="1" name=""/>
+        <p:cNvGrpSpPr/>
+        <p:nvPr/>
+      </p:nvGrpSpPr>
+      <p:grpSpPr>
+        <a:xfrm>
+          <a:off x="0" y="0"/>
+          <a:ext cx="0" cy="0"/>
+          <a:chOff x="0" y="0"/>
+          <a:chExt cx="0" cy="0"/>
+        </a:xfrm>
+      </p:grpSpPr>
+      <p:sp>
+        <p:nvSpPr>
           <p:cNvPr id="35842" name="Folienbildplatzhalter 1"/>
           <p:cNvSpPr>
             <a:spLocks noGrp="1" noRot="1" noChangeAspect="1" noTextEdit="1"/>
@@ -2097,7 +2190,7 @@
               <a:pPr>
                 <a:defRPr/>
               </a:pPr>
-              <a:t>24</a:t>
+              <a:t>27</a:t>
             </a:fld>
             <a:endParaRPr lang="sv-SE"/>
           </a:p>
@@ -8388,64 +8481,6 @@
           </a:p>
         </p:txBody>
       </p:sp>
-      <p:pic>
-        <p:nvPicPr>
-          <p:cNvPr id="9" name="Grafik 8"/>
-          <p:cNvPicPr>
-            <a:picLocks noChangeAspect="1"/>
-          </p:cNvPicPr>
-          <p:nvPr/>
-        </p:nvPicPr>
-        <p:blipFill rotWithShape="1">
-          <a:blip r:embed="rId3">
-            <a:extLst>
-              <a:ext uri="{28A0092B-C50C-407E-A947-70E740481C1C}">
-                <a14:useLocalDpi xmlns:a14="http://schemas.microsoft.com/office/drawing/2010/main" val="0"/>
-              </a:ext>
-            </a:extLst>
-          </a:blip>
-          <a:srcRect r="50574" b="45252"/>
-          <a:stretch/>
-        </p:blipFill>
-        <p:spPr>
-          <a:xfrm>
-            <a:off x="673023" y="4031323"/>
-            <a:ext cx="5127702" cy="2718283"/>
-          </a:xfrm>
-          <a:prstGeom prst="rect">
-            <a:avLst/>
-          </a:prstGeom>
-        </p:spPr>
-      </p:pic>
-      <p:pic>
-        <p:nvPicPr>
-          <p:cNvPr id="10" name="Grafik 9"/>
-          <p:cNvPicPr>
-            <a:picLocks noChangeAspect="1"/>
-          </p:cNvPicPr>
-          <p:nvPr/>
-        </p:nvPicPr>
-        <p:blipFill rotWithShape="1">
-          <a:blip r:embed="rId3">
-            <a:extLst>
-              <a:ext uri="{28A0092B-C50C-407E-A947-70E740481C1C}">
-                <a14:useLocalDpi xmlns:a14="http://schemas.microsoft.com/office/drawing/2010/main" val="0"/>
-              </a:ext>
-            </a:extLst>
-          </a:blip>
-          <a:srcRect l="-742" t="62035" r="58634" b="-1612"/>
-          <a:stretch/>
-        </p:blipFill>
-        <p:spPr>
-          <a:xfrm>
-            <a:off x="5959398" y="4358792"/>
-            <a:ext cx="4368509" cy="1965006"/>
-          </a:xfrm>
-          <a:prstGeom prst="rect">
-            <a:avLst/>
-          </a:prstGeom>
-        </p:spPr>
-      </p:pic>
     </p:spTree>
     <p:extLst>
       <p:ext uri="{BB962C8B-B14F-4D97-AF65-F5344CB8AC3E}">
@@ -8498,244 +8533,13 @@
           <a:bodyPr/>
           <a:lstStyle/>
           <a:p>
-            <a:pPr>
-              <a:lnSpc>
-                <a:spcPct val="150000"/>
-              </a:lnSpc>
-            </a:pPr>
             <a:r>
               <a:rPr lang="de-DE" dirty="0" smtClean="0"/>
-              <a:t>4.3 Datenkonvertierung mittels </a:t>
+              <a:t>4.3 Datenbindung Code </a:t>
             </a:r>
             <a:r>
               <a:rPr lang="de-DE" dirty="0" err="1" smtClean="0"/>
-              <a:t>IValueConverter</a:t>
-            </a:r>
-            <a:endParaRPr lang="de-DE" dirty="0"/>
-          </a:p>
-        </p:txBody>
-      </p:sp>
-      <p:sp>
-        <p:nvSpPr>
-          <p:cNvPr id="3" name="Inhaltsplatzhalter 2"/>
-          <p:cNvSpPr>
-            <a:spLocks noGrp="1"/>
-          </p:cNvSpPr>
-          <p:nvPr>
-            <p:ph idx="1"/>
-          </p:nvPr>
-        </p:nvSpPr>
-        <p:spPr/>
-        <p:txBody>
-          <a:bodyPr/>
-          <a:lstStyle/>
-          <a:p>
-            <a:pPr>
-              <a:lnSpc>
-                <a:spcPct val="150000"/>
-              </a:lnSpc>
-            </a:pPr>
-            <a:r>
-              <a:rPr lang="de-DE" dirty="0" smtClean="0"/>
-              <a:t>Werte während der Datenbindung verändern</a:t>
-            </a:r>
-          </a:p>
-          <a:p>
-            <a:pPr lvl="1">
-              <a:lnSpc>
-                <a:spcPct val="150000"/>
-              </a:lnSpc>
-            </a:pPr>
-            <a:r>
-              <a:rPr lang="de-DE" dirty="0"/>
-              <a:t>Boolean </a:t>
-            </a:r>
-            <a:r>
-              <a:rPr lang="de-DE" dirty="0" smtClean="0"/>
-              <a:t>(</a:t>
-            </a:r>
-            <a:r>
-              <a:rPr lang="de-DE" dirty="0" err="1" smtClean="0"/>
-              <a:t>true</a:t>
-            </a:r>
-            <a:r>
-              <a:rPr lang="de-DE" dirty="0" smtClean="0"/>
-              <a:t>/</a:t>
-            </a:r>
-            <a:r>
-              <a:rPr lang="de-DE" dirty="0" err="1" smtClean="0"/>
-              <a:t>false</a:t>
-            </a:r>
-            <a:r>
-              <a:rPr lang="de-DE" dirty="0" smtClean="0"/>
-              <a:t>) </a:t>
-            </a:r>
-            <a:r>
-              <a:rPr lang="de-DE" dirty="0"/>
-              <a:t>-&gt; </a:t>
-            </a:r>
-            <a:r>
-              <a:rPr lang="de-DE" dirty="0" err="1"/>
-              <a:t>Visibility</a:t>
-            </a:r>
-            <a:r>
-              <a:rPr lang="de-DE" dirty="0"/>
-              <a:t> </a:t>
-            </a:r>
-            <a:r>
-              <a:rPr lang="de-DE" dirty="0" smtClean="0"/>
-              <a:t>(Visible/</a:t>
-            </a:r>
-            <a:r>
-              <a:rPr lang="de-DE" dirty="0" err="1" smtClean="0"/>
-              <a:t>Collapsed</a:t>
-            </a:r>
-            <a:r>
-              <a:rPr lang="de-DE" dirty="0" smtClean="0"/>
-              <a:t>)</a:t>
-            </a:r>
-          </a:p>
-          <a:p>
-            <a:pPr lvl="1">
-              <a:lnSpc>
-                <a:spcPct val="150000"/>
-              </a:lnSpc>
-            </a:pPr>
-            <a:r>
-              <a:rPr lang="de-DE" dirty="0" smtClean="0"/>
-              <a:t>Boolean (</a:t>
-            </a:r>
-            <a:r>
-              <a:rPr lang="de-DE" dirty="0" err="1" smtClean="0"/>
-              <a:t>true</a:t>
-            </a:r>
-            <a:r>
-              <a:rPr lang="de-DE" dirty="0" smtClean="0"/>
-              <a:t>/</a:t>
-            </a:r>
-            <a:r>
-              <a:rPr lang="de-DE" dirty="0" err="1" smtClean="0"/>
-              <a:t>false</a:t>
-            </a:r>
-            <a:r>
-              <a:rPr lang="de-DE" dirty="0" smtClean="0"/>
-              <a:t>) -&gt; </a:t>
-            </a:r>
-            <a:r>
-              <a:rPr lang="de-DE" dirty="0" err="1" smtClean="0"/>
-              <a:t>Inverted</a:t>
-            </a:r>
-            <a:r>
-              <a:rPr lang="de-DE" dirty="0" smtClean="0"/>
-              <a:t> (</a:t>
-            </a:r>
-            <a:r>
-              <a:rPr lang="de-DE" dirty="0" err="1" smtClean="0"/>
-              <a:t>false</a:t>
-            </a:r>
-            <a:r>
-              <a:rPr lang="de-DE" dirty="0" smtClean="0"/>
-              <a:t>/</a:t>
-            </a:r>
-            <a:r>
-              <a:rPr lang="de-DE" dirty="0" err="1" smtClean="0"/>
-              <a:t>true</a:t>
-            </a:r>
-            <a:r>
-              <a:rPr lang="de-DE" dirty="0" smtClean="0"/>
-              <a:t>)</a:t>
-            </a:r>
-            <a:endParaRPr lang="de-DE" dirty="0"/>
-          </a:p>
-          <a:p>
-            <a:pPr lvl="1">
-              <a:lnSpc>
-                <a:spcPct val="150000"/>
-              </a:lnSpc>
-            </a:pPr>
-            <a:r>
-              <a:rPr lang="de-DE" dirty="0" smtClean="0"/>
-              <a:t>Collection (</a:t>
-            </a:r>
-            <a:r>
-              <a:rPr lang="de-DE" dirty="0" err="1" smtClean="0"/>
-              <a:t>no</a:t>
-            </a:r>
-            <a:r>
-              <a:rPr lang="de-DE" dirty="0" smtClean="0"/>
-              <a:t> </a:t>
-            </a:r>
-            <a:r>
-              <a:rPr lang="de-DE" dirty="0" err="1" smtClean="0"/>
-              <a:t>items</a:t>
-            </a:r>
-            <a:r>
-              <a:rPr lang="de-DE" dirty="0" smtClean="0"/>
-              <a:t>/</a:t>
-            </a:r>
-            <a:r>
-              <a:rPr lang="de-DE" dirty="0" err="1" smtClean="0"/>
-              <a:t>items</a:t>
-            </a:r>
-            <a:r>
-              <a:rPr lang="de-DE" dirty="0" smtClean="0"/>
-              <a:t>) -&gt; </a:t>
-            </a:r>
-            <a:r>
-              <a:rPr lang="de-DE" dirty="0" err="1" smtClean="0"/>
-              <a:t>Visibility</a:t>
-            </a:r>
-            <a:r>
-              <a:rPr lang="de-DE" dirty="0" smtClean="0"/>
-              <a:t> (Visible/</a:t>
-            </a:r>
-            <a:r>
-              <a:rPr lang="de-DE" dirty="0" err="1" smtClean="0"/>
-              <a:t>Collapsed</a:t>
-            </a:r>
-            <a:r>
-              <a:rPr lang="de-DE" dirty="0" smtClean="0"/>
-              <a:t>)</a:t>
-            </a:r>
-            <a:endParaRPr lang="de-DE" dirty="0"/>
-          </a:p>
-          <a:p>
-            <a:pPr>
-              <a:lnSpc>
-                <a:spcPct val="150000"/>
-              </a:lnSpc>
-            </a:pPr>
-            <a:r>
-              <a:rPr lang="de-DE" dirty="0" smtClean="0"/>
-              <a:t>Interface: </a:t>
-            </a:r>
-            <a:r>
-              <a:rPr lang="de-DE" dirty="0" err="1" smtClean="0"/>
-              <a:t>IValueConverter</a:t>
-            </a:r>
-            <a:endParaRPr lang="de-DE" dirty="0" smtClean="0"/>
-          </a:p>
-          <a:p>
-            <a:pPr lvl="1">
-              <a:lnSpc>
-                <a:spcPct val="150000"/>
-              </a:lnSpc>
-            </a:pPr>
-            <a:r>
-              <a:rPr lang="de-DE" dirty="0" err="1" smtClean="0"/>
-              <a:t>Convert</a:t>
-            </a:r>
-            <a:endParaRPr lang="de-DE" dirty="0" smtClean="0"/>
-          </a:p>
-          <a:p>
-            <a:pPr lvl="1">
-              <a:lnSpc>
-                <a:spcPct val="150000"/>
-              </a:lnSpc>
-            </a:pPr>
-            <a:r>
-              <a:rPr lang="de-DE" dirty="0" err="1" smtClean="0"/>
-              <a:t>ConvertBack</a:t>
+              <a:t>Snippet</a:t>
             </a:r>
             <a:endParaRPr lang="de-DE" dirty="0"/>
           </a:p>
@@ -8761,27 +8565,78 @@
               <a:pPr/>
               <a:t>15</a:t>
             </a:fld>
-            <a:endParaRPr lang="en-US"/>
-          </a:p>
-        </p:txBody>
-      </p:sp>
+            <a:endParaRPr lang="en-US" dirty="0"/>
+          </a:p>
+        </p:txBody>
+      </p:sp>
+      <p:pic>
+        <p:nvPicPr>
+          <p:cNvPr id="6" name="Grafik 5"/>
+          <p:cNvPicPr>
+            <a:picLocks noChangeAspect="1"/>
+          </p:cNvPicPr>
+          <p:nvPr/>
+        </p:nvPicPr>
+        <p:blipFill rotWithShape="1">
+          <a:blip r:embed="rId2">
+            <a:extLst>
+              <a:ext uri="{28A0092B-C50C-407E-A947-70E740481C1C}">
+                <a14:useLocalDpi xmlns:a14="http://schemas.microsoft.com/office/drawing/2010/main" val="0"/>
+              </a:ext>
+            </a:extLst>
+          </a:blip>
+          <a:srcRect r="50574" b="45252"/>
+          <a:stretch/>
+        </p:blipFill>
+        <p:spPr>
+          <a:xfrm>
+            <a:off x="587298" y="1477223"/>
+            <a:ext cx="5127702" cy="2718283"/>
+          </a:xfrm>
+          <a:prstGeom prst="rect">
+            <a:avLst/>
+          </a:prstGeom>
+        </p:spPr>
+      </p:pic>
+      <p:pic>
+        <p:nvPicPr>
+          <p:cNvPr id="7" name="Grafik 6"/>
+          <p:cNvPicPr>
+            <a:picLocks noChangeAspect="1"/>
+          </p:cNvPicPr>
+          <p:nvPr/>
+        </p:nvPicPr>
+        <p:blipFill rotWithShape="1">
+          <a:blip r:embed="rId2">
+            <a:extLst>
+              <a:ext uri="{28A0092B-C50C-407E-A947-70E740481C1C}">
+                <a14:useLocalDpi xmlns:a14="http://schemas.microsoft.com/office/drawing/2010/main" val="0"/>
+              </a:ext>
+            </a:extLst>
+          </a:blip>
+          <a:srcRect l="-742" t="62035" r="58634" b="-1612"/>
+          <a:stretch/>
+        </p:blipFill>
+        <p:spPr>
+          <a:xfrm>
+            <a:off x="587298" y="4470808"/>
+            <a:ext cx="4368509" cy="1965006"/>
+          </a:xfrm>
+          <a:prstGeom prst="rect">
+            <a:avLst/>
+          </a:prstGeom>
+        </p:spPr>
+      </p:pic>
     </p:spTree>
     <p:extLst>
       <p:ext uri="{BB962C8B-B14F-4D97-AF65-F5344CB8AC3E}">
-        <p14:creationId xmlns:p14="http://schemas.microsoft.com/office/powerpoint/2010/main" val="804461706"/>
+        <p14:creationId xmlns:p14="http://schemas.microsoft.com/office/powerpoint/2010/main" val="47957624"/>
       </p:ext>
     </p:extLst>
   </p:cSld>
   <p:clrMapOvr>
     <a:masterClrMapping/>
   </p:clrMapOvr>
-  <p:timing>
-    <p:tnLst>
-      <p:par>
-        <p:cTn id="1" dur="indefinite" restart="never" nodeType="tmRoot"/>
-      </p:par>
-    </p:tnLst>
-  </p:timing>
 </p:sld>
 </file>
 
@@ -8824,11 +8679,11 @@
             </a:pPr>
             <a:r>
               <a:rPr lang="de-DE" dirty="0" smtClean="0"/>
-              <a:t>4.4 Befehle mit </a:t>
+              <a:t>4.3 Datenkonvertierung mittels </a:t>
             </a:r>
             <a:r>
               <a:rPr lang="de-DE" dirty="0" err="1" smtClean="0"/>
-              <a:t>ICommand</a:t>
+              <a:t>IValueConverter</a:t>
             </a:r>
             <a:endParaRPr lang="de-DE" dirty="0"/>
           </a:p>
@@ -8856,8 +8711,127 @@
             </a:pPr>
             <a:r>
               <a:rPr lang="de-DE" dirty="0" smtClean="0"/>
-              <a:t>Werden von UI-Elementen bei bestimmten Aktionen aufgerufen (Click, …)</a:t>
-            </a:r>
+              <a:t>Werte </a:t>
+            </a:r>
+            <a:r>
+              <a:rPr lang="de-DE" dirty="0" smtClean="0"/>
+              <a:t>und Typen während </a:t>
+            </a:r>
+            <a:r>
+              <a:rPr lang="de-DE" dirty="0" smtClean="0"/>
+              <a:t>der Datenbindung verändern</a:t>
+            </a:r>
+          </a:p>
+          <a:p>
+            <a:pPr lvl="1">
+              <a:lnSpc>
+                <a:spcPct val="150000"/>
+              </a:lnSpc>
+            </a:pPr>
+            <a:r>
+              <a:rPr lang="de-DE" dirty="0"/>
+              <a:t>Boolean </a:t>
+            </a:r>
+            <a:r>
+              <a:rPr lang="de-DE" dirty="0" smtClean="0"/>
+              <a:t>(</a:t>
+            </a:r>
+            <a:r>
+              <a:rPr lang="de-DE" dirty="0" err="1" smtClean="0"/>
+              <a:t>true</a:t>
+            </a:r>
+            <a:r>
+              <a:rPr lang="de-DE" dirty="0" smtClean="0"/>
+              <a:t>/</a:t>
+            </a:r>
+            <a:r>
+              <a:rPr lang="de-DE" dirty="0" err="1" smtClean="0"/>
+              <a:t>false</a:t>
+            </a:r>
+            <a:r>
+              <a:rPr lang="de-DE" dirty="0" smtClean="0"/>
+              <a:t>) </a:t>
+            </a:r>
+            <a:r>
+              <a:rPr lang="de-DE" dirty="0"/>
+              <a:t>-&gt; </a:t>
+            </a:r>
+            <a:r>
+              <a:rPr lang="de-DE" dirty="0" err="1"/>
+              <a:t>Visibility</a:t>
+            </a:r>
+            <a:r>
+              <a:rPr lang="de-DE" dirty="0"/>
+              <a:t> </a:t>
+            </a:r>
+            <a:r>
+              <a:rPr lang="de-DE" dirty="0" smtClean="0"/>
+              <a:t>(Visible/</a:t>
+            </a:r>
+            <a:r>
+              <a:rPr lang="de-DE" dirty="0" err="1" smtClean="0"/>
+              <a:t>Collapsed</a:t>
+            </a:r>
+            <a:r>
+              <a:rPr lang="de-DE" dirty="0" smtClean="0"/>
+              <a:t>)</a:t>
+            </a:r>
+          </a:p>
+          <a:p>
+            <a:pPr lvl="1">
+              <a:lnSpc>
+                <a:spcPct val="150000"/>
+              </a:lnSpc>
+            </a:pPr>
+            <a:r>
+              <a:rPr lang="de-DE" dirty="0" smtClean="0"/>
+              <a:t>Collection </a:t>
+            </a:r>
+            <a:r>
+              <a:rPr lang="de-DE" dirty="0" smtClean="0"/>
+              <a:t>(</a:t>
+            </a:r>
+            <a:r>
+              <a:rPr lang="de-DE" dirty="0" err="1" smtClean="0"/>
+              <a:t>no</a:t>
+            </a:r>
+            <a:r>
+              <a:rPr lang="de-DE" dirty="0" smtClean="0"/>
+              <a:t> </a:t>
+            </a:r>
+            <a:r>
+              <a:rPr lang="de-DE" dirty="0" err="1" smtClean="0"/>
+              <a:t>items</a:t>
+            </a:r>
+            <a:r>
+              <a:rPr lang="de-DE" dirty="0" smtClean="0"/>
+              <a:t>/</a:t>
+            </a:r>
+            <a:r>
+              <a:rPr lang="de-DE" dirty="0" err="1" smtClean="0"/>
+              <a:t>items</a:t>
+            </a:r>
+            <a:r>
+              <a:rPr lang="de-DE" dirty="0" smtClean="0"/>
+              <a:t>) -&gt; </a:t>
+            </a:r>
+            <a:r>
+              <a:rPr lang="de-DE" dirty="0" err="1" smtClean="0"/>
+              <a:t>Visibility</a:t>
+            </a:r>
+            <a:r>
+              <a:rPr lang="de-DE" dirty="0" smtClean="0"/>
+              <a:t> (Visible/</a:t>
+            </a:r>
+            <a:r>
+              <a:rPr lang="de-DE" dirty="0" err="1" smtClean="0"/>
+              <a:t>Collapsed</a:t>
+            </a:r>
+            <a:r>
+              <a:rPr lang="de-DE" dirty="0" smtClean="0"/>
+              <a:t>)</a:t>
+            </a:r>
+            <a:endParaRPr lang="de-DE" dirty="0"/>
           </a:p>
           <a:p>
             <a:pPr>
@@ -8867,31 +8841,13 @@
             </a:pPr>
             <a:r>
               <a:rPr lang="de-DE" dirty="0" smtClean="0"/>
-              <a:t>Werden im </a:t>
-            </a:r>
-            <a:r>
-              <a:rPr lang="de-DE" dirty="0"/>
-              <a:t>ViewModel </a:t>
-            </a:r>
-            <a:r>
-              <a:rPr lang="de-DE" dirty="0" smtClean="0"/>
-              <a:t>definiert und implementiert</a:t>
-            </a:r>
-          </a:p>
-          <a:p>
-            <a:pPr>
-              <a:lnSpc>
-                <a:spcPct val="150000"/>
-              </a:lnSpc>
-            </a:pPr>
-            <a:r>
-              <a:rPr lang="de-DE" smtClean="0"/>
-              <a:t>Ziel MVVM: </a:t>
-            </a:r>
-            <a:r>
-              <a:rPr lang="de-DE" dirty="0" smtClean="0"/>
-              <a:t>So wenig wie möglich Geschäftslogik in der Code-Behind Datei</a:t>
-            </a:r>
+              <a:t>Interface: </a:t>
+            </a:r>
+            <a:r>
+              <a:rPr lang="de-DE" dirty="0" err="1" smtClean="0"/>
+              <a:t>IValueConverter</a:t>
+            </a:r>
+            <a:endParaRPr lang="de-DE" dirty="0" smtClean="0"/>
           </a:p>
           <a:p>
             <a:pPr lvl="1">
@@ -8900,23 +8856,8 @@
               </a:lnSpc>
             </a:pPr>
             <a:r>
-              <a:rPr lang="de-DE" dirty="0" smtClean="0"/>
-              <a:t>Im Bestfall nur View-spezifische Logik</a:t>
-            </a:r>
-          </a:p>
-          <a:p>
-            <a:pPr>
-              <a:lnSpc>
-                <a:spcPct val="150000"/>
-              </a:lnSpc>
-            </a:pPr>
-            <a:r>
-              <a:rPr lang="de-DE" dirty="0" smtClean="0"/>
-              <a:t>Interface: </a:t>
-            </a:r>
-            <a:r>
               <a:rPr lang="de-DE" dirty="0" err="1" smtClean="0"/>
-              <a:t>ICommand</a:t>
+              <a:t>Convert</a:t>
             </a:r>
             <a:endParaRPr lang="de-DE" dirty="0" smtClean="0"/>
           </a:p>
@@ -8927,33 +8868,10 @@
               </a:lnSpc>
             </a:pPr>
             <a:r>
-              <a:rPr lang="de-DE" dirty="0" smtClean="0"/>
-              <a:t>Execute</a:t>
-            </a:r>
-          </a:p>
-          <a:p>
-            <a:pPr lvl="1">
-              <a:lnSpc>
-                <a:spcPct val="150000"/>
-              </a:lnSpc>
-            </a:pPr>
-            <a:r>
               <a:rPr lang="de-DE" dirty="0" err="1" smtClean="0"/>
-              <a:t>CanExecute</a:t>
-            </a:r>
-            <a:endParaRPr lang="de-DE" dirty="0" smtClean="0"/>
-          </a:p>
-          <a:p>
-            <a:pPr lvl="1">
-              <a:lnSpc>
-                <a:spcPct val="150000"/>
-              </a:lnSpc>
-            </a:pPr>
-            <a:r>
-              <a:rPr lang="de-DE" i="1" dirty="0" err="1" smtClean="0"/>
-              <a:t>CanExecuteChanged</a:t>
-            </a:r>
-            <a:endParaRPr lang="de-DE" i="1" dirty="0"/>
+              <a:t>ConvertBack</a:t>
+            </a:r>
+            <a:endParaRPr lang="de-DE" dirty="0"/>
           </a:p>
         </p:txBody>
       </p:sp>
@@ -8984,7 +8902,7 @@
     </p:spTree>
     <p:extLst>
       <p:ext uri="{BB962C8B-B14F-4D97-AF65-F5344CB8AC3E}">
-        <p14:creationId xmlns:p14="http://schemas.microsoft.com/office/powerpoint/2010/main" val="1993529972"/>
+        <p14:creationId xmlns:p14="http://schemas.microsoft.com/office/powerpoint/2010/main" val="804461706"/>
       </p:ext>
     </p:extLst>
   </p:cSld>
@@ -9020,7 +8938,7 @@
       </p:grpSpPr>
       <p:sp>
         <p:nvSpPr>
-          <p:cNvPr id="7" name="Titel 1"/>
+          <p:cNvPr id="2" name="Titel 1"/>
           <p:cNvSpPr>
             <a:spLocks noGrp="1"/>
           </p:cNvSpPr>
@@ -9033,124 +8951,15 @@
           <a:bodyPr/>
           <a:lstStyle/>
           <a:p>
-            <a:pPr>
-              <a:lnSpc>
-                <a:spcPct val="150000"/>
-              </a:lnSpc>
-            </a:pPr>
             <a:r>
               <a:rPr lang="de-DE" dirty="0" smtClean="0"/>
-              <a:t>4.5 Hands-On</a:t>
+              <a:t>4.3 Datenkonvertierung Code </a:t>
+            </a:r>
+            <a:r>
+              <a:rPr lang="de-DE" dirty="0" err="1" smtClean="0"/>
+              <a:t>Snippet</a:t>
             </a:r>
             <a:endParaRPr lang="de-DE" dirty="0"/>
-          </a:p>
-        </p:txBody>
-      </p:sp>
-      <p:sp>
-        <p:nvSpPr>
-          <p:cNvPr id="3" name="Inhaltsplatzhalter 2"/>
-          <p:cNvSpPr>
-            <a:spLocks noGrp="1"/>
-          </p:cNvSpPr>
-          <p:nvPr>
-            <p:ph idx="1"/>
-          </p:nvPr>
-        </p:nvSpPr>
-        <p:spPr/>
-        <p:txBody>
-          <a:bodyPr/>
-          <a:lstStyle/>
-          <a:p>
-            <a:pPr marL="0" indent="0">
-              <a:lnSpc>
-                <a:spcPct val="150000"/>
-              </a:lnSpc>
-              <a:buNone/>
-            </a:pPr>
-            <a:r>
-              <a:rPr lang="de-DE" dirty="0" smtClean="0"/>
-              <a:t>Ziele:</a:t>
-            </a:r>
-          </a:p>
-          <a:p>
-            <a:pPr>
-              <a:lnSpc>
-                <a:spcPct val="150000"/>
-              </a:lnSpc>
-            </a:pPr>
-            <a:r>
-              <a:rPr lang="de-DE" dirty="0" smtClean="0"/>
-              <a:t>Das </a:t>
-            </a:r>
-            <a:r>
-              <a:rPr lang="de-DE" dirty="0"/>
-              <a:t>Datenmodell der API einbinden</a:t>
-            </a:r>
-          </a:p>
-          <a:p>
-            <a:pPr>
-              <a:lnSpc>
-                <a:spcPct val="150000"/>
-              </a:lnSpc>
-            </a:pPr>
-            <a:r>
-              <a:rPr lang="de-DE" dirty="0" smtClean="0"/>
-              <a:t>Das </a:t>
-            </a:r>
-            <a:r>
-              <a:rPr lang="de-DE" dirty="0"/>
-              <a:t>ViewModel für die Hauptseite erstellen</a:t>
-            </a:r>
-          </a:p>
-          <a:p>
-            <a:pPr>
-              <a:lnSpc>
-                <a:spcPct val="150000"/>
-              </a:lnSpc>
-            </a:pPr>
-            <a:r>
-              <a:rPr lang="de-DE" dirty="0" smtClean="0"/>
-              <a:t>Die </a:t>
-            </a:r>
-            <a:r>
-              <a:rPr lang="de-DE" dirty="0"/>
-              <a:t>Datenbindung einrichten</a:t>
-            </a:r>
-          </a:p>
-          <a:p>
-            <a:pPr>
-              <a:lnSpc>
-                <a:spcPct val="150000"/>
-              </a:lnSpc>
-            </a:pPr>
-            <a:r>
-              <a:rPr lang="de-DE" dirty="0" smtClean="0"/>
-              <a:t>Einen </a:t>
-            </a:r>
-            <a:r>
-              <a:rPr lang="de-DE" dirty="0" err="1"/>
-              <a:t>IValueConverter</a:t>
-            </a:r>
-            <a:r>
-              <a:rPr lang="de-DE" dirty="0"/>
-              <a:t> verwenden</a:t>
-            </a:r>
-          </a:p>
-          <a:p>
-            <a:pPr>
-              <a:lnSpc>
-                <a:spcPct val="150000"/>
-              </a:lnSpc>
-            </a:pPr>
-            <a:r>
-              <a:rPr lang="de-DE" dirty="0" smtClean="0"/>
-              <a:t>Commands </a:t>
-            </a:r>
-            <a:r>
-              <a:rPr lang="de-DE" dirty="0"/>
-              <a:t>verwenden</a:t>
-            </a:r>
-            <a:endParaRPr lang="de-DE" i="1" dirty="0"/>
           </a:p>
         </p:txBody>
       </p:sp>
@@ -9174,27 +8983,712 @@
               <a:pPr/>
               <a:t>17</a:t>
             </a:fld>
-            <a:endParaRPr lang="en-US"/>
+            <a:endParaRPr lang="en-US" dirty="0"/>
+          </a:p>
+        </p:txBody>
+      </p:sp>
+      <p:sp>
+        <p:nvSpPr>
+          <p:cNvPr id="5" name="Textfeld 4"/>
+          <p:cNvSpPr txBox="1"/>
+          <p:nvPr/>
+        </p:nvSpPr>
+        <p:spPr>
+          <a:xfrm>
+            <a:off x="587298" y="1405727"/>
+            <a:ext cx="10809248" cy="4154984"/>
+          </a:xfrm>
+          <a:prstGeom prst="rect">
+            <a:avLst/>
+          </a:prstGeom>
+          <a:noFill/>
+        </p:spPr>
+        <p:txBody>
+          <a:bodyPr wrap="square" rtlCol="0">
+            <a:spAutoFit/>
+          </a:bodyPr>
+          <a:lstStyle/>
+          <a:p>
+            <a:r>
+              <a:rPr lang="de-DE" dirty="0" smtClean="0">
+                <a:solidFill>
+                  <a:schemeClr val="accent3"/>
+                </a:solidFill>
+                <a:latin typeface="+mn-lt"/>
+              </a:rPr>
+              <a:t>C#:</a:t>
+            </a:r>
+          </a:p>
+          <a:p>
+            <a:pPr lvl="0"/>
+            <a:r>
+              <a:rPr lang="de-DE" sz="1600" dirty="0" err="1">
+                <a:solidFill>
+                  <a:srgbClr val="0000FF"/>
+                </a:solidFill>
+                <a:latin typeface="Consolas" panose="020B0609020204030204" pitchFamily="49" charset="0"/>
+              </a:rPr>
+              <a:t>public</a:t>
+            </a:r>
+            <a:r>
+              <a:rPr lang="de-DE" sz="1600" dirty="0">
+                <a:solidFill>
+                  <a:srgbClr val="000000"/>
+                </a:solidFill>
+                <a:latin typeface="Consolas" panose="020B0609020204030204" pitchFamily="49" charset="0"/>
+              </a:rPr>
+              <a:t> </a:t>
+            </a:r>
+            <a:r>
+              <a:rPr lang="de-DE" sz="1600" dirty="0" err="1">
+                <a:solidFill>
+                  <a:srgbClr val="0000FF"/>
+                </a:solidFill>
+                <a:latin typeface="Consolas" panose="020B0609020204030204" pitchFamily="49" charset="0"/>
+              </a:rPr>
+              <a:t>interface</a:t>
+            </a:r>
+            <a:r>
+              <a:rPr lang="de-DE" sz="1600" dirty="0">
+                <a:solidFill>
+                  <a:srgbClr val="000000"/>
+                </a:solidFill>
+                <a:latin typeface="Consolas" panose="020B0609020204030204" pitchFamily="49" charset="0"/>
+              </a:rPr>
+              <a:t> </a:t>
+            </a:r>
+            <a:r>
+              <a:rPr lang="de-DE" sz="1600" dirty="0" err="1">
+                <a:solidFill>
+                  <a:srgbClr val="2B91AF"/>
+                </a:solidFill>
+                <a:latin typeface="Consolas" panose="020B0609020204030204" pitchFamily="49" charset="0"/>
+              </a:rPr>
+              <a:t>IValueConverter</a:t>
+            </a:r>
+            <a:r>
+              <a:rPr lang="de-DE" sz="1600" dirty="0">
+                <a:solidFill>
+                  <a:srgbClr val="000000"/>
+                </a:solidFill>
+                <a:latin typeface="Consolas" panose="020B0609020204030204" pitchFamily="49" charset="0"/>
+              </a:rPr>
+              <a:t>{</a:t>
+            </a:r>
+          </a:p>
+          <a:p>
+            <a:pPr lvl="0"/>
+            <a:r>
+              <a:rPr lang="en-US" sz="1600" dirty="0">
+                <a:solidFill>
+                  <a:srgbClr val="000000"/>
+                </a:solidFill>
+                <a:latin typeface="Consolas" panose="020B0609020204030204" pitchFamily="49" charset="0"/>
+              </a:rPr>
+              <a:t> 	</a:t>
+            </a:r>
+            <a:r>
+              <a:rPr lang="en-US" sz="1600" dirty="0">
+                <a:solidFill>
+                  <a:srgbClr val="0000FF"/>
+                </a:solidFill>
+                <a:latin typeface="Consolas" panose="020B0609020204030204" pitchFamily="49" charset="0"/>
+              </a:rPr>
+              <a:t>object</a:t>
+            </a:r>
+            <a:r>
+              <a:rPr lang="en-US" sz="1600" dirty="0">
+                <a:solidFill>
+                  <a:srgbClr val="000000"/>
+                </a:solidFill>
+                <a:latin typeface="Consolas" panose="020B0609020204030204" pitchFamily="49" charset="0"/>
+              </a:rPr>
+              <a:t> Convert(</a:t>
+            </a:r>
+            <a:r>
+              <a:rPr lang="en-US" sz="1600" dirty="0">
+                <a:solidFill>
+                  <a:srgbClr val="0000FF"/>
+                </a:solidFill>
+                <a:latin typeface="Consolas" panose="020B0609020204030204" pitchFamily="49" charset="0"/>
+              </a:rPr>
+              <a:t>object</a:t>
+            </a:r>
+            <a:r>
+              <a:rPr lang="en-US" sz="1600" dirty="0">
+                <a:solidFill>
+                  <a:srgbClr val="000000"/>
+                </a:solidFill>
+                <a:latin typeface="Consolas" panose="020B0609020204030204" pitchFamily="49" charset="0"/>
+              </a:rPr>
+              <a:t> value, Type </a:t>
+            </a:r>
+            <a:r>
+              <a:rPr lang="en-US" sz="1600" dirty="0" err="1">
+                <a:solidFill>
+                  <a:srgbClr val="000000"/>
+                </a:solidFill>
+                <a:latin typeface="Consolas" panose="020B0609020204030204" pitchFamily="49" charset="0"/>
+              </a:rPr>
+              <a:t>targetType</a:t>
+            </a:r>
+            <a:r>
+              <a:rPr lang="en-US" sz="1600" dirty="0">
+                <a:solidFill>
+                  <a:srgbClr val="000000"/>
+                </a:solidFill>
+                <a:latin typeface="Consolas" panose="020B0609020204030204" pitchFamily="49" charset="0"/>
+              </a:rPr>
+              <a:t>, </a:t>
+            </a:r>
+            <a:r>
+              <a:rPr lang="en-US" sz="1600" dirty="0">
+                <a:solidFill>
+                  <a:srgbClr val="0000FF"/>
+                </a:solidFill>
+                <a:latin typeface="Consolas" panose="020B0609020204030204" pitchFamily="49" charset="0"/>
+              </a:rPr>
+              <a:t>object</a:t>
+            </a:r>
+            <a:r>
+              <a:rPr lang="en-US" sz="1600" dirty="0">
+                <a:solidFill>
+                  <a:srgbClr val="000000"/>
+                </a:solidFill>
+                <a:latin typeface="Consolas" panose="020B0609020204030204" pitchFamily="49" charset="0"/>
+              </a:rPr>
+              <a:t> parameter, </a:t>
+            </a:r>
+            <a:r>
+              <a:rPr lang="en-US" sz="1600" dirty="0">
+                <a:solidFill>
+                  <a:srgbClr val="0000FF"/>
+                </a:solidFill>
+                <a:latin typeface="Consolas" panose="020B0609020204030204" pitchFamily="49" charset="0"/>
+              </a:rPr>
+              <a:t>string</a:t>
+            </a:r>
+            <a:r>
+              <a:rPr lang="en-US" sz="1600" dirty="0">
+                <a:solidFill>
+                  <a:srgbClr val="000000"/>
+                </a:solidFill>
+                <a:latin typeface="Consolas" panose="020B0609020204030204" pitchFamily="49" charset="0"/>
+              </a:rPr>
+              <a:t> language)</a:t>
+            </a:r>
+          </a:p>
+          <a:p>
+            <a:pPr lvl="0"/>
+            <a:r>
+              <a:rPr lang="en-US" sz="1600" dirty="0">
+                <a:solidFill>
+                  <a:srgbClr val="000000"/>
+                </a:solidFill>
+                <a:latin typeface="Consolas" panose="020B0609020204030204" pitchFamily="49" charset="0"/>
+              </a:rPr>
+              <a:t>	</a:t>
+            </a:r>
+            <a:r>
+              <a:rPr lang="en-US" sz="1600" dirty="0">
+                <a:solidFill>
+                  <a:srgbClr val="0000FF"/>
+                </a:solidFill>
+                <a:latin typeface="Consolas" panose="020B0609020204030204" pitchFamily="49" charset="0"/>
+              </a:rPr>
+              <a:t>object</a:t>
+            </a:r>
+            <a:r>
+              <a:rPr lang="en-US" sz="1600" dirty="0">
+                <a:solidFill>
+                  <a:srgbClr val="000000"/>
+                </a:solidFill>
+                <a:latin typeface="Consolas" panose="020B0609020204030204" pitchFamily="49" charset="0"/>
+              </a:rPr>
+              <a:t> </a:t>
+            </a:r>
+            <a:r>
+              <a:rPr lang="en-US" sz="1600" dirty="0" err="1">
+                <a:solidFill>
+                  <a:srgbClr val="000000"/>
+                </a:solidFill>
+                <a:latin typeface="Consolas" panose="020B0609020204030204" pitchFamily="49" charset="0"/>
+              </a:rPr>
+              <a:t>ConvertBack</a:t>
+            </a:r>
+            <a:r>
+              <a:rPr lang="en-US" sz="1600" dirty="0">
+                <a:solidFill>
+                  <a:srgbClr val="000000"/>
+                </a:solidFill>
+                <a:latin typeface="Consolas" panose="020B0609020204030204" pitchFamily="49" charset="0"/>
+              </a:rPr>
+              <a:t>(</a:t>
+            </a:r>
+            <a:r>
+              <a:rPr lang="en-US" sz="1600" dirty="0">
+                <a:solidFill>
+                  <a:srgbClr val="0000FF"/>
+                </a:solidFill>
+                <a:latin typeface="Consolas" panose="020B0609020204030204" pitchFamily="49" charset="0"/>
+              </a:rPr>
+              <a:t>object</a:t>
+            </a:r>
+            <a:r>
+              <a:rPr lang="en-US" sz="1600" dirty="0">
+                <a:solidFill>
+                  <a:srgbClr val="000000"/>
+                </a:solidFill>
+                <a:latin typeface="Consolas" panose="020B0609020204030204" pitchFamily="49" charset="0"/>
+              </a:rPr>
+              <a:t> value, Type </a:t>
+            </a:r>
+            <a:r>
+              <a:rPr lang="en-US" sz="1600" dirty="0" err="1">
+                <a:solidFill>
+                  <a:srgbClr val="000000"/>
+                </a:solidFill>
+                <a:latin typeface="Consolas" panose="020B0609020204030204" pitchFamily="49" charset="0"/>
+              </a:rPr>
+              <a:t>targetType</a:t>
+            </a:r>
+            <a:r>
+              <a:rPr lang="en-US" sz="1600" dirty="0">
+                <a:solidFill>
+                  <a:srgbClr val="000000"/>
+                </a:solidFill>
+                <a:latin typeface="Consolas" panose="020B0609020204030204" pitchFamily="49" charset="0"/>
+              </a:rPr>
+              <a:t>, </a:t>
+            </a:r>
+            <a:r>
+              <a:rPr lang="en-US" sz="1600" dirty="0">
+                <a:solidFill>
+                  <a:srgbClr val="0000FF"/>
+                </a:solidFill>
+                <a:latin typeface="Consolas" panose="020B0609020204030204" pitchFamily="49" charset="0"/>
+              </a:rPr>
+              <a:t>object</a:t>
+            </a:r>
+            <a:r>
+              <a:rPr lang="en-US" sz="1600" dirty="0">
+                <a:solidFill>
+                  <a:srgbClr val="000000"/>
+                </a:solidFill>
+                <a:latin typeface="Consolas" panose="020B0609020204030204" pitchFamily="49" charset="0"/>
+              </a:rPr>
+              <a:t> parameter, </a:t>
+            </a:r>
+            <a:r>
+              <a:rPr lang="en-US" sz="1600" dirty="0">
+                <a:solidFill>
+                  <a:srgbClr val="0000FF"/>
+                </a:solidFill>
+                <a:latin typeface="Consolas" panose="020B0609020204030204" pitchFamily="49" charset="0"/>
+              </a:rPr>
+              <a:t>string</a:t>
+            </a:r>
+            <a:r>
+              <a:rPr lang="en-US" sz="1600" dirty="0">
+                <a:solidFill>
+                  <a:srgbClr val="000000"/>
+                </a:solidFill>
+                <a:latin typeface="Consolas" panose="020B0609020204030204" pitchFamily="49" charset="0"/>
+              </a:rPr>
+              <a:t> language)</a:t>
+            </a:r>
+          </a:p>
+          <a:p>
+            <a:pPr lvl="0"/>
+            <a:r>
+              <a:rPr lang="de-DE" sz="1600" dirty="0">
+                <a:solidFill>
+                  <a:srgbClr val="000000"/>
+                </a:solidFill>
+                <a:latin typeface="Consolas" panose="020B0609020204030204" pitchFamily="49" charset="0"/>
+              </a:rPr>
+              <a:t>}</a:t>
+            </a:r>
+          </a:p>
+          <a:p>
+            <a:endParaRPr lang="de-DE" dirty="0" smtClean="0">
+              <a:solidFill>
+                <a:schemeClr val="accent3"/>
+              </a:solidFill>
+              <a:latin typeface="+mn-lt"/>
+            </a:endParaRPr>
+          </a:p>
+          <a:p>
+            <a:endParaRPr lang="de-DE" dirty="0" smtClean="0">
+              <a:solidFill>
+                <a:schemeClr val="accent3"/>
+              </a:solidFill>
+              <a:latin typeface="+mn-lt"/>
+            </a:endParaRPr>
+          </a:p>
+          <a:p>
+            <a:r>
+              <a:rPr lang="de-DE" dirty="0" err="1" smtClean="0">
+                <a:solidFill>
+                  <a:schemeClr val="accent3"/>
+                </a:solidFill>
+                <a:latin typeface="+mn-lt"/>
+              </a:rPr>
+              <a:t>Xaml</a:t>
+            </a:r>
+            <a:r>
+              <a:rPr lang="de-DE" dirty="0" smtClean="0">
+                <a:solidFill>
+                  <a:schemeClr val="accent3"/>
+                </a:solidFill>
+                <a:latin typeface="+mn-lt"/>
+              </a:rPr>
+              <a:t>:</a:t>
+            </a:r>
+            <a:endParaRPr lang="de-DE" sz="1600" dirty="0">
+              <a:solidFill>
+                <a:srgbClr val="0000FF"/>
+              </a:solidFill>
+              <a:latin typeface="Consolas" panose="020B0609020204030204" pitchFamily="49" charset="0"/>
+            </a:endParaRPr>
+          </a:p>
+          <a:p>
+            <a:r>
+              <a:rPr lang="de-DE" sz="1600" dirty="0" smtClean="0">
+                <a:solidFill>
+                  <a:srgbClr val="0000FF"/>
+                </a:solidFill>
+                <a:latin typeface="Consolas" panose="020B0609020204030204" pitchFamily="49" charset="0"/>
+              </a:rPr>
+              <a:t>&lt;</a:t>
+            </a:r>
+            <a:r>
+              <a:rPr lang="de-DE" sz="1600" dirty="0" err="1" smtClean="0">
+                <a:solidFill>
+                  <a:srgbClr val="A31515"/>
+                </a:solidFill>
+                <a:latin typeface="Consolas" panose="020B0609020204030204" pitchFamily="49" charset="0"/>
+              </a:rPr>
+              <a:t>TextBlock</a:t>
+            </a:r>
+            <a:r>
+              <a:rPr lang="de-DE" sz="1600" dirty="0">
+                <a:solidFill>
+                  <a:srgbClr val="A31515"/>
+                </a:solidFill>
+                <a:latin typeface="Consolas" panose="020B0609020204030204" pitchFamily="49" charset="0"/>
+              </a:rPr>
+              <a:t>	</a:t>
+            </a:r>
+            <a:endParaRPr lang="de-DE" sz="1600" dirty="0" smtClean="0">
+              <a:solidFill>
+                <a:srgbClr val="A31515"/>
+              </a:solidFill>
+              <a:latin typeface="Consolas" panose="020B0609020204030204" pitchFamily="49" charset="0"/>
+            </a:endParaRPr>
+          </a:p>
+          <a:p>
+            <a:r>
+              <a:rPr lang="de-DE" sz="1600" dirty="0">
+                <a:solidFill>
+                  <a:srgbClr val="A31515"/>
+                </a:solidFill>
+                <a:latin typeface="Consolas" panose="020B0609020204030204" pitchFamily="49" charset="0"/>
+              </a:rPr>
+              <a:t>	</a:t>
+            </a:r>
+            <a:r>
+              <a:rPr lang="de-DE" sz="1600" dirty="0" smtClean="0">
+                <a:solidFill>
+                  <a:srgbClr val="FF0000"/>
+                </a:solidFill>
+                <a:latin typeface="Consolas" panose="020B0609020204030204" pitchFamily="49" charset="0"/>
+              </a:rPr>
+              <a:t>Text</a:t>
+            </a:r>
+            <a:r>
+              <a:rPr lang="de-DE" sz="1600" dirty="0">
+                <a:solidFill>
+                  <a:srgbClr val="0000FF"/>
+                </a:solidFill>
+                <a:latin typeface="Consolas" panose="020B0609020204030204" pitchFamily="49" charset="0"/>
+              </a:rPr>
+              <a:t>="Es sind keine Elemente vorhanden."</a:t>
+            </a:r>
+            <a:endParaRPr lang="de-DE" sz="1600" dirty="0">
+              <a:solidFill>
+                <a:srgbClr val="000000"/>
+              </a:solidFill>
+              <a:latin typeface="Consolas" panose="020B0609020204030204" pitchFamily="49" charset="0"/>
+            </a:endParaRPr>
+          </a:p>
+          <a:p>
+            <a:r>
+              <a:rPr lang="de-DE" sz="1600" dirty="0">
+                <a:solidFill>
+                  <a:srgbClr val="000000"/>
+                </a:solidFill>
+                <a:latin typeface="Consolas" panose="020B0609020204030204" pitchFamily="49" charset="0"/>
+              </a:rPr>
+              <a:t> </a:t>
+            </a:r>
+            <a:r>
+              <a:rPr lang="de-DE" sz="1600" dirty="0" smtClean="0">
+                <a:solidFill>
+                  <a:srgbClr val="000000"/>
+                </a:solidFill>
+                <a:latin typeface="Consolas" panose="020B0609020204030204" pitchFamily="49" charset="0"/>
+              </a:rPr>
+              <a:t>	</a:t>
+            </a:r>
+            <a:r>
+              <a:rPr lang="de-DE" sz="1600" dirty="0" err="1" smtClean="0">
+                <a:solidFill>
+                  <a:srgbClr val="FF0000"/>
+                </a:solidFill>
+                <a:latin typeface="Consolas" panose="020B0609020204030204" pitchFamily="49" charset="0"/>
+              </a:rPr>
+              <a:t>Visibility</a:t>
+            </a:r>
+            <a:r>
+              <a:rPr lang="de-DE" sz="1600" dirty="0" smtClean="0">
+                <a:solidFill>
+                  <a:srgbClr val="0000FF"/>
+                </a:solidFill>
+                <a:latin typeface="Consolas" panose="020B0609020204030204" pitchFamily="49" charset="0"/>
+              </a:rPr>
+              <a:t>="{</a:t>
+            </a:r>
+          </a:p>
+          <a:p>
+            <a:r>
+              <a:rPr lang="de-DE" sz="1600" dirty="0">
+                <a:solidFill>
+                  <a:srgbClr val="0000FF"/>
+                </a:solidFill>
+                <a:latin typeface="Consolas" panose="020B0609020204030204" pitchFamily="49" charset="0"/>
+              </a:rPr>
+              <a:t>	</a:t>
+            </a:r>
+            <a:r>
+              <a:rPr lang="de-DE" sz="1600" dirty="0" smtClean="0">
+                <a:solidFill>
+                  <a:srgbClr val="0000FF"/>
+                </a:solidFill>
+                <a:latin typeface="Consolas" panose="020B0609020204030204" pitchFamily="49" charset="0"/>
+              </a:rPr>
+              <a:t>	</a:t>
+            </a:r>
+            <a:r>
+              <a:rPr lang="de-DE" sz="1600" dirty="0" smtClean="0">
+                <a:solidFill>
+                  <a:srgbClr val="A31515"/>
+                </a:solidFill>
+                <a:latin typeface="Consolas" panose="020B0609020204030204" pitchFamily="49" charset="0"/>
+              </a:rPr>
+              <a:t>Binding</a:t>
+            </a:r>
+            <a:r>
+              <a:rPr lang="de-DE" sz="1600" dirty="0" smtClean="0">
+                <a:solidFill>
+                  <a:srgbClr val="FF0000"/>
+                </a:solidFill>
+                <a:latin typeface="Consolas" panose="020B0609020204030204" pitchFamily="49" charset="0"/>
+              </a:rPr>
+              <a:t> </a:t>
+            </a:r>
+            <a:r>
+              <a:rPr lang="de-DE" sz="1600" dirty="0">
+                <a:solidFill>
+                  <a:srgbClr val="FF0000"/>
+                </a:solidFill>
+                <a:latin typeface="Consolas" panose="020B0609020204030204" pitchFamily="49" charset="0"/>
+              </a:rPr>
+              <a:t>Posts</a:t>
+            </a:r>
+            <a:r>
+              <a:rPr lang="de-DE" sz="1600" dirty="0">
+                <a:solidFill>
+                  <a:srgbClr val="0000FF"/>
+                </a:solidFill>
+                <a:latin typeface="Consolas" panose="020B0609020204030204" pitchFamily="49" charset="0"/>
+              </a:rPr>
+              <a:t>,</a:t>
+            </a:r>
+            <a:r>
+              <a:rPr lang="de-DE" sz="1600" dirty="0">
+                <a:solidFill>
+                  <a:srgbClr val="FF0000"/>
+                </a:solidFill>
+                <a:latin typeface="Consolas" panose="020B0609020204030204" pitchFamily="49" charset="0"/>
+              </a:rPr>
+              <a:t> </a:t>
+            </a:r>
+            <a:endParaRPr lang="de-DE" sz="1600" dirty="0" smtClean="0">
+              <a:solidFill>
+                <a:srgbClr val="FF0000"/>
+              </a:solidFill>
+              <a:latin typeface="Consolas" panose="020B0609020204030204" pitchFamily="49" charset="0"/>
+            </a:endParaRPr>
+          </a:p>
+          <a:p>
+            <a:r>
+              <a:rPr lang="de-DE" sz="1600" dirty="0">
+                <a:solidFill>
+                  <a:srgbClr val="FF0000"/>
+                </a:solidFill>
+                <a:latin typeface="Consolas" panose="020B0609020204030204" pitchFamily="49" charset="0"/>
+              </a:rPr>
+              <a:t>	</a:t>
+            </a:r>
+            <a:r>
+              <a:rPr lang="de-DE" sz="1600" dirty="0" smtClean="0">
+                <a:solidFill>
+                  <a:srgbClr val="FF0000"/>
+                </a:solidFill>
+                <a:latin typeface="Consolas" panose="020B0609020204030204" pitchFamily="49" charset="0"/>
+              </a:rPr>
+              <a:t>	Converter</a:t>
+            </a:r>
+            <a:r>
+              <a:rPr lang="de-DE" sz="1600" dirty="0">
+                <a:solidFill>
+                  <a:srgbClr val="0000FF"/>
+                </a:solidFill>
+                <a:latin typeface="Consolas" panose="020B0609020204030204" pitchFamily="49" charset="0"/>
+              </a:rPr>
+              <a:t>={</a:t>
+            </a:r>
+            <a:r>
+              <a:rPr lang="de-DE" sz="1600" dirty="0" err="1">
+                <a:solidFill>
+                  <a:srgbClr val="A31515"/>
+                </a:solidFill>
+                <a:latin typeface="Consolas" panose="020B0609020204030204" pitchFamily="49" charset="0"/>
+              </a:rPr>
+              <a:t>StaticResource</a:t>
+            </a:r>
+            <a:r>
+              <a:rPr lang="de-DE" sz="1600" dirty="0">
+                <a:solidFill>
+                  <a:srgbClr val="FF0000"/>
+                </a:solidFill>
+                <a:latin typeface="Consolas" panose="020B0609020204030204" pitchFamily="49" charset="0"/>
+              </a:rPr>
+              <a:t> </a:t>
+            </a:r>
+            <a:r>
+              <a:rPr lang="de-DE" sz="1600" dirty="0" err="1">
+                <a:solidFill>
+                  <a:srgbClr val="FF0000"/>
+                </a:solidFill>
+                <a:latin typeface="Consolas" panose="020B0609020204030204" pitchFamily="49" charset="0"/>
+              </a:rPr>
+              <a:t>CollectionToVisibilityConverter</a:t>
+            </a:r>
+            <a:r>
+              <a:rPr lang="de-DE" sz="1600" dirty="0">
+                <a:solidFill>
+                  <a:srgbClr val="0000FF"/>
+                </a:solidFill>
+                <a:latin typeface="Consolas" panose="020B0609020204030204" pitchFamily="49" charset="0"/>
+              </a:rPr>
+              <a:t>},</a:t>
+            </a:r>
+            <a:r>
+              <a:rPr lang="de-DE" sz="1600" dirty="0">
+                <a:solidFill>
+                  <a:srgbClr val="FF0000"/>
+                </a:solidFill>
+                <a:latin typeface="Consolas" panose="020B0609020204030204" pitchFamily="49" charset="0"/>
+              </a:rPr>
+              <a:t> </a:t>
+            </a:r>
+            <a:r>
+              <a:rPr lang="de-DE" sz="1600" dirty="0" smtClean="0">
+                <a:solidFill>
+                  <a:srgbClr val="FF0000"/>
+                </a:solidFill>
+                <a:latin typeface="Consolas" panose="020B0609020204030204" pitchFamily="49" charset="0"/>
+              </a:rPr>
+              <a:t>				</a:t>
+            </a:r>
+            <a:r>
+              <a:rPr lang="de-DE" sz="1600" dirty="0" err="1" smtClean="0">
+                <a:solidFill>
+                  <a:srgbClr val="FF0000"/>
+                </a:solidFill>
+                <a:latin typeface="Consolas" panose="020B0609020204030204" pitchFamily="49" charset="0"/>
+              </a:rPr>
+              <a:t>ConverterParameter</a:t>
+            </a:r>
+            <a:r>
+              <a:rPr lang="de-DE" sz="1600" dirty="0" smtClean="0">
+                <a:solidFill>
+                  <a:srgbClr val="0000FF"/>
+                </a:solidFill>
+                <a:latin typeface="Consolas" panose="020B0609020204030204" pitchFamily="49" charset="0"/>
+              </a:rPr>
+              <a:t>=</a:t>
+            </a:r>
+            <a:r>
+              <a:rPr lang="de-DE" sz="1600" dirty="0" smtClean="0">
+                <a:solidFill>
+                  <a:srgbClr val="000000"/>
+                </a:solidFill>
+                <a:latin typeface="Consolas" panose="020B0609020204030204" pitchFamily="49" charset="0"/>
+              </a:rPr>
+              <a:t>1</a:t>
+            </a:r>
+          </a:p>
+          <a:p>
+            <a:r>
+              <a:rPr lang="de-DE" sz="1600" dirty="0">
+                <a:solidFill>
+                  <a:srgbClr val="000000"/>
+                </a:solidFill>
+                <a:latin typeface="Consolas" panose="020B0609020204030204" pitchFamily="49" charset="0"/>
+              </a:rPr>
+              <a:t>	</a:t>
+            </a:r>
+            <a:r>
+              <a:rPr lang="de-DE" sz="1600" dirty="0" smtClean="0">
+                <a:solidFill>
+                  <a:srgbClr val="0000FF"/>
+                </a:solidFill>
+                <a:latin typeface="Consolas" panose="020B0609020204030204" pitchFamily="49" charset="0"/>
+              </a:rPr>
+              <a:t>}„</a:t>
+            </a:r>
+          </a:p>
+          <a:p>
+            <a:r>
+              <a:rPr lang="de-DE" sz="1600" dirty="0" smtClean="0">
+                <a:solidFill>
+                  <a:srgbClr val="0000FF"/>
+                </a:solidFill>
+                <a:latin typeface="Consolas" panose="020B0609020204030204" pitchFamily="49" charset="0"/>
+              </a:rPr>
+              <a:t>/&gt;</a:t>
+            </a:r>
+            <a:endParaRPr lang="de-DE" sz="1600" dirty="0" smtClean="0">
+              <a:solidFill>
+                <a:schemeClr val="accent3"/>
+              </a:solidFill>
+            </a:endParaRPr>
           </a:p>
         </p:txBody>
       </p:sp>
     </p:spTree>
     <p:extLst>
       <p:ext uri="{BB962C8B-B14F-4D97-AF65-F5344CB8AC3E}">
-        <p14:creationId xmlns:p14="http://schemas.microsoft.com/office/powerpoint/2010/main" val="1279519597"/>
+        <p14:creationId xmlns:p14="http://schemas.microsoft.com/office/powerpoint/2010/main" val="365781920"/>
       </p:ext>
     </p:extLst>
   </p:cSld>
   <p:clrMapOvr>
     <a:masterClrMapping/>
   </p:clrMapOvr>
-  <p:timing>
-    <p:tnLst>
-      <p:par>
-        <p:cTn id="1" dur="indefinite" restart="never" nodeType="tmRoot"/>
-      </p:par>
-    </p:tnLst>
-  </p:timing>
 </p:sld>
 </file>
 
@@ -9217,7 +9711,7 @@
       </p:grpSpPr>
       <p:sp>
         <p:nvSpPr>
-          <p:cNvPr id="6" name="Titel 5"/>
+          <p:cNvPr id="2" name="Titel 1"/>
           <p:cNvSpPr>
             <a:spLocks noGrp="1"/>
           </p:cNvSpPr>
@@ -9230,9 +9724,18 @@
           <a:bodyPr/>
           <a:lstStyle/>
           <a:p>
+            <a:pPr>
+              <a:lnSpc>
+                <a:spcPct val="150000"/>
+              </a:lnSpc>
+            </a:pPr>
             <a:r>
               <a:rPr lang="de-DE" dirty="0" smtClean="0"/>
-              <a:t>HANDS-ON</a:t>
+              <a:t>4.4 Befehle mit </a:t>
+            </a:r>
+            <a:r>
+              <a:rPr lang="de-DE" dirty="0" err="1" smtClean="0"/>
+              <a:t>ICommand</a:t>
             </a:r>
             <a:endParaRPr lang="de-DE" dirty="0"/>
           </a:p>
@@ -9240,12 +9743,12 @@
       </p:sp>
       <p:sp>
         <p:nvSpPr>
-          <p:cNvPr id="7" name="Untertitel 6"/>
-          <p:cNvSpPr>
-            <a:spLocks noGrp="1"/>
-          </p:cNvSpPr>
-          <p:nvPr>
-            <p:ph type="subTitle" idx="1"/>
+          <p:cNvPr id="3" name="Inhaltsplatzhalter 2"/>
+          <p:cNvSpPr>
+            <a:spLocks noGrp="1"/>
+          </p:cNvSpPr>
+          <p:nvPr>
+            <p:ph idx="1"/>
           </p:nvPr>
         </p:nvSpPr>
         <p:spPr/>
@@ -9253,10 +9756,111 @@
           <a:bodyPr/>
           <a:lstStyle/>
           <a:p>
+            <a:pPr>
+              <a:lnSpc>
+                <a:spcPct val="150000"/>
+              </a:lnSpc>
+            </a:pPr>
+            <a:r>
+              <a:rPr lang="de-DE" dirty="0" smtClean="0"/>
+              <a:t>Werden von UI-Elementen bei bestimmten Aktionen aufgerufen (Click, …)</a:t>
+            </a:r>
+          </a:p>
+          <a:p>
+            <a:pPr>
+              <a:lnSpc>
+                <a:spcPct val="150000"/>
+              </a:lnSpc>
+            </a:pPr>
+            <a:r>
+              <a:rPr lang="de-DE" dirty="0" smtClean="0"/>
+              <a:t>Werden im </a:t>
+            </a:r>
             <a:r>
               <a:rPr lang="de-DE" dirty="0"/>
-              <a:t>06/02 MVVM Grundlagen</a:t>
-            </a:r>
+              <a:t>ViewModel </a:t>
+            </a:r>
+            <a:r>
+              <a:rPr lang="de-DE" dirty="0" smtClean="0"/>
+              <a:t>definiert und implementiert</a:t>
+            </a:r>
+          </a:p>
+          <a:p>
+            <a:pPr>
+              <a:lnSpc>
+                <a:spcPct val="150000"/>
+              </a:lnSpc>
+            </a:pPr>
+            <a:r>
+              <a:rPr lang="de-DE" smtClean="0"/>
+              <a:t>Ziel MVVM: </a:t>
+            </a:r>
+            <a:r>
+              <a:rPr lang="de-DE" dirty="0" smtClean="0"/>
+              <a:t>So wenig wie möglich Geschäftslogik in der Code-Behind Datei</a:t>
+            </a:r>
+          </a:p>
+          <a:p>
+            <a:pPr lvl="1">
+              <a:lnSpc>
+                <a:spcPct val="150000"/>
+              </a:lnSpc>
+            </a:pPr>
+            <a:r>
+              <a:rPr lang="de-DE" dirty="0" smtClean="0"/>
+              <a:t>Im Bestfall nur View-spezifische Logik</a:t>
+            </a:r>
+          </a:p>
+          <a:p>
+            <a:pPr>
+              <a:lnSpc>
+                <a:spcPct val="150000"/>
+              </a:lnSpc>
+            </a:pPr>
+            <a:r>
+              <a:rPr lang="de-DE" dirty="0" smtClean="0"/>
+              <a:t>Interface: </a:t>
+            </a:r>
+            <a:r>
+              <a:rPr lang="de-DE" dirty="0" err="1" smtClean="0"/>
+              <a:t>ICommand</a:t>
+            </a:r>
+            <a:endParaRPr lang="de-DE" dirty="0" smtClean="0"/>
+          </a:p>
+          <a:p>
+            <a:pPr lvl="1">
+              <a:lnSpc>
+                <a:spcPct val="150000"/>
+              </a:lnSpc>
+            </a:pPr>
+            <a:r>
+              <a:rPr lang="de-DE" dirty="0" smtClean="0"/>
+              <a:t>Execute</a:t>
+            </a:r>
+          </a:p>
+          <a:p>
+            <a:pPr lvl="1">
+              <a:lnSpc>
+                <a:spcPct val="150000"/>
+              </a:lnSpc>
+            </a:pPr>
+            <a:r>
+              <a:rPr lang="de-DE" dirty="0" err="1" smtClean="0"/>
+              <a:t>CanExecute</a:t>
+            </a:r>
+            <a:endParaRPr lang="de-DE" dirty="0" smtClean="0"/>
+          </a:p>
+          <a:p>
+            <a:pPr lvl="1">
+              <a:lnSpc>
+                <a:spcPct val="150000"/>
+              </a:lnSpc>
+            </a:pPr>
+            <a:r>
+              <a:rPr lang="de-DE" i="1" dirty="0" err="1" smtClean="0"/>
+              <a:t>CanExecuteChanged</a:t>
+            </a:r>
+            <a:endParaRPr lang="de-DE" i="1" dirty="0"/>
           </a:p>
         </p:txBody>
       </p:sp>
@@ -9267,7 +9871,7 @@
             <a:spLocks noGrp="1"/>
           </p:cNvSpPr>
           <p:nvPr>
-            <p:ph type="sldNum" sz="quarter" idx="10"/>
+            <p:ph type="sldNum" sz="quarter" idx="12"/>
           </p:nvPr>
         </p:nvSpPr>
         <p:spPr/>
@@ -9280,20 +9884,27 @@
               <a:pPr/>
               <a:t>18</a:t>
             </a:fld>
-            <a:endParaRPr lang="en-US" dirty="0"/>
+            <a:endParaRPr lang="en-US"/>
           </a:p>
         </p:txBody>
       </p:sp>
     </p:spTree>
     <p:extLst>
       <p:ext uri="{BB962C8B-B14F-4D97-AF65-F5344CB8AC3E}">
-        <p14:creationId xmlns:p14="http://schemas.microsoft.com/office/powerpoint/2010/main" val="125251726"/>
+        <p14:creationId xmlns:p14="http://schemas.microsoft.com/office/powerpoint/2010/main" val="1993529972"/>
       </p:ext>
     </p:extLst>
   </p:cSld>
   <p:clrMapOvr>
     <a:masterClrMapping/>
   </p:clrMapOvr>
+  <p:timing>
+    <p:tnLst>
+      <p:par>
+        <p:cTn id="1" dur="indefinite" restart="never" nodeType="tmRoot"/>
+      </p:par>
+    </p:tnLst>
+  </p:timing>
 </p:sld>
 </file>
 
@@ -9329,135 +9940,23 @@
           <a:bodyPr/>
           <a:lstStyle/>
           <a:p>
-            <a:pPr>
-              <a:lnSpc>
-                <a:spcPct val="150000"/>
-              </a:lnSpc>
-            </a:pPr>
             <a:r>
               <a:rPr lang="de-DE" dirty="0" smtClean="0"/>
-              <a:t>5. </a:t>
-            </a:r>
-            <a:r>
-              <a:rPr lang="de-DE" dirty="0"/>
-              <a:t>Anbindung der API über Services</a:t>
-            </a:r>
-          </a:p>
-        </p:txBody>
-      </p:sp>
-      <p:sp>
-        <p:nvSpPr>
-          <p:cNvPr id="3" name="Inhaltsplatzhalter 2"/>
-          <p:cNvSpPr>
-            <a:spLocks noGrp="1"/>
-          </p:cNvSpPr>
-          <p:nvPr>
-            <p:ph idx="1"/>
-          </p:nvPr>
-        </p:nvSpPr>
-        <p:spPr/>
-        <p:txBody>
-          <a:bodyPr/>
-          <a:lstStyle/>
-          <a:p>
-            <a:pPr>
-              <a:lnSpc>
-                <a:spcPct val="150000"/>
-              </a:lnSpc>
-            </a:pPr>
+              <a:t>4.3 </a:t>
+            </a:r>
+            <a:r>
+              <a:rPr lang="de-DE" dirty="0" err="1" smtClean="0"/>
+              <a:t>ICommand</a:t>
+            </a:r>
             <a:r>
               <a:rPr lang="de-DE" dirty="0" smtClean="0"/>
-              <a:t>RestSharp zur einfachen Kommunikation mit der Web API</a:t>
-            </a:r>
-          </a:p>
-          <a:p>
-            <a:pPr>
-              <a:lnSpc>
-                <a:spcPct val="150000"/>
-              </a:lnSpc>
-            </a:pPr>
-            <a:r>
-              <a:rPr lang="de-DE" dirty="0" smtClean="0"/>
-              <a:t>Posts abrufen</a:t>
-            </a:r>
-          </a:p>
-          <a:p>
-            <a:pPr>
-              <a:lnSpc>
-                <a:spcPct val="150000"/>
-              </a:lnSpc>
-            </a:pPr>
-            <a:r>
-              <a:rPr lang="de-DE" dirty="0" smtClean="0"/>
-              <a:t>Registrierung und Login</a:t>
-            </a:r>
-          </a:p>
-          <a:p>
-            <a:pPr>
-              <a:lnSpc>
-                <a:spcPct val="150000"/>
-              </a:lnSpc>
-            </a:pPr>
-            <a:r>
-              <a:rPr lang="de-DE" dirty="0" smtClean="0"/>
-              <a:t>Hands-On (später):</a:t>
-            </a:r>
-          </a:p>
-          <a:p>
-            <a:pPr lvl="1">
-              <a:lnSpc>
-                <a:spcPct val="150000"/>
-              </a:lnSpc>
-            </a:pPr>
-            <a:r>
-              <a:rPr lang="de-DE" dirty="0" smtClean="0"/>
-              <a:t>RestSharp kennenlernen</a:t>
-            </a:r>
-          </a:p>
-          <a:p>
-            <a:pPr lvl="1">
-              <a:lnSpc>
-                <a:spcPct val="150000"/>
-              </a:lnSpc>
-            </a:pPr>
-            <a:r>
-              <a:rPr lang="de-DE" dirty="0" smtClean="0"/>
-              <a:t>Die API anbinden um Posts abzurufen</a:t>
-            </a:r>
-          </a:p>
-          <a:p>
-            <a:pPr lvl="1">
-              <a:lnSpc>
-                <a:spcPct val="150000"/>
-              </a:lnSpc>
-            </a:pPr>
-            <a:r>
-              <a:rPr lang="de-DE" dirty="0" smtClean="0"/>
-              <a:t>Registrierung </a:t>
-            </a:r>
-            <a:r>
-              <a:rPr lang="de-DE" dirty="0"/>
-              <a:t>und Login der API </a:t>
-            </a:r>
-            <a:r>
-              <a:rPr lang="de-DE" dirty="0" smtClean="0"/>
-              <a:t>verwenden</a:t>
-            </a:r>
-          </a:p>
-          <a:p>
-            <a:pPr lvl="1">
-              <a:lnSpc>
-                <a:spcPct val="150000"/>
-              </a:lnSpc>
-            </a:pPr>
-            <a:r>
-              <a:rPr lang="de-DE" dirty="0" smtClean="0"/>
-              <a:t>Die </a:t>
-            </a:r>
-            <a:r>
-              <a:rPr lang="de-DE" dirty="0"/>
-              <a:t>Like-Funktion verwenden</a:t>
-            </a:r>
+              <a:t> Code </a:t>
+            </a:r>
+            <a:r>
+              <a:rPr lang="de-DE" dirty="0" err="1" smtClean="0"/>
+              <a:t>Snippet</a:t>
+            </a:r>
+            <a:endParaRPr lang="de-DE" dirty="0"/>
           </a:p>
         </p:txBody>
       </p:sp>
@@ -9481,57 +9980,534 @@
               <a:pPr/>
               <a:t>19</a:t>
             </a:fld>
-            <a:endParaRPr lang="en-US"/>
-          </a:p>
-        </p:txBody>
-      </p:sp>
-      <p:pic>
-        <p:nvPicPr>
-          <p:cNvPr id="6" name="Grafik 5"/>
-          <p:cNvPicPr>
-            <a:picLocks noChangeAspect="1"/>
-          </p:cNvPicPr>
+            <a:endParaRPr lang="en-US" dirty="0"/>
+          </a:p>
+        </p:txBody>
+      </p:sp>
+      <p:sp>
+        <p:nvSpPr>
+          <p:cNvPr id="5" name="Textfeld 4"/>
+          <p:cNvSpPr txBox="1"/>
           <p:nvPr/>
-        </p:nvPicPr>
-        <p:blipFill>
-          <a:blip r:embed="rId3">
-            <a:extLst>
-              <a:ext uri="{28A0092B-C50C-407E-A947-70E740481C1C}">
-                <a14:useLocalDpi xmlns:a14="http://schemas.microsoft.com/office/drawing/2010/main" val="0"/>
-              </a:ext>
-            </a:extLst>
-          </a:blip>
-          <a:stretch>
-            <a:fillRect/>
-          </a:stretch>
-        </p:blipFill>
+        </p:nvSpPr>
         <p:spPr>
           <a:xfrm>
-            <a:off x="8572500" y="1791494"/>
-            <a:ext cx="2456656" cy="2456656"/>
+            <a:off x="587298" y="1405727"/>
+            <a:ext cx="10809248" cy="2862322"/>
           </a:xfrm>
           <a:prstGeom prst="rect">
             <a:avLst/>
           </a:prstGeom>
+          <a:noFill/>
         </p:spPr>
-      </p:pic>
+        <p:txBody>
+          <a:bodyPr wrap="square" rtlCol="0">
+            <a:spAutoFit/>
+          </a:bodyPr>
+          <a:lstStyle/>
+          <a:p>
+            <a:r>
+              <a:rPr lang="de-DE" dirty="0" smtClean="0">
+                <a:solidFill>
+                  <a:schemeClr val="accent3"/>
+                </a:solidFill>
+                <a:latin typeface="+mn-lt"/>
+              </a:rPr>
+              <a:t>C#:</a:t>
+            </a:r>
+          </a:p>
+          <a:p>
+            <a:r>
+              <a:rPr lang="de-DE" dirty="0" err="1" smtClean="0">
+                <a:solidFill>
+                  <a:srgbClr val="0000FF"/>
+                </a:solidFill>
+                <a:latin typeface="Consolas" panose="020B0609020204030204" pitchFamily="49" charset="0"/>
+              </a:rPr>
+              <a:t>public</a:t>
+            </a:r>
+            <a:r>
+              <a:rPr lang="de-DE" dirty="0" smtClean="0">
+                <a:solidFill>
+                  <a:srgbClr val="000000"/>
+                </a:solidFill>
+                <a:latin typeface="Consolas" panose="020B0609020204030204" pitchFamily="49" charset="0"/>
+              </a:rPr>
+              <a:t> </a:t>
+            </a:r>
+            <a:r>
+              <a:rPr lang="de-DE" dirty="0" err="1">
+                <a:solidFill>
+                  <a:srgbClr val="0000FF"/>
+                </a:solidFill>
+                <a:latin typeface="Consolas" panose="020B0609020204030204" pitchFamily="49" charset="0"/>
+              </a:rPr>
+              <a:t>class</a:t>
+            </a:r>
+            <a:r>
+              <a:rPr lang="de-DE" dirty="0">
+                <a:solidFill>
+                  <a:srgbClr val="000000"/>
+                </a:solidFill>
+                <a:latin typeface="Consolas" panose="020B0609020204030204" pitchFamily="49" charset="0"/>
+              </a:rPr>
+              <a:t> </a:t>
+            </a:r>
+            <a:r>
+              <a:rPr lang="de-DE" dirty="0" err="1" smtClean="0">
+                <a:solidFill>
+                  <a:srgbClr val="2B91AF"/>
+                </a:solidFill>
+                <a:latin typeface="Consolas" panose="020B0609020204030204" pitchFamily="49" charset="0"/>
+              </a:rPr>
+              <a:t>AddPostViewModel</a:t>
+            </a:r>
+            <a:r>
+              <a:rPr lang="de-DE" dirty="0" smtClean="0">
+                <a:solidFill>
+                  <a:srgbClr val="2B91AF"/>
+                </a:solidFill>
+                <a:latin typeface="Consolas" panose="020B0609020204030204" pitchFamily="49" charset="0"/>
+              </a:rPr>
+              <a:t>{</a:t>
+            </a:r>
+          </a:p>
+          <a:p>
+            <a:r>
+              <a:rPr lang="de-DE" dirty="0" smtClean="0">
+                <a:solidFill>
+                  <a:srgbClr val="000000"/>
+                </a:solidFill>
+                <a:latin typeface="Consolas" panose="020B0609020204030204" pitchFamily="49" charset="0"/>
+              </a:rPr>
+              <a:t>	</a:t>
+            </a:r>
+            <a:r>
+              <a:rPr lang="de-DE" dirty="0" err="1" smtClean="0">
+                <a:solidFill>
+                  <a:srgbClr val="0000FF"/>
+                </a:solidFill>
+                <a:latin typeface="Consolas" panose="020B0609020204030204" pitchFamily="49" charset="0"/>
+              </a:rPr>
+              <a:t>public</a:t>
+            </a:r>
+            <a:r>
+              <a:rPr lang="de-DE" dirty="0" smtClean="0">
+                <a:solidFill>
+                  <a:srgbClr val="000000"/>
+                </a:solidFill>
+                <a:latin typeface="Consolas" panose="020B0609020204030204" pitchFamily="49" charset="0"/>
+              </a:rPr>
+              <a:t> </a:t>
+            </a:r>
+            <a:r>
+              <a:rPr lang="de-DE" dirty="0" err="1">
+                <a:solidFill>
+                  <a:srgbClr val="000000"/>
+                </a:solidFill>
+                <a:latin typeface="Consolas" panose="020B0609020204030204" pitchFamily="49" charset="0"/>
+              </a:rPr>
+              <a:t>AddPostViewModel</a:t>
+            </a:r>
+            <a:r>
+              <a:rPr lang="de-DE" dirty="0" smtClean="0">
+                <a:solidFill>
+                  <a:srgbClr val="000000"/>
+                </a:solidFill>
+                <a:latin typeface="Consolas" panose="020B0609020204030204" pitchFamily="49" charset="0"/>
+              </a:rPr>
+              <a:t>(){</a:t>
+            </a:r>
+            <a:endParaRPr lang="de-DE" dirty="0">
+              <a:solidFill>
+                <a:srgbClr val="000000"/>
+              </a:solidFill>
+              <a:latin typeface="Consolas" panose="020B0609020204030204" pitchFamily="49" charset="0"/>
+            </a:endParaRPr>
+          </a:p>
+          <a:p>
+            <a:r>
+              <a:rPr lang="de-DE" dirty="0">
+                <a:solidFill>
+                  <a:srgbClr val="000000"/>
+                </a:solidFill>
+                <a:latin typeface="Consolas" panose="020B0609020204030204" pitchFamily="49" charset="0"/>
+              </a:rPr>
+              <a:t>            </a:t>
+            </a:r>
+            <a:r>
+              <a:rPr lang="de-DE" dirty="0" err="1">
+                <a:solidFill>
+                  <a:srgbClr val="0000FF"/>
+                </a:solidFill>
+                <a:latin typeface="Consolas" panose="020B0609020204030204" pitchFamily="49" charset="0"/>
+              </a:rPr>
+              <a:t>this</a:t>
+            </a:r>
+            <a:r>
+              <a:rPr lang="de-DE" dirty="0" err="1">
+                <a:solidFill>
+                  <a:srgbClr val="000000"/>
+                </a:solidFill>
+                <a:latin typeface="Consolas" panose="020B0609020204030204" pitchFamily="49" charset="0"/>
+              </a:rPr>
+              <a:t>.PickFileCommand</a:t>
+            </a:r>
+            <a:r>
+              <a:rPr lang="de-DE" dirty="0">
+                <a:solidFill>
+                  <a:srgbClr val="000000"/>
+                </a:solidFill>
+                <a:latin typeface="Consolas" panose="020B0609020204030204" pitchFamily="49" charset="0"/>
+              </a:rPr>
+              <a:t> = </a:t>
+            </a:r>
+            <a:r>
+              <a:rPr lang="de-DE" dirty="0" err="1">
+                <a:solidFill>
+                  <a:srgbClr val="0000FF"/>
+                </a:solidFill>
+                <a:latin typeface="Consolas" panose="020B0609020204030204" pitchFamily="49" charset="0"/>
+              </a:rPr>
+              <a:t>new</a:t>
+            </a:r>
+            <a:r>
+              <a:rPr lang="de-DE" dirty="0">
+                <a:solidFill>
+                  <a:srgbClr val="000000"/>
+                </a:solidFill>
+                <a:latin typeface="Consolas" panose="020B0609020204030204" pitchFamily="49" charset="0"/>
+              </a:rPr>
+              <a:t> </a:t>
+            </a:r>
+            <a:r>
+              <a:rPr lang="de-DE" dirty="0" err="1">
+                <a:solidFill>
+                  <a:srgbClr val="2B91AF"/>
+                </a:solidFill>
+                <a:latin typeface="Consolas" panose="020B0609020204030204" pitchFamily="49" charset="0"/>
+              </a:rPr>
+              <a:t>DelegateCommand</a:t>
+            </a:r>
+            <a:r>
+              <a:rPr lang="de-DE" dirty="0">
+                <a:solidFill>
+                  <a:srgbClr val="000000"/>
+                </a:solidFill>
+                <a:latin typeface="Consolas" panose="020B0609020204030204" pitchFamily="49" charset="0"/>
+              </a:rPr>
+              <a:t>(</a:t>
+            </a:r>
+            <a:r>
+              <a:rPr lang="de-DE" dirty="0" err="1">
+                <a:solidFill>
+                  <a:srgbClr val="0000FF"/>
+                </a:solidFill>
+                <a:latin typeface="Consolas" panose="020B0609020204030204" pitchFamily="49" charset="0"/>
+              </a:rPr>
+              <a:t>this</a:t>
+            </a:r>
+            <a:r>
+              <a:rPr lang="de-DE" dirty="0" err="1">
+                <a:solidFill>
+                  <a:srgbClr val="000000"/>
+                </a:solidFill>
+                <a:latin typeface="Consolas" panose="020B0609020204030204" pitchFamily="49" charset="0"/>
+              </a:rPr>
+              <a:t>.PickImage</a:t>
+            </a:r>
+            <a:r>
+              <a:rPr lang="de-DE" dirty="0" smtClean="0">
+                <a:solidFill>
+                  <a:srgbClr val="000000"/>
+                </a:solidFill>
+                <a:latin typeface="Consolas" panose="020B0609020204030204" pitchFamily="49" charset="0"/>
+              </a:rPr>
+              <a:t>);</a:t>
+            </a:r>
+          </a:p>
+          <a:p>
+            <a:r>
+              <a:rPr lang="de-DE" dirty="0">
+                <a:solidFill>
+                  <a:srgbClr val="000000"/>
+                </a:solidFill>
+                <a:latin typeface="Consolas" panose="020B0609020204030204" pitchFamily="49" charset="0"/>
+              </a:rPr>
+              <a:t>	</a:t>
+            </a:r>
+            <a:r>
+              <a:rPr lang="de-DE" dirty="0" smtClean="0">
+                <a:solidFill>
+                  <a:srgbClr val="000000"/>
+                </a:solidFill>
+                <a:latin typeface="Consolas" panose="020B0609020204030204" pitchFamily="49" charset="0"/>
+              </a:rPr>
+              <a:t>}</a:t>
+            </a:r>
+            <a:endParaRPr lang="de-DE" dirty="0" smtClean="0">
+              <a:solidFill>
+                <a:srgbClr val="2B91AF"/>
+              </a:solidFill>
+              <a:latin typeface="Consolas" panose="020B0609020204030204" pitchFamily="49" charset="0"/>
+            </a:endParaRPr>
+          </a:p>
+          <a:p>
+            <a:r>
+              <a:rPr lang="en-US" dirty="0" smtClean="0">
+                <a:solidFill>
+                  <a:srgbClr val="0000FF"/>
+                </a:solidFill>
+                <a:latin typeface="Consolas" panose="020B0609020204030204" pitchFamily="49" charset="0"/>
+              </a:rPr>
+              <a:t>	public</a:t>
+            </a:r>
+            <a:r>
+              <a:rPr lang="en-US" dirty="0" smtClean="0">
+                <a:solidFill>
+                  <a:srgbClr val="000000"/>
+                </a:solidFill>
+                <a:latin typeface="Consolas" panose="020B0609020204030204" pitchFamily="49" charset="0"/>
+              </a:rPr>
+              <a:t> </a:t>
+            </a:r>
+            <a:r>
+              <a:rPr lang="en-US" dirty="0" err="1" smtClean="0">
+                <a:solidFill>
+                  <a:srgbClr val="2B91AF"/>
+                </a:solidFill>
+                <a:latin typeface="Consolas" panose="020B0609020204030204" pitchFamily="49" charset="0"/>
+              </a:rPr>
+              <a:t>DelegateCommand</a:t>
+            </a:r>
+            <a:r>
+              <a:rPr lang="en-US" dirty="0" smtClean="0">
+                <a:solidFill>
+                  <a:srgbClr val="000000"/>
+                </a:solidFill>
+                <a:latin typeface="Consolas" panose="020B0609020204030204" pitchFamily="49" charset="0"/>
+              </a:rPr>
+              <a:t> </a:t>
+            </a:r>
+            <a:r>
+              <a:rPr lang="en-US" dirty="0" err="1">
+                <a:solidFill>
+                  <a:srgbClr val="000000"/>
+                </a:solidFill>
+                <a:latin typeface="Consolas" panose="020B0609020204030204" pitchFamily="49" charset="0"/>
+              </a:rPr>
+              <a:t>PickFileCommand</a:t>
+            </a:r>
+            <a:r>
+              <a:rPr lang="en-US" dirty="0">
+                <a:solidFill>
+                  <a:srgbClr val="000000"/>
+                </a:solidFill>
+                <a:latin typeface="Consolas" panose="020B0609020204030204" pitchFamily="49" charset="0"/>
+              </a:rPr>
+              <a:t> { </a:t>
+            </a:r>
+            <a:r>
+              <a:rPr lang="en-US" dirty="0">
+                <a:solidFill>
+                  <a:srgbClr val="0000FF"/>
+                </a:solidFill>
+                <a:latin typeface="Consolas" panose="020B0609020204030204" pitchFamily="49" charset="0"/>
+              </a:rPr>
+              <a:t>get</a:t>
+            </a:r>
+            <a:r>
+              <a:rPr lang="en-US" dirty="0">
+                <a:solidFill>
+                  <a:srgbClr val="000000"/>
+                </a:solidFill>
+                <a:latin typeface="Consolas" panose="020B0609020204030204" pitchFamily="49" charset="0"/>
+              </a:rPr>
+              <a:t>; </a:t>
+            </a:r>
+            <a:r>
+              <a:rPr lang="en-US" dirty="0">
+                <a:solidFill>
+                  <a:srgbClr val="0000FF"/>
+                </a:solidFill>
+                <a:latin typeface="Consolas" panose="020B0609020204030204" pitchFamily="49" charset="0"/>
+              </a:rPr>
+              <a:t>set</a:t>
+            </a:r>
+            <a:r>
+              <a:rPr lang="en-US" dirty="0">
+                <a:solidFill>
+                  <a:srgbClr val="000000"/>
+                </a:solidFill>
+                <a:latin typeface="Consolas" panose="020B0609020204030204" pitchFamily="49" charset="0"/>
+              </a:rPr>
+              <a:t>; </a:t>
+            </a:r>
+            <a:r>
+              <a:rPr lang="en-US" dirty="0" smtClean="0">
+                <a:solidFill>
+                  <a:srgbClr val="000000"/>
+                </a:solidFill>
+                <a:latin typeface="Consolas" panose="020B0609020204030204" pitchFamily="49" charset="0"/>
+              </a:rPr>
+              <a:t>}</a:t>
+            </a:r>
+            <a:endParaRPr lang="de-DE" dirty="0" smtClean="0">
+              <a:solidFill>
+                <a:srgbClr val="2B91AF"/>
+              </a:solidFill>
+              <a:latin typeface="Consolas" panose="020B0609020204030204" pitchFamily="49" charset="0"/>
+            </a:endParaRPr>
+          </a:p>
+          <a:p>
+            <a:r>
+              <a:rPr lang="de-DE" dirty="0" smtClean="0">
+                <a:solidFill>
+                  <a:srgbClr val="2B91AF"/>
+                </a:solidFill>
+                <a:latin typeface="Consolas" panose="020B0609020204030204" pitchFamily="49" charset="0"/>
+              </a:rPr>
+              <a:t>}</a:t>
+            </a:r>
+          </a:p>
+          <a:p>
+            <a:endParaRPr lang="de-DE" dirty="0" smtClean="0">
+              <a:solidFill>
+                <a:schemeClr val="accent3"/>
+              </a:solidFill>
+              <a:latin typeface="+mn-lt"/>
+            </a:endParaRPr>
+          </a:p>
+          <a:p>
+            <a:r>
+              <a:rPr lang="de-DE" dirty="0" err="1" smtClean="0">
+                <a:solidFill>
+                  <a:schemeClr val="accent3"/>
+                </a:solidFill>
+                <a:latin typeface="+mn-lt"/>
+              </a:rPr>
+              <a:t>Xaml</a:t>
+            </a:r>
+            <a:r>
+              <a:rPr lang="de-DE" dirty="0" smtClean="0">
+                <a:solidFill>
+                  <a:schemeClr val="accent3"/>
+                </a:solidFill>
+                <a:latin typeface="+mn-lt"/>
+              </a:rPr>
+              <a:t>:</a:t>
+            </a:r>
+          </a:p>
+          <a:p>
+            <a:r>
+              <a:rPr lang="de-DE" dirty="0">
+                <a:solidFill>
+                  <a:srgbClr val="0000FF"/>
+                </a:solidFill>
+                <a:latin typeface="Consolas" panose="020B0609020204030204" pitchFamily="49" charset="0"/>
+              </a:rPr>
+              <a:t>&lt;</a:t>
+            </a:r>
+            <a:r>
+              <a:rPr lang="de-DE" dirty="0">
+                <a:solidFill>
+                  <a:srgbClr val="A31515"/>
+                </a:solidFill>
+                <a:latin typeface="Consolas" panose="020B0609020204030204" pitchFamily="49" charset="0"/>
+              </a:rPr>
+              <a:t>Button</a:t>
+            </a:r>
+            <a:r>
+              <a:rPr lang="de-DE" dirty="0">
+                <a:solidFill>
+                  <a:srgbClr val="FF0000"/>
+                </a:solidFill>
+                <a:latin typeface="Consolas" panose="020B0609020204030204" pitchFamily="49" charset="0"/>
+              </a:rPr>
+              <a:t> Content</a:t>
+            </a:r>
+            <a:r>
+              <a:rPr lang="de-DE" dirty="0">
+                <a:solidFill>
+                  <a:srgbClr val="0000FF"/>
+                </a:solidFill>
+                <a:latin typeface="Consolas" panose="020B0609020204030204" pitchFamily="49" charset="0"/>
+              </a:rPr>
+              <a:t>="Bild wählen"</a:t>
+            </a:r>
+            <a:r>
+              <a:rPr lang="de-DE" dirty="0">
+                <a:solidFill>
+                  <a:srgbClr val="FF0000"/>
+                </a:solidFill>
+                <a:latin typeface="Consolas" panose="020B0609020204030204" pitchFamily="49" charset="0"/>
+              </a:rPr>
+              <a:t> Command</a:t>
+            </a:r>
+            <a:r>
+              <a:rPr lang="de-DE" dirty="0">
+                <a:solidFill>
+                  <a:srgbClr val="0000FF"/>
+                </a:solidFill>
+                <a:latin typeface="Consolas" panose="020B0609020204030204" pitchFamily="49" charset="0"/>
+              </a:rPr>
+              <a:t>="{</a:t>
+            </a:r>
+            <a:r>
+              <a:rPr lang="de-DE" dirty="0">
+                <a:solidFill>
+                  <a:srgbClr val="A31515"/>
+                </a:solidFill>
+                <a:latin typeface="Consolas" panose="020B0609020204030204" pitchFamily="49" charset="0"/>
+              </a:rPr>
+              <a:t>Binding</a:t>
+            </a:r>
+            <a:r>
+              <a:rPr lang="de-DE" dirty="0">
+                <a:solidFill>
+                  <a:srgbClr val="FF0000"/>
+                </a:solidFill>
+                <a:latin typeface="Consolas" panose="020B0609020204030204" pitchFamily="49" charset="0"/>
+              </a:rPr>
+              <a:t> </a:t>
+            </a:r>
+            <a:r>
+              <a:rPr lang="de-DE" dirty="0" err="1">
+                <a:solidFill>
+                  <a:srgbClr val="FF0000"/>
+                </a:solidFill>
+                <a:latin typeface="Consolas" panose="020B0609020204030204" pitchFamily="49" charset="0"/>
+              </a:rPr>
+              <a:t>PickFileCommand</a:t>
+            </a:r>
+            <a:r>
+              <a:rPr lang="de-DE" dirty="0">
+                <a:solidFill>
+                  <a:srgbClr val="0000FF"/>
+                </a:solidFill>
+                <a:latin typeface="Consolas" panose="020B0609020204030204" pitchFamily="49" charset="0"/>
+              </a:rPr>
+              <a:t>}"/&gt;</a:t>
+            </a:r>
+            <a:endParaRPr lang="de-DE" sz="1600" dirty="0">
+              <a:solidFill>
+                <a:srgbClr val="0000FF"/>
+              </a:solidFill>
+              <a:latin typeface="Consolas" panose="020B0609020204030204" pitchFamily="49" charset="0"/>
+            </a:endParaRPr>
+          </a:p>
+        </p:txBody>
+      </p:sp>
     </p:spTree>
     <p:extLst>
       <p:ext uri="{BB962C8B-B14F-4D97-AF65-F5344CB8AC3E}">
-        <p14:creationId xmlns:p14="http://schemas.microsoft.com/office/powerpoint/2010/main" val="712427152"/>
+        <p14:creationId xmlns:p14="http://schemas.microsoft.com/office/powerpoint/2010/main" val="850069076"/>
       </p:ext>
     </p:extLst>
   </p:cSld>
   <p:clrMapOvr>
     <a:masterClrMapping/>
   </p:clrMapOvr>
-  <p:timing>
-    <p:tnLst>
-      <p:par>
-        <p:cTn id="1" dur="indefinite" restart="never" nodeType="tmRoot"/>
-      </p:par>
-    </p:tnLst>
-  </p:timing>
 </p:sld>
 </file>
 
@@ -9951,7 +10927,7 @@
       </p:grpSpPr>
       <p:sp>
         <p:nvSpPr>
-          <p:cNvPr id="2" name="Titel 1"/>
+          <p:cNvPr id="7" name="Titel 1"/>
           <p:cNvSpPr>
             <a:spLocks noGrp="1"/>
           </p:cNvSpPr>
@@ -9971,11 +10947,7 @@
             </a:pPr>
             <a:r>
               <a:rPr lang="de-DE" dirty="0" smtClean="0"/>
-              <a:t>6. Windows APIs: </a:t>
-            </a:r>
-            <a:r>
-              <a:rPr lang="de-DE" dirty="0" err="1" smtClean="0"/>
-              <a:t>FileOpenPicker</a:t>
+              <a:t>4.5 Hands-On</a:t>
             </a:r>
             <a:endParaRPr lang="de-DE" dirty="0"/>
           </a:p>
@@ -9995,6 +10967,18 @@
         <p:txBody>
           <a:bodyPr/>
           <a:lstStyle/>
+          <a:p>
+            <a:pPr marL="0" indent="0">
+              <a:lnSpc>
+                <a:spcPct val="150000"/>
+              </a:lnSpc>
+              <a:buNone/>
+            </a:pPr>
+            <a:r>
+              <a:rPr lang="de-DE" dirty="0" smtClean="0"/>
+              <a:t>Ziele:</a:t>
+            </a:r>
+          </a:p>
           <a:p>
             <a:pPr>
               <a:lnSpc>
@@ -10003,7 +10987,11 @@
             </a:pPr>
             <a:r>
               <a:rPr lang="de-DE" dirty="0" smtClean="0"/>
-              <a:t>Windows APIs</a:t>
+              <a:t>Das </a:t>
+            </a:r>
+            <a:r>
+              <a:rPr lang="de-DE" dirty="0"/>
+              <a:t>Datenmodell der API einbinden</a:t>
             </a:r>
           </a:p>
           <a:p>
@@ -10014,13 +11002,12 @@
             </a:pPr>
             <a:r>
               <a:rPr lang="de-DE" dirty="0" smtClean="0"/>
-              <a:t>Der </a:t>
-            </a:r>
-            <a:r>
-              <a:rPr lang="de-DE" dirty="0" err="1" smtClean="0"/>
-              <a:t>FileOpenPicker</a:t>
-            </a:r>
-            <a:endParaRPr lang="de-DE" dirty="0" smtClean="0"/>
+              <a:t>Das </a:t>
+            </a:r>
+            <a:r>
+              <a:rPr lang="de-DE" dirty="0"/>
+              <a:t>ViewModel für die Hauptseite erstellen</a:t>
+            </a:r>
           </a:p>
           <a:p>
             <a:pPr>
@@ -10030,37 +11017,11 @@
             </a:pPr>
             <a:r>
               <a:rPr lang="de-DE" dirty="0" smtClean="0"/>
-              <a:t>Services zum Hinzufügen eines neuen Posts</a:t>
-            </a:r>
-          </a:p>
-          <a:p>
-            <a:pPr lvl="1">
-              <a:lnSpc>
-                <a:spcPct val="150000"/>
-              </a:lnSpc>
-            </a:pPr>
-            <a:r>
-              <a:rPr lang="de-DE" dirty="0" smtClean="0"/>
-              <a:t>Bild an API senden (Rückgabe image-</a:t>
-            </a:r>
-            <a:r>
-              <a:rPr lang="de-DE" dirty="0" err="1" smtClean="0"/>
-              <a:t>id</a:t>
-            </a:r>
-            <a:r>
-              <a:rPr lang="de-DE" dirty="0" smtClean="0"/>
-              <a:t>)</a:t>
-            </a:r>
-          </a:p>
-          <a:p>
-            <a:pPr lvl="1">
-              <a:lnSpc>
-                <a:spcPct val="150000"/>
-              </a:lnSpc>
-            </a:pPr>
-            <a:r>
-              <a:rPr lang="de-DE" dirty="0" smtClean="0"/>
-              <a:t>Neuen Post erzeugen</a:t>
+              <a:t>Die </a:t>
+            </a:r>
+            <a:r>
+              <a:rPr lang="de-DE" dirty="0"/>
+              <a:t>Datenbindung einrichten</a:t>
             </a:r>
           </a:p>
           <a:p>
@@ -10071,73 +11032,32 @@
             </a:pPr>
             <a:r>
               <a:rPr lang="de-DE" dirty="0" smtClean="0"/>
-              <a:t>Hands-On</a:t>
-            </a:r>
-          </a:p>
-          <a:p>
-            <a:pPr lvl="1">
+              <a:t>Einen </a:t>
+            </a:r>
+            <a:r>
+              <a:rPr lang="de-DE" dirty="0" err="1"/>
+              <a:t>IValueConverter</a:t>
+            </a:r>
+            <a:r>
+              <a:rPr lang="de-DE" dirty="0"/>
+              <a:t> verwenden</a:t>
+            </a:r>
+          </a:p>
+          <a:p>
+            <a:pPr>
               <a:lnSpc>
                 <a:spcPct val="150000"/>
               </a:lnSpc>
             </a:pPr>
             <a:r>
               <a:rPr lang="de-DE" dirty="0" smtClean="0"/>
-              <a:t>Den </a:t>
-            </a:r>
-            <a:r>
-              <a:rPr lang="de-DE" dirty="0" err="1"/>
-              <a:t>FileOpenPicker</a:t>
+              <a:t>Commands </a:t>
             </a:r>
             <a:r>
               <a:rPr lang="de-DE" dirty="0"/>
-              <a:t> </a:t>
-            </a:r>
-            <a:r>
-              <a:rPr lang="de-DE" dirty="0" smtClean="0"/>
-              <a:t>kennenlernen</a:t>
-            </a:r>
-          </a:p>
-          <a:p>
-            <a:pPr lvl="1">
-              <a:lnSpc>
-                <a:spcPct val="150000"/>
-              </a:lnSpc>
-            </a:pPr>
-            <a:r>
-              <a:rPr lang="de-DE" dirty="0" smtClean="0"/>
-              <a:t>Ein </a:t>
-            </a:r>
-            <a:r>
-              <a:rPr lang="de-DE" dirty="0"/>
-              <a:t>Bild vom Mobilgerät auf der API </a:t>
-            </a:r>
-            <a:r>
-              <a:rPr lang="de-DE" dirty="0" smtClean="0"/>
-              <a:t>veröffentlichen</a:t>
-            </a:r>
-          </a:p>
-          <a:p>
-            <a:pPr lvl="1">
-              <a:lnSpc>
-                <a:spcPct val="150000"/>
-              </a:lnSpc>
-            </a:pPr>
-            <a:r>
-              <a:rPr lang="de-DE" dirty="0" smtClean="0"/>
-              <a:t>Ein </a:t>
-            </a:r>
-            <a:r>
-              <a:rPr lang="de-DE" dirty="0"/>
-              <a:t>neues </a:t>
-            </a:r>
-            <a:r>
-              <a:rPr lang="de-DE" dirty="0" err="1"/>
-              <a:t>Posting</a:t>
-            </a:r>
-            <a:r>
-              <a:rPr lang="de-DE" dirty="0"/>
-              <a:t> auf der API erstellen</a:t>
-            </a:r>
+              <a:t>verwenden</a:t>
+            </a:r>
+            <a:endParaRPr lang="de-DE" i="1" dirty="0"/>
           </a:p>
         </p:txBody>
       </p:sp>
@@ -10168,7 +11088,7 @@
     </p:spTree>
     <p:extLst>
       <p:ext uri="{BB962C8B-B14F-4D97-AF65-F5344CB8AC3E}">
-        <p14:creationId xmlns:p14="http://schemas.microsoft.com/office/powerpoint/2010/main" val="996384512"/>
+        <p14:creationId xmlns:p14="http://schemas.microsoft.com/office/powerpoint/2010/main" val="1279519597"/>
       </p:ext>
     </p:extLst>
   </p:cSld>
@@ -10219,7 +11139,7 @@
           <a:p>
             <a:r>
               <a:rPr lang="de-DE" dirty="0" smtClean="0"/>
-              <a:t>HANDS-ONs</a:t>
+              <a:t>HANDS-ON</a:t>
             </a:r>
             <a:endParaRPr lang="de-DE" dirty="0"/>
           </a:p>
@@ -10241,24 +11161,9 @@
           <a:lstStyle/>
           <a:p>
             <a:r>
-              <a:rPr lang="de-DE" sz="6000" dirty="0"/>
-              <a:t>06/03 Integration von </a:t>
-            </a:r>
-            <a:r>
-              <a:rPr lang="de-DE" sz="6000" dirty="0" smtClean="0"/>
-              <a:t>APIs</a:t>
-            </a:r>
-          </a:p>
-          <a:p>
-            <a:r>
-              <a:rPr lang="de-DE" sz="6000" dirty="0"/>
-              <a:t>06/04 </a:t>
-            </a:r>
-            <a:r>
-              <a:rPr lang="de-DE" sz="6000" dirty="0" err="1"/>
-              <a:t>FileOpenPicker</a:t>
-            </a:r>
-            <a:endParaRPr lang="de-DE" sz="6000" dirty="0"/>
+              <a:rPr lang="de-DE" dirty="0"/>
+              <a:t>06/02 MVVM Grundlagen</a:t>
+            </a:r>
           </a:p>
         </p:txBody>
       </p:sp>
@@ -10289,7 +11194,7 @@
     </p:spTree>
     <p:extLst>
       <p:ext uri="{BB962C8B-B14F-4D97-AF65-F5344CB8AC3E}">
-        <p14:creationId xmlns:p14="http://schemas.microsoft.com/office/powerpoint/2010/main" val="2527224047"/>
+        <p14:creationId xmlns:p14="http://schemas.microsoft.com/office/powerpoint/2010/main" val="125251726"/>
       </p:ext>
     </p:extLst>
   </p:cSld>
@@ -10338,9 +11243,12 @@
             </a:pPr>
             <a:r>
               <a:rPr lang="de-DE" dirty="0" smtClean="0"/>
-              <a:t>7. Zusammenfassung</a:t>
-            </a:r>
-            <a:endParaRPr lang="de-DE" dirty="0"/>
+              <a:t>5. </a:t>
+            </a:r>
+            <a:r>
+              <a:rPr lang="de-DE" dirty="0"/>
+              <a:t>Anbindung der API über Services</a:t>
+            </a:r>
           </a:p>
         </p:txBody>
       </p:sp>
@@ -10366,7 +11274,7 @@
             </a:pPr>
             <a:r>
               <a:rPr lang="de-DE" dirty="0" smtClean="0"/>
-              <a:t>App einmal entwickeln – auf allen Windows-Plattformen nutzen</a:t>
+              <a:t>RestSharp zur einfachen Kommunikation mit der Web API</a:t>
             </a:r>
           </a:p>
           <a:p>
@@ -10377,7 +11285,7 @@
             </a:pPr>
             <a:r>
               <a:rPr lang="de-DE" dirty="0" smtClean="0"/>
-              <a:t>XAML</a:t>
+              <a:t>Posts abrufen</a:t>
             </a:r>
           </a:p>
           <a:p>
@@ -10388,9 +11296,8 @@
             </a:pPr>
             <a:r>
               <a:rPr lang="de-DE" dirty="0" smtClean="0"/>
-              <a:t>MVVM-Entwurfsmuster</a:t>
-            </a:r>
-            <a:endParaRPr lang="de-DE" dirty="0"/>
+              <a:t>Registrierung und Login</a:t>
+            </a:r>
           </a:p>
           <a:p>
             <a:pPr>
@@ -10399,10 +11306,65 @@
               </a:lnSpc>
             </a:pPr>
             <a:r>
-              <a:rPr lang="de-DE" smtClean="0"/>
-              <a:t>Deployment</a:t>
-            </a:r>
-            <a:endParaRPr lang="de-DE" dirty="0"/>
+              <a:rPr lang="de-DE" dirty="0" smtClean="0"/>
+              <a:t>Hands-On (später):</a:t>
+            </a:r>
+          </a:p>
+          <a:p>
+            <a:pPr lvl="1">
+              <a:lnSpc>
+                <a:spcPct val="150000"/>
+              </a:lnSpc>
+            </a:pPr>
+            <a:r>
+              <a:rPr lang="de-DE" dirty="0" smtClean="0"/>
+              <a:t>RestSharp kennenlernen</a:t>
+            </a:r>
+          </a:p>
+          <a:p>
+            <a:pPr lvl="1">
+              <a:lnSpc>
+                <a:spcPct val="150000"/>
+              </a:lnSpc>
+            </a:pPr>
+            <a:r>
+              <a:rPr lang="de-DE" dirty="0" smtClean="0"/>
+              <a:t>Die API anbinden um Posts abzurufen</a:t>
+            </a:r>
+          </a:p>
+          <a:p>
+            <a:pPr lvl="1">
+              <a:lnSpc>
+                <a:spcPct val="150000"/>
+              </a:lnSpc>
+            </a:pPr>
+            <a:r>
+              <a:rPr lang="de-DE" dirty="0" smtClean="0"/>
+              <a:t>Registrierung </a:t>
+            </a:r>
+            <a:r>
+              <a:rPr lang="de-DE" dirty="0"/>
+              <a:t>und Login der API </a:t>
+            </a:r>
+            <a:r>
+              <a:rPr lang="de-DE" dirty="0" smtClean="0"/>
+              <a:t>verwenden</a:t>
+            </a:r>
+          </a:p>
+          <a:p>
+            <a:pPr lvl="1">
+              <a:lnSpc>
+                <a:spcPct val="150000"/>
+              </a:lnSpc>
+            </a:pPr>
+            <a:r>
+              <a:rPr lang="de-DE" dirty="0" smtClean="0"/>
+              <a:t>Die </a:t>
+            </a:r>
+            <a:r>
+              <a:rPr lang="de-DE" dirty="0"/>
+              <a:t>Like-Funktion verwenden</a:t>
+            </a:r>
           </a:p>
         </p:txBody>
       </p:sp>
@@ -10430,10 +11392,40 @@
           </a:p>
         </p:txBody>
       </p:sp>
+      <p:pic>
+        <p:nvPicPr>
+          <p:cNvPr id="6" name="Grafik 5"/>
+          <p:cNvPicPr>
+            <a:picLocks noChangeAspect="1"/>
+          </p:cNvPicPr>
+          <p:nvPr/>
+        </p:nvPicPr>
+        <p:blipFill>
+          <a:blip r:embed="rId3">
+            <a:extLst>
+              <a:ext uri="{28A0092B-C50C-407E-A947-70E740481C1C}">
+                <a14:useLocalDpi xmlns:a14="http://schemas.microsoft.com/office/drawing/2010/main" val="0"/>
+              </a:ext>
+            </a:extLst>
+          </a:blip>
+          <a:stretch>
+            <a:fillRect/>
+          </a:stretch>
+        </p:blipFill>
+        <p:spPr>
+          <a:xfrm>
+            <a:off x="8572500" y="1791494"/>
+            <a:ext cx="2456656" cy="2456656"/>
+          </a:xfrm>
+          <a:prstGeom prst="rect">
+            <a:avLst/>
+          </a:prstGeom>
+        </p:spPr>
+      </p:pic>
     </p:spTree>
     <p:extLst>
       <p:ext uri="{BB962C8B-B14F-4D97-AF65-F5344CB8AC3E}">
-        <p14:creationId xmlns:p14="http://schemas.microsoft.com/office/powerpoint/2010/main" val="3594633087"/>
+        <p14:creationId xmlns:p14="http://schemas.microsoft.com/office/powerpoint/2010/main" val="712427152"/>
       </p:ext>
     </p:extLst>
   </p:cSld>
@@ -10489,9 +11481,173 @@
             </a:pPr>
             <a:r>
               <a:rPr lang="de-DE" dirty="0" smtClean="0"/>
-              <a:t>Abschluss und Feedbackrunde</a:t>
+              <a:t>6. Windows APIs: </a:t>
+            </a:r>
+            <a:r>
+              <a:rPr lang="de-DE" dirty="0" err="1" smtClean="0"/>
+              <a:t>FileOpenPicker</a:t>
             </a:r>
             <a:endParaRPr lang="de-DE" dirty="0"/>
+          </a:p>
+        </p:txBody>
+      </p:sp>
+      <p:sp>
+        <p:nvSpPr>
+          <p:cNvPr id="3" name="Inhaltsplatzhalter 2"/>
+          <p:cNvSpPr>
+            <a:spLocks noGrp="1"/>
+          </p:cNvSpPr>
+          <p:nvPr>
+            <p:ph idx="1"/>
+          </p:nvPr>
+        </p:nvSpPr>
+        <p:spPr/>
+        <p:txBody>
+          <a:bodyPr/>
+          <a:lstStyle/>
+          <a:p>
+            <a:pPr>
+              <a:lnSpc>
+                <a:spcPct val="150000"/>
+              </a:lnSpc>
+            </a:pPr>
+            <a:r>
+              <a:rPr lang="de-DE" dirty="0" smtClean="0"/>
+              <a:t>Windows APIs</a:t>
+            </a:r>
+          </a:p>
+          <a:p>
+            <a:pPr>
+              <a:lnSpc>
+                <a:spcPct val="150000"/>
+              </a:lnSpc>
+            </a:pPr>
+            <a:r>
+              <a:rPr lang="de-DE" dirty="0" smtClean="0"/>
+              <a:t>Der </a:t>
+            </a:r>
+            <a:r>
+              <a:rPr lang="de-DE" dirty="0" err="1" smtClean="0"/>
+              <a:t>FileOpenPicker</a:t>
+            </a:r>
+            <a:endParaRPr lang="de-DE" dirty="0" smtClean="0"/>
+          </a:p>
+          <a:p>
+            <a:pPr>
+              <a:lnSpc>
+                <a:spcPct val="150000"/>
+              </a:lnSpc>
+            </a:pPr>
+            <a:r>
+              <a:rPr lang="de-DE" dirty="0" smtClean="0"/>
+              <a:t>Services zum Hinzufügen eines neuen Posts</a:t>
+            </a:r>
+          </a:p>
+          <a:p>
+            <a:pPr lvl="1">
+              <a:lnSpc>
+                <a:spcPct val="150000"/>
+              </a:lnSpc>
+            </a:pPr>
+            <a:r>
+              <a:rPr lang="de-DE" dirty="0" smtClean="0"/>
+              <a:t>Bild an API senden (Rückgabe image-</a:t>
+            </a:r>
+            <a:r>
+              <a:rPr lang="de-DE" dirty="0" err="1" smtClean="0"/>
+              <a:t>id</a:t>
+            </a:r>
+            <a:r>
+              <a:rPr lang="de-DE" dirty="0" smtClean="0"/>
+              <a:t>)</a:t>
+            </a:r>
+          </a:p>
+          <a:p>
+            <a:pPr lvl="1">
+              <a:lnSpc>
+                <a:spcPct val="150000"/>
+              </a:lnSpc>
+            </a:pPr>
+            <a:r>
+              <a:rPr lang="de-DE" dirty="0" smtClean="0"/>
+              <a:t>Neuen Post erzeugen</a:t>
+            </a:r>
+          </a:p>
+          <a:p>
+            <a:pPr>
+              <a:lnSpc>
+                <a:spcPct val="150000"/>
+              </a:lnSpc>
+            </a:pPr>
+            <a:r>
+              <a:rPr lang="de-DE" dirty="0" smtClean="0"/>
+              <a:t>Hands-On</a:t>
+            </a:r>
+          </a:p>
+          <a:p>
+            <a:pPr lvl="1">
+              <a:lnSpc>
+                <a:spcPct val="150000"/>
+              </a:lnSpc>
+            </a:pPr>
+            <a:r>
+              <a:rPr lang="de-DE" dirty="0" smtClean="0"/>
+              <a:t>Den </a:t>
+            </a:r>
+            <a:r>
+              <a:rPr lang="de-DE" dirty="0" err="1"/>
+              <a:t>FileOpenPicker</a:t>
+            </a:r>
+            <a:r>
+              <a:rPr lang="de-DE" dirty="0"/>
+              <a:t> </a:t>
+            </a:r>
+            <a:r>
+              <a:rPr lang="de-DE" dirty="0" smtClean="0"/>
+              <a:t>kennenlernen</a:t>
+            </a:r>
+          </a:p>
+          <a:p>
+            <a:pPr lvl="1">
+              <a:lnSpc>
+                <a:spcPct val="150000"/>
+              </a:lnSpc>
+            </a:pPr>
+            <a:r>
+              <a:rPr lang="de-DE" dirty="0" smtClean="0"/>
+              <a:t>Ein </a:t>
+            </a:r>
+            <a:r>
+              <a:rPr lang="de-DE" dirty="0"/>
+              <a:t>Bild vom Mobilgerät auf der API </a:t>
+            </a:r>
+            <a:r>
+              <a:rPr lang="de-DE" dirty="0" smtClean="0"/>
+              <a:t>veröffentlichen</a:t>
+            </a:r>
+          </a:p>
+          <a:p>
+            <a:pPr lvl="1">
+              <a:lnSpc>
+                <a:spcPct val="150000"/>
+              </a:lnSpc>
+            </a:pPr>
+            <a:r>
+              <a:rPr lang="de-DE" dirty="0" smtClean="0"/>
+              <a:t>Ein </a:t>
+            </a:r>
+            <a:r>
+              <a:rPr lang="de-DE" dirty="0"/>
+              <a:t>neues </a:t>
+            </a:r>
+            <a:r>
+              <a:rPr lang="de-DE" dirty="0" err="1"/>
+              <a:t>Posting</a:t>
+            </a:r>
+            <a:r>
+              <a:rPr lang="de-DE" dirty="0"/>
+              <a:t> auf der API erstellen</a:t>
+            </a:r>
           </a:p>
         </p:txBody>
       </p:sp>
@@ -10514,6 +11670,360 @@
               <a:rPr lang="en-US" smtClean="0"/>
               <a:pPr/>
               <a:t>23</a:t>
+            </a:fld>
+            <a:endParaRPr lang="en-US"/>
+          </a:p>
+        </p:txBody>
+      </p:sp>
+    </p:spTree>
+    <p:extLst>
+      <p:ext uri="{BB962C8B-B14F-4D97-AF65-F5344CB8AC3E}">
+        <p14:creationId xmlns:p14="http://schemas.microsoft.com/office/powerpoint/2010/main" val="996384512"/>
+      </p:ext>
+    </p:extLst>
+  </p:cSld>
+  <p:clrMapOvr>
+    <a:masterClrMapping/>
+  </p:clrMapOvr>
+  <p:timing>
+    <p:tnLst>
+      <p:par>
+        <p:cTn id="1" dur="indefinite" restart="never" nodeType="tmRoot"/>
+      </p:par>
+    </p:tnLst>
+  </p:timing>
+</p:sld>
+</file>
+
+<file path=ppt/slides/slide24.xml><?xml version="1.0" encoding="utf-8"?>
+<p:sld xmlns:a="http://schemas.openxmlformats.org/drawingml/2006/main" xmlns:r="http://schemas.openxmlformats.org/officeDocument/2006/relationships" xmlns:p="http://schemas.openxmlformats.org/presentationml/2006/main">
+  <p:cSld>
+    <p:spTree>
+      <p:nvGrpSpPr>
+        <p:cNvPr id="1" name=""/>
+        <p:cNvGrpSpPr/>
+        <p:nvPr/>
+      </p:nvGrpSpPr>
+      <p:grpSpPr>
+        <a:xfrm>
+          <a:off x="0" y="0"/>
+          <a:ext cx="0" cy="0"/>
+          <a:chOff x="0" y="0"/>
+          <a:chExt cx="0" cy="0"/>
+        </a:xfrm>
+      </p:grpSpPr>
+      <p:sp>
+        <p:nvSpPr>
+          <p:cNvPr id="6" name="Titel 5"/>
+          <p:cNvSpPr>
+            <a:spLocks noGrp="1"/>
+          </p:cNvSpPr>
+          <p:nvPr>
+            <p:ph type="title"/>
+          </p:nvPr>
+        </p:nvSpPr>
+        <p:spPr/>
+        <p:txBody>
+          <a:bodyPr/>
+          <a:lstStyle/>
+          <a:p>
+            <a:r>
+              <a:rPr lang="de-DE" dirty="0" smtClean="0"/>
+              <a:t>HANDS-ONs</a:t>
+            </a:r>
+            <a:endParaRPr lang="de-DE" dirty="0"/>
+          </a:p>
+        </p:txBody>
+      </p:sp>
+      <p:sp>
+        <p:nvSpPr>
+          <p:cNvPr id="7" name="Untertitel 6"/>
+          <p:cNvSpPr>
+            <a:spLocks noGrp="1"/>
+          </p:cNvSpPr>
+          <p:nvPr>
+            <p:ph type="subTitle" idx="1"/>
+          </p:nvPr>
+        </p:nvSpPr>
+        <p:spPr/>
+        <p:txBody>
+          <a:bodyPr/>
+          <a:lstStyle/>
+          <a:p>
+            <a:r>
+              <a:rPr lang="de-DE" sz="6000" dirty="0"/>
+              <a:t>06/03 Integration von </a:t>
+            </a:r>
+            <a:r>
+              <a:rPr lang="de-DE" sz="6000" dirty="0" smtClean="0"/>
+              <a:t>APIs</a:t>
+            </a:r>
+          </a:p>
+          <a:p>
+            <a:r>
+              <a:rPr lang="de-DE" sz="6000" dirty="0"/>
+              <a:t>06/04 </a:t>
+            </a:r>
+            <a:r>
+              <a:rPr lang="de-DE" sz="6000" dirty="0" err="1"/>
+              <a:t>FileOpenPicker</a:t>
+            </a:r>
+            <a:endParaRPr lang="de-DE" sz="6000" dirty="0"/>
+          </a:p>
+        </p:txBody>
+      </p:sp>
+      <p:sp>
+        <p:nvSpPr>
+          <p:cNvPr id="4" name="Foliennummernplatzhalter 3"/>
+          <p:cNvSpPr>
+            <a:spLocks noGrp="1"/>
+          </p:cNvSpPr>
+          <p:nvPr>
+            <p:ph type="sldNum" sz="quarter" idx="10"/>
+          </p:nvPr>
+        </p:nvSpPr>
+        <p:spPr/>
+        <p:txBody>
+          <a:bodyPr/>
+          <a:lstStyle/>
+          <a:p>
+            <a:fld id="{8F35CB8A-22DD-4279-9E9E-A49CDB5FBE56}" type="slidenum">
+              <a:rPr lang="en-US" smtClean="0"/>
+              <a:pPr/>
+              <a:t>24</a:t>
+            </a:fld>
+            <a:endParaRPr lang="en-US" dirty="0"/>
+          </a:p>
+        </p:txBody>
+      </p:sp>
+    </p:spTree>
+    <p:extLst>
+      <p:ext uri="{BB962C8B-B14F-4D97-AF65-F5344CB8AC3E}">
+        <p14:creationId xmlns:p14="http://schemas.microsoft.com/office/powerpoint/2010/main" val="2527224047"/>
+      </p:ext>
+    </p:extLst>
+  </p:cSld>
+  <p:clrMapOvr>
+    <a:masterClrMapping/>
+  </p:clrMapOvr>
+</p:sld>
+</file>
+
+<file path=ppt/slides/slide25.xml><?xml version="1.0" encoding="utf-8"?>
+<p:sld xmlns:a="http://schemas.openxmlformats.org/drawingml/2006/main" xmlns:r="http://schemas.openxmlformats.org/officeDocument/2006/relationships" xmlns:p="http://schemas.openxmlformats.org/presentationml/2006/main">
+  <p:cSld>
+    <p:spTree>
+      <p:nvGrpSpPr>
+        <p:cNvPr id="1" name=""/>
+        <p:cNvGrpSpPr/>
+        <p:nvPr/>
+      </p:nvGrpSpPr>
+      <p:grpSpPr>
+        <a:xfrm>
+          <a:off x="0" y="0"/>
+          <a:ext cx="0" cy="0"/>
+          <a:chOff x="0" y="0"/>
+          <a:chExt cx="0" cy="0"/>
+        </a:xfrm>
+      </p:grpSpPr>
+      <p:sp>
+        <p:nvSpPr>
+          <p:cNvPr id="2" name="Titel 1"/>
+          <p:cNvSpPr>
+            <a:spLocks noGrp="1"/>
+          </p:cNvSpPr>
+          <p:nvPr>
+            <p:ph type="title"/>
+          </p:nvPr>
+        </p:nvSpPr>
+        <p:spPr/>
+        <p:txBody>
+          <a:bodyPr/>
+          <a:lstStyle/>
+          <a:p>
+            <a:pPr>
+              <a:lnSpc>
+                <a:spcPct val="150000"/>
+              </a:lnSpc>
+            </a:pPr>
+            <a:r>
+              <a:rPr lang="de-DE" dirty="0" smtClean="0"/>
+              <a:t>7. Zusammenfassung</a:t>
+            </a:r>
+            <a:endParaRPr lang="de-DE" dirty="0"/>
+          </a:p>
+        </p:txBody>
+      </p:sp>
+      <p:sp>
+        <p:nvSpPr>
+          <p:cNvPr id="3" name="Inhaltsplatzhalter 2"/>
+          <p:cNvSpPr>
+            <a:spLocks noGrp="1"/>
+          </p:cNvSpPr>
+          <p:nvPr>
+            <p:ph idx="1"/>
+          </p:nvPr>
+        </p:nvSpPr>
+        <p:spPr/>
+        <p:txBody>
+          <a:bodyPr/>
+          <a:lstStyle/>
+          <a:p>
+            <a:pPr>
+              <a:lnSpc>
+                <a:spcPct val="150000"/>
+              </a:lnSpc>
+            </a:pPr>
+            <a:r>
+              <a:rPr lang="de-DE" dirty="0" smtClean="0"/>
+              <a:t>App einmal entwickeln – auf allen Windows-Plattformen nutzen</a:t>
+            </a:r>
+          </a:p>
+          <a:p>
+            <a:pPr>
+              <a:lnSpc>
+                <a:spcPct val="150000"/>
+              </a:lnSpc>
+            </a:pPr>
+            <a:r>
+              <a:rPr lang="de-DE" dirty="0" smtClean="0"/>
+              <a:t>XAML</a:t>
+            </a:r>
+          </a:p>
+          <a:p>
+            <a:pPr>
+              <a:lnSpc>
+                <a:spcPct val="150000"/>
+              </a:lnSpc>
+            </a:pPr>
+            <a:r>
+              <a:rPr lang="de-DE" dirty="0" smtClean="0"/>
+              <a:t>MVVM-Entwurfsmuster</a:t>
+            </a:r>
+            <a:endParaRPr lang="de-DE" dirty="0"/>
+          </a:p>
+          <a:p>
+            <a:pPr>
+              <a:lnSpc>
+                <a:spcPct val="150000"/>
+              </a:lnSpc>
+            </a:pPr>
+            <a:r>
+              <a:rPr lang="de-DE" smtClean="0"/>
+              <a:t>Deployment</a:t>
+            </a:r>
+            <a:endParaRPr lang="de-DE" dirty="0"/>
+          </a:p>
+        </p:txBody>
+      </p:sp>
+      <p:sp>
+        <p:nvSpPr>
+          <p:cNvPr id="4" name="Foliennummernplatzhalter 3"/>
+          <p:cNvSpPr>
+            <a:spLocks noGrp="1"/>
+          </p:cNvSpPr>
+          <p:nvPr>
+            <p:ph type="sldNum" sz="quarter" idx="12"/>
+          </p:nvPr>
+        </p:nvSpPr>
+        <p:spPr/>
+        <p:txBody>
+          <a:bodyPr/>
+          <a:lstStyle/>
+          <a:p>
+            <a:fld id="{8F35CB8A-22DD-4279-9E9E-A49CDB5FBE56}" type="slidenum">
+              <a:rPr lang="en-US" smtClean="0"/>
+              <a:pPr/>
+              <a:t>25</a:t>
+            </a:fld>
+            <a:endParaRPr lang="en-US"/>
+          </a:p>
+        </p:txBody>
+      </p:sp>
+    </p:spTree>
+    <p:extLst>
+      <p:ext uri="{BB962C8B-B14F-4D97-AF65-F5344CB8AC3E}">
+        <p14:creationId xmlns:p14="http://schemas.microsoft.com/office/powerpoint/2010/main" val="3594633087"/>
+      </p:ext>
+    </p:extLst>
+  </p:cSld>
+  <p:clrMapOvr>
+    <a:masterClrMapping/>
+  </p:clrMapOvr>
+  <p:timing>
+    <p:tnLst>
+      <p:par>
+        <p:cTn id="1" dur="indefinite" restart="never" nodeType="tmRoot"/>
+      </p:par>
+    </p:tnLst>
+  </p:timing>
+</p:sld>
+</file>
+
+<file path=ppt/slides/slide26.xml><?xml version="1.0" encoding="utf-8"?>
+<p:sld xmlns:a="http://schemas.openxmlformats.org/drawingml/2006/main" xmlns:r="http://schemas.openxmlformats.org/officeDocument/2006/relationships" xmlns:p="http://schemas.openxmlformats.org/presentationml/2006/main">
+  <p:cSld>
+    <p:spTree>
+      <p:nvGrpSpPr>
+        <p:cNvPr id="1" name=""/>
+        <p:cNvGrpSpPr/>
+        <p:nvPr/>
+      </p:nvGrpSpPr>
+      <p:grpSpPr>
+        <a:xfrm>
+          <a:off x="0" y="0"/>
+          <a:ext cx="0" cy="0"/>
+          <a:chOff x="0" y="0"/>
+          <a:chExt cx="0" cy="0"/>
+        </a:xfrm>
+      </p:grpSpPr>
+      <p:sp>
+        <p:nvSpPr>
+          <p:cNvPr id="2" name="Titel 1"/>
+          <p:cNvSpPr>
+            <a:spLocks noGrp="1"/>
+          </p:cNvSpPr>
+          <p:nvPr>
+            <p:ph type="title"/>
+          </p:nvPr>
+        </p:nvSpPr>
+        <p:spPr/>
+        <p:txBody>
+          <a:bodyPr/>
+          <a:lstStyle/>
+          <a:p>
+            <a:pPr>
+              <a:lnSpc>
+                <a:spcPct val="150000"/>
+              </a:lnSpc>
+            </a:pPr>
+            <a:r>
+              <a:rPr lang="de-DE" dirty="0" smtClean="0"/>
+              <a:t>Abschluss und Feedbackrunde</a:t>
+            </a:r>
+            <a:endParaRPr lang="de-DE" dirty="0"/>
+          </a:p>
+        </p:txBody>
+      </p:sp>
+      <p:sp>
+        <p:nvSpPr>
+          <p:cNvPr id="4" name="Foliennummernplatzhalter 3"/>
+          <p:cNvSpPr>
+            <a:spLocks noGrp="1"/>
+          </p:cNvSpPr>
+          <p:nvPr>
+            <p:ph type="sldNum" sz="quarter" idx="12"/>
+          </p:nvPr>
+        </p:nvSpPr>
+        <p:spPr/>
+        <p:txBody>
+          <a:bodyPr/>
+          <a:lstStyle/>
+          <a:p>
+            <a:fld id="{8F35CB8A-22DD-4279-9E9E-A49CDB5FBE56}" type="slidenum">
+              <a:rPr lang="en-US" smtClean="0"/>
+              <a:pPr/>
+              <a:t>26</a:t>
             </a:fld>
             <a:endParaRPr lang="en-US"/>
           </a:p>
@@ -10678,11 +12188,6 @@
               </a:rPr>
               <a:t>Florian Sibinger</a:t>
             </a:r>
-            <a:endParaRPr lang="de-DE" dirty="0" smtClean="0">
-              <a:solidFill>
-                <a:schemeClr val="accent3"/>
-              </a:solidFill>
-            </a:endParaRPr>
           </a:p>
           <a:p>
             <a:r>
@@ -10692,16 +12197,7 @@
                 </a:solidFill>
                 <a:hlinkClick r:id="rId6"/>
               </a:rPr>
-              <a:t>florian.sibinger@acand</a:t>
-            </a:r>
-            <a:r>
-              <a:rPr lang="de-DE" dirty="0" smtClean="0">
-                <a:solidFill>
-                  <a:schemeClr val="accent3"/>
-                </a:solidFill>
-                <a:hlinkClick r:id="rId6"/>
-              </a:rPr>
-              <a:t>o.de</a:t>
+              <a:t>florian.sibinger@acando.de</a:t>
             </a:r>
             <a:endParaRPr lang="de-DE" dirty="0" smtClean="0">
               <a:solidFill>
@@ -10738,7 +12234,7 @@
 </p:sld>
 </file>
 
-<file path=ppt/slides/slide24.xml><?xml version="1.0" encoding="utf-8"?>
+<file path=ppt/slides/slide27.xml><?xml version="1.0" encoding="utf-8"?>
 <p:sld xmlns:a="http://schemas.openxmlformats.org/drawingml/2006/main" xmlns:r="http://schemas.openxmlformats.org/officeDocument/2006/relationships" xmlns:p="http://schemas.openxmlformats.org/presentationml/2006/main">
   <p:cSld>
     <p:spTree>
@@ -10778,7 +12274,7 @@
               <a:pPr>
                 <a:defRPr/>
               </a:pPr>
-              <a:t>24</a:t>
+              <a:t>27</a:t>
             </a:fld>
             <a:endParaRPr lang="sv-SE" dirty="0"/>
           </a:p>
@@ -10842,29 +12338,6 @@
             <a:r>
               <a:rPr lang="de-DE" dirty="0" smtClean="0"/>
               <a:t>die universelle Windows Plattform</a:t>
-            </a:r>
-            <a:endParaRPr lang="de-DE" dirty="0"/>
-          </a:p>
-        </p:txBody>
-      </p:sp>
-      <p:sp>
-        <p:nvSpPr>
-          <p:cNvPr id="4" name="Untertitel 3"/>
-          <p:cNvSpPr>
-            <a:spLocks noGrp="1"/>
-          </p:cNvSpPr>
-          <p:nvPr>
-            <p:ph type="subTitle" idx="1"/>
-          </p:nvPr>
-        </p:nvSpPr>
-        <p:spPr/>
-        <p:txBody>
-          <a:bodyPr/>
-          <a:lstStyle/>
-          <a:p>
-            <a:r>
-              <a:rPr lang="de-DE" dirty="0"/>
-              <a:t>Florian Sibinger</a:t>
             </a:r>
             <a:endParaRPr lang="de-DE" dirty="0"/>
           </a:p>

--- a/06. Universal Windows Platform/Entwicklung einer App für die universelle Windows Plattform.pptx
+++ b/06. Universal Windows Platform/Entwicklung einer App für die universelle Windows Plattform.pptx
@@ -322,7 +322,7 @@
               <a:pPr>
                 <a:defRPr/>
               </a:pPr>
-              <a:t>24.09.2017</a:t>
+              <a:t>26.09.2017</a:t>
             </a:fld>
             <a:endParaRPr lang="de-DE"/>
           </a:p>
@@ -521,7 +521,7 @@
               <a:pPr>
                 <a:defRPr/>
               </a:pPr>
-              <a:t>2017-09-24</a:t>
+              <a:t>2017-09-26</a:t>
             </a:fld>
             <a:endParaRPr lang="sv-SE"/>
           </a:p>
@@ -8711,15 +8711,7 @@
             </a:pPr>
             <a:r>
               <a:rPr lang="de-DE" dirty="0" smtClean="0"/>
-              <a:t>Werte </a:t>
-            </a:r>
-            <a:r>
-              <a:rPr lang="de-DE" dirty="0" smtClean="0"/>
-              <a:t>und Typen während </a:t>
-            </a:r>
-            <a:r>
-              <a:rPr lang="de-DE" dirty="0" smtClean="0"/>
-              <a:t>der Datenbindung verändern</a:t>
+              <a:t>Werte und Typen während der Datenbindung verändern</a:t>
             </a:r>
           </a:p>
           <a:p>
@@ -8785,11 +8777,7 @@
             </a:pPr>
             <a:r>
               <a:rPr lang="de-DE" dirty="0" smtClean="0"/>
-              <a:t>Collection </a:t>
-            </a:r>
-            <a:r>
-              <a:rPr lang="de-DE" dirty="0" smtClean="0"/>
-              <a:t>(</a:t>
+              <a:t>Collection (</a:t>
             </a:r>
             <a:r>
               <a:rPr lang="de-DE" dirty="0" err="1" smtClean="0"/>
@@ -10074,6 +10062,113 @@
           </a:p>
           <a:p>
             <a:r>
+              <a:rPr lang="en-US" dirty="0" smtClean="0">
+                <a:solidFill>
+                  <a:srgbClr val="0000FF"/>
+                </a:solidFill>
+                <a:latin typeface="Consolas" panose="020B0609020204030204" pitchFamily="49" charset="0"/>
+              </a:rPr>
+              <a:t>	public</a:t>
+            </a:r>
+            <a:r>
+              <a:rPr lang="en-US" dirty="0" smtClean="0">
+                <a:solidFill>
+                  <a:srgbClr val="000000"/>
+                </a:solidFill>
+                <a:latin typeface="Consolas" panose="020B0609020204030204" pitchFamily="49" charset="0"/>
+              </a:rPr>
+              <a:t> </a:t>
+            </a:r>
+            <a:r>
+              <a:rPr lang="en-US" dirty="0" err="1">
+                <a:solidFill>
+                  <a:srgbClr val="2B91AF"/>
+                </a:solidFill>
+                <a:latin typeface="Consolas" panose="020B0609020204030204" pitchFamily="49" charset="0"/>
+              </a:rPr>
+              <a:t>DelegateCommand</a:t>
+            </a:r>
+            <a:r>
+              <a:rPr lang="en-US" dirty="0">
+                <a:solidFill>
+                  <a:srgbClr val="000000"/>
+                </a:solidFill>
+                <a:latin typeface="Consolas" panose="020B0609020204030204" pitchFamily="49" charset="0"/>
+              </a:rPr>
+              <a:t> </a:t>
+            </a:r>
+            <a:r>
+              <a:rPr lang="en-US" dirty="0" err="1">
+                <a:solidFill>
+                  <a:srgbClr val="000000"/>
+                </a:solidFill>
+                <a:latin typeface="Consolas" panose="020B0609020204030204" pitchFamily="49" charset="0"/>
+              </a:rPr>
+              <a:t>PickFileCommand</a:t>
+            </a:r>
+            <a:r>
+              <a:rPr lang="en-US" dirty="0">
+                <a:solidFill>
+                  <a:srgbClr val="000000"/>
+                </a:solidFill>
+                <a:latin typeface="Consolas" panose="020B0609020204030204" pitchFamily="49" charset="0"/>
+              </a:rPr>
+              <a:t> { </a:t>
+            </a:r>
+            <a:r>
+              <a:rPr lang="en-US" dirty="0">
+                <a:solidFill>
+                  <a:srgbClr val="0000FF"/>
+                </a:solidFill>
+                <a:latin typeface="Consolas" panose="020B0609020204030204" pitchFamily="49" charset="0"/>
+              </a:rPr>
+              <a:t>get</a:t>
+            </a:r>
+            <a:r>
+              <a:rPr lang="en-US" dirty="0">
+                <a:solidFill>
+                  <a:srgbClr val="000000"/>
+                </a:solidFill>
+                <a:latin typeface="Consolas" panose="020B0609020204030204" pitchFamily="49" charset="0"/>
+              </a:rPr>
+              <a:t>; </a:t>
+            </a:r>
+            <a:r>
+              <a:rPr lang="en-US" dirty="0">
+                <a:solidFill>
+                  <a:srgbClr val="0000FF"/>
+                </a:solidFill>
+                <a:latin typeface="Consolas" panose="020B0609020204030204" pitchFamily="49" charset="0"/>
+              </a:rPr>
+              <a:t>set</a:t>
+            </a:r>
+            <a:r>
+              <a:rPr lang="en-US" dirty="0">
+                <a:solidFill>
+                  <a:srgbClr val="000000"/>
+                </a:solidFill>
+                <a:latin typeface="Consolas" panose="020B0609020204030204" pitchFamily="49" charset="0"/>
+              </a:rPr>
+              <a:t>; </a:t>
+            </a:r>
+            <a:r>
+              <a:rPr lang="en-US" dirty="0" smtClean="0">
+                <a:solidFill>
+                  <a:srgbClr val="000000"/>
+                </a:solidFill>
+                <a:latin typeface="Consolas" panose="020B0609020204030204" pitchFamily="49" charset="0"/>
+              </a:rPr>
+              <a:t>}</a:t>
+            </a:r>
+            <a:endParaRPr lang="de-DE" dirty="0" smtClean="0">
+              <a:solidFill>
+                <a:srgbClr val="2B91AF"/>
+              </a:solidFill>
+              <a:latin typeface="Consolas" panose="020B0609020204030204" pitchFamily="49" charset="0"/>
+            </a:endParaRPr>
+          </a:p>
+          <a:p>
+            <a:r>
               <a:rPr lang="de-DE" dirty="0" smtClean="0">
                 <a:solidFill>
                   <a:srgbClr val="000000"/>
@@ -10254,121 +10349,14 @@
           </a:p>
           <a:p>
             <a:r>
-              <a:rPr lang="en-US" dirty="0" smtClean="0">
-                <a:solidFill>
-                  <a:srgbClr val="0000FF"/>
-                </a:solidFill>
-                <a:latin typeface="Consolas" panose="020B0609020204030204" pitchFamily="49" charset="0"/>
-              </a:rPr>
-              <a:t>	public</a:t>
-            </a:r>
-            <a:r>
-              <a:rPr lang="en-US" dirty="0" smtClean="0">
-                <a:solidFill>
-                  <a:srgbClr val="000000"/>
-                </a:solidFill>
-                <a:latin typeface="Consolas" panose="020B0609020204030204" pitchFamily="49" charset="0"/>
-              </a:rPr>
-              <a:t> </a:t>
-            </a:r>
-            <a:r>
-              <a:rPr lang="en-US" dirty="0" err="1" smtClean="0">
-                <a:solidFill>
-                  <a:srgbClr val="2B91AF"/>
-                </a:solidFill>
-                <a:latin typeface="Consolas" panose="020B0609020204030204" pitchFamily="49" charset="0"/>
-              </a:rPr>
-              <a:t>DelegateCommand</a:t>
-            </a:r>
-            <a:r>
-              <a:rPr lang="en-US" dirty="0" smtClean="0">
-                <a:solidFill>
-                  <a:srgbClr val="000000"/>
-                </a:solidFill>
-                <a:latin typeface="Consolas" panose="020B0609020204030204" pitchFamily="49" charset="0"/>
-              </a:rPr>
-              <a:t> </a:t>
-            </a:r>
-            <a:r>
-              <a:rPr lang="en-US" dirty="0" err="1">
-                <a:solidFill>
-                  <a:srgbClr val="000000"/>
-                </a:solidFill>
-                <a:latin typeface="Consolas" panose="020B0609020204030204" pitchFamily="49" charset="0"/>
-              </a:rPr>
-              <a:t>PickFileCommand</a:t>
-            </a:r>
-            <a:r>
-              <a:rPr lang="en-US" dirty="0">
-                <a:solidFill>
-                  <a:srgbClr val="000000"/>
-                </a:solidFill>
-                <a:latin typeface="Consolas" panose="020B0609020204030204" pitchFamily="49" charset="0"/>
-              </a:rPr>
-              <a:t> { </a:t>
-            </a:r>
-            <a:r>
-              <a:rPr lang="en-US" dirty="0">
-                <a:solidFill>
-                  <a:srgbClr val="0000FF"/>
-                </a:solidFill>
-                <a:latin typeface="Consolas" panose="020B0609020204030204" pitchFamily="49" charset="0"/>
-              </a:rPr>
-              <a:t>get</a:t>
-            </a:r>
-            <a:r>
-              <a:rPr lang="en-US" dirty="0">
-                <a:solidFill>
-                  <a:srgbClr val="000000"/>
-                </a:solidFill>
-                <a:latin typeface="Consolas" panose="020B0609020204030204" pitchFamily="49" charset="0"/>
-              </a:rPr>
-              <a:t>; </a:t>
-            </a:r>
-            <a:r>
-              <a:rPr lang="en-US" dirty="0">
-                <a:solidFill>
-                  <a:srgbClr val="0000FF"/>
-                </a:solidFill>
-                <a:latin typeface="Consolas" panose="020B0609020204030204" pitchFamily="49" charset="0"/>
-              </a:rPr>
-              <a:t>set</a:t>
-            </a:r>
-            <a:r>
-              <a:rPr lang="en-US" dirty="0">
-                <a:solidFill>
-                  <a:srgbClr val="000000"/>
-                </a:solidFill>
-                <a:latin typeface="Consolas" panose="020B0609020204030204" pitchFamily="49" charset="0"/>
-              </a:rPr>
-              <a:t>; </a:t>
-            </a:r>
-            <a:r>
-              <a:rPr lang="en-US" dirty="0" smtClean="0">
-                <a:solidFill>
-                  <a:srgbClr val="000000"/>
-                </a:solidFill>
+              <a:rPr lang="de-DE" dirty="0" smtClean="0">
                 <a:latin typeface="Consolas" panose="020B0609020204030204" pitchFamily="49" charset="0"/>
               </a:rPr>
               <a:t>}</a:t>
             </a:r>
             <a:endParaRPr lang="de-DE" dirty="0" smtClean="0">
-              <a:solidFill>
-                <a:srgbClr val="2B91AF"/>
-              </a:solidFill>
               <a:latin typeface="Consolas" panose="020B0609020204030204" pitchFamily="49" charset="0"/>
             </a:endParaRPr>
-          </a:p>
-          <a:p>
-            <a:r>
-              <a:rPr lang="de-DE" dirty="0" smtClean="0">
-                <a:solidFill>
-                  <a:srgbClr val="2B91AF"/>
-                </a:solidFill>
-                <a:latin typeface="Consolas" panose="020B0609020204030204" pitchFamily="49" charset="0"/>
-              </a:rPr>
-              <a:t>}</a:t>
-            </a:r>
           </a:p>
           <a:p>
             <a:endParaRPr lang="de-DE" dirty="0" smtClean="0">
@@ -11285,7 +11273,11 @@
             </a:pPr>
             <a:r>
               <a:rPr lang="de-DE" dirty="0" smtClean="0"/>
-              <a:t>Posts abrufen</a:t>
+              <a:t>Posts </a:t>
+            </a:r>
+            <a:r>
+              <a:rPr lang="de-DE" dirty="0" smtClean="0"/>
+              <a:t>abrufen</a:t>
             </a:r>
           </a:p>
           <a:p>
@@ -11296,18 +11288,11 @@
             </a:pPr>
             <a:r>
               <a:rPr lang="de-DE" dirty="0" smtClean="0"/>
-              <a:t>Registrierung und Login</a:t>
-            </a:r>
-          </a:p>
-          <a:p>
-            <a:pPr>
-              <a:lnSpc>
-                <a:spcPct val="150000"/>
-              </a:lnSpc>
-            </a:pPr>
+              <a:t>Hands-On </a:t>
+            </a:r>
             <a:r>
               <a:rPr lang="de-DE" dirty="0" smtClean="0"/>
-              <a:t>Hands-On (später):</a:t>
+              <a:t>(später):</a:t>
             </a:r>
           </a:p>
           <a:p>
@@ -11329,26 +11314,11 @@
             </a:pPr>
             <a:r>
               <a:rPr lang="de-DE" dirty="0" smtClean="0"/>
-              <a:t>Die API anbinden um Posts abzurufen</a:t>
-            </a:r>
-          </a:p>
-          <a:p>
-            <a:pPr lvl="1">
-              <a:lnSpc>
-                <a:spcPct val="150000"/>
-              </a:lnSpc>
-            </a:pPr>
+              <a:t>Die API anbinden um Posts </a:t>
+            </a:r>
             <a:r>
               <a:rPr lang="de-DE" dirty="0" smtClean="0"/>
-              <a:t>Registrierung </a:t>
-            </a:r>
-            <a:r>
-              <a:rPr lang="de-DE" dirty="0"/>
-              <a:t>und Login der API </a:t>
-            </a:r>
-            <a:r>
-              <a:rPr lang="de-DE" dirty="0" smtClean="0"/>
-              <a:t>verwenden</a:t>
+              <a:t>abzurufen</a:t>
             </a:r>
           </a:p>
           <a:p>
@@ -11977,6 +11947,43 @@
           <a:chExt cx="0" cy="0"/>
         </a:xfrm>
       </p:grpSpPr>
+      <p:pic>
+        <p:nvPicPr>
+          <p:cNvPr id="8" name="Grafik 7"/>
+          <p:cNvPicPr>
+            <a:picLocks noChangeAspect="1"/>
+          </p:cNvPicPr>
+          <p:nvPr/>
+        </p:nvPicPr>
+        <p:blipFill>
+          <a:blip r:embed="rId3">
+            <a:extLst>
+              <a:ext uri="{28A0092B-C50C-407E-A947-70E740481C1C}">
+                <a14:useLocalDpi xmlns:a14="http://schemas.microsoft.com/office/drawing/2010/main" val="0"/>
+              </a:ext>
+            </a:extLst>
+          </a:blip>
+          <a:stretch>
+            <a:fillRect/>
+          </a:stretch>
+        </p:blipFill>
+        <p:spPr>
+          <a:xfrm>
+            <a:off x="6777023" y="3897422"/>
+            <a:ext cx="2043654" cy="2043654"/>
+          </a:xfrm>
+          <a:prstGeom prst="rect">
+            <a:avLst/>
+          </a:prstGeom>
+          <a:effectLst>
+            <a:outerShdw blurRad="50800" dist="38100" dir="2700000" algn="tl" rotWithShape="0">
+              <a:prstClr val="black">
+                <a:alpha val="40000"/>
+              </a:prstClr>
+            </a:outerShdw>
+          </a:effectLst>
+        </p:spPr>
+      </p:pic>
       <p:sp>
         <p:nvSpPr>
           <p:cNvPr id="2" name="Titel 1"/>
@@ -12029,6 +12036,180 @@
           </a:p>
         </p:txBody>
       </p:sp>
+      <p:sp>
+        <p:nvSpPr>
+          <p:cNvPr id="9" name="Textfeld 8"/>
+          <p:cNvSpPr txBox="1"/>
+          <p:nvPr/>
+        </p:nvSpPr>
+        <p:spPr>
+          <a:xfrm>
+            <a:off x="587298" y="1779928"/>
+            <a:ext cx="4437616" cy="3139321"/>
+          </a:xfrm>
+          <a:prstGeom prst="rect">
+            <a:avLst/>
+          </a:prstGeom>
+          <a:noFill/>
+        </p:spPr>
+        <p:txBody>
+          <a:bodyPr wrap="square" rtlCol="0">
+            <a:spAutoFit/>
+          </a:bodyPr>
+          <a:lstStyle/>
+          <a:p>
+            <a:r>
+              <a:rPr lang="de-DE" dirty="0" smtClean="0">
+                <a:solidFill>
+                  <a:schemeClr val="accent3"/>
+                </a:solidFill>
+              </a:rPr>
+              <a:t>Kontakt:</a:t>
+            </a:r>
+          </a:p>
+          <a:p>
+            <a:endParaRPr lang="de-DE" dirty="0" smtClean="0">
+              <a:solidFill>
+                <a:schemeClr val="accent3"/>
+              </a:solidFill>
+            </a:endParaRPr>
+          </a:p>
+          <a:p>
+            <a:r>
+              <a:rPr lang="de-DE" dirty="0" smtClean="0">
+                <a:solidFill>
+                  <a:schemeClr val="accent3"/>
+                </a:solidFill>
+              </a:rPr>
+              <a:t>Constantin Petsch</a:t>
+            </a:r>
+          </a:p>
+          <a:p>
+            <a:r>
+              <a:rPr lang="de-DE" dirty="0" smtClean="0">
+                <a:hlinkClick r:id="rId4"/>
+              </a:rPr>
+              <a:t>constantin.petsch@acando.de</a:t>
+            </a:r>
+            <a:endParaRPr lang="de-DE" dirty="0" smtClean="0"/>
+          </a:p>
+          <a:p>
+            <a:endParaRPr lang="de-DE" dirty="0" smtClean="0">
+              <a:solidFill>
+                <a:schemeClr val="accent3"/>
+              </a:solidFill>
+            </a:endParaRPr>
+          </a:p>
+          <a:p>
+            <a:r>
+              <a:rPr lang="de-DE" dirty="0">
+                <a:solidFill>
+                  <a:schemeClr val="accent3"/>
+                </a:solidFill>
+              </a:rPr>
+              <a:t>Sadeq Abu </a:t>
+            </a:r>
+            <a:r>
+              <a:rPr lang="de-DE" dirty="0" smtClean="0">
+                <a:solidFill>
+                  <a:schemeClr val="accent3"/>
+                </a:solidFill>
+              </a:rPr>
+              <a:t>Hantash</a:t>
+            </a:r>
+            <a:br>
+              <a:rPr lang="de-DE" dirty="0" smtClean="0">
+                <a:solidFill>
+                  <a:schemeClr val="accent3"/>
+                </a:solidFill>
+              </a:rPr>
+            </a:br>
+            <a:r>
+              <a:rPr lang="de-DE" dirty="0" smtClean="0">
+                <a:hlinkClick r:id="rId5"/>
+              </a:rPr>
+              <a:t>sadeq.abu.hantash@acando.de</a:t>
+            </a:r>
+            <a:endParaRPr lang="de-DE" dirty="0" smtClean="0"/>
+          </a:p>
+          <a:p>
+            <a:endParaRPr lang="de-DE" dirty="0">
+              <a:solidFill>
+                <a:schemeClr val="accent3"/>
+              </a:solidFill>
+            </a:endParaRPr>
+          </a:p>
+          <a:p>
+            <a:r>
+              <a:rPr lang="de-DE" dirty="0" smtClean="0">
+                <a:solidFill>
+                  <a:schemeClr val="accent3"/>
+                </a:solidFill>
+              </a:rPr>
+              <a:t>Florian Sibinger</a:t>
+            </a:r>
+          </a:p>
+          <a:p>
+            <a:r>
+              <a:rPr lang="de-DE" dirty="0" smtClean="0">
+                <a:solidFill>
+                  <a:schemeClr val="accent3"/>
+                </a:solidFill>
+                <a:hlinkClick r:id="rId6"/>
+              </a:rPr>
+              <a:t>florian.sibinger@acando.de</a:t>
+            </a:r>
+            <a:endParaRPr lang="de-DE" dirty="0" smtClean="0">
+              <a:solidFill>
+                <a:schemeClr val="accent3"/>
+              </a:solidFill>
+            </a:endParaRPr>
+          </a:p>
+          <a:p>
+            <a:endParaRPr lang="de-DE" dirty="0">
+              <a:solidFill>
+                <a:schemeClr val="accent3"/>
+              </a:solidFill>
+            </a:endParaRPr>
+          </a:p>
+        </p:txBody>
+      </p:sp>
+      <p:pic>
+        <p:nvPicPr>
+          <p:cNvPr id="7" name="Inhaltsplatzhalter 1"/>
+          <p:cNvPicPr>
+            <a:picLocks noGrp="1"/>
+          </p:cNvPicPr>
+          <p:nvPr>
+            <p:ph idx="1"/>
+          </p:nvPr>
+        </p:nvPicPr>
+        <p:blipFill>
+          <a:blip r:embed="rId7" cstate="print">
+            <a:extLst>
+              <a:ext uri="{28A0092B-C50C-407E-A947-70E740481C1C}">
+                <a14:useLocalDpi xmlns:a14="http://schemas.microsoft.com/office/drawing/2010/main" val="0"/>
+              </a:ext>
+            </a:extLst>
+          </a:blip>
+          <a:stretch>
+            <a:fillRect/>
+          </a:stretch>
+        </p:blipFill>
+        <p:spPr>
+          <a:xfrm>
+            <a:off x="8479972" y="2347074"/>
+            <a:ext cx="2239596" cy="2005028"/>
+          </a:xfrm>
+          <a:effectLst>
+            <a:outerShdw blurRad="50800" dist="38100" dir="2700000" algn="tl" rotWithShape="0">
+              <a:prstClr val="black">
+                <a:alpha val="40000"/>
+              </a:prstClr>
+            </a:outerShdw>
+          </a:effectLst>
+        </p:spPr>
+      </p:pic>
       <p:pic>
         <p:nvPicPr>
           <p:cNvPr id="6" name="Picture 6"/>
@@ -12038,7 +12219,7 @@
           <p:nvPr/>
         </p:nvPicPr>
         <p:blipFill>
-          <a:blip r:embed="rId3">
+          <a:blip r:embed="rId8">
             <a:extLst>
               <a:ext uri="{28A0092B-C50C-407E-A947-70E740481C1C}">
                 <a14:useLocalDpi xmlns:a14="http://schemas.microsoft.com/office/drawing/2010/main" val="0"/>
@@ -12076,144 +12257,6 @@
           </a:extLst>
         </p:spPr>
       </p:pic>
-      <p:sp>
-        <p:nvSpPr>
-          <p:cNvPr id="9" name="Textfeld 8"/>
-          <p:cNvSpPr txBox="1"/>
-          <p:nvPr/>
-        </p:nvSpPr>
-        <p:spPr>
-          <a:xfrm>
-            <a:off x="587298" y="1779928"/>
-            <a:ext cx="4437616" cy="3139321"/>
-          </a:xfrm>
-          <a:prstGeom prst="rect">
-            <a:avLst/>
-          </a:prstGeom>
-          <a:noFill/>
-        </p:spPr>
-        <p:txBody>
-          <a:bodyPr wrap="square" rtlCol="0">
-            <a:spAutoFit/>
-          </a:bodyPr>
-          <a:lstStyle/>
-          <a:p>
-            <a:r>
-              <a:rPr lang="de-DE" dirty="0" smtClean="0">
-                <a:solidFill>
-                  <a:schemeClr val="accent3"/>
-                </a:solidFill>
-              </a:rPr>
-              <a:t>Kontakt:</a:t>
-            </a:r>
-          </a:p>
-          <a:p>
-            <a:endParaRPr lang="de-DE" dirty="0" smtClean="0">
-              <a:solidFill>
-                <a:schemeClr val="accent3"/>
-              </a:solidFill>
-            </a:endParaRPr>
-          </a:p>
-          <a:p>
-            <a:r>
-              <a:rPr lang="de-DE" dirty="0" smtClean="0">
-                <a:solidFill>
-                  <a:schemeClr val="accent3"/>
-                </a:solidFill>
-              </a:rPr>
-              <a:t>Constantin Petsch</a:t>
-            </a:r>
-          </a:p>
-          <a:p>
-            <a:r>
-              <a:rPr lang="de-DE" dirty="0" smtClean="0">
-                <a:hlinkClick r:id="rId4"/>
-              </a:rPr>
-              <a:t>constantin.petsch@acando.de</a:t>
-            </a:r>
-            <a:endParaRPr lang="de-DE" dirty="0" smtClean="0"/>
-          </a:p>
-          <a:p>
-            <a:endParaRPr lang="de-DE" dirty="0" smtClean="0">
-              <a:solidFill>
-                <a:schemeClr val="accent3"/>
-              </a:solidFill>
-            </a:endParaRPr>
-          </a:p>
-          <a:p>
-            <a:r>
-              <a:rPr lang="de-DE" dirty="0">
-                <a:solidFill>
-                  <a:schemeClr val="accent3"/>
-                </a:solidFill>
-              </a:rPr>
-              <a:t>Sadeq Abu </a:t>
-            </a:r>
-            <a:r>
-              <a:rPr lang="de-DE" dirty="0" smtClean="0">
-                <a:solidFill>
-                  <a:schemeClr val="accent3"/>
-                </a:solidFill>
-              </a:rPr>
-              <a:t>Hantash</a:t>
-            </a:r>
-            <a:br>
-              <a:rPr lang="de-DE" dirty="0" smtClean="0">
-                <a:solidFill>
-                  <a:schemeClr val="accent3"/>
-                </a:solidFill>
-              </a:rPr>
-            </a:br>
-            <a:r>
-              <a:rPr lang="de-DE" dirty="0" smtClean="0">
-                <a:hlinkClick r:id="rId5"/>
-              </a:rPr>
-              <a:t>sadeq.abu.hantash@acando.de</a:t>
-            </a:r>
-            <a:endParaRPr lang="de-DE" dirty="0" smtClean="0"/>
-          </a:p>
-          <a:p>
-            <a:endParaRPr lang="de-DE" dirty="0">
-              <a:solidFill>
-                <a:schemeClr val="accent3"/>
-              </a:solidFill>
-            </a:endParaRPr>
-          </a:p>
-          <a:p>
-            <a:r>
-              <a:rPr lang="de-DE" dirty="0" smtClean="0">
-                <a:solidFill>
-                  <a:schemeClr val="accent3"/>
-                </a:solidFill>
-              </a:rPr>
-              <a:t>Florian Sibinger</a:t>
-            </a:r>
-          </a:p>
-          <a:p>
-            <a:r>
-              <a:rPr lang="de-DE" dirty="0" smtClean="0">
-                <a:solidFill>
-                  <a:schemeClr val="accent3"/>
-                </a:solidFill>
-                <a:hlinkClick r:id="rId6"/>
-              </a:rPr>
-              <a:t>florian.sibinger@acando.de</a:t>
-            </a:r>
-            <a:endParaRPr lang="de-DE" dirty="0" smtClean="0">
-              <a:solidFill>
-                <a:schemeClr val="accent3"/>
-              </a:solidFill>
-            </a:endParaRPr>
-          </a:p>
-          <a:p>
-            <a:endParaRPr lang="de-DE" dirty="0">
-              <a:solidFill>
-                <a:schemeClr val="accent3"/>
-              </a:solidFill>
-            </a:endParaRPr>
-          </a:p>
-        </p:txBody>
-      </p:sp>
     </p:spTree>
     <p:extLst>
       <p:ext uri="{BB962C8B-B14F-4D97-AF65-F5344CB8AC3E}">
